--- a/Presentation/Team_3_Slides.pptx
+++ b/Presentation/Team_3_Slides.pptx
@@ -1,24 +1,24 @@
 
 <file path=ppt/presentation.xml><?xml version="1.0" encoding="utf-8"?>
-<p:presentation xmlns:a="http://schemas.openxmlformats.org/drawingml/2006/main" xmlns:r="http://schemas.openxmlformats.org/officeDocument/2006/relationships" xmlns:mc="http://schemas.openxmlformats.org/markup-compatibility/2006" xmlns:mv="urn:schemas-microsoft-com:mac:vml" xmlns:p="http://schemas.openxmlformats.org/presentationml/2006/main" xmlns:c="http://schemas.openxmlformats.org/drawingml/2006/chart" xmlns:dgm="http://schemas.openxmlformats.org/drawingml/2006/diagram" xmlns:o="urn:schemas-microsoft-com:office:office" xmlns:v="urn:schemas-microsoft-com:vml" xmlns:pvml="urn:schemas-microsoft-com:office:powerpoint" xmlns:com="http://schemas.openxmlformats.org/drawingml/2006/compatibility" xmlns:p14="http://schemas.microsoft.com/office/powerpoint/2010/main" xmlns:p15="http://schemas.microsoft.com/office/powerpoint/2012/main" xmlns:ahyp="http://schemas.microsoft.com/office/drawing/2018/hyperlinkcolor" autoCompressPictures="0" strictFirstAndLastChars="0" saveSubsetFonts="1">
+<p:presentation xmlns:a="http://schemas.openxmlformats.org/drawingml/2006/main" xmlns:r="http://schemas.openxmlformats.org/officeDocument/2006/relationships" xmlns:p="http://schemas.openxmlformats.org/presentationml/2006/main" strictFirstAndLastChars="0" saveSubsetFonts="1" autoCompressPictures="0">
   <p:sldMasterIdLst>
-    <p:sldMasterId id="2147483659" r:id="rId5"/>
+    <p:sldMasterId id="2147483659" r:id="rId1"/>
   </p:sldMasterIdLst>
   <p:notesMasterIdLst>
-    <p:notesMasterId r:id="rId6"/>
+    <p:notesMasterId r:id="rId8"/>
   </p:notesMasterIdLst>
   <p:sldIdLst>
-    <p:sldId id="256" r:id="rId7"/>
-    <p:sldId id="257" r:id="rId8"/>
-    <p:sldId id="258" r:id="rId9"/>
-    <p:sldId id="259" r:id="rId10"/>
-    <p:sldId id="260" r:id="rId11"/>
-    <p:sldId id="261" r:id="rId12"/>
+    <p:sldId id="256" r:id="rId2"/>
+    <p:sldId id="257" r:id="rId3"/>
+    <p:sldId id="258" r:id="rId4"/>
+    <p:sldId id="259" r:id="rId5"/>
+    <p:sldId id="260" r:id="rId6"/>
+    <p:sldId id="261" r:id="rId7"/>
   </p:sldIdLst>
-  <p:sldSz cy="5143500" cx="9144000"/>
+  <p:sldSz cx="9144000" cy="5143500" type="screen16x9"/>
   <p:notesSz cx="6858000" cy="9144000"/>
   <p:defaultTextStyle>
-    <a:defPPr lvl="0" marR="0" rtl="0" algn="l">
+    <a:defPPr marR="0" lvl="0" algn="l" rtl="0">
       <a:lnSpc>
         <a:spcPct val="100000"/>
       </a:lnSpc>
@@ -29,7 +29,7 @@
         <a:spcPts val="0"/>
       </a:spcAft>
     </a:defPPr>
-    <a:lvl1pPr lvl="0" marR="0" rtl="0" algn="l">
+    <a:lvl1pPr marR="0" lvl="0" algn="l" rtl="0">
       <a:lnSpc>
         <a:spcPct val="100000"/>
       </a:lnSpc>
@@ -43,7 +43,7 @@
         <a:srgbClr val="000000"/>
       </a:buClr>
       <a:buFont typeface="Arial"/>
-      <a:defRPr b="0" i="0" sz="1400" u="none" cap="none" strike="noStrike">
+      <a:defRPr sz="1400" b="0" i="0" u="none" strike="noStrike" cap="none">
         <a:solidFill>
           <a:srgbClr val="000000"/>
         </a:solidFill>
@@ -53,7 +53,7 @@
         <a:sym typeface="Arial"/>
       </a:defRPr>
     </a:lvl1pPr>
-    <a:lvl2pPr lvl="1" marR="0" rtl="0" algn="l">
+    <a:lvl2pPr marR="0" lvl="1" algn="l" rtl="0">
       <a:lnSpc>
         <a:spcPct val="100000"/>
       </a:lnSpc>
@@ -67,7 +67,7 @@
         <a:srgbClr val="000000"/>
       </a:buClr>
       <a:buFont typeface="Arial"/>
-      <a:defRPr b="0" i="0" sz="1400" u="none" cap="none" strike="noStrike">
+      <a:defRPr sz="1400" b="0" i="0" u="none" strike="noStrike" cap="none">
         <a:solidFill>
           <a:srgbClr val="000000"/>
         </a:solidFill>
@@ -77,7 +77,7 @@
         <a:sym typeface="Arial"/>
       </a:defRPr>
     </a:lvl2pPr>
-    <a:lvl3pPr lvl="2" marR="0" rtl="0" algn="l">
+    <a:lvl3pPr marR="0" lvl="2" algn="l" rtl="0">
       <a:lnSpc>
         <a:spcPct val="100000"/>
       </a:lnSpc>
@@ -91,7 +91,7 @@
         <a:srgbClr val="000000"/>
       </a:buClr>
       <a:buFont typeface="Arial"/>
-      <a:defRPr b="0" i="0" sz="1400" u="none" cap="none" strike="noStrike">
+      <a:defRPr sz="1400" b="0" i="0" u="none" strike="noStrike" cap="none">
         <a:solidFill>
           <a:srgbClr val="000000"/>
         </a:solidFill>
@@ -101,7 +101,7 @@
         <a:sym typeface="Arial"/>
       </a:defRPr>
     </a:lvl3pPr>
-    <a:lvl4pPr lvl="3" marR="0" rtl="0" algn="l">
+    <a:lvl4pPr marR="0" lvl="3" algn="l" rtl="0">
       <a:lnSpc>
         <a:spcPct val="100000"/>
       </a:lnSpc>
@@ -115,7 +115,7 @@
         <a:srgbClr val="000000"/>
       </a:buClr>
       <a:buFont typeface="Arial"/>
-      <a:defRPr b="0" i="0" sz="1400" u="none" cap="none" strike="noStrike">
+      <a:defRPr sz="1400" b="0" i="0" u="none" strike="noStrike" cap="none">
         <a:solidFill>
           <a:srgbClr val="000000"/>
         </a:solidFill>
@@ -125,7 +125,7 @@
         <a:sym typeface="Arial"/>
       </a:defRPr>
     </a:lvl4pPr>
-    <a:lvl5pPr lvl="4" marR="0" rtl="0" algn="l">
+    <a:lvl5pPr marR="0" lvl="4" algn="l" rtl="0">
       <a:lnSpc>
         <a:spcPct val="100000"/>
       </a:lnSpc>
@@ -139,7 +139,7 @@
         <a:srgbClr val="000000"/>
       </a:buClr>
       <a:buFont typeface="Arial"/>
-      <a:defRPr b="0" i="0" sz="1400" u="none" cap="none" strike="noStrike">
+      <a:defRPr sz="1400" b="0" i="0" u="none" strike="noStrike" cap="none">
         <a:solidFill>
           <a:srgbClr val="000000"/>
         </a:solidFill>
@@ -149,7 +149,7 @@
         <a:sym typeface="Arial"/>
       </a:defRPr>
     </a:lvl5pPr>
-    <a:lvl6pPr lvl="5" marR="0" rtl="0" algn="l">
+    <a:lvl6pPr marR="0" lvl="5" algn="l" rtl="0">
       <a:lnSpc>
         <a:spcPct val="100000"/>
       </a:lnSpc>
@@ -163,7 +163,7 @@
         <a:srgbClr val="000000"/>
       </a:buClr>
       <a:buFont typeface="Arial"/>
-      <a:defRPr b="0" i="0" sz="1400" u="none" cap="none" strike="noStrike">
+      <a:defRPr sz="1400" b="0" i="0" u="none" strike="noStrike" cap="none">
         <a:solidFill>
           <a:srgbClr val="000000"/>
         </a:solidFill>
@@ -173,7 +173,7 @@
         <a:sym typeface="Arial"/>
       </a:defRPr>
     </a:lvl6pPr>
-    <a:lvl7pPr lvl="6" marR="0" rtl="0" algn="l">
+    <a:lvl7pPr marR="0" lvl="6" algn="l" rtl="0">
       <a:lnSpc>
         <a:spcPct val="100000"/>
       </a:lnSpc>
@@ -187,7 +187,7 @@
         <a:srgbClr val="000000"/>
       </a:buClr>
       <a:buFont typeface="Arial"/>
-      <a:defRPr b="0" i="0" sz="1400" u="none" cap="none" strike="noStrike">
+      <a:defRPr sz="1400" b="0" i="0" u="none" strike="noStrike" cap="none">
         <a:solidFill>
           <a:srgbClr val="000000"/>
         </a:solidFill>
@@ -197,7 +197,7 @@
         <a:sym typeface="Arial"/>
       </a:defRPr>
     </a:lvl7pPr>
-    <a:lvl8pPr lvl="7" marR="0" rtl="0" algn="l">
+    <a:lvl8pPr marR="0" lvl="7" algn="l" rtl="0">
       <a:lnSpc>
         <a:spcPct val="100000"/>
       </a:lnSpc>
@@ -211,7 +211,7 @@
         <a:srgbClr val="000000"/>
       </a:buClr>
       <a:buFont typeface="Arial"/>
-      <a:defRPr b="0" i="0" sz="1400" u="none" cap="none" strike="noStrike">
+      <a:defRPr sz="1400" b="0" i="0" u="none" strike="noStrike" cap="none">
         <a:solidFill>
           <a:srgbClr val="000000"/>
         </a:solidFill>
@@ -221,7 +221,7 @@
         <a:sym typeface="Arial"/>
       </a:defRPr>
     </a:lvl8pPr>
-    <a:lvl9pPr lvl="8" marR="0" rtl="0" algn="l">
+    <a:lvl9pPr marR="0" lvl="8" algn="l" rtl="0">
       <a:lnSpc>
         <a:spcPct val="100000"/>
       </a:lnSpc>
@@ -235,7 +235,7 @@
         <a:srgbClr val="000000"/>
       </a:buClr>
       <a:buFont typeface="Arial"/>
-      <a:defRPr b="0" i="0" sz="1400" u="none" cap="none" strike="noStrike">
+      <a:defRPr sz="1400" b="0" i="0" u="none" strike="noStrike" cap="none">
         <a:solidFill>
           <a:srgbClr val="000000"/>
         </a:solidFill>
@@ -248,7 +248,7 @@
   </p:defaultTextStyle>
   <p:extLst>
     <p:ext uri="{EFAFB233-063F-42B5-8137-9DF3F51BA10A}">
-      <p15:sldGuideLst>
+      <p15:sldGuideLst xmlns:p15="http://schemas.microsoft.com/office/powerpoint/2012/main">
         <p15:guide id="1" orient="horz" pos="1620">
           <p15:clr>
             <a:srgbClr val="747775"/>
@@ -266,11 +266,16 @@
 </file>
 
 <file path=ppt/notesMasters/notesMaster1.xml><?xml version="1.0" encoding="utf-8"?>
-<p:notesMaster xmlns:a="http://schemas.openxmlformats.org/drawingml/2006/main" xmlns:r="http://schemas.openxmlformats.org/officeDocument/2006/relationships" xmlns:mc="http://schemas.openxmlformats.org/markup-compatibility/2006" xmlns:mv="urn:schemas-microsoft-com:mac:vml" xmlns:p="http://schemas.openxmlformats.org/presentationml/2006/main" xmlns:c="http://schemas.openxmlformats.org/drawingml/2006/chart" xmlns:dgm="http://schemas.openxmlformats.org/drawingml/2006/diagram" xmlns:o="urn:schemas-microsoft-com:office:office" xmlns:v="urn:schemas-microsoft-com:vml" xmlns:pvml="urn:schemas-microsoft-com:office:powerpoint" xmlns:com="http://schemas.openxmlformats.org/drawingml/2006/compatibility" xmlns:p14="http://schemas.microsoft.com/office/powerpoint/2010/main" xmlns:p15="http://schemas.microsoft.com/office/powerpoint/2012/main" xmlns:ahyp="http://schemas.microsoft.com/office/drawing/2018/hyperlinkcolor">
+<p:notesMaster xmlns:a="http://schemas.openxmlformats.org/drawingml/2006/main" xmlns:r="http://schemas.openxmlformats.org/officeDocument/2006/relationships" xmlns:p="http://schemas.openxmlformats.org/presentationml/2006/main">
   <p:cSld>
+    <p:bg>
+      <p:bgRef idx="1001">
+        <a:schemeClr val="bg1"/>
+      </p:bgRef>
+    </p:bg>
     <p:spTree>
       <p:nvGrpSpPr>
-        <p:cNvPr id="2" name="Shape 2"/>
+        <p:cNvPr id="1" name="Shape 2"/>
         <p:cNvGrpSpPr/>
         <p:nvPr/>
       </p:nvGrpSpPr>
@@ -285,9 +290,11 @@
       <p:sp>
         <p:nvSpPr>
           <p:cNvPr id="3" name="Google Shape;3;n"/>
-          <p:cNvSpPr/>
+          <p:cNvSpPr>
+            <a:spLocks noGrp="1" noRot="1" noChangeAspect="1"/>
+          </p:cNvSpPr>
           <p:nvPr>
-            <p:ph idx="2" type="sldImg"/>
+            <p:ph type="sldImg" idx="2"/>
           </p:nvPr>
         </p:nvSpPr>
         <p:spPr>
@@ -296,9 +303,13 @@
             <a:ext cx="6096075" cy="3429000"/>
           </a:xfrm>
           <a:custGeom>
-            <a:rect b="b" l="l" r="r" t="t"/>
+            <a:avLst/>
+            <a:gdLst/>
+            <a:ahLst/>
+            <a:cxnLst/>
+            <a:rect l="l" t="t" r="r" b="b"/>
             <a:pathLst>
-              <a:path extrusionOk="0" h="120000" w="120000">
+              <a:path w="120000" h="120000" extrusionOk="0">
                 <a:moveTo>
                   <a:pt x="0" y="0"/>
                 </a:moveTo>
@@ -316,23 +327,25 @@
             </a:pathLst>
           </a:custGeom>
           <a:noFill/>
-          <a:ln cap="flat" cmpd="sng" w="9525">
+          <a:ln w="9525" cap="flat" cmpd="sng">
             <a:solidFill>
               <a:srgbClr val="000000"/>
             </a:solidFill>
             <a:prstDash val="solid"/>
             <a:round/>
-            <a:headEnd len="sm" w="sm" type="none"/>
-            <a:tailEnd len="sm" w="sm" type="none"/>
+            <a:headEnd type="none" w="sm" len="sm"/>
+            <a:tailEnd type="none" w="sm" len="sm"/>
           </a:ln>
         </p:spPr>
       </p:sp>
       <p:sp>
         <p:nvSpPr>
           <p:cNvPr id="4" name="Google Shape;4;n"/>
-          <p:cNvSpPr txBox="1"/>
+          <p:cNvSpPr txBox="1">
+            <a:spLocks noGrp="1"/>
+          </p:cNvSpPr>
           <p:nvPr>
-            <p:ph idx="1" type="body"/>
+            <p:ph type="body" idx="1"/>
           </p:nvPr>
         </p:nvSpPr>
         <p:spPr>
@@ -349,11 +362,11 @@
           </a:ln>
         </p:spPr>
         <p:txBody>
-          <a:bodyPr anchorCtr="0" anchor="t" bIns="91425" lIns="91425" spcFirstLastPara="1" rIns="91425" wrap="square" tIns="91425">
+          <a:bodyPr spcFirstLastPara="1" wrap="square" lIns="91425" tIns="91425" rIns="91425" bIns="91425" anchor="t" anchorCtr="0">
             <a:noAutofit/>
           </a:bodyPr>
           <a:lstStyle>
-            <a:lvl1pPr indent="-298450" lvl="0" marL="457200">
+            <a:lvl1pPr marL="457200" lvl="0" indent="-298450">
               <a:spcBef>
                 <a:spcPts val="0"/>
               </a:spcBef>
@@ -364,7 +377,7 @@
               <a:buChar char="●"/>
               <a:defRPr sz="1100"/>
             </a:lvl1pPr>
-            <a:lvl2pPr indent="-298450" lvl="1" marL="914400">
+            <a:lvl2pPr marL="914400" lvl="1" indent="-298450">
               <a:spcBef>
                 <a:spcPts val="0"/>
               </a:spcBef>
@@ -375,7 +388,7 @@
               <a:buChar char="○"/>
               <a:defRPr sz="1100"/>
             </a:lvl2pPr>
-            <a:lvl3pPr indent="-298450" lvl="2" marL="1371600">
+            <a:lvl3pPr marL="1371600" lvl="2" indent="-298450">
               <a:spcBef>
                 <a:spcPts val="0"/>
               </a:spcBef>
@@ -386,7 +399,7 @@
               <a:buChar char="■"/>
               <a:defRPr sz="1100"/>
             </a:lvl3pPr>
-            <a:lvl4pPr indent="-298450" lvl="3" marL="1828800">
+            <a:lvl4pPr marL="1828800" lvl="3" indent="-298450">
               <a:spcBef>
                 <a:spcPts val="0"/>
               </a:spcBef>
@@ -397,7 +410,7 @@
               <a:buChar char="●"/>
               <a:defRPr sz="1100"/>
             </a:lvl4pPr>
-            <a:lvl5pPr indent="-298450" lvl="4" marL="2286000">
+            <a:lvl5pPr marL="2286000" lvl="4" indent="-298450">
               <a:spcBef>
                 <a:spcPts val="0"/>
               </a:spcBef>
@@ -408,7 +421,7 @@
               <a:buChar char="○"/>
               <a:defRPr sz="1100"/>
             </a:lvl5pPr>
-            <a:lvl6pPr indent="-298450" lvl="5" marL="2743200">
+            <a:lvl6pPr marL="2743200" lvl="5" indent="-298450">
               <a:spcBef>
                 <a:spcPts val="0"/>
               </a:spcBef>
@@ -419,7 +432,7 @@
               <a:buChar char="■"/>
               <a:defRPr sz="1100"/>
             </a:lvl6pPr>
-            <a:lvl7pPr indent="-298450" lvl="6" marL="3200400">
+            <a:lvl7pPr marL="3200400" lvl="6" indent="-298450">
               <a:spcBef>
                 <a:spcPts val="0"/>
               </a:spcBef>
@@ -430,7 +443,7 @@
               <a:buChar char="●"/>
               <a:defRPr sz="1100"/>
             </a:lvl7pPr>
-            <a:lvl8pPr indent="-298450" lvl="7" marL="3657600">
+            <a:lvl8pPr marL="3657600" lvl="7" indent="-298450">
               <a:spcBef>
                 <a:spcPts val="0"/>
               </a:spcBef>
@@ -441,7 +454,7 @@
               <a:buChar char="○"/>
               <a:defRPr sz="1100"/>
             </a:lvl8pPr>
-            <a:lvl9pPr indent="-298450" lvl="8" marL="4114800">
+            <a:lvl9pPr marL="4114800" lvl="8" indent="-298450">
               <a:spcBef>
                 <a:spcPts val="0"/>
               </a:spcBef>
@@ -453,14 +466,16 @@
               <a:defRPr sz="1100"/>
             </a:lvl9pPr>
           </a:lstStyle>
-          <a:p/>
+          <a:p>
+            <a:endParaRPr/>
+          </a:p>
         </p:txBody>
       </p:sp>
     </p:spTree>
   </p:cSld>
-  <p:clrMap accent1="accent1" accent2="accent2" accent3="accent3" accent4="accent4" accent5="accent5" accent6="accent6" bg1="lt1" bg2="dk2" tx1="dk1" tx2="lt2" folHlink="folHlink" hlink="hlink"/>
+  <p:clrMap bg1="lt1" tx1="dk1" bg2="dk2" tx2="lt2" accent1="accent1" accent2="accent2" accent3="accent3" accent4="accent4" accent5="accent5" accent6="accent6" hlink="hlink" folHlink="folHlink"/>
   <p:notesStyle>
-    <a:defPPr lvl="0" marR="0" rtl="0" algn="l">
+    <a:defPPr marR="0" lvl="0" algn="l" rtl="0">
       <a:lnSpc>
         <a:spcPct val="100000"/>
       </a:lnSpc>
@@ -471,7 +486,7 @@
         <a:spcPts val="0"/>
       </a:spcAft>
     </a:defPPr>
-    <a:lvl1pPr lvl="0" marR="0" rtl="0" algn="l">
+    <a:lvl1pPr marR="0" lvl="0" algn="l" rtl="0">
       <a:lnSpc>
         <a:spcPct val="100000"/>
       </a:lnSpc>
@@ -485,7 +500,7 @@
         <a:srgbClr val="000000"/>
       </a:buClr>
       <a:buFont typeface="Arial"/>
-      <a:defRPr b="0" i="0" sz="1400" u="none" cap="none" strike="noStrike">
+      <a:defRPr sz="1400" b="0" i="0" u="none" strike="noStrike" cap="none">
         <a:solidFill>
           <a:srgbClr val="000000"/>
         </a:solidFill>
@@ -495,7 +510,7 @@
         <a:sym typeface="Arial"/>
       </a:defRPr>
     </a:lvl1pPr>
-    <a:lvl2pPr lvl="1" marR="0" rtl="0" algn="l">
+    <a:lvl2pPr marR="0" lvl="1" algn="l" rtl="0">
       <a:lnSpc>
         <a:spcPct val="100000"/>
       </a:lnSpc>
@@ -509,7 +524,7 @@
         <a:srgbClr val="000000"/>
       </a:buClr>
       <a:buFont typeface="Arial"/>
-      <a:defRPr b="0" i="0" sz="1400" u="none" cap="none" strike="noStrike">
+      <a:defRPr sz="1400" b="0" i="0" u="none" strike="noStrike" cap="none">
         <a:solidFill>
           <a:srgbClr val="000000"/>
         </a:solidFill>
@@ -519,7 +534,7 @@
         <a:sym typeface="Arial"/>
       </a:defRPr>
     </a:lvl2pPr>
-    <a:lvl3pPr lvl="2" marR="0" rtl="0" algn="l">
+    <a:lvl3pPr marR="0" lvl="2" algn="l" rtl="0">
       <a:lnSpc>
         <a:spcPct val="100000"/>
       </a:lnSpc>
@@ -533,7 +548,7 @@
         <a:srgbClr val="000000"/>
       </a:buClr>
       <a:buFont typeface="Arial"/>
-      <a:defRPr b="0" i="0" sz="1400" u="none" cap="none" strike="noStrike">
+      <a:defRPr sz="1400" b="0" i="0" u="none" strike="noStrike" cap="none">
         <a:solidFill>
           <a:srgbClr val="000000"/>
         </a:solidFill>
@@ -543,7 +558,7 @@
         <a:sym typeface="Arial"/>
       </a:defRPr>
     </a:lvl3pPr>
-    <a:lvl4pPr lvl="3" marR="0" rtl="0" algn="l">
+    <a:lvl4pPr marR="0" lvl="3" algn="l" rtl="0">
       <a:lnSpc>
         <a:spcPct val="100000"/>
       </a:lnSpc>
@@ -557,7 +572,7 @@
         <a:srgbClr val="000000"/>
       </a:buClr>
       <a:buFont typeface="Arial"/>
-      <a:defRPr b="0" i="0" sz="1400" u="none" cap="none" strike="noStrike">
+      <a:defRPr sz="1400" b="0" i="0" u="none" strike="noStrike" cap="none">
         <a:solidFill>
           <a:srgbClr val="000000"/>
         </a:solidFill>
@@ -567,7 +582,7 @@
         <a:sym typeface="Arial"/>
       </a:defRPr>
     </a:lvl4pPr>
-    <a:lvl5pPr lvl="4" marR="0" rtl="0" algn="l">
+    <a:lvl5pPr marR="0" lvl="4" algn="l" rtl="0">
       <a:lnSpc>
         <a:spcPct val="100000"/>
       </a:lnSpc>
@@ -581,7 +596,7 @@
         <a:srgbClr val="000000"/>
       </a:buClr>
       <a:buFont typeface="Arial"/>
-      <a:defRPr b="0" i="0" sz="1400" u="none" cap="none" strike="noStrike">
+      <a:defRPr sz="1400" b="0" i="0" u="none" strike="noStrike" cap="none">
         <a:solidFill>
           <a:srgbClr val="000000"/>
         </a:solidFill>
@@ -591,7 +606,7 @@
         <a:sym typeface="Arial"/>
       </a:defRPr>
     </a:lvl5pPr>
-    <a:lvl6pPr lvl="5" marR="0" rtl="0" algn="l">
+    <a:lvl6pPr marR="0" lvl="5" algn="l" rtl="0">
       <a:lnSpc>
         <a:spcPct val="100000"/>
       </a:lnSpc>
@@ -605,7 +620,7 @@
         <a:srgbClr val="000000"/>
       </a:buClr>
       <a:buFont typeface="Arial"/>
-      <a:defRPr b="0" i="0" sz="1400" u="none" cap="none" strike="noStrike">
+      <a:defRPr sz="1400" b="0" i="0" u="none" strike="noStrike" cap="none">
         <a:solidFill>
           <a:srgbClr val="000000"/>
         </a:solidFill>
@@ -615,7 +630,7 @@
         <a:sym typeface="Arial"/>
       </a:defRPr>
     </a:lvl6pPr>
-    <a:lvl7pPr lvl="6" marR="0" rtl="0" algn="l">
+    <a:lvl7pPr marR="0" lvl="6" algn="l" rtl="0">
       <a:lnSpc>
         <a:spcPct val="100000"/>
       </a:lnSpc>
@@ -629,7 +644,7 @@
         <a:srgbClr val="000000"/>
       </a:buClr>
       <a:buFont typeface="Arial"/>
-      <a:defRPr b="0" i="0" sz="1400" u="none" cap="none" strike="noStrike">
+      <a:defRPr sz="1400" b="0" i="0" u="none" strike="noStrike" cap="none">
         <a:solidFill>
           <a:srgbClr val="000000"/>
         </a:solidFill>
@@ -639,7 +654,7 @@
         <a:sym typeface="Arial"/>
       </a:defRPr>
     </a:lvl7pPr>
-    <a:lvl8pPr lvl="7" marR="0" rtl="0" algn="l">
+    <a:lvl8pPr marR="0" lvl="7" algn="l" rtl="0">
       <a:lnSpc>
         <a:spcPct val="100000"/>
       </a:lnSpc>
@@ -653,7 +668,7 @@
         <a:srgbClr val="000000"/>
       </a:buClr>
       <a:buFont typeface="Arial"/>
-      <a:defRPr b="0" i="0" sz="1400" u="none" cap="none" strike="noStrike">
+      <a:defRPr sz="1400" b="0" i="0" u="none" strike="noStrike" cap="none">
         <a:solidFill>
           <a:srgbClr val="000000"/>
         </a:solidFill>
@@ -663,7 +678,7 @@
         <a:sym typeface="Arial"/>
       </a:defRPr>
     </a:lvl8pPr>
-    <a:lvl9pPr lvl="8" marR="0" rtl="0" algn="l">
+    <a:lvl9pPr marR="0" lvl="8" algn="l" rtl="0">
       <a:lnSpc>
         <a:spcPct val="100000"/>
       </a:lnSpc>
@@ -677,7 +692,7 @@
         <a:srgbClr val="000000"/>
       </a:buClr>
       <a:buFont typeface="Arial"/>
-      <a:defRPr b="0" i="0" sz="1400" u="none" cap="none" strike="noStrike">
+      <a:defRPr sz="1400" b="0" i="0" u="none" strike="noStrike" cap="none">
         <a:solidFill>
           <a:srgbClr val="000000"/>
         </a:solidFill>
@@ -692,11 +707,11 @@
 </file>
 
 <file path=ppt/notesSlides/notesSlide1.xml><?xml version="1.0" encoding="utf-8"?>
-<p:notes xmlns:a="http://schemas.openxmlformats.org/drawingml/2006/main" xmlns:r="http://schemas.openxmlformats.org/officeDocument/2006/relationships" xmlns:mc="http://schemas.openxmlformats.org/markup-compatibility/2006" xmlns:mv="urn:schemas-microsoft-com:mac:vml" xmlns:p="http://schemas.openxmlformats.org/presentationml/2006/main" xmlns:c="http://schemas.openxmlformats.org/drawingml/2006/chart" xmlns:dgm="http://schemas.openxmlformats.org/drawingml/2006/diagram" xmlns:o="urn:schemas-microsoft-com:office:office" xmlns:v="urn:schemas-microsoft-com:vml" xmlns:pvml="urn:schemas-microsoft-com:office:powerpoint" xmlns:com="http://schemas.openxmlformats.org/drawingml/2006/compatibility" xmlns:p14="http://schemas.microsoft.com/office/powerpoint/2010/main" xmlns:p15="http://schemas.microsoft.com/office/powerpoint/2012/main" xmlns:ahyp="http://schemas.microsoft.com/office/drawing/2018/hyperlinkcolor" showMasterPhAnim="0" showMasterSp="0">
+<p:notes xmlns:a="http://schemas.openxmlformats.org/drawingml/2006/main" xmlns:r="http://schemas.openxmlformats.org/officeDocument/2006/relationships" xmlns:p="http://schemas.openxmlformats.org/presentationml/2006/main" showMasterSp="0" showMasterPhAnim="0">
   <p:cSld>
     <p:spTree>
       <p:nvGrpSpPr>
-        <p:cNvPr id="50" name="Shape 50"/>
+        <p:cNvPr id="1" name="Shape 50"/>
         <p:cNvGrpSpPr/>
         <p:nvPr/>
       </p:nvGrpSpPr>
@@ -711,9 +726,11 @@
       <p:sp>
         <p:nvSpPr>
           <p:cNvPr id="51" name="Google Shape;51;p:notes"/>
-          <p:cNvSpPr/>
+          <p:cNvSpPr>
+            <a:spLocks noGrp="1" noRot="1" noChangeAspect="1"/>
+          </p:cNvSpPr>
           <p:nvPr>
-            <p:ph idx="2" type="sldImg"/>
+            <p:ph type="sldImg" idx="2"/>
           </p:nvPr>
         </p:nvSpPr>
         <p:spPr>
@@ -722,9 +739,13 @@
             <a:ext cx="6096075" cy="3429000"/>
           </a:xfrm>
           <a:custGeom>
-            <a:rect b="b" l="l" r="r" t="t"/>
+            <a:avLst/>
+            <a:gdLst/>
+            <a:ahLst/>
+            <a:cxnLst/>
+            <a:rect l="l" t="t" r="r" b="b"/>
             <a:pathLst>
-              <a:path extrusionOk="0" h="120000" w="120000">
+              <a:path w="120000" h="120000" extrusionOk="0">
                 <a:moveTo>
                   <a:pt x="0" y="0"/>
                 </a:moveTo>
@@ -746,9 +767,11 @@
       <p:sp>
         <p:nvSpPr>
           <p:cNvPr id="52" name="Google Shape;52;p:notes"/>
-          <p:cNvSpPr txBox="1"/>
+          <p:cNvSpPr txBox="1">
+            <a:spLocks noGrp="1"/>
+          </p:cNvSpPr>
           <p:nvPr>
-            <p:ph idx="1" type="body"/>
+            <p:ph type="body" idx="1"/>
           </p:nvPr>
         </p:nvSpPr>
         <p:spPr>
@@ -761,12 +784,12 @@
           </a:prstGeom>
         </p:spPr>
         <p:txBody>
-          <a:bodyPr anchorCtr="0" anchor="t" bIns="91425" lIns="91425" spcFirstLastPara="1" rIns="91425" wrap="square" tIns="91425">
+          <a:bodyPr spcFirstLastPara="1" wrap="square" lIns="91425" tIns="91425" rIns="91425" bIns="91425" anchor="t" anchorCtr="0">
             <a:noAutofit/>
           </a:bodyPr>
           <a:lstStyle/>
           <a:p>
-            <a:pPr indent="0" lvl="0" marL="0" rtl="0" algn="l">
+            <a:pPr marL="0" lvl="0" indent="0" algn="l" rtl="0">
               <a:spcBef>
                 <a:spcPts val="0"/>
               </a:spcBef>
@@ -775,9 +798,6 @@
               </a:spcAft>
               <a:buNone/>
             </a:pPr>
-            <a:r>
-              <a:t/>
-            </a:r>
             <a:endParaRPr/>
           </a:p>
         </p:txBody>
@@ -791,11 +811,11 @@
 </file>
 
 <file path=ppt/notesSlides/notesSlide2.xml><?xml version="1.0" encoding="utf-8"?>
-<p:notes xmlns:a="http://schemas.openxmlformats.org/drawingml/2006/main" xmlns:r="http://schemas.openxmlformats.org/officeDocument/2006/relationships" xmlns:mc="http://schemas.openxmlformats.org/markup-compatibility/2006" xmlns:mv="urn:schemas-microsoft-com:mac:vml" xmlns:p="http://schemas.openxmlformats.org/presentationml/2006/main" xmlns:c="http://schemas.openxmlformats.org/drawingml/2006/chart" xmlns:dgm="http://schemas.openxmlformats.org/drawingml/2006/diagram" xmlns:o="urn:schemas-microsoft-com:office:office" xmlns:v="urn:schemas-microsoft-com:vml" xmlns:pvml="urn:schemas-microsoft-com:office:powerpoint" xmlns:com="http://schemas.openxmlformats.org/drawingml/2006/compatibility" xmlns:p14="http://schemas.microsoft.com/office/powerpoint/2010/main" xmlns:p15="http://schemas.microsoft.com/office/powerpoint/2012/main" xmlns:ahyp="http://schemas.microsoft.com/office/drawing/2018/hyperlinkcolor" showMasterPhAnim="0" showMasterSp="0">
+<p:notes xmlns:a="http://schemas.openxmlformats.org/drawingml/2006/main" xmlns:r="http://schemas.openxmlformats.org/officeDocument/2006/relationships" xmlns:p="http://schemas.openxmlformats.org/presentationml/2006/main" showMasterSp="0" showMasterPhAnim="0">
   <p:cSld>
     <p:spTree>
       <p:nvGrpSpPr>
-        <p:cNvPr id="56" name="Shape 56"/>
+        <p:cNvPr id="1" name="Shape 56"/>
         <p:cNvGrpSpPr/>
         <p:nvPr/>
       </p:nvGrpSpPr>
@@ -810,9 +830,11 @@
       <p:sp>
         <p:nvSpPr>
           <p:cNvPr id="57" name="Google Shape;57;g324aa4e752f_0_10:notes"/>
-          <p:cNvSpPr/>
+          <p:cNvSpPr>
+            <a:spLocks noGrp="1" noRot="1" noChangeAspect="1"/>
+          </p:cNvSpPr>
           <p:nvPr>
-            <p:ph idx="2" type="sldImg"/>
+            <p:ph type="sldImg" idx="2"/>
           </p:nvPr>
         </p:nvSpPr>
         <p:spPr>
@@ -821,9 +843,13 @@
             <a:ext cx="6096000" cy="3429000"/>
           </a:xfrm>
           <a:custGeom>
-            <a:rect b="b" l="l" r="r" t="t"/>
+            <a:avLst/>
+            <a:gdLst/>
+            <a:ahLst/>
+            <a:cxnLst/>
+            <a:rect l="l" t="t" r="r" b="b"/>
             <a:pathLst>
-              <a:path extrusionOk="0" h="120000" w="120000">
+              <a:path w="120000" h="120000" extrusionOk="0">
                 <a:moveTo>
                   <a:pt x="0" y="0"/>
                 </a:moveTo>
@@ -845,9 +871,11 @@
       <p:sp>
         <p:nvSpPr>
           <p:cNvPr id="58" name="Google Shape;58;g324aa4e752f_0_10:notes"/>
-          <p:cNvSpPr txBox="1"/>
+          <p:cNvSpPr txBox="1">
+            <a:spLocks noGrp="1"/>
+          </p:cNvSpPr>
           <p:nvPr>
-            <p:ph idx="1" type="body"/>
+            <p:ph type="body" idx="1"/>
           </p:nvPr>
         </p:nvSpPr>
         <p:spPr>
@@ -860,12 +888,12 @@
           </a:prstGeom>
         </p:spPr>
         <p:txBody>
-          <a:bodyPr anchorCtr="0" anchor="t" bIns="91425" lIns="91425" spcFirstLastPara="1" rIns="91425" wrap="square" tIns="91425">
+          <a:bodyPr spcFirstLastPara="1" wrap="square" lIns="91425" tIns="91425" rIns="91425" bIns="91425" anchor="t" anchorCtr="0">
             <a:noAutofit/>
           </a:bodyPr>
           <a:lstStyle/>
           <a:p>
-            <a:pPr indent="0" lvl="0" marL="0" rtl="0" algn="l">
+            <a:pPr marL="0" lvl="0" indent="0" algn="l" rtl="0">
               <a:spcBef>
                 <a:spcPts val="0"/>
               </a:spcBef>
@@ -874,9 +902,6 @@
               </a:spcAft>
               <a:buNone/>
             </a:pPr>
-            <a:r>
-              <a:t/>
-            </a:r>
             <a:endParaRPr/>
           </a:p>
         </p:txBody>
@@ -890,11 +915,11 @@
 </file>
 
 <file path=ppt/notesSlides/notesSlide3.xml><?xml version="1.0" encoding="utf-8"?>
-<p:notes xmlns:a="http://schemas.openxmlformats.org/drawingml/2006/main" xmlns:r="http://schemas.openxmlformats.org/officeDocument/2006/relationships" xmlns:mc="http://schemas.openxmlformats.org/markup-compatibility/2006" xmlns:mv="urn:schemas-microsoft-com:mac:vml" xmlns:p="http://schemas.openxmlformats.org/presentationml/2006/main" xmlns:c="http://schemas.openxmlformats.org/drawingml/2006/chart" xmlns:dgm="http://schemas.openxmlformats.org/drawingml/2006/diagram" xmlns:o="urn:schemas-microsoft-com:office:office" xmlns:v="urn:schemas-microsoft-com:vml" xmlns:pvml="urn:schemas-microsoft-com:office:powerpoint" xmlns:com="http://schemas.openxmlformats.org/drawingml/2006/compatibility" xmlns:p14="http://schemas.microsoft.com/office/powerpoint/2010/main" xmlns:p15="http://schemas.microsoft.com/office/powerpoint/2012/main" xmlns:ahyp="http://schemas.microsoft.com/office/drawing/2018/hyperlinkcolor" showMasterPhAnim="0" showMasterSp="0">
+<p:notes xmlns:a="http://schemas.openxmlformats.org/drawingml/2006/main" xmlns:r="http://schemas.openxmlformats.org/officeDocument/2006/relationships" xmlns:p="http://schemas.openxmlformats.org/presentationml/2006/main" showMasterSp="0" showMasterPhAnim="0">
   <p:cSld>
     <p:spTree>
       <p:nvGrpSpPr>
-        <p:cNvPr id="62" name="Shape 62"/>
+        <p:cNvPr id="1" name="Shape 62"/>
         <p:cNvGrpSpPr/>
         <p:nvPr/>
       </p:nvGrpSpPr>
@@ -909,20 +934,26 @@
       <p:sp>
         <p:nvSpPr>
           <p:cNvPr id="63" name="Google Shape;63;g324aa4e752f_6_0:notes"/>
-          <p:cNvSpPr/>
+          <p:cNvSpPr>
+            <a:spLocks noGrp="1" noRot="1" noChangeAspect="1"/>
+          </p:cNvSpPr>
           <p:nvPr>
-            <p:ph idx="2" type="sldImg"/>
+            <p:ph type="sldImg" idx="2"/>
           </p:nvPr>
         </p:nvSpPr>
         <p:spPr>
           <a:xfrm>
-            <a:off x="381300" y="685800"/>
+            <a:off x="381000" y="685800"/>
             <a:ext cx="6096000" cy="3429000"/>
           </a:xfrm>
           <a:custGeom>
-            <a:rect b="b" l="l" r="r" t="t"/>
+            <a:avLst/>
+            <a:gdLst/>
+            <a:ahLst/>
+            <a:cxnLst/>
+            <a:rect l="l" t="t" r="r" b="b"/>
             <a:pathLst>
-              <a:path extrusionOk="0" h="120000" w="120000">
+              <a:path w="120000" h="120000" extrusionOk="0">
                 <a:moveTo>
                   <a:pt x="0" y="0"/>
                 </a:moveTo>
@@ -944,9 +975,11 @@
       <p:sp>
         <p:nvSpPr>
           <p:cNvPr id="64" name="Google Shape;64;g324aa4e752f_6_0:notes"/>
-          <p:cNvSpPr txBox="1"/>
+          <p:cNvSpPr txBox="1">
+            <a:spLocks noGrp="1"/>
+          </p:cNvSpPr>
           <p:nvPr>
-            <p:ph idx="1" type="body"/>
+            <p:ph type="body" idx="1"/>
           </p:nvPr>
         </p:nvSpPr>
         <p:spPr>
@@ -959,12 +992,12 @@
           </a:prstGeom>
         </p:spPr>
         <p:txBody>
-          <a:bodyPr anchorCtr="0" anchor="t" bIns="91425" lIns="91425" spcFirstLastPara="1" rIns="91425" wrap="square" tIns="91425">
+          <a:bodyPr spcFirstLastPara="1" wrap="square" lIns="91425" tIns="91425" rIns="91425" bIns="91425" anchor="t" anchorCtr="0">
             <a:noAutofit/>
           </a:bodyPr>
           <a:lstStyle/>
           <a:p>
-            <a:pPr indent="0" lvl="0" marL="0" rtl="0" algn="l">
+            <a:pPr marL="0" lvl="0" indent="0" algn="l" rtl="0">
               <a:spcBef>
                 <a:spcPts val="0"/>
               </a:spcBef>
@@ -973,9 +1006,6 @@
               </a:spcAft>
               <a:buNone/>
             </a:pPr>
-            <a:r>
-              <a:t/>
-            </a:r>
             <a:endParaRPr/>
           </a:p>
         </p:txBody>
@@ -989,11 +1019,11 @@
 </file>
 
 <file path=ppt/notesSlides/notesSlide4.xml><?xml version="1.0" encoding="utf-8"?>
-<p:notes xmlns:a="http://schemas.openxmlformats.org/drawingml/2006/main" xmlns:r="http://schemas.openxmlformats.org/officeDocument/2006/relationships" xmlns:mc="http://schemas.openxmlformats.org/markup-compatibility/2006" xmlns:mv="urn:schemas-microsoft-com:mac:vml" xmlns:p="http://schemas.openxmlformats.org/presentationml/2006/main" xmlns:c="http://schemas.openxmlformats.org/drawingml/2006/chart" xmlns:dgm="http://schemas.openxmlformats.org/drawingml/2006/diagram" xmlns:o="urn:schemas-microsoft-com:office:office" xmlns:v="urn:schemas-microsoft-com:vml" xmlns:pvml="urn:schemas-microsoft-com:office:powerpoint" xmlns:com="http://schemas.openxmlformats.org/drawingml/2006/compatibility" xmlns:p14="http://schemas.microsoft.com/office/powerpoint/2010/main" xmlns:p15="http://schemas.microsoft.com/office/powerpoint/2012/main" xmlns:ahyp="http://schemas.microsoft.com/office/drawing/2018/hyperlinkcolor" showMasterPhAnim="0" showMasterSp="0">
+<p:notes xmlns:a="http://schemas.openxmlformats.org/drawingml/2006/main" xmlns:r="http://schemas.openxmlformats.org/officeDocument/2006/relationships" xmlns:p="http://schemas.openxmlformats.org/presentationml/2006/main" showMasterSp="0" showMasterPhAnim="0">
   <p:cSld>
     <p:spTree>
       <p:nvGrpSpPr>
-        <p:cNvPr id="68" name="Shape 68"/>
+        <p:cNvPr id="1" name="Shape 68"/>
         <p:cNvGrpSpPr/>
         <p:nvPr/>
       </p:nvGrpSpPr>
@@ -1008,9 +1038,11 @@
       <p:sp>
         <p:nvSpPr>
           <p:cNvPr id="69" name="Google Shape;69;g324aa4e752f_0_15:notes"/>
-          <p:cNvSpPr/>
+          <p:cNvSpPr>
+            <a:spLocks noGrp="1" noRot="1" noChangeAspect="1"/>
+          </p:cNvSpPr>
           <p:nvPr>
-            <p:ph idx="2" type="sldImg"/>
+            <p:ph type="sldImg" idx="2"/>
           </p:nvPr>
         </p:nvSpPr>
         <p:spPr>
@@ -1019,9 +1051,13 @@
             <a:ext cx="6096000" cy="3429000"/>
           </a:xfrm>
           <a:custGeom>
-            <a:rect b="b" l="l" r="r" t="t"/>
+            <a:avLst/>
+            <a:gdLst/>
+            <a:ahLst/>
+            <a:cxnLst/>
+            <a:rect l="l" t="t" r="r" b="b"/>
             <a:pathLst>
-              <a:path extrusionOk="0" h="120000" w="120000">
+              <a:path w="120000" h="120000" extrusionOk="0">
                 <a:moveTo>
                   <a:pt x="0" y="0"/>
                 </a:moveTo>
@@ -1043,9 +1079,11 @@
       <p:sp>
         <p:nvSpPr>
           <p:cNvPr id="70" name="Google Shape;70;g324aa4e752f_0_15:notes"/>
-          <p:cNvSpPr txBox="1"/>
+          <p:cNvSpPr txBox="1">
+            <a:spLocks noGrp="1"/>
+          </p:cNvSpPr>
           <p:nvPr>
-            <p:ph idx="1" type="body"/>
+            <p:ph type="body" idx="1"/>
           </p:nvPr>
         </p:nvSpPr>
         <p:spPr>
@@ -1058,12 +1096,12 @@
           </a:prstGeom>
         </p:spPr>
         <p:txBody>
-          <a:bodyPr anchorCtr="0" anchor="t" bIns="91425" lIns="91425" spcFirstLastPara="1" rIns="91425" wrap="square" tIns="91425">
+          <a:bodyPr spcFirstLastPara="1" wrap="square" lIns="91425" tIns="91425" rIns="91425" bIns="91425" anchor="t" anchorCtr="0">
             <a:noAutofit/>
           </a:bodyPr>
           <a:lstStyle/>
           <a:p>
-            <a:pPr indent="0" lvl="0" marL="0" rtl="0" algn="l">
+            <a:pPr marL="0" lvl="0" indent="0" algn="l" rtl="0">
               <a:spcBef>
                 <a:spcPts val="0"/>
               </a:spcBef>
@@ -1072,9 +1110,6 @@
               </a:spcAft>
               <a:buNone/>
             </a:pPr>
-            <a:r>
-              <a:t/>
-            </a:r>
             <a:endParaRPr/>
           </a:p>
         </p:txBody>
@@ -1088,11 +1123,11 @@
 </file>
 
 <file path=ppt/notesSlides/notesSlide5.xml><?xml version="1.0" encoding="utf-8"?>
-<p:notes xmlns:a="http://schemas.openxmlformats.org/drawingml/2006/main" xmlns:r="http://schemas.openxmlformats.org/officeDocument/2006/relationships" xmlns:mc="http://schemas.openxmlformats.org/markup-compatibility/2006" xmlns:mv="urn:schemas-microsoft-com:mac:vml" xmlns:p="http://schemas.openxmlformats.org/presentationml/2006/main" xmlns:c="http://schemas.openxmlformats.org/drawingml/2006/chart" xmlns:dgm="http://schemas.openxmlformats.org/drawingml/2006/diagram" xmlns:o="urn:schemas-microsoft-com:office:office" xmlns:v="urn:schemas-microsoft-com:vml" xmlns:pvml="urn:schemas-microsoft-com:office:powerpoint" xmlns:com="http://schemas.openxmlformats.org/drawingml/2006/compatibility" xmlns:p14="http://schemas.microsoft.com/office/powerpoint/2010/main" xmlns:p15="http://schemas.microsoft.com/office/powerpoint/2012/main" xmlns:ahyp="http://schemas.microsoft.com/office/drawing/2018/hyperlinkcolor" showMasterPhAnim="0" showMasterSp="0">
+<p:notes xmlns:a="http://schemas.openxmlformats.org/drawingml/2006/main" xmlns:r="http://schemas.openxmlformats.org/officeDocument/2006/relationships" xmlns:p="http://schemas.openxmlformats.org/presentationml/2006/main" showMasterSp="0" showMasterPhAnim="0">
   <p:cSld>
     <p:spTree>
       <p:nvGrpSpPr>
-        <p:cNvPr id="74" name="Shape 74"/>
+        <p:cNvPr id="1" name="Shape 74"/>
         <p:cNvGrpSpPr/>
         <p:nvPr/>
       </p:nvGrpSpPr>
@@ -1107,9 +1142,11 @@
       <p:sp>
         <p:nvSpPr>
           <p:cNvPr id="75" name="Google Shape;75;g324aa4e752f_6_6:notes"/>
-          <p:cNvSpPr/>
+          <p:cNvSpPr>
+            <a:spLocks noGrp="1" noRot="1" noChangeAspect="1"/>
+          </p:cNvSpPr>
           <p:nvPr>
-            <p:ph idx="2" type="sldImg"/>
+            <p:ph type="sldImg" idx="2"/>
           </p:nvPr>
         </p:nvSpPr>
         <p:spPr>
@@ -1118,9 +1155,13 @@
             <a:ext cx="6096000" cy="3429000"/>
           </a:xfrm>
           <a:custGeom>
-            <a:rect b="b" l="l" r="r" t="t"/>
+            <a:avLst/>
+            <a:gdLst/>
+            <a:ahLst/>
+            <a:cxnLst/>
+            <a:rect l="l" t="t" r="r" b="b"/>
             <a:pathLst>
-              <a:path extrusionOk="0" h="120000" w="120000">
+              <a:path w="120000" h="120000" extrusionOk="0">
                 <a:moveTo>
                   <a:pt x="0" y="0"/>
                 </a:moveTo>
@@ -1142,9 +1183,11 @@
       <p:sp>
         <p:nvSpPr>
           <p:cNvPr id="76" name="Google Shape;76;g324aa4e752f_6_6:notes"/>
-          <p:cNvSpPr txBox="1"/>
+          <p:cNvSpPr txBox="1">
+            <a:spLocks noGrp="1"/>
+          </p:cNvSpPr>
           <p:nvPr>
-            <p:ph idx="1" type="body"/>
+            <p:ph type="body" idx="1"/>
           </p:nvPr>
         </p:nvSpPr>
         <p:spPr>
@@ -1157,12 +1200,12 @@
           </a:prstGeom>
         </p:spPr>
         <p:txBody>
-          <a:bodyPr anchorCtr="0" anchor="t" bIns="91425" lIns="91425" spcFirstLastPara="1" rIns="91425" wrap="square" tIns="91425">
+          <a:bodyPr spcFirstLastPara="1" wrap="square" lIns="91425" tIns="91425" rIns="91425" bIns="91425" anchor="t" anchorCtr="0">
             <a:noAutofit/>
           </a:bodyPr>
           <a:lstStyle/>
           <a:p>
-            <a:pPr indent="0" lvl="0" marL="0" rtl="0" algn="l">
+            <a:pPr marL="0" lvl="0" indent="0" algn="l" rtl="0">
               <a:spcBef>
                 <a:spcPts val="0"/>
               </a:spcBef>
@@ -1171,9 +1214,6 @@
               </a:spcAft>
               <a:buNone/>
             </a:pPr>
-            <a:r>
-              <a:t/>
-            </a:r>
             <a:endParaRPr/>
           </a:p>
         </p:txBody>
@@ -1187,11 +1227,11 @@
 </file>
 
 <file path=ppt/notesSlides/notesSlide6.xml><?xml version="1.0" encoding="utf-8"?>
-<p:notes xmlns:a="http://schemas.openxmlformats.org/drawingml/2006/main" xmlns:r="http://schemas.openxmlformats.org/officeDocument/2006/relationships" xmlns:mc="http://schemas.openxmlformats.org/markup-compatibility/2006" xmlns:mv="urn:schemas-microsoft-com:mac:vml" xmlns:p="http://schemas.openxmlformats.org/presentationml/2006/main" xmlns:c="http://schemas.openxmlformats.org/drawingml/2006/chart" xmlns:dgm="http://schemas.openxmlformats.org/drawingml/2006/diagram" xmlns:o="urn:schemas-microsoft-com:office:office" xmlns:v="urn:schemas-microsoft-com:vml" xmlns:pvml="urn:schemas-microsoft-com:office:powerpoint" xmlns:com="http://schemas.openxmlformats.org/drawingml/2006/compatibility" xmlns:p14="http://schemas.microsoft.com/office/powerpoint/2010/main" xmlns:p15="http://schemas.microsoft.com/office/powerpoint/2012/main" xmlns:ahyp="http://schemas.microsoft.com/office/drawing/2018/hyperlinkcolor" showMasterPhAnim="0" showMasterSp="0">
+<p:notes xmlns:a="http://schemas.openxmlformats.org/drawingml/2006/main" xmlns:r="http://schemas.openxmlformats.org/officeDocument/2006/relationships" xmlns:p="http://schemas.openxmlformats.org/presentationml/2006/main" showMasterSp="0" showMasterPhAnim="0">
   <p:cSld>
     <p:spTree>
       <p:nvGrpSpPr>
-        <p:cNvPr id="80" name="Shape 80"/>
+        <p:cNvPr id="1" name="Shape 80"/>
         <p:cNvGrpSpPr/>
         <p:nvPr/>
       </p:nvGrpSpPr>
@@ -1206,9 +1246,11 @@
       <p:sp>
         <p:nvSpPr>
           <p:cNvPr id="81" name="Google Shape;81;g324aa4e752f_0_20:notes"/>
-          <p:cNvSpPr/>
+          <p:cNvSpPr>
+            <a:spLocks noGrp="1" noRot="1" noChangeAspect="1"/>
+          </p:cNvSpPr>
           <p:nvPr>
-            <p:ph idx="2" type="sldImg"/>
+            <p:ph type="sldImg" idx="2"/>
           </p:nvPr>
         </p:nvSpPr>
         <p:spPr>
@@ -1217,9 +1259,13 @@
             <a:ext cx="6096000" cy="3429000"/>
           </a:xfrm>
           <a:custGeom>
-            <a:rect b="b" l="l" r="r" t="t"/>
+            <a:avLst/>
+            <a:gdLst/>
+            <a:ahLst/>
+            <a:cxnLst/>
+            <a:rect l="l" t="t" r="r" b="b"/>
             <a:pathLst>
-              <a:path extrusionOk="0" h="120000" w="120000">
+              <a:path w="120000" h="120000" extrusionOk="0">
                 <a:moveTo>
                   <a:pt x="0" y="0"/>
                 </a:moveTo>
@@ -1241,9 +1287,11 @@
       <p:sp>
         <p:nvSpPr>
           <p:cNvPr id="82" name="Google Shape;82;g324aa4e752f_0_20:notes"/>
-          <p:cNvSpPr txBox="1"/>
+          <p:cNvSpPr txBox="1">
+            <a:spLocks noGrp="1"/>
+          </p:cNvSpPr>
           <p:nvPr>
-            <p:ph idx="1" type="body"/>
+            <p:ph type="body" idx="1"/>
           </p:nvPr>
         </p:nvSpPr>
         <p:spPr>
@@ -1256,12 +1304,12 @@
           </a:prstGeom>
         </p:spPr>
         <p:txBody>
-          <a:bodyPr anchorCtr="0" anchor="t" bIns="91425" lIns="91425" spcFirstLastPara="1" rIns="91425" wrap="square" tIns="91425">
+          <a:bodyPr spcFirstLastPara="1" wrap="square" lIns="91425" tIns="91425" rIns="91425" bIns="91425" anchor="t" anchorCtr="0">
             <a:noAutofit/>
           </a:bodyPr>
           <a:lstStyle/>
           <a:p>
-            <a:pPr indent="0" lvl="0" marL="0" rtl="0" algn="l">
+            <a:pPr marL="0" lvl="0" indent="0" algn="l" rtl="0">
               <a:spcBef>
                 <a:spcPts val="0"/>
               </a:spcBef>
@@ -1270,9 +1318,6 @@
               </a:spcAft>
               <a:buNone/>
             </a:pPr>
-            <a:r>
-              <a:t/>
-            </a:r>
             <a:endParaRPr/>
           </a:p>
         </p:txBody>
@@ -1286,11 +1331,11 @@
 </file>
 
 <file path=ppt/slideLayouts/slideLayout1.xml><?xml version="1.0" encoding="utf-8"?>
-<p:sldLayout xmlns:a="http://schemas.openxmlformats.org/drawingml/2006/main" xmlns:r="http://schemas.openxmlformats.org/officeDocument/2006/relationships" xmlns:mc="http://schemas.openxmlformats.org/markup-compatibility/2006" xmlns:mv="urn:schemas-microsoft-com:mac:vml" xmlns:p="http://schemas.openxmlformats.org/presentationml/2006/main" xmlns:c="http://schemas.openxmlformats.org/drawingml/2006/chart" xmlns:dgm="http://schemas.openxmlformats.org/drawingml/2006/diagram" xmlns:o="urn:schemas-microsoft-com:office:office" xmlns:v="urn:schemas-microsoft-com:vml" xmlns:pvml="urn:schemas-microsoft-com:office:powerpoint" xmlns:com="http://schemas.openxmlformats.org/drawingml/2006/compatibility" xmlns:p14="http://schemas.microsoft.com/office/powerpoint/2010/main" xmlns:p15="http://schemas.microsoft.com/office/powerpoint/2012/main" xmlns:ahyp="http://schemas.microsoft.com/office/drawing/2018/hyperlinkcolor" matchingName="Title slide" type="title">
+<p:sldLayout xmlns:a="http://schemas.openxmlformats.org/drawingml/2006/main" xmlns:r="http://schemas.openxmlformats.org/officeDocument/2006/relationships" xmlns:p="http://schemas.openxmlformats.org/presentationml/2006/main" matchingName="Title slide" type="title">
   <p:cSld name="TITLE">
     <p:spTree>
       <p:nvGrpSpPr>
-        <p:cNvPr id="9" name="Shape 9"/>
+        <p:cNvPr id="1" name="Shape 9"/>
         <p:cNvGrpSpPr/>
         <p:nvPr/>
       </p:nvGrpSpPr>
@@ -1305,7 +1350,9 @@
       <p:sp>
         <p:nvSpPr>
           <p:cNvPr id="10" name="Google Shape;10;p2"/>
-          <p:cNvSpPr txBox="1"/>
+          <p:cNvSpPr txBox="1">
+            <a:spLocks noGrp="1"/>
+          </p:cNvSpPr>
           <p:nvPr>
             <p:ph type="ctrTitle"/>
           </p:nvPr>
@@ -1320,7 +1367,7 @@
           </a:prstGeom>
         </p:spPr>
         <p:txBody>
-          <a:bodyPr anchorCtr="0" anchor="b" bIns="91425" lIns="91425" spcFirstLastPara="1" rIns="91425" wrap="square" tIns="91425">
+          <a:bodyPr spcFirstLastPara="1" wrap="square" lIns="91425" tIns="91425" rIns="91425" bIns="91425" anchor="b" anchorCtr="0">
             <a:normAutofit/>
           </a:bodyPr>
           <a:lstStyle>
@@ -1424,15 +1471,19 @@
               <a:defRPr sz="5200"/>
             </a:lvl9pPr>
           </a:lstStyle>
-          <a:p/>
+          <a:p>
+            <a:endParaRPr/>
+          </a:p>
         </p:txBody>
       </p:sp>
       <p:sp>
         <p:nvSpPr>
           <p:cNvPr id="11" name="Google Shape;11;p2"/>
-          <p:cNvSpPr txBox="1"/>
+          <p:cNvSpPr txBox="1">
+            <a:spLocks noGrp="1"/>
+          </p:cNvSpPr>
           <p:nvPr>
-            <p:ph idx="1" type="subTitle"/>
+            <p:ph type="subTitle" idx="1"/>
           </p:nvPr>
         </p:nvSpPr>
         <p:spPr>
@@ -1445,7 +1496,7 @@
           </a:prstGeom>
         </p:spPr>
         <p:txBody>
-          <a:bodyPr anchorCtr="0" anchor="t" bIns="91425" lIns="91425" spcFirstLastPara="1" rIns="91425" wrap="square" tIns="91425">
+          <a:bodyPr spcFirstLastPara="1" wrap="square" lIns="91425" tIns="91425" rIns="91425" bIns="91425" anchor="t" anchorCtr="0">
             <a:normAutofit/>
           </a:bodyPr>
           <a:lstStyle>
@@ -1576,15 +1627,19 @@
               <a:defRPr sz="2800"/>
             </a:lvl9pPr>
           </a:lstStyle>
-          <a:p/>
+          <a:p>
+            <a:endParaRPr/>
+          </a:p>
         </p:txBody>
       </p:sp>
       <p:sp>
         <p:nvSpPr>
           <p:cNvPr id="12" name="Google Shape;12;p2"/>
-          <p:cNvSpPr txBox="1"/>
+          <p:cNvSpPr txBox="1">
+            <a:spLocks noGrp="1"/>
+          </p:cNvSpPr>
           <p:nvPr>
-            <p:ph idx="12" type="sldNum"/>
+            <p:ph type="sldNum" idx="12"/>
           </p:nvPr>
         </p:nvSpPr>
         <p:spPr>
@@ -1597,7 +1652,7 @@
           </a:prstGeom>
         </p:spPr>
         <p:txBody>
-          <a:bodyPr anchorCtr="0" anchor="ctr" bIns="91425" lIns="91425" spcFirstLastPara="1" rIns="91425" wrap="square" tIns="91425">
+          <a:bodyPr spcFirstLastPara="1" wrap="square" lIns="91425" tIns="91425" rIns="91425" bIns="91425" anchor="ctr" anchorCtr="0">
             <a:normAutofit/>
           </a:bodyPr>
           <a:lstStyle>
@@ -1639,7 +1694,7 @@
             </a:lvl9pPr>
           </a:lstStyle>
           <a:p>
-            <a:pPr indent="0" lvl="0" marL="0" rtl="0" algn="r">
+            <a:pPr marL="0" lvl="0" indent="0" algn="r" rtl="0">
               <a:spcBef>
                 <a:spcPts val="0"/>
               </a:spcBef>
@@ -1665,11 +1720,11 @@
 </file>
 
 <file path=ppt/slideLayouts/slideLayout10.xml><?xml version="1.0" encoding="utf-8"?>
-<p:sldLayout xmlns:a="http://schemas.openxmlformats.org/drawingml/2006/main" xmlns:r="http://schemas.openxmlformats.org/officeDocument/2006/relationships" xmlns:mc="http://schemas.openxmlformats.org/markup-compatibility/2006" xmlns:mv="urn:schemas-microsoft-com:mac:vml" xmlns:p="http://schemas.openxmlformats.org/presentationml/2006/main" xmlns:c="http://schemas.openxmlformats.org/drawingml/2006/chart" xmlns:dgm="http://schemas.openxmlformats.org/drawingml/2006/diagram" xmlns:o="urn:schemas-microsoft-com:office:office" xmlns:v="urn:schemas-microsoft-com:vml" xmlns:pvml="urn:schemas-microsoft-com:office:powerpoint" xmlns:com="http://schemas.openxmlformats.org/drawingml/2006/compatibility" xmlns:p14="http://schemas.microsoft.com/office/powerpoint/2010/main" xmlns:p15="http://schemas.microsoft.com/office/powerpoint/2012/main" xmlns:ahyp="http://schemas.microsoft.com/office/drawing/2018/hyperlinkcolor" matchingName="Big number">
+<p:sldLayout xmlns:a="http://schemas.openxmlformats.org/drawingml/2006/main" xmlns:r="http://schemas.openxmlformats.org/officeDocument/2006/relationships" xmlns:p="http://schemas.openxmlformats.org/presentationml/2006/main" matchingName="Big number">
   <p:cSld name="BIG_NUMBER">
     <p:spTree>
       <p:nvGrpSpPr>
-        <p:cNvPr id="44" name="Shape 44"/>
+        <p:cNvPr id="1" name="Shape 44"/>
         <p:cNvGrpSpPr/>
         <p:nvPr/>
       </p:nvGrpSpPr>
@@ -1684,9 +1739,11 @@
       <p:sp>
         <p:nvSpPr>
           <p:cNvPr id="45" name="Google Shape;45;p11"/>
-          <p:cNvSpPr txBox="1"/>
+          <p:cNvSpPr txBox="1">
+            <a:spLocks noGrp="1"/>
+          </p:cNvSpPr>
           <p:nvPr>
-            <p:ph hasCustomPrompt="1" type="title"/>
+            <p:ph type="title" hasCustomPrompt="1"/>
           </p:nvPr>
         </p:nvSpPr>
         <p:spPr>
@@ -1699,7 +1756,7 @@
           </a:prstGeom>
         </p:spPr>
         <p:txBody>
-          <a:bodyPr anchorCtr="0" anchor="b" bIns="91425" lIns="91425" spcFirstLastPara="1" rIns="91425" wrap="square" tIns="91425">
+          <a:bodyPr spcFirstLastPara="1" wrap="square" lIns="91425" tIns="91425" rIns="91425" bIns="91425" anchor="b" anchorCtr="0">
             <a:normAutofit/>
           </a:bodyPr>
           <a:lstStyle>
@@ -1813,9 +1870,11 @@
       <p:sp>
         <p:nvSpPr>
           <p:cNvPr id="46" name="Google Shape;46;p11"/>
-          <p:cNvSpPr txBox="1"/>
+          <p:cNvSpPr txBox="1">
+            <a:spLocks noGrp="1"/>
+          </p:cNvSpPr>
           <p:nvPr>
-            <p:ph idx="1" type="body"/>
+            <p:ph type="body" idx="1"/>
           </p:nvPr>
         </p:nvSpPr>
         <p:spPr>
@@ -1828,11 +1887,11 @@
           </a:prstGeom>
         </p:spPr>
         <p:txBody>
-          <a:bodyPr anchorCtr="0" anchor="t" bIns="91425" lIns="91425" spcFirstLastPara="1" rIns="91425" wrap="square" tIns="91425">
+          <a:bodyPr spcFirstLastPara="1" wrap="square" lIns="91425" tIns="91425" rIns="91425" bIns="91425" anchor="t" anchorCtr="0">
             <a:normAutofit/>
           </a:bodyPr>
           <a:lstStyle>
-            <a:lvl1pPr indent="-342900" lvl="0" marL="457200" algn="ctr">
+            <a:lvl1pPr marL="457200" lvl="0" indent="-342900" algn="ctr">
               <a:spcBef>
                 <a:spcPts val="0"/>
               </a:spcBef>
@@ -1843,7 +1902,7 @@
               <a:buChar char="●"/>
               <a:defRPr/>
             </a:lvl1pPr>
-            <a:lvl2pPr indent="-317500" lvl="1" marL="914400" algn="ctr">
+            <a:lvl2pPr marL="914400" lvl="1" indent="-317500" algn="ctr">
               <a:spcBef>
                 <a:spcPts val="0"/>
               </a:spcBef>
@@ -1854,7 +1913,7 @@
               <a:buChar char="○"/>
               <a:defRPr/>
             </a:lvl2pPr>
-            <a:lvl3pPr indent="-317500" lvl="2" marL="1371600" algn="ctr">
+            <a:lvl3pPr marL="1371600" lvl="2" indent="-317500" algn="ctr">
               <a:spcBef>
                 <a:spcPts val="0"/>
               </a:spcBef>
@@ -1865,7 +1924,7 @@
               <a:buChar char="■"/>
               <a:defRPr/>
             </a:lvl3pPr>
-            <a:lvl4pPr indent="-317500" lvl="3" marL="1828800" algn="ctr">
+            <a:lvl4pPr marL="1828800" lvl="3" indent="-317500" algn="ctr">
               <a:spcBef>
                 <a:spcPts val="0"/>
               </a:spcBef>
@@ -1876,7 +1935,7 @@
               <a:buChar char="●"/>
               <a:defRPr/>
             </a:lvl4pPr>
-            <a:lvl5pPr indent="-317500" lvl="4" marL="2286000" algn="ctr">
+            <a:lvl5pPr marL="2286000" lvl="4" indent="-317500" algn="ctr">
               <a:spcBef>
                 <a:spcPts val="0"/>
               </a:spcBef>
@@ -1887,7 +1946,7 @@
               <a:buChar char="○"/>
               <a:defRPr/>
             </a:lvl5pPr>
-            <a:lvl6pPr indent="-317500" lvl="5" marL="2743200" algn="ctr">
+            <a:lvl6pPr marL="2743200" lvl="5" indent="-317500" algn="ctr">
               <a:spcBef>
                 <a:spcPts val="0"/>
               </a:spcBef>
@@ -1898,7 +1957,7 @@
               <a:buChar char="■"/>
               <a:defRPr/>
             </a:lvl6pPr>
-            <a:lvl7pPr indent="-317500" lvl="6" marL="3200400" algn="ctr">
+            <a:lvl7pPr marL="3200400" lvl="6" indent="-317500" algn="ctr">
               <a:spcBef>
                 <a:spcPts val="0"/>
               </a:spcBef>
@@ -1909,7 +1968,7 @@
               <a:buChar char="●"/>
               <a:defRPr/>
             </a:lvl7pPr>
-            <a:lvl8pPr indent="-317500" lvl="7" marL="3657600" algn="ctr">
+            <a:lvl8pPr marL="3657600" lvl="7" indent="-317500" algn="ctr">
               <a:spcBef>
                 <a:spcPts val="0"/>
               </a:spcBef>
@@ -1920,7 +1979,7 @@
               <a:buChar char="○"/>
               <a:defRPr/>
             </a:lvl8pPr>
-            <a:lvl9pPr indent="-317500" lvl="8" marL="4114800" algn="ctr">
+            <a:lvl9pPr marL="4114800" lvl="8" indent="-317500" algn="ctr">
               <a:spcBef>
                 <a:spcPts val="0"/>
               </a:spcBef>
@@ -1932,15 +1991,19 @@
               <a:defRPr/>
             </a:lvl9pPr>
           </a:lstStyle>
-          <a:p/>
+          <a:p>
+            <a:endParaRPr/>
+          </a:p>
         </p:txBody>
       </p:sp>
       <p:sp>
         <p:nvSpPr>
           <p:cNvPr id="47" name="Google Shape;47;p11"/>
-          <p:cNvSpPr txBox="1"/>
+          <p:cNvSpPr txBox="1">
+            <a:spLocks noGrp="1"/>
+          </p:cNvSpPr>
           <p:nvPr>
-            <p:ph idx="12" type="sldNum"/>
+            <p:ph type="sldNum" idx="12"/>
           </p:nvPr>
         </p:nvSpPr>
         <p:spPr>
@@ -1953,7 +2016,7 @@
           </a:prstGeom>
         </p:spPr>
         <p:txBody>
-          <a:bodyPr anchorCtr="0" anchor="ctr" bIns="91425" lIns="91425" spcFirstLastPara="1" rIns="91425" wrap="square" tIns="91425">
+          <a:bodyPr spcFirstLastPara="1" wrap="square" lIns="91425" tIns="91425" rIns="91425" bIns="91425" anchor="ctr" anchorCtr="0">
             <a:normAutofit/>
           </a:bodyPr>
           <a:lstStyle>
@@ -1995,7 +2058,7 @@
             </a:lvl9pPr>
           </a:lstStyle>
           <a:p>
-            <a:pPr indent="0" lvl="0" marL="0" rtl="0" algn="r">
+            <a:pPr marL="0" lvl="0" indent="0" algn="r" rtl="0">
               <a:spcBef>
                 <a:spcPts val="0"/>
               </a:spcBef>
@@ -2021,11 +2084,11 @@
 </file>
 
 <file path=ppt/slideLayouts/slideLayout11.xml><?xml version="1.0" encoding="utf-8"?>
-<p:sldLayout xmlns:a="http://schemas.openxmlformats.org/drawingml/2006/main" xmlns:r="http://schemas.openxmlformats.org/officeDocument/2006/relationships" xmlns:mc="http://schemas.openxmlformats.org/markup-compatibility/2006" xmlns:mv="urn:schemas-microsoft-com:mac:vml" xmlns:p="http://schemas.openxmlformats.org/presentationml/2006/main" xmlns:c="http://schemas.openxmlformats.org/drawingml/2006/chart" xmlns:dgm="http://schemas.openxmlformats.org/drawingml/2006/diagram" xmlns:o="urn:schemas-microsoft-com:office:office" xmlns:v="urn:schemas-microsoft-com:vml" xmlns:pvml="urn:schemas-microsoft-com:office:powerpoint" xmlns:com="http://schemas.openxmlformats.org/drawingml/2006/compatibility" xmlns:p14="http://schemas.microsoft.com/office/powerpoint/2010/main" xmlns:p15="http://schemas.microsoft.com/office/powerpoint/2012/main" xmlns:ahyp="http://schemas.microsoft.com/office/drawing/2018/hyperlinkcolor" matchingName="Blank" type="blank">
+<p:sldLayout xmlns:a="http://schemas.openxmlformats.org/drawingml/2006/main" xmlns:r="http://schemas.openxmlformats.org/officeDocument/2006/relationships" xmlns:p="http://schemas.openxmlformats.org/presentationml/2006/main" matchingName="Blank" type="blank">
   <p:cSld name="BLANK">
     <p:spTree>
       <p:nvGrpSpPr>
-        <p:cNvPr id="48" name="Shape 48"/>
+        <p:cNvPr id="1" name="Shape 48"/>
         <p:cNvGrpSpPr/>
         <p:nvPr/>
       </p:nvGrpSpPr>
@@ -2040,9 +2103,11 @@
       <p:sp>
         <p:nvSpPr>
           <p:cNvPr id="49" name="Google Shape;49;p12"/>
-          <p:cNvSpPr txBox="1"/>
+          <p:cNvSpPr txBox="1">
+            <a:spLocks noGrp="1"/>
+          </p:cNvSpPr>
           <p:nvPr>
-            <p:ph idx="12" type="sldNum"/>
+            <p:ph type="sldNum" idx="12"/>
           </p:nvPr>
         </p:nvSpPr>
         <p:spPr>
@@ -2055,7 +2120,7 @@
           </a:prstGeom>
         </p:spPr>
         <p:txBody>
-          <a:bodyPr anchorCtr="0" anchor="ctr" bIns="91425" lIns="91425" spcFirstLastPara="1" rIns="91425" wrap="square" tIns="91425">
+          <a:bodyPr spcFirstLastPara="1" wrap="square" lIns="91425" tIns="91425" rIns="91425" bIns="91425" anchor="ctr" anchorCtr="0">
             <a:normAutofit/>
           </a:bodyPr>
           <a:lstStyle>
@@ -2097,7 +2162,7 @@
             </a:lvl9pPr>
           </a:lstStyle>
           <a:p>
-            <a:pPr indent="0" lvl="0" marL="0" rtl="0" algn="r">
+            <a:pPr marL="0" lvl="0" indent="0" algn="r" rtl="0">
               <a:spcBef>
                 <a:spcPts val="0"/>
               </a:spcBef>
@@ -2123,11 +2188,11 @@
 </file>
 
 <file path=ppt/slideLayouts/slideLayout2.xml><?xml version="1.0" encoding="utf-8"?>
-<p:sldLayout xmlns:a="http://schemas.openxmlformats.org/drawingml/2006/main" xmlns:r="http://schemas.openxmlformats.org/officeDocument/2006/relationships" xmlns:mc="http://schemas.openxmlformats.org/markup-compatibility/2006" xmlns:mv="urn:schemas-microsoft-com:mac:vml" xmlns:p="http://schemas.openxmlformats.org/presentationml/2006/main" xmlns:c="http://schemas.openxmlformats.org/drawingml/2006/chart" xmlns:dgm="http://schemas.openxmlformats.org/drawingml/2006/diagram" xmlns:o="urn:schemas-microsoft-com:office:office" xmlns:v="urn:schemas-microsoft-com:vml" xmlns:pvml="urn:schemas-microsoft-com:office:powerpoint" xmlns:com="http://schemas.openxmlformats.org/drawingml/2006/compatibility" xmlns:p14="http://schemas.microsoft.com/office/powerpoint/2010/main" xmlns:p15="http://schemas.microsoft.com/office/powerpoint/2012/main" xmlns:ahyp="http://schemas.microsoft.com/office/drawing/2018/hyperlinkcolor" matchingName="Section header" type="secHead">
+<p:sldLayout xmlns:a="http://schemas.openxmlformats.org/drawingml/2006/main" xmlns:r="http://schemas.openxmlformats.org/officeDocument/2006/relationships" xmlns:p="http://schemas.openxmlformats.org/presentationml/2006/main" matchingName="Section header" type="secHead">
   <p:cSld name="SECTION_HEADER">
     <p:spTree>
       <p:nvGrpSpPr>
-        <p:cNvPr id="13" name="Shape 13"/>
+        <p:cNvPr id="1" name="Shape 13"/>
         <p:cNvGrpSpPr/>
         <p:nvPr/>
       </p:nvGrpSpPr>
@@ -2142,7 +2207,9 @@
       <p:sp>
         <p:nvSpPr>
           <p:cNvPr id="14" name="Google Shape;14;p3"/>
-          <p:cNvSpPr txBox="1"/>
+          <p:cNvSpPr txBox="1">
+            <a:spLocks noGrp="1"/>
+          </p:cNvSpPr>
           <p:nvPr>
             <p:ph type="title"/>
           </p:nvPr>
@@ -2157,7 +2224,7 @@
           </a:prstGeom>
         </p:spPr>
         <p:txBody>
-          <a:bodyPr anchorCtr="0" anchor="ctr" bIns="91425" lIns="91425" spcFirstLastPara="1" rIns="91425" wrap="square" tIns="91425">
+          <a:bodyPr spcFirstLastPara="1" wrap="square" lIns="91425" tIns="91425" rIns="91425" bIns="91425" anchor="ctr" anchorCtr="0">
             <a:normAutofit/>
           </a:bodyPr>
           <a:lstStyle>
@@ -2261,15 +2328,19 @@
               <a:defRPr sz="3600"/>
             </a:lvl9pPr>
           </a:lstStyle>
-          <a:p/>
+          <a:p>
+            <a:endParaRPr/>
+          </a:p>
         </p:txBody>
       </p:sp>
       <p:sp>
         <p:nvSpPr>
           <p:cNvPr id="15" name="Google Shape;15;p3"/>
-          <p:cNvSpPr txBox="1"/>
+          <p:cNvSpPr txBox="1">
+            <a:spLocks noGrp="1"/>
+          </p:cNvSpPr>
           <p:nvPr>
-            <p:ph idx="12" type="sldNum"/>
+            <p:ph type="sldNum" idx="12"/>
           </p:nvPr>
         </p:nvSpPr>
         <p:spPr>
@@ -2282,7 +2353,7 @@
           </a:prstGeom>
         </p:spPr>
         <p:txBody>
-          <a:bodyPr anchorCtr="0" anchor="ctr" bIns="91425" lIns="91425" spcFirstLastPara="1" rIns="91425" wrap="square" tIns="91425">
+          <a:bodyPr spcFirstLastPara="1" wrap="square" lIns="91425" tIns="91425" rIns="91425" bIns="91425" anchor="ctr" anchorCtr="0">
             <a:normAutofit/>
           </a:bodyPr>
           <a:lstStyle>
@@ -2324,7 +2395,7 @@
             </a:lvl9pPr>
           </a:lstStyle>
           <a:p>
-            <a:pPr indent="0" lvl="0" marL="0" rtl="0" algn="r">
+            <a:pPr marL="0" lvl="0" indent="0" algn="r" rtl="0">
               <a:spcBef>
                 <a:spcPts val="0"/>
               </a:spcBef>
@@ -2350,11 +2421,11 @@
 </file>
 
 <file path=ppt/slideLayouts/slideLayout3.xml><?xml version="1.0" encoding="utf-8"?>
-<p:sldLayout xmlns:a="http://schemas.openxmlformats.org/drawingml/2006/main" xmlns:r="http://schemas.openxmlformats.org/officeDocument/2006/relationships" xmlns:mc="http://schemas.openxmlformats.org/markup-compatibility/2006" xmlns:mv="urn:schemas-microsoft-com:mac:vml" xmlns:p="http://schemas.openxmlformats.org/presentationml/2006/main" xmlns:c="http://schemas.openxmlformats.org/drawingml/2006/chart" xmlns:dgm="http://schemas.openxmlformats.org/drawingml/2006/diagram" xmlns:o="urn:schemas-microsoft-com:office:office" xmlns:v="urn:schemas-microsoft-com:vml" xmlns:pvml="urn:schemas-microsoft-com:office:powerpoint" xmlns:com="http://schemas.openxmlformats.org/drawingml/2006/compatibility" xmlns:p14="http://schemas.microsoft.com/office/powerpoint/2010/main" xmlns:p15="http://schemas.microsoft.com/office/powerpoint/2012/main" xmlns:ahyp="http://schemas.microsoft.com/office/drawing/2018/hyperlinkcolor" matchingName="Title and body" type="tx">
+<p:sldLayout xmlns:a="http://schemas.openxmlformats.org/drawingml/2006/main" xmlns:r="http://schemas.openxmlformats.org/officeDocument/2006/relationships" xmlns:p="http://schemas.openxmlformats.org/presentationml/2006/main" matchingName="Title and body" type="tx">
   <p:cSld name="TITLE_AND_BODY">
     <p:spTree>
       <p:nvGrpSpPr>
-        <p:cNvPr id="16" name="Shape 16"/>
+        <p:cNvPr id="1" name="Shape 16"/>
         <p:cNvGrpSpPr/>
         <p:nvPr/>
       </p:nvGrpSpPr>
@@ -2369,7 +2440,9 @@
       <p:sp>
         <p:nvSpPr>
           <p:cNvPr id="17" name="Google Shape;17;p4"/>
-          <p:cNvSpPr txBox="1"/>
+          <p:cNvSpPr txBox="1">
+            <a:spLocks noGrp="1"/>
+          </p:cNvSpPr>
           <p:nvPr>
             <p:ph type="title"/>
           </p:nvPr>
@@ -2384,7 +2457,7 @@
           </a:prstGeom>
         </p:spPr>
         <p:txBody>
-          <a:bodyPr anchorCtr="0" anchor="t" bIns="91425" lIns="91425" spcFirstLastPara="1" rIns="91425" wrap="square" tIns="91425">
+          <a:bodyPr spcFirstLastPara="1" wrap="square" lIns="91425" tIns="91425" rIns="91425" bIns="91425" anchor="t" anchorCtr="0">
             <a:normAutofit/>
           </a:bodyPr>
           <a:lstStyle>
@@ -2488,15 +2561,19 @@
               <a:defRPr/>
             </a:lvl9pPr>
           </a:lstStyle>
-          <a:p/>
+          <a:p>
+            <a:endParaRPr/>
+          </a:p>
         </p:txBody>
       </p:sp>
       <p:sp>
         <p:nvSpPr>
           <p:cNvPr id="18" name="Google Shape;18;p4"/>
-          <p:cNvSpPr txBox="1"/>
+          <p:cNvSpPr txBox="1">
+            <a:spLocks noGrp="1"/>
+          </p:cNvSpPr>
           <p:nvPr>
-            <p:ph idx="1" type="body"/>
+            <p:ph type="body" idx="1"/>
           </p:nvPr>
         </p:nvSpPr>
         <p:spPr>
@@ -2509,11 +2586,11 @@
           </a:prstGeom>
         </p:spPr>
         <p:txBody>
-          <a:bodyPr anchorCtr="0" anchor="t" bIns="91425" lIns="91425" spcFirstLastPara="1" rIns="91425" wrap="square" tIns="91425">
+          <a:bodyPr spcFirstLastPara="1" wrap="square" lIns="91425" tIns="91425" rIns="91425" bIns="91425" anchor="t" anchorCtr="0">
             <a:normAutofit/>
           </a:bodyPr>
           <a:lstStyle>
-            <a:lvl1pPr indent="-342900" lvl="0" marL="457200">
+            <a:lvl1pPr marL="457200" lvl="0" indent="-342900">
               <a:spcBef>
                 <a:spcPts val="0"/>
               </a:spcBef>
@@ -2524,7 +2601,7 @@
               <a:buChar char="●"/>
               <a:defRPr/>
             </a:lvl1pPr>
-            <a:lvl2pPr indent="-317500" lvl="1" marL="914400">
+            <a:lvl2pPr marL="914400" lvl="1" indent="-317500">
               <a:spcBef>
                 <a:spcPts val="0"/>
               </a:spcBef>
@@ -2535,7 +2612,7 @@
               <a:buChar char="○"/>
               <a:defRPr/>
             </a:lvl2pPr>
-            <a:lvl3pPr indent="-317500" lvl="2" marL="1371600">
+            <a:lvl3pPr marL="1371600" lvl="2" indent="-317500">
               <a:spcBef>
                 <a:spcPts val="0"/>
               </a:spcBef>
@@ -2546,7 +2623,7 @@
               <a:buChar char="■"/>
               <a:defRPr/>
             </a:lvl3pPr>
-            <a:lvl4pPr indent="-317500" lvl="3" marL="1828800">
+            <a:lvl4pPr marL="1828800" lvl="3" indent="-317500">
               <a:spcBef>
                 <a:spcPts val="0"/>
               </a:spcBef>
@@ -2557,7 +2634,7 @@
               <a:buChar char="●"/>
               <a:defRPr/>
             </a:lvl4pPr>
-            <a:lvl5pPr indent="-317500" lvl="4" marL="2286000">
+            <a:lvl5pPr marL="2286000" lvl="4" indent="-317500">
               <a:spcBef>
                 <a:spcPts val="0"/>
               </a:spcBef>
@@ -2568,7 +2645,7 @@
               <a:buChar char="○"/>
               <a:defRPr/>
             </a:lvl5pPr>
-            <a:lvl6pPr indent="-317500" lvl="5" marL="2743200">
+            <a:lvl6pPr marL="2743200" lvl="5" indent="-317500">
               <a:spcBef>
                 <a:spcPts val="0"/>
               </a:spcBef>
@@ -2579,7 +2656,7 @@
               <a:buChar char="■"/>
               <a:defRPr/>
             </a:lvl6pPr>
-            <a:lvl7pPr indent="-317500" lvl="6" marL="3200400">
+            <a:lvl7pPr marL="3200400" lvl="6" indent="-317500">
               <a:spcBef>
                 <a:spcPts val="0"/>
               </a:spcBef>
@@ -2590,7 +2667,7 @@
               <a:buChar char="●"/>
               <a:defRPr/>
             </a:lvl7pPr>
-            <a:lvl8pPr indent="-317500" lvl="7" marL="3657600">
+            <a:lvl8pPr marL="3657600" lvl="7" indent="-317500">
               <a:spcBef>
                 <a:spcPts val="0"/>
               </a:spcBef>
@@ -2601,7 +2678,7 @@
               <a:buChar char="○"/>
               <a:defRPr/>
             </a:lvl8pPr>
-            <a:lvl9pPr indent="-317500" lvl="8" marL="4114800">
+            <a:lvl9pPr marL="4114800" lvl="8" indent="-317500">
               <a:spcBef>
                 <a:spcPts val="0"/>
               </a:spcBef>
@@ -2613,15 +2690,19 @@
               <a:defRPr/>
             </a:lvl9pPr>
           </a:lstStyle>
-          <a:p/>
+          <a:p>
+            <a:endParaRPr/>
+          </a:p>
         </p:txBody>
       </p:sp>
       <p:sp>
         <p:nvSpPr>
           <p:cNvPr id="19" name="Google Shape;19;p4"/>
-          <p:cNvSpPr txBox="1"/>
+          <p:cNvSpPr txBox="1">
+            <a:spLocks noGrp="1"/>
+          </p:cNvSpPr>
           <p:nvPr>
-            <p:ph idx="12" type="sldNum"/>
+            <p:ph type="sldNum" idx="12"/>
           </p:nvPr>
         </p:nvSpPr>
         <p:spPr>
@@ -2634,7 +2715,7 @@
           </a:prstGeom>
         </p:spPr>
         <p:txBody>
-          <a:bodyPr anchorCtr="0" anchor="ctr" bIns="91425" lIns="91425" spcFirstLastPara="1" rIns="91425" wrap="square" tIns="91425">
+          <a:bodyPr spcFirstLastPara="1" wrap="square" lIns="91425" tIns="91425" rIns="91425" bIns="91425" anchor="ctr" anchorCtr="0">
             <a:normAutofit/>
           </a:bodyPr>
           <a:lstStyle>
@@ -2676,7 +2757,7 @@
             </a:lvl9pPr>
           </a:lstStyle>
           <a:p>
-            <a:pPr indent="0" lvl="0" marL="0" rtl="0" algn="r">
+            <a:pPr marL="0" lvl="0" indent="0" algn="r" rtl="0">
               <a:spcBef>
                 <a:spcPts val="0"/>
               </a:spcBef>
@@ -2702,11 +2783,11 @@
 </file>
 
 <file path=ppt/slideLayouts/slideLayout4.xml><?xml version="1.0" encoding="utf-8"?>
-<p:sldLayout xmlns:a="http://schemas.openxmlformats.org/drawingml/2006/main" xmlns:r="http://schemas.openxmlformats.org/officeDocument/2006/relationships" xmlns:mc="http://schemas.openxmlformats.org/markup-compatibility/2006" xmlns:mv="urn:schemas-microsoft-com:mac:vml" xmlns:p="http://schemas.openxmlformats.org/presentationml/2006/main" xmlns:c="http://schemas.openxmlformats.org/drawingml/2006/chart" xmlns:dgm="http://schemas.openxmlformats.org/drawingml/2006/diagram" xmlns:o="urn:schemas-microsoft-com:office:office" xmlns:v="urn:schemas-microsoft-com:vml" xmlns:pvml="urn:schemas-microsoft-com:office:powerpoint" xmlns:com="http://schemas.openxmlformats.org/drawingml/2006/compatibility" xmlns:p14="http://schemas.microsoft.com/office/powerpoint/2010/main" xmlns:p15="http://schemas.microsoft.com/office/powerpoint/2012/main" xmlns:ahyp="http://schemas.microsoft.com/office/drawing/2018/hyperlinkcolor" matchingName="Title and two columns" type="twoColTx">
+<p:sldLayout xmlns:a="http://schemas.openxmlformats.org/drawingml/2006/main" xmlns:r="http://schemas.openxmlformats.org/officeDocument/2006/relationships" xmlns:p="http://schemas.openxmlformats.org/presentationml/2006/main" matchingName="Title and two columns" type="twoColTx">
   <p:cSld name="TITLE_AND_TWO_COLUMNS">
     <p:spTree>
       <p:nvGrpSpPr>
-        <p:cNvPr id="20" name="Shape 20"/>
+        <p:cNvPr id="1" name="Shape 20"/>
         <p:cNvGrpSpPr/>
         <p:nvPr/>
       </p:nvGrpSpPr>
@@ -2721,7 +2802,9 @@
       <p:sp>
         <p:nvSpPr>
           <p:cNvPr id="21" name="Google Shape;21;p5"/>
-          <p:cNvSpPr txBox="1"/>
+          <p:cNvSpPr txBox="1">
+            <a:spLocks noGrp="1"/>
+          </p:cNvSpPr>
           <p:nvPr>
             <p:ph type="title"/>
           </p:nvPr>
@@ -2736,7 +2819,7 @@
           </a:prstGeom>
         </p:spPr>
         <p:txBody>
-          <a:bodyPr anchorCtr="0" anchor="t" bIns="91425" lIns="91425" spcFirstLastPara="1" rIns="91425" wrap="square" tIns="91425">
+          <a:bodyPr spcFirstLastPara="1" wrap="square" lIns="91425" tIns="91425" rIns="91425" bIns="91425" anchor="t" anchorCtr="0">
             <a:normAutofit/>
           </a:bodyPr>
           <a:lstStyle>
@@ -2840,15 +2923,19 @@
               <a:defRPr/>
             </a:lvl9pPr>
           </a:lstStyle>
-          <a:p/>
+          <a:p>
+            <a:endParaRPr/>
+          </a:p>
         </p:txBody>
       </p:sp>
       <p:sp>
         <p:nvSpPr>
           <p:cNvPr id="22" name="Google Shape;22;p5"/>
-          <p:cNvSpPr txBox="1"/>
+          <p:cNvSpPr txBox="1">
+            <a:spLocks noGrp="1"/>
+          </p:cNvSpPr>
           <p:nvPr>
-            <p:ph idx="1" type="body"/>
+            <p:ph type="body" idx="1"/>
           </p:nvPr>
         </p:nvSpPr>
         <p:spPr>
@@ -2861,11 +2948,11 @@
           </a:prstGeom>
         </p:spPr>
         <p:txBody>
-          <a:bodyPr anchorCtr="0" anchor="t" bIns="91425" lIns="91425" spcFirstLastPara="1" rIns="91425" wrap="square" tIns="91425">
+          <a:bodyPr spcFirstLastPara="1" wrap="square" lIns="91425" tIns="91425" rIns="91425" bIns="91425" anchor="t" anchorCtr="0">
             <a:normAutofit/>
           </a:bodyPr>
           <a:lstStyle>
-            <a:lvl1pPr indent="-317500" lvl="0" marL="457200">
+            <a:lvl1pPr marL="457200" lvl="0" indent="-317500">
               <a:spcBef>
                 <a:spcPts val="0"/>
               </a:spcBef>
@@ -2876,7 +2963,7 @@
               <a:buChar char="●"/>
               <a:defRPr sz="1400"/>
             </a:lvl1pPr>
-            <a:lvl2pPr indent="-304800" lvl="1" marL="914400">
+            <a:lvl2pPr marL="914400" lvl="1" indent="-304800">
               <a:spcBef>
                 <a:spcPts val="0"/>
               </a:spcBef>
@@ -2887,7 +2974,7 @@
               <a:buChar char="○"/>
               <a:defRPr sz="1200"/>
             </a:lvl2pPr>
-            <a:lvl3pPr indent="-304800" lvl="2" marL="1371600">
+            <a:lvl3pPr marL="1371600" lvl="2" indent="-304800">
               <a:spcBef>
                 <a:spcPts val="0"/>
               </a:spcBef>
@@ -2898,7 +2985,7 @@
               <a:buChar char="■"/>
               <a:defRPr sz="1200"/>
             </a:lvl3pPr>
-            <a:lvl4pPr indent="-304800" lvl="3" marL="1828800">
+            <a:lvl4pPr marL="1828800" lvl="3" indent="-304800">
               <a:spcBef>
                 <a:spcPts val="0"/>
               </a:spcBef>
@@ -2909,7 +2996,7 @@
               <a:buChar char="●"/>
               <a:defRPr sz="1200"/>
             </a:lvl4pPr>
-            <a:lvl5pPr indent="-304800" lvl="4" marL="2286000">
+            <a:lvl5pPr marL="2286000" lvl="4" indent="-304800">
               <a:spcBef>
                 <a:spcPts val="0"/>
               </a:spcBef>
@@ -2920,7 +3007,7 @@
               <a:buChar char="○"/>
               <a:defRPr sz="1200"/>
             </a:lvl5pPr>
-            <a:lvl6pPr indent="-304800" lvl="5" marL="2743200">
+            <a:lvl6pPr marL="2743200" lvl="5" indent="-304800">
               <a:spcBef>
                 <a:spcPts val="0"/>
               </a:spcBef>
@@ -2931,7 +3018,7 @@
               <a:buChar char="■"/>
               <a:defRPr sz="1200"/>
             </a:lvl6pPr>
-            <a:lvl7pPr indent="-304800" lvl="6" marL="3200400">
+            <a:lvl7pPr marL="3200400" lvl="6" indent="-304800">
               <a:spcBef>
                 <a:spcPts val="0"/>
               </a:spcBef>
@@ -2942,7 +3029,7 @@
               <a:buChar char="●"/>
               <a:defRPr sz="1200"/>
             </a:lvl7pPr>
-            <a:lvl8pPr indent="-304800" lvl="7" marL="3657600">
+            <a:lvl8pPr marL="3657600" lvl="7" indent="-304800">
               <a:spcBef>
                 <a:spcPts val="0"/>
               </a:spcBef>
@@ -2953,7 +3040,7 @@
               <a:buChar char="○"/>
               <a:defRPr sz="1200"/>
             </a:lvl8pPr>
-            <a:lvl9pPr indent="-304800" lvl="8" marL="4114800">
+            <a:lvl9pPr marL="4114800" lvl="8" indent="-304800">
               <a:spcBef>
                 <a:spcPts val="0"/>
               </a:spcBef>
@@ -2965,15 +3052,19 @@
               <a:defRPr sz="1200"/>
             </a:lvl9pPr>
           </a:lstStyle>
-          <a:p/>
+          <a:p>
+            <a:endParaRPr/>
+          </a:p>
         </p:txBody>
       </p:sp>
       <p:sp>
         <p:nvSpPr>
           <p:cNvPr id="23" name="Google Shape;23;p5"/>
-          <p:cNvSpPr txBox="1"/>
+          <p:cNvSpPr txBox="1">
+            <a:spLocks noGrp="1"/>
+          </p:cNvSpPr>
           <p:nvPr>
-            <p:ph idx="2" type="body"/>
+            <p:ph type="body" idx="2"/>
           </p:nvPr>
         </p:nvSpPr>
         <p:spPr>
@@ -2986,11 +3077,11 @@
           </a:prstGeom>
         </p:spPr>
         <p:txBody>
-          <a:bodyPr anchorCtr="0" anchor="t" bIns="91425" lIns="91425" spcFirstLastPara="1" rIns="91425" wrap="square" tIns="91425">
+          <a:bodyPr spcFirstLastPara="1" wrap="square" lIns="91425" tIns="91425" rIns="91425" bIns="91425" anchor="t" anchorCtr="0">
             <a:normAutofit/>
           </a:bodyPr>
           <a:lstStyle>
-            <a:lvl1pPr indent="-317500" lvl="0" marL="457200">
+            <a:lvl1pPr marL="457200" lvl="0" indent="-317500">
               <a:spcBef>
                 <a:spcPts val="0"/>
               </a:spcBef>
@@ -3001,7 +3092,7 @@
               <a:buChar char="●"/>
               <a:defRPr sz="1400"/>
             </a:lvl1pPr>
-            <a:lvl2pPr indent="-304800" lvl="1" marL="914400">
+            <a:lvl2pPr marL="914400" lvl="1" indent="-304800">
               <a:spcBef>
                 <a:spcPts val="0"/>
               </a:spcBef>
@@ -3012,7 +3103,7 @@
               <a:buChar char="○"/>
               <a:defRPr sz="1200"/>
             </a:lvl2pPr>
-            <a:lvl3pPr indent="-304800" lvl="2" marL="1371600">
+            <a:lvl3pPr marL="1371600" lvl="2" indent="-304800">
               <a:spcBef>
                 <a:spcPts val="0"/>
               </a:spcBef>
@@ -3023,7 +3114,7 @@
               <a:buChar char="■"/>
               <a:defRPr sz="1200"/>
             </a:lvl3pPr>
-            <a:lvl4pPr indent="-304800" lvl="3" marL="1828800">
+            <a:lvl4pPr marL="1828800" lvl="3" indent="-304800">
               <a:spcBef>
                 <a:spcPts val="0"/>
               </a:spcBef>
@@ -3034,7 +3125,7 @@
               <a:buChar char="●"/>
               <a:defRPr sz="1200"/>
             </a:lvl4pPr>
-            <a:lvl5pPr indent="-304800" lvl="4" marL="2286000">
+            <a:lvl5pPr marL="2286000" lvl="4" indent="-304800">
               <a:spcBef>
                 <a:spcPts val="0"/>
               </a:spcBef>
@@ -3045,7 +3136,7 @@
               <a:buChar char="○"/>
               <a:defRPr sz="1200"/>
             </a:lvl5pPr>
-            <a:lvl6pPr indent="-304800" lvl="5" marL="2743200">
+            <a:lvl6pPr marL="2743200" lvl="5" indent="-304800">
               <a:spcBef>
                 <a:spcPts val="0"/>
               </a:spcBef>
@@ -3056,7 +3147,7 @@
               <a:buChar char="■"/>
               <a:defRPr sz="1200"/>
             </a:lvl6pPr>
-            <a:lvl7pPr indent="-304800" lvl="6" marL="3200400">
+            <a:lvl7pPr marL="3200400" lvl="6" indent="-304800">
               <a:spcBef>
                 <a:spcPts val="0"/>
               </a:spcBef>
@@ -3067,7 +3158,7 @@
               <a:buChar char="●"/>
               <a:defRPr sz="1200"/>
             </a:lvl7pPr>
-            <a:lvl8pPr indent="-304800" lvl="7" marL="3657600">
+            <a:lvl8pPr marL="3657600" lvl="7" indent="-304800">
               <a:spcBef>
                 <a:spcPts val="0"/>
               </a:spcBef>
@@ -3078,7 +3169,7 @@
               <a:buChar char="○"/>
               <a:defRPr sz="1200"/>
             </a:lvl8pPr>
-            <a:lvl9pPr indent="-304800" lvl="8" marL="4114800">
+            <a:lvl9pPr marL="4114800" lvl="8" indent="-304800">
               <a:spcBef>
                 <a:spcPts val="0"/>
               </a:spcBef>
@@ -3090,15 +3181,19 @@
               <a:defRPr sz="1200"/>
             </a:lvl9pPr>
           </a:lstStyle>
-          <a:p/>
+          <a:p>
+            <a:endParaRPr/>
+          </a:p>
         </p:txBody>
       </p:sp>
       <p:sp>
         <p:nvSpPr>
           <p:cNvPr id="24" name="Google Shape;24;p5"/>
-          <p:cNvSpPr txBox="1"/>
+          <p:cNvSpPr txBox="1">
+            <a:spLocks noGrp="1"/>
+          </p:cNvSpPr>
           <p:nvPr>
-            <p:ph idx="12" type="sldNum"/>
+            <p:ph type="sldNum" idx="12"/>
           </p:nvPr>
         </p:nvSpPr>
         <p:spPr>
@@ -3111,7 +3206,7 @@
           </a:prstGeom>
         </p:spPr>
         <p:txBody>
-          <a:bodyPr anchorCtr="0" anchor="ctr" bIns="91425" lIns="91425" spcFirstLastPara="1" rIns="91425" wrap="square" tIns="91425">
+          <a:bodyPr spcFirstLastPara="1" wrap="square" lIns="91425" tIns="91425" rIns="91425" bIns="91425" anchor="ctr" anchorCtr="0">
             <a:normAutofit/>
           </a:bodyPr>
           <a:lstStyle>
@@ -3153,7 +3248,7 @@
             </a:lvl9pPr>
           </a:lstStyle>
           <a:p>
-            <a:pPr indent="0" lvl="0" marL="0" rtl="0" algn="r">
+            <a:pPr marL="0" lvl="0" indent="0" algn="r" rtl="0">
               <a:spcBef>
                 <a:spcPts val="0"/>
               </a:spcBef>
@@ -3179,11 +3274,11 @@
 </file>
 
 <file path=ppt/slideLayouts/slideLayout5.xml><?xml version="1.0" encoding="utf-8"?>
-<p:sldLayout xmlns:a="http://schemas.openxmlformats.org/drawingml/2006/main" xmlns:r="http://schemas.openxmlformats.org/officeDocument/2006/relationships" xmlns:mc="http://schemas.openxmlformats.org/markup-compatibility/2006" xmlns:mv="urn:schemas-microsoft-com:mac:vml" xmlns:p="http://schemas.openxmlformats.org/presentationml/2006/main" xmlns:c="http://schemas.openxmlformats.org/drawingml/2006/chart" xmlns:dgm="http://schemas.openxmlformats.org/drawingml/2006/diagram" xmlns:o="urn:schemas-microsoft-com:office:office" xmlns:v="urn:schemas-microsoft-com:vml" xmlns:pvml="urn:schemas-microsoft-com:office:powerpoint" xmlns:com="http://schemas.openxmlformats.org/drawingml/2006/compatibility" xmlns:p14="http://schemas.microsoft.com/office/powerpoint/2010/main" xmlns:p15="http://schemas.microsoft.com/office/powerpoint/2012/main" xmlns:ahyp="http://schemas.microsoft.com/office/drawing/2018/hyperlinkcolor" matchingName="Title only" type="titleOnly">
+<p:sldLayout xmlns:a="http://schemas.openxmlformats.org/drawingml/2006/main" xmlns:r="http://schemas.openxmlformats.org/officeDocument/2006/relationships" xmlns:p="http://schemas.openxmlformats.org/presentationml/2006/main" matchingName="Title only" type="titleOnly">
   <p:cSld name="TITLE_ONLY">
     <p:spTree>
       <p:nvGrpSpPr>
-        <p:cNvPr id="25" name="Shape 25"/>
+        <p:cNvPr id="1" name="Shape 25"/>
         <p:cNvGrpSpPr/>
         <p:nvPr/>
       </p:nvGrpSpPr>
@@ -3198,7 +3293,9 @@
       <p:sp>
         <p:nvSpPr>
           <p:cNvPr id="26" name="Google Shape;26;p6"/>
-          <p:cNvSpPr txBox="1"/>
+          <p:cNvSpPr txBox="1">
+            <a:spLocks noGrp="1"/>
+          </p:cNvSpPr>
           <p:nvPr>
             <p:ph type="title"/>
           </p:nvPr>
@@ -3213,7 +3310,7 @@
           </a:prstGeom>
         </p:spPr>
         <p:txBody>
-          <a:bodyPr anchorCtr="0" anchor="t" bIns="91425" lIns="91425" spcFirstLastPara="1" rIns="91425" wrap="square" tIns="91425">
+          <a:bodyPr spcFirstLastPara="1" wrap="square" lIns="91425" tIns="91425" rIns="91425" bIns="91425" anchor="t" anchorCtr="0">
             <a:normAutofit/>
           </a:bodyPr>
           <a:lstStyle>
@@ -3317,15 +3414,19 @@
               <a:defRPr/>
             </a:lvl9pPr>
           </a:lstStyle>
-          <a:p/>
+          <a:p>
+            <a:endParaRPr/>
+          </a:p>
         </p:txBody>
       </p:sp>
       <p:sp>
         <p:nvSpPr>
           <p:cNvPr id="27" name="Google Shape;27;p6"/>
-          <p:cNvSpPr txBox="1"/>
+          <p:cNvSpPr txBox="1">
+            <a:spLocks noGrp="1"/>
+          </p:cNvSpPr>
           <p:nvPr>
-            <p:ph idx="12" type="sldNum"/>
+            <p:ph type="sldNum" idx="12"/>
           </p:nvPr>
         </p:nvSpPr>
         <p:spPr>
@@ -3338,7 +3439,7 @@
           </a:prstGeom>
         </p:spPr>
         <p:txBody>
-          <a:bodyPr anchorCtr="0" anchor="ctr" bIns="91425" lIns="91425" spcFirstLastPara="1" rIns="91425" wrap="square" tIns="91425">
+          <a:bodyPr spcFirstLastPara="1" wrap="square" lIns="91425" tIns="91425" rIns="91425" bIns="91425" anchor="ctr" anchorCtr="0">
             <a:normAutofit/>
           </a:bodyPr>
           <a:lstStyle>
@@ -3380,7 +3481,7 @@
             </a:lvl9pPr>
           </a:lstStyle>
           <a:p>
-            <a:pPr indent="0" lvl="0" marL="0" rtl="0" algn="r">
+            <a:pPr marL="0" lvl="0" indent="0" algn="r" rtl="0">
               <a:spcBef>
                 <a:spcPts val="0"/>
               </a:spcBef>
@@ -3406,11 +3507,11 @@
 </file>
 
 <file path=ppt/slideLayouts/slideLayout6.xml><?xml version="1.0" encoding="utf-8"?>
-<p:sldLayout xmlns:a="http://schemas.openxmlformats.org/drawingml/2006/main" xmlns:r="http://schemas.openxmlformats.org/officeDocument/2006/relationships" xmlns:mc="http://schemas.openxmlformats.org/markup-compatibility/2006" xmlns:mv="urn:schemas-microsoft-com:mac:vml" xmlns:p="http://schemas.openxmlformats.org/presentationml/2006/main" xmlns:c="http://schemas.openxmlformats.org/drawingml/2006/chart" xmlns:dgm="http://schemas.openxmlformats.org/drawingml/2006/diagram" xmlns:o="urn:schemas-microsoft-com:office:office" xmlns:v="urn:schemas-microsoft-com:vml" xmlns:pvml="urn:schemas-microsoft-com:office:powerpoint" xmlns:com="http://schemas.openxmlformats.org/drawingml/2006/compatibility" xmlns:p14="http://schemas.microsoft.com/office/powerpoint/2010/main" xmlns:p15="http://schemas.microsoft.com/office/powerpoint/2012/main" xmlns:ahyp="http://schemas.microsoft.com/office/drawing/2018/hyperlinkcolor" matchingName="One column text">
+<p:sldLayout xmlns:a="http://schemas.openxmlformats.org/drawingml/2006/main" xmlns:r="http://schemas.openxmlformats.org/officeDocument/2006/relationships" xmlns:p="http://schemas.openxmlformats.org/presentationml/2006/main" matchingName="One column text">
   <p:cSld name="ONE_COLUMN_TEXT">
     <p:spTree>
       <p:nvGrpSpPr>
-        <p:cNvPr id="28" name="Shape 28"/>
+        <p:cNvPr id="1" name="Shape 28"/>
         <p:cNvGrpSpPr/>
         <p:nvPr/>
       </p:nvGrpSpPr>
@@ -3425,7 +3526,9 @@
       <p:sp>
         <p:nvSpPr>
           <p:cNvPr id="29" name="Google Shape;29;p7"/>
-          <p:cNvSpPr txBox="1"/>
+          <p:cNvSpPr txBox="1">
+            <a:spLocks noGrp="1"/>
+          </p:cNvSpPr>
           <p:nvPr>
             <p:ph type="title"/>
           </p:nvPr>
@@ -3440,7 +3543,7 @@
           </a:prstGeom>
         </p:spPr>
         <p:txBody>
-          <a:bodyPr anchorCtr="0" anchor="b" bIns="91425" lIns="91425" spcFirstLastPara="1" rIns="91425" wrap="square" tIns="91425">
+          <a:bodyPr spcFirstLastPara="1" wrap="square" lIns="91425" tIns="91425" rIns="91425" bIns="91425" anchor="b" anchorCtr="0">
             <a:normAutofit/>
           </a:bodyPr>
           <a:lstStyle>
@@ -3544,15 +3647,19 @@
               <a:defRPr sz="2400"/>
             </a:lvl9pPr>
           </a:lstStyle>
-          <a:p/>
+          <a:p>
+            <a:endParaRPr/>
+          </a:p>
         </p:txBody>
       </p:sp>
       <p:sp>
         <p:nvSpPr>
           <p:cNvPr id="30" name="Google Shape;30;p7"/>
-          <p:cNvSpPr txBox="1"/>
+          <p:cNvSpPr txBox="1">
+            <a:spLocks noGrp="1"/>
+          </p:cNvSpPr>
           <p:nvPr>
-            <p:ph idx="1" type="body"/>
+            <p:ph type="body" idx="1"/>
           </p:nvPr>
         </p:nvSpPr>
         <p:spPr>
@@ -3565,11 +3672,11 @@
           </a:prstGeom>
         </p:spPr>
         <p:txBody>
-          <a:bodyPr anchorCtr="0" anchor="t" bIns="91425" lIns="91425" spcFirstLastPara="1" rIns="91425" wrap="square" tIns="91425">
+          <a:bodyPr spcFirstLastPara="1" wrap="square" lIns="91425" tIns="91425" rIns="91425" bIns="91425" anchor="t" anchorCtr="0">
             <a:normAutofit/>
           </a:bodyPr>
           <a:lstStyle>
-            <a:lvl1pPr indent="-304800" lvl="0" marL="457200">
+            <a:lvl1pPr marL="457200" lvl="0" indent="-304800">
               <a:spcBef>
                 <a:spcPts val="0"/>
               </a:spcBef>
@@ -3580,7 +3687,7 @@
               <a:buChar char="●"/>
               <a:defRPr sz="1200"/>
             </a:lvl1pPr>
-            <a:lvl2pPr indent="-304800" lvl="1" marL="914400">
+            <a:lvl2pPr marL="914400" lvl="1" indent="-304800">
               <a:spcBef>
                 <a:spcPts val="0"/>
               </a:spcBef>
@@ -3591,7 +3698,7 @@
               <a:buChar char="○"/>
               <a:defRPr sz="1200"/>
             </a:lvl2pPr>
-            <a:lvl3pPr indent="-304800" lvl="2" marL="1371600">
+            <a:lvl3pPr marL="1371600" lvl="2" indent="-304800">
               <a:spcBef>
                 <a:spcPts val="0"/>
               </a:spcBef>
@@ -3602,7 +3709,7 @@
               <a:buChar char="■"/>
               <a:defRPr sz="1200"/>
             </a:lvl3pPr>
-            <a:lvl4pPr indent="-304800" lvl="3" marL="1828800">
+            <a:lvl4pPr marL="1828800" lvl="3" indent="-304800">
               <a:spcBef>
                 <a:spcPts val="0"/>
               </a:spcBef>
@@ -3613,7 +3720,7 @@
               <a:buChar char="●"/>
               <a:defRPr sz="1200"/>
             </a:lvl4pPr>
-            <a:lvl5pPr indent="-304800" lvl="4" marL="2286000">
+            <a:lvl5pPr marL="2286000" lvl="4" indent="-304800">
               <a:spcBef>
                 <a:spcPts val="0"/>
               </a:spcBef>
@@ -3624,7 +3731,7 @@
               <a:buChar char="○"/>
               <a:defRPr sz="1200"/>
             </a:lvl5pPr>
-            <a:lvl6pPr indent="-304800" lvl="5" marL="2743200">
+            <a:lvl6pPr marL="2743200" lvl="5" indent="-304800">
               <a:spcBef>
                 <a:spcPts val="0"/>
               </a:spcBef>
@@ -3635,7 +3742,7 @@
               <a:buChar char="■"/>
               <a:defRPr sz="1200"/>
             </a:lvl6pPr>
-            <a:lvl7pPr indent="-304800" lvl="6" marL="3200400">
+            <a:lvl7pPr marL="3200400" lvl="6" indent="-304800">
               <a:spcBef>
                 <a:spcPts val="0"/>
               </a:spcBef>
@@ -3646,7 +3753,7 @@
               <a:buChar char="●"/>
               <a:defRPr sz="1200"/>
             </a:lvl7pPr>
-            <a:lvl8pPr indent="-304800" lvl="7" marL="3657600">
+            <a:lvl8pPr marL="3657600" lvl="7" indent="-304800">
               <a:spcBef>
                 <a:spcPts val="0"/>
               </a:spcBef>
@@ -3657,7 +3764,7 @@
               <a:buChar char="○"/>
               <a:defRPr sz="1200"/>
             </a:lvl8pPr>
-            <a:lvl9pPr indent="-304800" lvl="8" marL="4114800">
+            <a:lvl9pPr marL="4114800" lvl="8" indent="-304800">
               <a:spcBef>
                 <a:spcPts val="0"/>
               </a:spcBef>
@@ -3669,15 +3776,19 @@
               <a:defRPr sz="1200"/>
             </a:lvl9pPr>
           </a:lstStyle>
-          <a:p/>
+          <a:p>
+            <a:endParaRPr/>
+          </a:p>
         </p:txBody>
       </p:sp>
       <p:sp>
         <p:nvSpPr>
           <p:cNvPr id="31" name="Google Shape;31;p7"/>
-          <p:cNvSpPr txBox="1"/>
+          <p:cNvSpPr txBox="1">
+            <a:spLocks noGrp="1"/>
+          </p:cNvSpPr>
           <p:nvPr>
-            <p:ph idx="12" type="sldNum"/>
+            <p:ph type="sldNum" idx="12"/>
           </p:nvPr>
         </p:nvSpPr>
         <p:spPr>
@@ -3690,7 +3801,7 @@
           </a:prstGeom>
         </p:spPr>
         <p:txBody>
-          <a:bodyPr anchorCtr="0" anchor="ctr" bIns="91425" lIns="91425" spcFirstLastPara="1" rIns="91425" wrap="square" tIns="91425">
+          <a:bodyPr spcFirstLastPara="1" wrap="square" lIns="91425" tIns="91425" rIns="91425" bIns="91425" anchor="ctr" anchorCtr="0">
             <a:normAutofit/>
           </a:bodyPr>
           <a:lstStyle>
@@ -3732,7 +3843,7 @@
             </a:lvl9pPr>
           </a:lstStyle>
           <a:p>
-            <a:pPr indent="0" lvl="0" marL="0" rtl="0" algn="r">
+            <a:pPr marL="0" lvl="0" indent="0" algn="r" rtl="0">
               <a:spcBef>
                 <a:spcPts val="0"/>
               </a:spcBef>
@@ -3758,11 +3869,11 @@
 </file>
 
 <file path=ppt/slideLayouts/slideLayout7.xml><?xml version="1.0" encoding="utf-8"?>
-<p:sldLayout xmlns:a="http://schemas.openxmlformats.org/drawingml/2006/main" xmlns:r="http://schemas.openxmlformats.org/officeDocument/2006/relationships" xmlns:mc="http://schemas.openxmlformats.org/markup-compatibility/2006" xmlns:mv="urn:schemas-microsoft-com:mac:vml" xmlns:p="http://schemas.openxmlformats.org/presentationml/2006/main" xmlns:c="http://schemas.openxmlformats.org/drawingml/2006/chart" xmlns:dgm="http://schemas.openxmlformats.org/drawingml/2006/diagram" xmlns:o="urn:schemas-microsoft-com:office:office" xmlns:v="urn:schemas-microsoft-com:vml" xmlns:pvml="urn:schemas-microsoft-com:office:powerpoint" xmlns:com="http://schemas.openxmlformats.org/drawingml/2006/compatibility" xmlns:p14="http://schemas.microsoft.com/office/powerpoint/2010/main" xmlns:p15="http://schemas.microsoft.com/office/powerpoint/2012/main" xmlns:ahyp="http://schemas.microsoft.com/office/drawing/2018/hyperlinkcolor" matchingName="Main point">
+<p:sldLayout xmlns:a="http://schemas.openxmlformats.org/drawingml/2006/main" xmlns:r="http://schemas.openxmlformats.org/officeDocument/2006/relationships" xmlns:p="http://schemas.openxmlformats.org/presentationml/2006/main" matchingName="Main point">
   <p:cSld name="MAIN_POINT">
     <p:spTree>
       <p:nvGrpSpPr>
-        <p:cNvPr id="32" name="Shape 32"/>
+        <p:cNvPr id="1" name="Shape 32"/>
         <p:cNvGrpSpPr/>
         <p:nvPr/>
       </p:nvGrpSpPr>
@@ -3777,7 +3888,9 @@
       <p:sp>
         <p:nvSpPr>
           <p:cNvPr id="33" name="Google Shape;33;p8"/>
-          <p:cNvSpPr txBox="1"/>
+          <p:cNvSpPr txBox="1">
+            <a:spLocks noGrp="1"/>
+          </p:cNvSpPr>
           <p:nvPr>
             <p:ph type="title"/>
           </p:nvPr>
@@ -3792,7 +3905,7 @@
           </a:prstGeom>
         </p:spPr>
         <p:txBody>
-          <a:bodyPr anchorCtr="0" anchor="ctr" bIns="91425" lIns="91425" spcFirstLastPara="1" rIns="91425" wrap="square" tIns="91425">
+          <a:bodyPr spcFirstLastPara="1" wrap="square" lIns="91425" tIns="91425" rIns="91425" bIns="91425" anchor="ctr" anchorCtr="0">
             <a:normAutofit/>
           </a:bodyPr>
           <a:lstStyle>
@@ -3896,15 +4009,19 @@
               <a:defRPr sz="4800"/>
             </a:lvl9pPr>
           </a:lstStyle>
-          <a:p/>
+          <a:p>
+            <a:endParaRPr/>
+          </a:p>
         </p:txBody>
       </p:sp>
       <p:sp>
         <p:nvSpPr>
           <p:cNvPr id="34" name="Google Shape;34;p8"/>
-          <p:cNvSpPr txBox="1"/>
+          <p:cNvSpPr txBox="1">
+            <a:spLocks noGrp="1"/>
+          </p:cNvSpPr>
           <p:nvPr>
-            <p:ph idx="12" type="sldNum"/>
+            <p:ph type="sldNum" idx="12"/>
           </p:nvPr>
         </p:nvSpPr>
         <p:spPr>
@@ -3917,7 +4034,7 @@
           </a:prstGeom>
         </p:spPr>
         <p:txBody>
-          <a:bodyPr anchorCtr="0" anchor="ctr" bIns="91425" lIns="91425" spcFirstLastPara="1" rIns="91425" wrap="square" tIns="91425">
+          <a:bodyPr spcFirstLastPara="1" wrap="square" lIns="91425" tIns="91425" rIns="91425" bIns="91425" anchor="ctr" anchorCtr="0">
             <a:normAutofit/>
           </a:bodyPr>
           <a:lstStyle>
@@ -3959,7 +4076,7 @@
             </a:lvl9pPr>
           </a:lstStyle>
           <a:p>
-            <a:pPr indent="0" lvl="0" marL="0" rtl="0" algn="r">
+            <a:pPr marL="0" lvl="0" indent="0" algn="r" rtl="0">
               <a:spcBef>
                 <a:spcPts val="0"/>
               </a:spcBef>
@@ -3985,11 +4102,11 @@
 </file>
 
 <file path=ppt/slideLayouts/slideLayout8.xml><?xml version="1.0" encoding="utf-8"?>
-<p:sldLayout xmlns:a="http://schemas.openxmlformats.org/drawingml/2006/main" xmlns:r="http://schemas.openxmlformats.org/officeDocument/2006/relationships" xmlns:mc="http://schemas.openxmlformats.org/markup-compatibility/2006" xmlns:mv="urn:schemas-microsoft-com:mac:vml" xmlns:p="http://schemas.openxmlformats.org/presentationml/2006/main" xmlns:c="http://schemas.openxmlformats.org/drawingml/2006/chart" xmlns:dgm="http://schemas.openxmlformats.org/drawingml/2006/diagram" xmlns:o="urn:schemas-microsoft-com:office:office" xmlns:v="urn:schemas-microsoft-com:vml" xmlns:pvml="urn:schemas-microsoft-com:office:powerpoint" xmlns:com="http://schemas.openxmlformats.org/drawingml/2006/compatibility" xmlns:p14="http://schemas.microsoft.com/office/powerpoint/2010/main" xmlns:p15="http://schemas.microsoft.com/office/powerpoint/2012/main" xmlns:ahyp="http://schemas.microsoft.com/office/drawing/2018/hyperlinkcolor" matchingName="Section title and description">
+<p:sldLayout xmlns:a="http://schemas.openxmlformats.org/drawingml/2006/main" xmlns:r="http://schemas.openxmlformats.org/officeDocument/2006/relationships" xmlns:p="http://schemas.openxmlformats.org/presentationml/2006/main" matchingName="Section title and description">
   <p:cSld name="SECTION_TITLE_AND_DESCRIPTION">
     <p:spTree>
       <p:nvGrpSpPr>
-        <p:cNvPr id="35" name="Shape 35"/>
+        <p:cNvPr id="1" name="Shape 35"/>
         <p:cNvGrpSpPr/>
         <p:nvPr/>
       </p:nvGrpSpPr>
@@ -4023,12 +4140,12 @@
           </a:ln>
         </p:spPr>
         <p:txBody>
-          <a:bodyPr anchorCtr="0" anchor="ctr" bIns="91425" lIns="91425" spcFirstLastPara="1" rIns="91425" wrap="square" tIns="91425">
+          <a:bodyPr spcFirstLastPara="1" wrap="square" lIns="91425" tIns="91425" rIns="91425" bIns="91425" anchor="ctr" anchorCtr="0">
             <a:noAutofit/>
           </a:bodyPr>
           <a:lstStyle/>
           <a:p>
-            <a:pPr indent="0" lvl="0" marL="0" rtl="0" algn="l">
+            <a:pPr marL="0" lvl="0" indent="0" algn="l" rtl="0">
               <a:spcBef>
                 <a:spcPts val="0"/>
               </a:spcBef>
@@ -4037,9 +4154,6 @@
               </a:spcAft>
               <a:buNone/>
             </a:pPr>
-            <a:r>
-              <a:t/>
-            </a:r>
             <a:endParaRPr/>
           </a:p>
         </p:txBody>
@@ -4047,7 +4161,9 @@
       <p:sp>
         <p:nvSpPr>
           <p:cNvPr id="37" name="Google Shape;37;p9"/>
-          <p:cNvSpPr txBox="1"/>
+          <p:cNvSpPr txBox="1">
+            <a:spLocks noGrp="1"/>
+          </p:cNvSpPr>
           <p:nvPr>
             <p:ph type="title"/>
           </p:nvPr>
@@ -4062,7 +4178,7 @@
           </a:prstGeom>
         </p:spPr>
         <p:txBody>
-          <a:bodyPr anchorCtr="0" anchor="b" bIns="91425" lIns="91425" spcFirstLastPara="1" rIns="91425" wrap="square" tIns="91425">
+          <a:bodyPr spcFirstLastPara="1" wrap="square" lIns="91425" tIns="91425" rIns="91425" bIns="91425" anchor="b" anchorCtr="0">
             <a:normAutofit/>
           </a:bodyPr>
           <a:lstStyle>
@@ -4166,15 +4282,19 @@
               <a:defRPr sz="4200"/>
             </a:lvl9pPr>
           </a:lstStyle>
-          <a:p/>
+          <a:p>
+            <a:endParaRPr/>
+          </a:p>
         </p:txBody>
       </p:sp>
       <p:sp>
         <p:nvSpPr>
           <p:cNvPr id="38" name="Google Shape;38;p9"/>
-          <p:cNvSpPr txBox="1"/>
+          <p:cNvSpPr txBox="1">
+            <a:spLocks noGrp="1"/>
+          </p:cNvSpPr>
           <p:nvPr>
-            <p:ph idx="1" type="subTitle"/>
+            <p:ph type="subTitle" idx="1"/>
           </p:nvPr>
         </p:nvSpPr>
         <p:spPr>
@@ -4187,7 +4307,7 @@
           </a:prstGeom>
         </p:spPr>
         <p:txBody>
-          <a:bodyPr anchorCtr="0" anchor="t" bIns="91425" lIns="91425" spcFirstLastPara="1" rIns="91425" wrap="square" tIns="91425">
+          <a:bodyPr spcFirstLastPara="1" wrap="square" lIns="91425" tIns="91425" rIns="91425" bIns="91425" anchor="t" anchorCtr="0">
             <a:normAutofit/>
           </a:bodyPr>
           <a:lstStyle>
@@ -4318,15 +4438,19 @@
               <a:defRPr sz="2100"/>
             </a:lvl9pPr>
           </a:lstStyle>
-          <a:p/>
+          <a:p>
+            <a:endParaRPr/>
+          </a:p>
         </p:txBody>
       </p:sp>
       <p:sp>
         <p:nvSpPr>
           <p:cNvPr id="39" name="Google Shape;39;p9"/>
-          <p:cNvSpPr txBox="1"/>
+          <p:cNvSpPr txBox="1">
+            <a:spLocks noGrp="1"/>
+          </p:cNvSpPr>
           <p:nvPr>
-            <p:ph idx="2" type="body"/>
+            <p:ph type="body" idx="2"/>
           </p:nvPr>
         </p:nvSpPr>
         <p:spPr>
@@ -4339,11 +4463,11 @@
           </a:prstGeom>
         </p:spPr>
         <p:txBody>
-          <a:bodyPr anchorCtr="0" anchor="ctr" bIns="91425" lIns="91425" spcFirstLastPara="1" rIns="91425" wrap="square" tIns="91425">
+          <a:bodyPr spcFirstLastPara="1" wrap="square" lIns="91425" tIns="91425" rIns="91425" bIns="91425" anchor="ctr" anchorCtr="0">
             <a:normAutofit/>
           </a:bodyPr>
           <a:lstStyle>
-            <a:lvl1pPr indent="-342900" lvl="0" marL="457200">
+            <a:lvl1pPr marL="457200" lvl="0" indent="-342900">
               <a:spcBef>
                 <a:spcPts val="0"/>
               </a:spcBef>
@@ -4354,7 +4478,7 @@
               <a:buChar char="●"/>
               <a:defRPr/>
             </a:lvl1pPr>
-            <a:lvl2pPr indent="-317500" lvl="1" marL="914400">
+            <a:lvl2pPr marL="914400" lvl="1" indent="-317500">
               <a:spcBef>
                 <a:spcPts val="0"/>
               </a:spcBef>
@@ -4365,7 +4489,7 @@
               <a:buChar char="○"/>
               <a:defRPr/>
             </a:lvl2pPr>
-            <a:lvl3pPr indent="-317500" lvl="2" marL="1371600">
+            <a:lvl3pPr marL="1371600" lvl="2" indent="-317500">
               <a:spcBef>
                 <a:spcPts val="0"/>
               </a:spcBef>
@@ -4376,7 +4500,7 @@
               <a:buChar char="■"/>
               <a:defRPr/>
             </a:lvl3pPr>
-            <a:lvl4pPr indent="-317500" lvl="3" marL="1828800">
+            <a:lvl4pPr marL="1828800" lvl="3" indent="-317500">
               <a:spcBef>
                 <a:spcPts val="0"/>
               </a:spcBef>
@@ -4387,7 +4511,7 @@
               <a:buChar char="●"/>
               <a:defRPr/>
             </a:lvl4pPr>
-            <a:lvl5pPr indent="-317500" lvl="4" marL="2286000">
+            <a:lvl5pPr marL="2286000" lvl="4" indent="-317500">
               <a:spcBef>
                 <a:spcPts val="0"/>
               </a:spcBef>
@@ -4398,7 +4522,7 @@
               <a:buChar char="○"/>
               <a:defRPr/>
             </a:lvl5pPr>
-            <a:lvl6pPr indent="-317500" lvl="5" marL="2743200">
+            <a:lvl6pPr marL="2743200" lvl="5" indent="-317500">
               <a:spcBef>
                 <a:spcPts val="0"/>
               </a:spcBef>
@@ -4409,7 +4533,7 @@
               <a:buChar char="■"/>
               <a:defRPr/>
             </a:lvl6pPr>
-            <a:lvl7pPr indent="-317500" lvl="6" marL="3200400">
+            <a:lvl7pPr marL="3200400" lvl="6" indent="-317500">
               <a:spcBef>
                 <a:spcPts val="0"/>
               </a:spcBef>
@@ -4420,7 +4544,7 @@
               <a:buChar char="●"/>
               <a:defRPr/>
             </a:lvl7pPr>
-            <a:lvl8pPr indent="-317500" lvl="7" marL="3657600">
+            <a:lvl8pPr marL="3657600" lvl="7" indent="-317500">
               <a:spcBef>
                 <a:spcPts val="0"/>
               </a:spcBef>
@@ -4431,7 +4555,7 @@
               <a:buChar char="○"/>
               <a:defRPr/>
             </a:lvl8pPr>
-            <a:lvl9pPr indent="-317500" lvl="8" marL="4114800">
+            <a:lvl9pPr marL="4114800" lvl="8" indent="-317500">
               <a:spcBef>
                 <a:spcPts val="0"/>
               </a:spcBef>
@@ -4443,15 +4567,19 @@
               <a:defRPr/>
             </a:lvl9pPr>
           </a:lstStyle>
-          <a:p/>
+          <a:p>
+            <a:endParaRPr/>
+          </a:p>
         </p:txBody>
       </p:sp>
       <p:sp>
         <p:nvSpPr>
           <p:cNvPr id="40" name="Google Shape;40;p9"/>
-          <p:cNvSpPr txBox="1"/>
+          <p:cNvSpPr txBox="1">
+            <a:spLocks noGrp="1"/>
+          </p:cNvSpPr>
           <p:nvPr>
-            <p:ph idx="12" type="sldNum"/>
+            <p:ph type="sldNum" idx="12"/>
           </p:nvPr>
         </p:nvSpPr>
         <p:spPr>
@@ -4464,7 +4592,7 @@
           </a:prstGeom>
         </p:spPr>
         <p:txBody>
-          <a:bodyPr anchorCtr="0" anchor="ctr" bIns="91425" lIns="91425" spcFirstLastPara="1" rIns="91425" wrap="square" tIns="91425">
+          <a:bodyPr spcFirstLastPara="1" wrap="square" lIns="91425" tIns="91425" rIns="91425" bIns="91425" anchor="ctr" anchorCtr="0">
             <a:normAutofit/>
           </a:bodyPr>
           <a:lstStyle>
@@ -4506,7 +4634,7 @@
             </a:lvl9pPr>
           </a:lstStyle>
           <a:p>
-            <a:pPr indent="0" lvl="0" marL="0" rtl="0" algn="r">
+            <a:pPr marL="0" lvl="0" indent="0" algn="r" rtl="0">
               <a:spcBef>
                 <a:spcPts val="0"/>
               </a:spcBef>
@@ -4532,11 +4660,11 @@
 </file>
 
 <file path=ppt/slideLayouts/slideLayout9.xml><?xml version="1.0" encoding="utf-8"?>
-<p:sldLayout xmlns:a="http://schemas.openxmlformats.org/drawingml/2006/main" xmlns:r="http://schemas.openxmlformats.org/officeDocument/2006/relationships" xmlns:mc="http://schemas.openxmlformats.org/markup-compatibility/2006" xmlns:mv="urn:schemas-microsoft-com:mac:vml" xmlns:p="http://schemas.openxmlformats.org/presentationml/2006/main" xmlns:c="http://schemas.openxmlformats.org/drawingml/2006/chart" xmlns:dgm="http://schemas.openxmlformats.org/drawingml/2006/diagram" xmlns:o="urn:schemas-microsoft-com:office:office" xmlns:v="urn:schemas-microsoft-com:vml" xmlns:pvml="urn:schemas-microsoft-com:office:powerpoint" xmlns:com="http://schemas.openxmlformats.org/drawingml/2006/compatibility" xmlns:p14="http://schemas.microsoft.com/office/powerpoint/2010/main" xmlns:p15="http://schemas.microsoft.com/office/powerpoint/2012/main" xmlns:ahyp="http://schemas.microsoft.com/office/drawing/2018/hyperlinkcolor" matchingName="Caption">
+<p:sldLayout xmlns:a="http://schemas.openxmlformats.org/drawingml/2006/main" xmlns:r="http://schemas.openxmlformats.org/officeDocument/2006/relationships" xmlns:p="http://schemas.openxmlformats.org/presentationml/2006/main" matchingName="Caption">
   <p:cSld name="CAPTION_ONLY">
     <p:spTree>
       <p:nvGrpSpPr>
-        <p:cNvPr id="41" name="Shape 41"/>
+        <p:cNvPr id="1" name="Shape 41"/>
         <p:cNvGrpSpPr/>
         <p:nvPr/>
       </p:nvGrpSpPr>
@@ -4551,9 +4679,11 @@
       <p:sp>
         <p:nvSpPr>
           <p:cNvPr id="42" name="Google Shape;42;p10"/>
-          <p:cNvSpPr txBox="1"/>
+          <p:cNvSpPr txBox="1">
+            <a:spLocks noGrp="1"/>
+          </p:cNvSpPr>
           <p:nvPr>
-            <p:ph idx="1" type="body"/>
+            <p:ph type="body" idx="1"/>
           </p:nvPr>
         </p:nvSpPr>
         <p:spPr>
@@ -4566,11 +4696,11 @@
           </a:prstGeom>
         </p:spPr>
         <p:txBody>
-          <a:bodyPr anchorCtr="0" anchor="ctr" bIns="91425" lIns="91425" spcFirstLastPara="1" rIns="91425" wrap="square" tIns="91425">
+          <a:bodyPr spcFirstLastPara="1" wrap="square" lIns="91425" tIns="91425" rIns="91425" bIns="91425" anchor="ctr" anchorCtr="0">
             <a:normAutofit/>
           </a:bodyPr>
           <a:lstStyle>
-            <a:lvl1pPr indent="-228600" lvl="0" marL="457200">
+            <a:lvl1pPr marL="457200" lvl="0" indent="-228600">
               <a:lnSpc>
                 <a:spcPct val="100000"/>
               </a:lnSpc>
@@ -4585,15 +4715,19 @@
               <a:defRPr/>
             </a:lvl1pPr>
           </a:lstStyle>
-          <a:p/>
+          <a:p>
+            <a:endParaRPr/>
+          </a:p>
         </p:txBody>
       </p:sp>
       <p:sp>
         <p:nvSpPr>
           <p:cNvPr id="43" name="Google Shape;43;p10"/>
-          <p:cNvSpPr txBox="1"/>
+          <p:cNvSpPr txBox="1">
+            <a:spLocks noGrp="1"/>
+          </p:cNvSpPr>
           <p:nvPr>
-            <p:ph idx="12" type="sldNum"/>
+            <p:ph type="sldNum" idx="12"/>
           </p:nvPr>
         </p:nvSpPr>
         <p:spPr>
@@ -4606,7 +4740,7 @@
           </a:prstGeom>
         </p:spPr>
         <p:txBody>
-          <a:bodyPr anchorCtr="0" anchor="ctr" bIns="91425" lIns="91425" spcFirstLastPara="1" rIns="91425" wrap="square" tIns="91425">
+          <a:bodyPr spcFirstLastPara="1" wrap="square" lIns="91425" tIns="91425" rIns="91425" bIns="91425" anchor="ctr" anchorCtr="0">
             <a:normAutofit/>
           </a:bodyPr>
           <a:lstStyle>
@@ -4648,7 +4782,7 @@
             </a:lvl9pPr>
           </a:lstStyle>
           <a:p>
-            <a:pPr indent="0" lvl="0" marL="0" rtl="0" algn="r">
+            <a:pPr marL="0" lvl="0" indent="0" algn="r" rtl="0">
               <a:spcBef>
                 <a:spcPts val="0"/>
               </a:spcBef>
@@ -4674,18 +4808,19 @@
 </file>
 
 <file path=ppt/slideMasters/slideMaster1.xml><?xml version="1.0" encoding="utf-8"?>
-<p:sldMaster xmlns:a="http://schemas.openxmlformats.org/drawingml/2006/main" xmlns:r="http://schemas.openxmlformats.org/officeDocument/2006/relationships" xmlns:mc="http://schemas.openxmlformats.org/markup-compatibility/2006" xmlns:mv="urn:schemas-microsoft-com:mac:vml" xmlns:p="http://schemas.openxmlformats.org/presentationml/2006/main" xmlns:c="http://schemas.openxmlformats.org/drawingml/2006/chart" xmlns:dgm="http://schemas.openxmlformats.org/drawingml/2006/diagram" xmlns:o="urn:schemas-microsoft-com:office:office" xmlns:v="urn:schemas-microsoft-com:vml" xmlns:pvml="urn:schemas-microsoft-com:office:powerpoint" xmlns:com="http://schemas.openxmlformats.org/drawingml/2006/compatibility" xmlns:p14="http://schemas.microsoft.com/office/powerpoint/2010/main" xmlns:p15="http://schemas.microsoft.com/office/powerpoint/2012/main" xmlns:ahyp="http://schemas.microsoft.com/office/drawing/2018/hyperlinkcolor">
+<p:sldMaster xmlns:a="http://schemas.openxmlformats.org/drawingml/2006/main" xmlns:r="http://schemas.openxmlformats.org/officeDocument/2006/relationships" xmlns:p="http://schemas.openxmlformats.org/presentationml/2006/main">
   <p:cSld name="simple-light-2">
     <p:bg>
       <p:bgPr>
         <a:solidFill>
           <a:schemeClr val="lt1"/>
         </a:solidFill>
+        <a:effectLst/>
       </p:bgPr>
     </p:bg>
     <p:spTree>
       <p:nvGrpSpPr>
-        <p:cNvPr id="5" name="Shape 5"/>
+        <p:cNvPr id="1" name="Shape 5"/>
         <p:cNvGrpSpPr/>
         <p:nvPr/>
       </p:nvGrpSpPr>
@@ -4700,7 +4835,9 @@
       <p:sp>
         <p:nvSpPr>
           <p:cNvPr id="6" name="Google Shape;6;p1"/>
-          <p:cNvSpPr txBox="1"/>
+          <p:cNvSpPr txBox="1">
+            <a:spLocks noGrp="1"/>
+          </p:cNvSpPr>
           <p:nvPr>
             <p:ph type="title"/>
           </p:nvPr>
@@ -4719,7 +4856,7 @@
           </a:ln>
         </p:spPr>
         <p:txBody>
-          <a:bodyPr anchorCtr="0" anchor="t" bIns="91425" lIns="91425" spcFirstLastPara="1" rIns="91425" wrap="square" tIns="91425">
+          <a:bodyPr spcFirstLastPara="1" wrap="square" lIns="91425" tIns="91425" rIns="91425" bIns="91425" anchor="t" anchorCtr="0">
             <a:normAutofit/>
           </a:bodyPr>
           <a:lstStyle>
@@ -4886,15 +5023,19 @@
               </a:defRPr>
             </a:lvl9pPr>
           </a:lstStyle>
-          <a:p/>
+          <a:p>
+            <a:endParaRPr/>
+          </a:p>
         </p:txBody>
       </p:sp>
       <p:sp>
         <p:nvSpPr>
           <p:cNvPr id="7" name="Google Shape;7;p1"/>
-          <p:cNvSpPr txBox="1"/>
+          <p:cNvSpPr txBox="1">
+            <a:spLocks noGrp="1"/>
+          </p:cNvSpPr>
           <p:nvPr>
-            <p:ph idx="1" type="body"/>
+            <p:ph type="body" idx="1"/>
           </p:nvPr>
         </p:nvSpPr>
         <p:spPr>
@@ -4911,11 +5052,11 @@
           </a:ln>
         </p:spPr>
         <p:txBody>
-          <a:bodyPr anchorCtr="0" anchor="t" bIns="91425" lIns="91425" spcFirstLastPara="1" rIns="91425" wrap="square" tIns="91425">
+          <a:bodyPr spcFirstLastPara="1" wrap="square" lIns="91425" tIns="91425" rIns="91425" bIns="91425" anchor="t" anchorCtr="0">
             <a:normAutofit/>
           </a:bodyPr>
           <a:lstStyle>
-            <a:lvl1pPr indent="-342900" lvl="0" marL="457200">
+            <a:lvl1pPr marL="457200" lvl="0" indent="-342900">
               <a:lnSpc>
                 <a:spcPct val="115000"/>
               </a:lnSpc>
@@ -4936,7 +5077,7 @@
                 </a:solidFill>
               </a:defRPr>
             </a:lvl1pPr>
-            <a:lvl2pPr indent="-317500" lvl="1" marL="914400">
+            <a:lvl2pPr marL="914400" lvl="1" indent="-317500">
               <a:lnSpc>
                 <a:spcPct val="115000"/>
               </a:lnSpc>
@@ -4957,7 +5098,7 @@
                 </a:solidFill>
               </a:defRPr>
             </a:lvl2pPr>
-            <a:lvl3pPr indent="-317500" lvl="2" marL="1371600">
+            <a:lvl3pPr marL="1371600" lvl="2" indent="-317500">
               <a:lnSpc>
                 <a:spcPct val="115000"/>
               </a:lnSpc>
@@ -4978,7 +5119,7 @@
                 </a:solidFill>
               </a:defRPr>
             </a:lvl3pPr>
-            <a:lvl4pPr indent="-317500" lvl="3" marL="1828800">
+            <a:lvl4pPr marL="1828800" lvl="3" indent="-317500">
               <a:lnSpc>
                 <a:spcPct val="115000"/>
               </a:lnSpc>
@@ -4999,7 +5140,7 @@
                 </a:solidFill>
               </a:defRPr>
             </a:lvl4pPr>
-            <a:lvl5pPr indent="-317500" lvl="4" marL="2286000">
+            <a:lvl5pPr marL="2286000" lvl="4" indent="-317500">
               <a:lnSpc>
                 <a:spcPct val="115000"/>
               </a:lnSpc>
@@ -5020,7 +5161,7 @@
                 </a:solidFill>
               </a:defRPr>
             </a:lvl5pPr>
-            <a:lvl6pPr indent="-317500" lvl="5" marL="2743200">
+            <a:lvl6pPr marL="2743200" lvl="5" indent="-317500">
               <a:lnSpc>
                 <a:spcPct val="115000"/>
               </a:lnSpc>
@@ -5041,7 +5182,7 @@
                 </a:solidFill>
               </a:defRPr>
             </a:lvl6pPr>
-            <a:lvl7pPr indent="-317500" lvl="6" marL="3200400">
+            <a:lvl7pPr marL="3200400" lvl="6" indent="-317500">
               <a:lnSpc>
                 <a:spcPct val="115000"/>
               </a:lnSpc>
@@ -5062,7 +5203,7 @@
                 </a:solidFill>
               </a:defRPr>
             </a:lvl7pPr>
-            <a:lvl8pPr indent="-317500" lvl="7" marL="3657600">
+            <a:lvl8pPr marL="3657600" lvl="7" indent="-317500">
               <a:lnSpc>
                 <a:spcPct val="115000"/>
               </a:lnSpc>
@@ -5083,7 +5224,7 @@
                 </a:solidFill>
               </a:defRPr>
             </a:lvl8pPr>
-            <a:lvl9pPr indent="-317500" lvl="8" marL="4114800">
+            <a:lvl9pPr marL="4114800" lvl="8" indent="-317500">
               <a:lnSpc>
                 <a:spcPct val="115000"/>
               </a:lnSpc>
@@ -5105,15 +5246,19 @@
               </a:defRPr>
             </a:lvl9pPr>
           </a:lstStyle>
-          <a:p/>
+          <a:p>
+            <a:endParaRPr/>
+          </a:p>
         </p:txBody>
       </p:sp>
       <p:sp>
         <p:nvSpPr>
           <p:cNvPr id="8" name="Google Shape;8;p1"/>
-          <p:cNvSpPr txBox="1"/>
+          <p:cNvSpPr txBox="1">
+            <a:spLocks noGrp="1"/>
+          </p:cNvSpPr>
           <p:nvPr>
-            <p:ph idx="12" type="sldNum"/>
+            <p:ph type="sldNum" idx="12"/>
           </p:nvPr>
         </p:nvSpPr>
         <p:spPr>
@@ -5130,7 +5275,7 @@
           </a:ln>
         </p:spPr>
         <p:txBody>
-          <a:bodyPr anchorCtr="0" anchor="ctr" bIns="91425" lIns="91425" spcFirstLastPara="1" rIns="91425" wrap="square" tIns="91425">
+          <a:bodyPr spcFirstLastPara="1" wrap="square" lIns="91425" tIns="91425" rIns="91425" bIns="91425" anchor="ctr" anchorCtr="0">
             <a:normAutofit/>
           </a:bodyPr>
           <a:lstStyle>
@@ -5208,7 +5353,7 @@
             </a:lvl9pPr>
           </a:lstStyle>
           <a:p>
-            <a:pPr indent="0" lvl="0" marL="0" rtl="0" algn="r">
+            <a:pPr marL="0" lvl="0" indent="0" algn="r" rtl="0">
               <a:spcBef>
                 <a:spcPts val="0"/>
               </a:spcBef>
@@ -5227,7 +5372,7 @@
       </p:sp>
     </p:spTree>
   </p:cSld>
-  <p:clrMap accent1="accent1" accent2="accent2" accent3="accent3" accent4="accent4" accent5="accent5" accent6="accent6" bg1="lt1" bg2="dk2" tx1="dk1" tx2="lt2" folHlink="folHlink" hlink="hlink"/>
+  <p:clrMap bg1="lt1" tx1="dk1" bg2="dk2" tx2="lt2" accent1="accent1" accent2="accent2" accent3="accent3" accent4="accent4" accent5="accent5" accent6="accent6" hlink="hlink" folHlink="folHlink"/>
   <p:sldLayoutIdLst>
     <p:sldLayoutId id="2147483648" r:id="rId1"/>
     <p:sldLayoutId id="2147483649" r:id="rId2"/>
@@ -5241,10 +5386,10 @@
     <p:sldLayoutId id="2147483657" r:id="rId10"/>
     <p:sldLayoutId id="2147483658" r:id="rId11"/>
   </p:sldLayoutIdLst>
-  <p:hf dt="0" ftr="0" hdr="0" sldNum="0"/>
+  <p:hf sldNum="0" hdr="0" ftr="0" dt="0"/>
   <p:txStyles>
     <p:titleStyle>
-      <a:defPPr lvl="0" marR="0" rtl="0" algn="l">
+      <a:defPPr marR="0" lvl="0" algn="l" rtl="0">
         <a:lnSpc>
           <a:spcPct val="100000"/>
         </a:lnSpc>
@@ -5255,7 +5400,7 @@
           <a:spcPts val="0"/>
         </a:spcAft>
       </a:defPPr>
-      <a:lvl1pPr lvl="0" marR="0" rtl="0" algn="l">
+      <a:lvl1pPr marR="0" lvl="0" algn="l" rtl="0">
         <a:lnSpc>
           <a:spcPct val="100000"/>
         </a:lnSpc>
@@ -5269,7 +5414,7 @@
           <a:srgbClr val="000000"/>
         </a:buClr>
         <a:buFont typeface="Arial"/>
-        <a:defRPr b="0" i="0" sz="1400" u="none" cap="none" strike="noStrike">
+        <a:defRPr sz="1400" b="0" i="0" u="none" strike="noStrike" cap="none">
           <a:solidFill>
             <a:srgbClr val="000000"/>
           </a:solidFill>
@@ -5279,7 +5424,7 @@
           <a:sym typeface="Arial"/>
         </a:defRPr>
       </a:lvl1pPr>
-      <a:lvl2pPr lvl="1" marR="0" rtl="0" algn="l">
+      <a:lvl2pPr marR="0" lvl="1" algn="l" rtl="0">
         <a:lnSpc>
           <a:spcPct val="100000"/>
         </a:lnSpc>
@@ -5293,7 +5438,7 @@
           <a:srgbClr val="000000"/>
         </a:buClr>
         <a:buFont typeface="Arial"/>
-        <a:defRPr b="0" i="0" sz="1400" u="none" cap="none" strike="noStrike">
+        <a:defRPr sz="1400" b="0" i="0" u="none" strike="noStrike" cap="none">
           <a:solidFill>
             <a:srgbClr val="000000"/>
           </a:solidFill>
@@ -5303,7 +5448,7 @@
           <a:sym typeface="Arial"/>
         </a:defRPr>
       </a:lvl2pPr>
-      <a:lvl3pPr lvl="2" marR="0" rtl="0" algn="l">
+      <a:lvl3pPr marR="0" lvl="2" algn="l" rtl="0">
         <a:lnSpc>
           <a:spcPct val="100000"/>
         </a:lnSpc>
@@ -5317,7 +5462,7 @@
           <a:srgbClr val="000000"/>
         </a:buClr>
         <a:buFont typeface="Arial"/>
-        <a:defRPr b="0" i="0" sz="1400" u="none" cap="none" strike="noStrike">
+        <a:defRPr sz="1400" b="0" i="0" u="none" strike="noStrike" cap="none">
           <a:solidFill>
             <a:srgbClr val="000000"/>
           </a:solidFill>
@@ -5327,7 +5472,7 @@
           <a:sym typeface="Arial"/>
         </a:defRPr>
       </a:lvl3pPr>
-      <a:lvl4pPr lvl="3" marR="0" rtl="0" algn="l">
+      <a:lvl4pPr marR="0" lvl="3" algn="l" rtl="0">
         <a:lnSpc>
           <a:spcPct val="100000"/>
         </a:lnSpc>
@@ -5341,7 +5486,7 @@
           <a:srgbClr val="000000"/>
         </a:buClr>
         <a:buFont typeface="Arial"/>
-        <a:defRPr b="0" i="0" sz="1400" u="none" cap="none" strike="noStrike">
+        <a:defRPr sz="1400" b="0" i="0" u="none" strike="noStrike" cap="none">
           <a:solidFill>
             <a:srgbClr val="000000"/>
           </a:solidFill>
@@ -5351,7 +5496,7 @@
           <a:sym typeface="Arial"/>
         </a:defRPr>
       </a:lvl4pPr>
-      <a:lvl5pPr lvl="4" marR="0" rtl="0" algn="l">
+      <a:lvl5pPr marR="0" lvl="4" algn="l" rtl="0">
         <a:lnSpc>
           <a:spcPct val="100000"/>
         </a:lnSpc>
@@ -5365,7 +5510,7 @@
           <a:srgbClr val="000000"/>
         </a:buClr>
         <a:buFont typeface="Arial"/>
-        <a:defRPr b="0" i="0" sz="1400" u="none" cap="none" strike="noStrike">
+        <a:defRPr sz="1400" b="0" i="0" u="none" strike="noStrike" cap="none">
           <a:solidFill>
             <a:srgbClr val="000000"/>
           </a:solidFill>
@@ -5375,7 +5520,7 @@
           <a:sym typeface="Arial"/>
         </a:defRPr>
       </a:lvl5pPr>
-      <a:lvl6pPr lvl="5" marR="0" rtl="0" algn="l">
+      <a:lvl6pPr marR="0" lvl="5" algn="l" rtl="0">
         <a:lnSpc>
           <a:spcPct val="100000"/>
         </a:lnSpc>
@@ -5389,7 +5534,7 @@
           <a:srgbClr val="000000"/>
         </a:buClr>
         <a:buFont typeface="Arial"/>
-        <a:defRPr b="0" i="0" sz="1400" u="none" cap="none" strike="noStrike">
+        <a:defRPr sz="1400" b="0" i="0" u="none" strike="noStrike" cap="none">
           <a:solidFill>
             <a:srgbClr val="000000"/>
           </a:solidFill>
@@ -5399,7 +5544,7 @@
           <a:sym typeface="Arial"/>
         </a:defRPr>
       </a:lvl6pPr>
-      <a:lvl7pPr lvl="6" marR="0" rtl="0" algn="l">
+      <a:lvl7pPr marR="0" lvl="6" algn="l" rtl="0">
         <a:lnSpc>
           <a:spcPct val="100000"/>
         </a:lnSpc>
@@ -5413,7 +5558,7 @@
           <a:srgbClr val="000000"/>
         </a:buClr>
         <a:buFont typeface="Arial"/>
-        <a:defRPr b="0" i="0" sz="1400" u="none" cap="none" strike="noStrike">
+        <a:defRPr sz="1400" b="0" i="0" u="none" strike="noStrike" cap="none">
           <a:solidFill>
             <a:srgbClr val="000000"/>
           </a:solidFill>
@@ -5423,7 +5568,7 @@
           <a:sym typeface="Arial"/>
         </a:defRPr>
       </a:lvl7pPr>
-      <a:lvl8pPr lvl="7" marR="0" rtl="0" algn="l">
+      <a:lvl8pPr marR="0" lvl="7" algn="l" rtl="0">
         <a:lnSpc>
           <a:spcPct val="100000"/>
         </a:lnSpc>
@@ -5437,7 +5582,7 @@
           <a:srgbClr val="000000"/>
         </a:buClr>
         <a:buFont typeface="Arial"/>
-        <a:defRPr b="0" i="0" sz="1400" u="none" cap="none" strike="noStrike">
+        <a:defRPr sz="1400" b="0" i="0" u="none" strike="noStrike" cap="none">
           <a:solidFill>
             <a:srgbClr val="000000"/>
           </a:solidFill>
@@ -5447,7 +5592,7 @@
           <a:sym typeface="Arial"/>
         </a:defRPr>
       </a:lvl8pPr>
-      <a:lvl9pPr lvl="8" marR="0" rtl="0" algn="l">
+      <a:lvl9pPr marR="0" lvl="8" algn="l" rtl="0">
         <a:lnSpc>
           <a:spcPct val="100000"/>
         </a:lnSpc>
@@ -5461,7 +5606,7 @@
           <a:srgbClr val="000000"/>
         </a:buClr>
         <a:buFont typeface="Arial"/>
-        <a:defRPr b="0" i="0" sz="1400" u="none" cap="none" strike="noStrike">
+        <a:defRPr sz="1400" b="0" i="0" u="none" strike="noStrike" cap="none">
           <a:solidFill>
             <a:srgbClr val="000000"/>
           </a:solidFill>
@@ -5473,7 +5618,7 @@
       </a:lvl9pPr>
     </p:titleStyle>
     <p:bodyStyle>
-      <a:defPPr lvl="0" marR="0" rtl="0" algn="l">
+      <a:defPPr marR="0" lvl="0" algn="l" rtl="0">
         <a:lnSpc>
           <a:spcPct val="100000"/>
         </a:lnSpc>
@@ -5484,7 +5629,7 @@
           <a:spcPts val="0"/>
         </a:spcAft>
       </a:defPPr>
-      <a:lvl1pPr lvl="0" marR="0" rtl="0" algn="l">
+      <a:lvl1pPr marR="0" lvl="0" algn="l" rtl="0">
         <a:lnSpc>
           <a:spcPct val="100000"/>
         </a:lnSpc>
@@ -5498,7 +5643,7 @@
           <a:srgbClr val="000000"/>
         </a:buClr>
         <a:buFont typeface="Arial"/>
-        <a:defRPr b="0" i="0" sz="1400" u="none" cap="none" strike="noStrike">
+        <a:defRPr sz="1400" b="0" i="0" u="none" strike="noStrike" cap="none">
           <a:solidFill>
             <a:srgbClr val="000000"/>
           </a:solidFill>
@@ -5508,7 +5653,7 @@
           <a:sym typeface="Arial"/>
         </a:defRPr>
       </a:lvl1pPr>
-      <a:lvl2pPr lvl="1" marR="0" rtl="0" algn="l">
+      <a:lvl2pPr marR="0" lvl="1" algn="l" rtl="0">
         <a:lnSpc>
           <a:spcPct val="100000"/>
         </a:lnSpc>
@@ -5522,7 +5667,7 @@
           <a:srgbClr val="000000"/>
         </a:buClr>
         <a:buFont typeface="Arial"/>
-        <a:defRPr b="0" i="0" sz="1400" u="none" cap="none" strike="noStrike">
+        <a:defRPr sz="1400" b="0" i="0" u="none" strike="noStrike" cap="none">
           <a:solidFill>
             <a:srgbClr val="000000"/>
           </a:solidFill>
@@ -5532,7 +5677,7 @@
           <a:sym typeface="Arial"/>
         </a:defRPr>
       </a:lvl2pPr>
-      <a:lvl3pPr lvl="2" marR="0" rtl="0" algn="l">
+      <a:lvl3pPr marR="0" lvl="2" algn="l" rtl="0">
         <a:lnSpc>
           <a:spcPct val="100000"/>
         </a:lnSpc>
@@ -5546,7 +5691,7 @@
           <a:srgbClr val="000000"/>
         </a:buClr>
         <a:buFont typeface="Arial"/>
-        <a:defRPr b="0" i="0" sz="1400" u="none" cap="none" strike="noStrike">
+        <a:defRPr sz="1400" b="0" i="0" u="none" strike="noStrike" cap="none">
           <a:solidFill>
             <a:srgbClr val="000000"/>
           </a:solidFill>
@@ -5556,7 +5701,7 @@
           <a:sym typeface="Arial"/>
         </a:defRPr>
       </a:lvl3pPr>
-      <a:lvl4pPr lvl="3" marR="0" rtl="0" algn="l">
+      <a:lvl4pPr marR="0" lvl="3" algn="l" rtl="0">
         <a:lnSpc>
           <a:spcPct val="100000"/>
         </a:lnSpc>
@@ -5570,7 +5715,7 @@
           <a:srgbClr val="000000"/>
         </a:buClr>
         <a:buFont typeface="Arial"/>
-        <a:defRPr b="0" i="0" sz="1400" u="none" cap="none" strike="noStrike">
+        <a:defRPr sz="1400" b="0" i="0" u="none" strike="noStrike" cap="none">
           <a:solidFill>
             <a:srgbClr val="000000"/>
           </a:solidFill>
@@ -5580,7 +5725,7 @@
           <a:sym typeface="Arial"/>
         </a:defRPr>
       </a:lvl4pPr>
-      <a:lvl5pPr lvl="4" marR="0" rtl="0" algn="l">
+      <a:lvl5pPr marR="0" lvl="4" algn="l" rtl="0">
         <a:lnSpc>
           <a:spcPct val="100000"/>
         </a:lnSpc>
@@ -5594,7 +5739,7 @@
           <a:srgbClr val="000000"/>
         </a:buClr>
         <a:buFont typeface="Arial"/>
-        <a:defRPr b="0" i="0" sz="1400" u="none" cap="none" strike="noStrike">
+        <a:defRPr sz="1400" b="0" i="0" u="none" strike="noStrike" cap="none">
           <a:solidFill>
             <a:srgbClr val="000000"/>
           </a:solidFill>
@@ -5604,7 +5749,7 @@
           <a:sym typeface="Arial"/>
         </a:defRPr>
       </a:lvl5pPr>
-      <a:lvl6pPr lvl="5" marR="0" rtl="0" algn="l">
+      <a:lvl6pPr marR="0" lvl="5" algn="l" rtl="0">
         <a:lnSpc>
           <a:spcPct val="100000"/>
         </a:lnSpc>
@@ -5618,7 +5763,7 @@
           <a:srgbClr val="000000"/>
         </a:buClr>
         <a:buFont typeface="Arial"/>
-        <a:defRPr b="0" i="0" sz="1400" u="none" cap="none" strike="noStrike">
+        <a:defRPr sz="1400" b="0" i="0" u="none" strike="noStrike" cap="none">
           <a:solidFill>
             <a:srgbClr val="000000"/>
           </a:solidFill>
@@ -5628,7 +5773,7 @@
           <a:sym typeface="Arial"/>
         </a:defRPr>
       </a:lvl6pPr>
-      <a:lvl7pPr lvl="6" marR="0" rtl="0" algn="l">
+      <a:lvl7pPr marR="0" lvl="6" algn="l" rtl="0">
         <a:lnSpc>
           <a:spcPct val="100000"/>
         </a:lnSpc>
@@ -5642,7 +5787,7 @@
           <a:srgbClr val="000000"/>
         </a:buClr>
         <a:buFont typeface="Arial"/>
-        <a:defRPr b="0" i="0" sz="1400" u="none" cap="none" strike="noStrike">
+        <a:defRPr sz="1400" b="0" i="0" u="none" strike="noStrike" cap="none">
           <a:solidFill>
             <a:srgbClr val="000000"/>
           </a:solidFill>
@@ -5652,7 +5797,7 @@
           <a:sym typeface="Arial"/>
         </a:defRPr>
       </a:lvl7pPr>
-      <a:lvl8pPr lvl="7" marR="0" rtl="0" algn="l">
+      <a:lvl8pPr marR="0" lvl="7" algn="l" rtl="0">
         <a:lnSpc>
           <a:spcPct val="100000"/>
         </a:lnSpc>
@@ -5666,7 +5811,7 @@
           <a:srgbClr val="000000"/>
         </a:buClr>
         <a:buFont typeface="Arial"/>
-        <a:defRPr b="0" i="0" sz="1400" u="none" cap="none" strike="noStrike">
+        <a:defRPr sz="1400" b="0" i="0" u="none" strike="noStrike" cap="none">
           <a:solidFill>
             <a:srgbClr val="000000"/>
           </a:solidFill>
@@ -5676,7 +5821,7 @@
           <a:sym typeface="Arial"/>
         </a:defRPr>
       </a:lvl8pPr>
-      <a:lvl9pPr lvl="8" marR="0" rtl="0" algn="l">
+      <a:lvl9pPr marR="0" lvl="8" algn="l" rtl="0">
         <a:lnSpc>
           <a:spcPct val="100000"/>
         </a:lnSpc>
@@ -5690,7 +5835,7 @@
           <a:srgbClr val="000000"/>
         </a:buClr>
         <a:buFont typeface="Arial"/>
-        <a:defRPr b="0" i="0" sz="1400" u="none" cap="none" strike="noStrike">
+        <a:defRPr sz="1400" b="0" i="0" u="none" strike="noStrike" cap="none">
           <a:solidFill>
             <a:srgbClr val="000000"/>
           </a:solidFill>
@@ -5702,7 +5847,7 @@
       </a:lvl9pPr>
     </p:bodyStyle>
     <p:otherStyle>
-      <a:defPPr lvl="0" marR="0" rtl="0" algn="l">
+      <a:defPPr marR="0" lvl="0" algn="l" rtl="0">
         <a:lnSpc>
           <a:spcPct val="100000"/>
         </a:lnSpc>
@@ -5713,7 +5858,7 @@
           <a:spcPts val="0"/>
         </a:spcAft>
       </a:defPPr>
-      <a:lvl1pPr lvl="0" marR="0" rtl="0" algn="l">
+      <a:lvl1pPr marR="0" lvl="0" algn="l" rtl="0">
         <a:lnSpc>
           <a:spcPct val="100000"/>
         </a:lnSpc>
@@ -5727,7 +5872,7 @@
           <a:srgbClr val="000000"/>
         </a:buClr>
         <a:buFont typeface="Arial"/>
-        <a:defRPr b="0" i="0" sz="1400" u="none" cap="none" strike="noStrike">
+        <a:defRPr sz="1400" b="0" i="0" u="none" strike="noStrike" cap="none">
           <a:solidFill>
             <a:srgbClr val="000000"/>
           </a:solidFill>
@@ -5737,7 +5882,7 @@
           <a:sym typeface="Arial"/>
         </a:defRPr>
       </a:lvl1pPr>
-      <a:lvl2pPr lvl="1" marR="0" rtl="0" algn="l">
+      <a:lvl2pPr marR="0" lvl="1" algn="l" rtl="0">
         <a:lnSpc>
           <a:spcPct val="100000"/>
         </a:lnSpc>
@@ -5751,7 +5896,7 @@
           <a:srgbClr val="000000"/>
         </a:buClr>
         <a:buFont typeface="Arial"/>
-        <a:defRPr b="0" i="0" sz="1400" u="none" cap="none" strike="noStrike">
+        <a:defRPr sz="1400" b="0" i="0" u="none" strike="noStrike" cap="none">
           <a:solidFill>
             <a:srgbClr val="000000"/>
           </a:solidFill>
@@ -5761,7 +5906,7 @@
           <a:sym typeface="Arial"/>
         </a:defRPr>
       </a:lvl2pPr>
-      <a:lvl3pPr lvl="2" marR="0" rtl="0" algn="l">
+      <a:lvl3pPr marR="0" lvl="2" algn="l" rtl="0">
         <a:lnSpc>
           <a:spcPct val="100000"/>
         </a:lnSpc>
@@ -5775,7 +5920,7 @@
           <a:srgbClr val="000000"/>
         </a:buClr>
         <a:buFont typeface="Arial"/>
-        <a:defRPr b="0" i="0" sz="1400" u="none" cap="none" strike="noStrike">
+        <a:defRPr sz="1400" b="0" i="0" u="none" strike="noStrike" cap="none">
           <a:solidFill>
             <a:srgbClr val="000000"/>
           </a:solidFill>
@@ -5785,7 +5930,7 @@
           <a:sym typeface="Arial"/>
         </a:defRPr>
       </a:lvl3pPr>
-      <a:lvl4pPr lvl="3" marR="0" rtl="0" algn="l">
+      <a:lvl4pPr marR="0" lvl="3" algn="l" rtl="0">
         <a:lnSpc>
           <a:spcPct val="100000"/>
         </a:lnSpc>
@@ -5799,7 +5944,7 @@
           <a:srgbClr val="000000"/>
         </a:buClr>
         <a:buFont typeface="Arial"/>
-        <a:defRPr b="0" i="0" sz="1400" u="none" cap="none" strike="noStrike">
+        <a:defRPr sz="1400" b="0" i="0" u="none" strike="noStrike" cap="none">
           <a:solidFill>
             <a:srgbClr val="000000"/>
           </a:solidFill>
@@ -5809,7 +5954,7 @@
           <a:sym typeface="Arial"/>
         </a:defRPr>
       </a:lvl4pPr>
-      <a:lvl5pPr lvl="4" marR="0" rtl="0" algn="l">
+      <a:lvl5pPr marR="0" lvl="4" algn="l" rtl="0">
         <a:lnSpc>
           <a:spcPct val="100000"/>
         </a:lnSpc>
@@ -5823,7 +5968,7 @@
           <a:srgbClr val="000000"/>
         </a:buClr>
         <a:buFont typeface="Arial"/>
-        <a:defRPr b="0" i="0" sz="1400" u="none" cap="none" strike="noStrike">
+        <a:defRPr sz="1400" b="0" i="0" u="none" strike="noStrike" cap="none">
           <a:solidFill>
             <a:srgbClr val="000000"/>
           </a:solidFill>
@@ -5833,7 +5978,7 @@
           <a:sym typeface="Arial"/>
         </a:defRPr>
       </a:lvl5pPr>
-      <a:lvl6pPr lvl="5" marR="0" rtl="0" algn="l">
+      <a:lvl6pPr marR="0" lvl="5" algn="l" rtl="0">
         <a:lnSpc>
           <a:spcPct val="100000"/>
         </a:lnSpc>
@@ -5847,7 +5992,7 @@
           <a:srgbClr val="000000"/>
         </a:buClr>
         <a:buFont typeface="Arial"/>
-        <a:defRPr b="0" i="0" sz="1400" u="none" cap="none" strike="noStrike">
+        <a:defRPr sz="1400" b="0" i="0" u="none" strike="noStrike" cap="none">
           <a:solidFill>
             <a:srgbClr val="000000"/>
           </a:solidFill>
@@ -5857,7 +6002,7 @@
           <a:sym typeface="Arial"/>
         </a:defRPr>
       </a:lvl6pPr>
-      <a:lvl7pPr lvl="6" marR="0" rtl="0" algn="l">
+      <a:lvl7pPr marR="0" lvl="6" algn="l" rtl="0">
         <a:lnSpc>
           <a:spcPct val="100000"/>
         </a:lnSpc>
@@ -5871,7 +6016,7 @@
           <a:srgbClr val="000000"/>
         </a:buClr>
         <a:buFont typeface="Arial"/>
-        <a:defRPr b="0" i="0" sz="1400" u="none" cap="none" strike="noStrike">
+        <a:defRPr sz="1400" b="0" i="0" u="none" strike="noStrike" cap="none">
           <a:solidFill>
             <a:srgbClr val="000000"/>
           </a:solidFill>
@@ -5881,7 +6026,7 @@
           <a:sym typeface="Arial"/>
         </a:defRPr>
       </a:lvl7pPr>
-      <a:lvl8pPr lvl="7" marR="0" rtl="0" algn="l">
+      <a:lvl8pPr marR="0" lvl="7" algn="l" rtl="0">
         <a:lnSpc>
           <a:spcPct val="100000"/>
         </a:lnSpc>
@@ -5895,7 +6040,7 @@
           <a:srgbClr val="000000"/>
         </a:buClr>
         <a:buFont typeface="Arial"/>
-        <a:defRPr b="0" i="0" sz="1400" u="none" cap="none" strike="noStrike">
+        <a:defRPr sz="1400" b="0" i="0" u="none" strike="noStrike" cap="none">
           <a:solidFill>
             <a:srgbClr val="000000"/>
           </a:solidFill>
@@ -5905,7 +6050,7 @@
           <a:sym typeface="Arial"/>
         </a:defRPr>
       </a:lvl8pPr>
-      <a:lvl9pPr lvl="8" marR="0" rtl="0" algn="l">
+      <a:lvl9pPr marR="0" lvl="8" algn="l" rtl="0">
         <a:lnSpc>
           <a:spcPct val="100000"/>
         </a:lnSpc>
@@ -5919,7 +6064,7 @@
           <a:srgbClr val="000000"/>
         </a:buClr>
         <a:buFont typeface="Arial"/>
-        <a:defRPr b="0" i="0" sz="1400" u="none" cap="none" strike="noStrike">
+        <a:defRPr sz="1400" b="0" i="0" u="none" strike="noStrike" cap="none">
           <a:solidFill>
             <a:srgbClr val="000000"/>
           </a:solidFill>
@@ -5935,11 +6080,11 @@
 </file>
 
 <file path=ppt/slides/slide1.xml><?xml version="1.0" encoding="utf-8"?>
-<p:sld xmlns:a="http://schemas.openxmlformats.org/drawingml/2006/main" xmlns:r="http://schemas.openxmlformats.org/officeDocument/2006/relationships" xmlns:mc="http://schemas.openxmlformats.org/markup-compatibility/2006" xmlns:mv="urn:schemas-microsoft-com:mac:vml" xmlns:p="http://schemas.openxmlformats.org/presentationml/2006/main" xmlns:c="http://schemas.openxmlformats.org/drawingml/2006/chart" xmlns:dgm="http://schemas.openxmlformats.org/drawingml/2006/diagram" xmlns:o="urn:schemas-microsoft-com:office:office" xmlns:v="urn:schemas-microsoft-com:vml" xmlns:pvml="urn:schemas-microsoft-com:office:powerpoint" xmlns:com="http://schemas.openxmlformats.org/drawingml/2006/compatibility" xmlns:p14="http://schemas.microsoft.com/office/powerpoint/2010/main" xmlns:p15="http://schemas.microsoft.com/office/powerpoint/2012/main" xmlns:ahyp="http://schemas.microsoft.com/office/drawing/2018/hyperlinkcolor">
+<p:sld xmlns:a="http://schemas.openxmlformats.org/drawingml/2006/main" xmlns:r="http://schemas.openxmlformats.org/officeDocument/2006/relationships" xmlns:p="http://schemas.openxmlformats.org/presentationml/2006/main">
   <p:cSld>
     <p:spTree>
       <p:nvGrpSpPr>
-        <p:cNvPr id="53" name="Shape 53"/>
+        <p:cNvPr id="1" name="Shape 53"/>
         <p:cNvGrpSpPr/>
         <p:nvPr/>
       </p:nvGrpSpPr>
@@ -5954,7 +6099,9 @@
       <p:sp>
         <p:nvSpPr>
           <p:cNvPr id="54" name="Google Shape;54;p13"/>
-          <p:cNvSpPr txBox="1"/>
+          <p:cNvSpPr txBox="1">
+            <a:spLocks noGrp="1"/>
+          </p:cNvSpPr>
           <p:nvPr>
             <p:ph type="ctrTitle"/>
           </p:nvPr>
@@ -5969,12 +6116,12 @@
           </a:prstGeom>
         </p:spPr>
         <p:txBody>
-          <a:bodyPr anchorCtr="0" anchor="b" bIns="91425" lIns="91425" spcFirstLastPara="1" rIns="91425" wrap="square" tIns="91425">
+          <a:bodyPr spcFirstLastPara="1" wrap="square" lIns="91425" tIns="91425" rIns="91425" bIns="91425" anchor="b" anchorCtr="0">
             <a:normAutofit/>
           </a:bodyPr>
           <a:lstStyle/>
           <a:p>
-            <a:pPr indent="0" lvl="0" marL="0" rtl="0" algn="ctr">
+            <a:pPr marL="0" lvl="0" indent="0" algn="ctr" rtl="0">
               <a:spcBef>
                 <a:spcPts val="0"/>
               </a:spcBef>
@@ -5994,9 +6141,11 @@
       <p:sp>
         <p:nvSpPr>
           <p:cNvPr id="55" name="Google Shape;55;p13"/>
-          <p:cNvSpPr txBox="1"/>
+          <p:cNvSpPr txBox="1">
+            <a:spLocks noGrp="1"/>
+          </p:cNvSpPr>
           <p:nvPr>
-            <p:ph idx="1" type="subTitle"/>
+            <p:ph type="subTitle" idx="1"/>
           </p:nvPr>
         </p:nvSpPr>
         <p:spPr>
@@ -6009,12 +6158,12 @@
           </a:prstGeom>
         </p:spPr>
         <p:txBody>
-          <a:bodyPr anchorCtr="0" anchor="t" bIns="91425" lIns="91425" spcFirstLastPara="1" rIns="91425" wrap="square" tIns="91425">
+          <a:bodyPr spcFirstLastPara="1" wrap="square" lIns="91425" tIns="91425" rIns="91425" bIns="91425" anchor="t" anchorCtr="0">
             <a:normAutofit/>
           </a:bodyPr>
           <a:lstStyle/>
           <a:p>
-            <a:pPr indent="0" lvl="0" marL="0" rtl="0" algn="ctr">
+            <a:pPr marL="0" lvl="0" indent="0" algn="ctr" rtl="0">
               <a:spcBef>
                 <a:spcPts val="0"/>
               </a:spcBef>
@@ -6023,9 +6172,6 @@
               </a:spcAft>
               <a:buNone/>
             </a:pPr>
-            <a:r>
-              <a:t/>
-            </a:r>
             <a:endParaRPr/>
           </a:p>
         </p:txBody>
@@ -6039,11 +6185,11 @@
 </file>
 
 <file path=ppt/slides/slide2.xml><?xml version="1.0" encoding="utf-8"?>
-<p:sld xmlns:a="http://schemas.openxmlformats.org/drawingml/2006/main" xmlns:r="http://schemas.openxmlformats.org/officeDocument/2006/relationships" xmlns:mc="http://schemas.openxmlformats.org/markup-compatibility/2006" xmlns:mv="urn:schemas-microsoft-com:mac:vml" xmlns:p="http://schemas.openxmlformats.org/presentationml/2006/main" xmlns:c="http://schemas.openxmlformats.org/drawingml/2006/chart" xmlns:dgm="http://schemas.openxmlformats.org/drawingml/2006/diagram" xmlns:o="urn:schemas-microsoft-com:office:office" xmlns:v="urn:schemas-microsoft-com:vml" xmlns:pvml="urn:schemas-microsoft-com:office:powerpoint" xmlns:com="http://schemas.openxmlformats.org/drawingml/2006/compatibility" xmlns:p14="http://schemas.microsoft.com/office/powerpoint/2010/main" xmlns:p15="http://schemas.microsoft.com/office/powerpoint/2012/main" xmlns:ahyp="http://schemas.microsoft.com/office/drawing/2018/hyperlinkcolor">
+<p:sld xmlns:a="http://schemas.openxmlformats.org/drawingml/2006/main" xmlns:r="http://schemas.openxmlformats.org/officeDocument/2006/relationships" xmlns:p="http://schemas.openxmlformats.org/presentationml/2006/main">
   <p:cSld>
     <p:spTree>
       <p:nvGrpSpPr>
-        <p:cNvPr id="59" name="Shape 59"/>
+        <p:cNvPr id="1" name="Shape 59"/>
         <p:cNvGrpSpPr/>
         <p:nvPr/>
       </p:nvGrpSpPr>
@@ -6058,7 +6204,9 @@
       <p:sp>
         <p:nvSpPr>
           <p:cNvPr id="60" name="Google Shape;60;p14"/>
-          <p:cNvSpPr txBox="1"/>
+          <p:cNvSpPr txBox="1">
+            <a:spLocks noGrp="1"/>
+          </p:cNvSpPr>
           <p:nvPr>
             <p:ph type="title"/>
           </p:nvPr>
@@ -6073,12 +6221,12 @@
           </a:prstGeom>
         </p:spPr>
         <p:txBody>
-          <a:bodyPr anchorCtr="0" anchor="t" bIns="91425" lIns="91425" spcFirstLastPara="1" rIns="91425" wrap="square" tIns="91425">
+          <a:bodyPr spcFirstLastPara="1" wrap="square" lIns="91425" tIns="91425" rIns="91425" bIns="91425" anchor="t" anchorCtr="0">
             <a:normAutofit fontScale="90000"/>
           </a:bodyPr>
           <a:lstStyle/>
           <a:p>
-            <a:pPr indent="0" lvl="0" marL="0" rtl="0" algn="l">
+            <a:pPr marL="0" lvl="0" indent="0" algn="l" rtl="0">
               <a:spcBef>
                 <a:spcPts val="0"/>
               </a:spcBef>
@@ -6113,10 +6261,34 @@
                 <a:tableStyleId>{BE1ABA60-BB3A-4A54-AE7A-9B27A25A3AC4}</a:tableStyleId>
               </a:tblPr>
               <a:tblGrid>
-                <a:gridCol w="2083125"/>
-                <a:gridCol w="2083125"/>
-                <a:gridCol w="2083125"/>
-                <a:gridCol w="2083125"/>
+                <a:gridCol w="2083125">
+                  <a:extLst>
+                    <a:ext uri="{9D8B030D-6E8A-4147-A177-3AD203B41FA5}">
+                      <a16:colId xmlns:a16="http://schemas.microsoft.com/office/drawing/2014/main" val="20000"/>
+                    </a:ext>
+                  </a:extLst>
+                </a:gridCol>
+                <a:gridCol w="2083125">
+                  <a:extLst>
+                    <a:ext uri="{9D8B030D-6E8A-4147-A177-3AD203B41FA5}">
+                      <a16:colId xmlns:a16="http://schemas.microsoft.com/office/drawing/2014/main" val="20001"/>
+                    </a:ext>
+                  </a:extLst>
+                </a:gridCol>
+                <a:gridCol w="2083125">
+                  <a:extLst>
+                    <a:ext uri="{9D8B030D-6E8A-4147-A177-3AD203B41FA5}">
+                      <a16:colId xmlns:a16="http://schemas.microsoft.com/office/drawing/2014/main" val="20002"/>
+                    </a:ext>
+                  </a:extLst>
+                </a:gridCol>
+                <a:gridCol w="2083125">
+                  <a:extLst>
+                    <a:ext uri="{9D8B030D-6E8A-4147-A177-3AD203B41FA5}">
+                      <a16:colId xmlns:a16="http://schemas.microsoft.com/office/drawing/2014/main" val="20003"/>
+                    </a:ext>
+                  </a:extLst>
+                </a:gridCol>
               </a:tblGrid>
               <a:tr h="381000">
                 <a:tc>
@@ -6124,7 +6296,7 @@
                     <a:bodyPr/>
                     <a:lstStyle/>
                     <a:p>
-                      <a:pPr indent="0" lvl="0" marL="0" rtl="0" algn="l">
+                      <a:pPr marL="0" lvl="0" indent="0" algn="l" rtl="0">
                         <a:spcBef>
                           <a:spcPts val="0"/>
                         </a:spcBef>
@@ -6134,20 +6306,20 @@
                         <a:buNone/>
                       </a:pPr>
                       <a:r>
-                        <a:rPr b="1" lang="en"/>
+                        <a:rPr lang="en" b="1"/>
                         <a:t>Name</a:t>
                       </a:r>
                       <a:endParaRPr b="1"/>
                     </a:p>
                   </a:txBody>
-                  <a:tcPr marT="91425" marB="91425" marR="91425" marL="91425"/>
+                  <a:tcPr marL="91425" marR="91425" marT="91425" marB="91425"/>
                 </a:tc>
                 <a:tc>
                   <a:txBody>
                     <a:bodyPr/>
                     <a:lstStyle/>
                     <a:p>
-                      <a:pPr indent="0" lvl="0" marL="0" rtl="0" algn="l">
+                      <a:pPr marL="0" lvl="0" indent="0" algn="l" rtl="0">
                         <a:spcBef>
                           <a:spcPts val="0"/>
                         </a:spcBef>
@@ -6157,20 +6329,20 @@
                         <a:buNone/>
                       </a:pPr>
                       <a:r>
-                        <a:rPr b="1" lang="en"/>
+                        <a:rPr lang="en" b="1"/>
                         <a:t>Email</a:t>
                       </a:r>
                       <a:endParaRPr b="1"/>
                     </a:p>
                   </a:txBody>
-                  <a:tcPr marT="91425" marB="91425" marR="91425" marL="91425"/>
+                  <a:tcPr marL="91425" marR="91425" marT="91425" marB="91425"/>
                 </a:tc>
                 <a:tc>
                   <a:txBody>
                     <a:bodyPr/>
                     <a:lstStyle/>
                     <a:p>
-                      <a:pPr indent="0" lvl="0" marL="0" rtl="0" algn="l">
+                      <a:pPr marL="0" lvl="0" indent="0" algn="l" rtl="0">
                         <a:spcBef>
                           <a:spcPts val="0"/>
                         </a:spcBef>
@@ -6180,20 +6352,20 @@
                         <a:buNone/>
                       </a:pPr>
                       <a:r>
-                        <a:rPr b="1" lang="en"/>
+                        <a:rPr lang="en" b="1"/>
                         <a:t>GitHub Handle</a:t>
                       </a:r>
                       <a:endParaRPr b="1"/>
                     </a:p>
                   </a:txBody>
-                  <a:tcPr marT="91425" marB="91425" marR="91425" marL="91425"/>
+                  <a:tcPr marL="91425" marR="91425" marT="91425" marB="91425"/>
                 </a:tc>
                 <a:tc>
                   <a:txBody>
                     <a:bodyPr/>
                     <a:lstStyle/>
                     <a:p>
-                      <a:pPr indent="0" lvl="0" marL="0" rtl="0" algn="l">
+                      <a:pPr marL="0" lvl="0" indent="0" algn="l" rtl="0">
                         <a:spcBef>
                           <a:spcPts val="0"/>
                         </a:spcBef>
@@ -6203,14 +6375,19 @@
                         <a:buNone/>
                       </a:pPr>
                       <a:r>
-                        <a:rPr b="1" lang="en"/>
+                        <a:rPr lang="en" b="1"/>
                         <a:t>Social Handles</a:t>
                       </a:r>
                       <a:endParaRPr b="1"/>
                     </a:p>
                   </a:txBody>
-                  <a:tcPr marT="91425" marB="91425" marR="91425" marL="91425"/>
+                  <a:tcPr marL="91425" marR="91425" marT="91425" marB="91425"/>
                 </a:tc>
+                <a:extLst>
+                  <a:ext uri="{0D108BD9-81ED-4DB2-BD59-A6C34878D82A}">
+                    <a16:rowId xmlns:a16="http://schemas.microsoft.com/office/drawing/2014/main" val="10000"/>
+                  </a:ext>
+                </a:extLst>
               </a:tr>
               <a:tr h="381000">
                 <a:tc>
@@ -6218,7 +6395,7 @@
                     <a:bodyPr/>
                     <a:lstStyle/>
                     <a:p>
-                      <a:pPr indent="0" lvl="0" marL="0" rtl="0" algn="l">
+                      <a:pPr marL="0" lvl="0" indent="0" algn="l" rtl="0">
                         <a:spcBef>
                           <a:spcPts val="0"/>
                         </a:spcBef>
@@ -6227,20 +6404,17 @@
                         </a:spcAft>
                         <a:buNone/>
                       </a:pPr>
-                      <a:r>
-                        <a:t/>
-                      </a:r>
                       <a:endParaRPr/>
                     </a:p>
                   </a:txBody>
-                  <a:tcPr marT="91425" marB="91425" marR="91425" marL="91425"/>
+                  <a:tcPr marL="91425" marR="91425" marT="91425" marB="91425"/>
                 </a:tc>
                 <a:tc>
                   <a:txBody>
                     <a:bodyPr/>
                     <a:lstStyle/>
                     <a:p>
-                      <a:pPr indent="0" lvl="0" marL="0" rtl="0" algn="l">
+                      <a:pPr marL="0" lvl="0" indent="0" algn="l" rtl="0">
                         <a:spcBef>
                           <a:spcPts val="0"/>
                         </a:spcBef>
@@ -6249,20 +6423,17 @@
                         </a:spcAft>
                         <a:buNone/>
                       </a:pPr>
-                      <a:r>
-                        <a:t/>
-                      </a:r>
                       <a:endParaRPr/>
                     </a:p>
                   </a:txBody>
-                  <a:tcPr marT="91425" marB="91425" marR="91425" marL="91425"/>
+                  <a:tcPr marL="91425" marR="91425" marT="91425" marB="91425"/>
                 </a:tc>
                 <a:tc>
                   <a:txBody>
                     <a:bodyPr/>
                     <a:lstStyle/>
                     <a:p>
-                      <a:pPr indent="0" lvl="0" marL="0" rtl="0" algn="l">
+                      <a:pPr marL="0" lvl="0" indent="0" algn="l" rtl="0">
                         <a:spcBef>
                           <a:spcPts val="0"/>
                         </a:spcBef>
@@ -6271,20 +6442,17 @@
                         </a:spcAft>
                         <a:buNone/>
                       </a:pPr>
-                      <a:r>
-                        <a:t/>
-                      </a:r>
                       <a:endParaRPr/>
                     </a:p>
                   </a:txBody>
-                  <a:tcPr marT="91425" marB="91425" marR="91425" marL="91425"/>
+                  <a:tcPr marL="91425" marR="91425" marT="91425" marB="91425"/>
                 </a:tc>
                 <a:tc>
                   <a:txBody>
                     <a:bodyPr/>
                     <a:lstStyle/>
                     <a:p>
-                      <a:pPr indent="0" lvl="0" marL="0" rtl="0" algn="l">
+                      <a:pPr marL="0" lvl="0" indent="0" algn="l" rtl="0">
                         <a:spcBef>
                           <a:spcPts val="0"/>
                         </a:spcBef>
@@ -6300,7 +6468,7 @@
                       <a:endParaRPr/>
                     </a:p>
                     <a:p>
-                      <a:pPr indent="0" lvl="0" marL="0" rtl="0" algn="l">
+                      <a:pPr marL="0" lvl="0" indent="0" algn="l" rtl="0">
                         <a:spcBef>
                           <a:spcPts val="0"/>
                         </a:spcBef>
@@ -6316,8 +6484,13 @@
                       <a:endParaRPr/>
                     </a:p>
                   </a:txBody>
-                  <a:tcPr marT="91425" marB="91425" marR="91425" marL="91425"/>
+                  <a:tcPr marL="91425" marR="91425" marT="91425" marB="91425"/>
                 </a:tc>
+                <a:extLst>
+                  <a:ext uri="{0D108BD9-81ED-4DB2-BD59-A6C34878D82A}">
+                    <a16:rowId xmlns:a16="http://schemas.microsoft.com/office/drawing/2014/main" val="10001"/>
+                  </a:ext>
+                </a:extLst>
               </a:tr>
               <a:tr h="381000">
                 <a:tc>
@@ -6325,7 +6498,7 @@
                     <a:bodyPr/>
                     <a:lstStyle/>
                     <a:p>
-                      <a:pPr indent="0" lvl="0" marL="0" rtl="0" algn="l">
+                      <a:pPr marL="0" lvl="0" indent="0" algn="l" rtl="0">
                         <a:spcBef>
                           <a:spcPts val="0"/>
                         </a:spcBef>
@@ -6334,20 +6507,17 @@
                         </a:spcAft>
                         <a:buNone/>
                       </a:pPr>
-                      <a:r>
-                        <a:t/>
-                      </a:r>
                       <a:endParaRPr/>
                     </a:p>
                   </a:txBody>
-                  <a:tcPr marT="91425" marB="91425" marR="91425" marL="91425"/>
+                  <a:tcPr marL="91425" marR="91425" marT="91425" marB="91425"/>
                 </a:tc>
                 <a:tc>
                   <a:txBody>
                     <a:bodyPr/>
                     <a:lstStyle/>
                     <a:p>
-                      <a:pPr indent="0" lvl="0" marL="0" rtl="0" algn="l">
+                      <a:pPr marL="0" lvl="0" indent="0" algn="l" rtl="0">
                         <a:spcBef>
                           <a:spcPts val="0"/>
                         </a:spcBef>
@@ -6356,20 +6526,17 @@
                         </a:spcAft>
                         <a:buNone/>
                       </a:pPr>
-                      <a:r>
-                        <a:t/>
-                      </a:r>
                       <a:endParaRPr/>
                     </a:p>
                   </a:txBody>
-                  <a:tcPr marT="91425" marB="91425" marR="91425" marL="91425"/>
+                  <a:tcPr marL="91425" marR="91425" marT="91425" marB="91425"/>
                 </a:tc>
                 <a:tc>
                   <a:txBody>
                     <a:bodyPr/>
                     <a:lstStyle/>
                     <a:p>
-                      <a:pPr indent="0" lvl="0" marL="0" rtl="0" algn="l">
+                      <a:pPr marL="0" lvl="0" indent="0" algn="l" rtl="0">
                         <a:spcBef>
                           <a:spcPts val="0"/>
                         </a:spcBef>
@@ -6378,20 +6545,17 @@
                         </a:spcAft>
                         <a:buNone/>
                       </a:pPr>
-                      <a:r>
-                        <a:t/>
-                      </a:r>
                       <a:endParaRPr/>
                     </a:p>
                   </a:txBody>
-                  <a:tcPr marT="91425" marB="91425" marR="91425" marL="91425"/>
+                  <a:tcPr marL="91425" marR="91425" marT="91425" marB="91425"/>
                 </a:tc>
                 <a:tc>
                   <a:txBody>
                     <a:bodyPr/>
                     <a:lstStyle/>
                     <a:p>
-                      <a:pPr indent="0" lvl="0" marL="0" rtl="0" algn="l">
+                      <a:pPr marL="0" lvl="0" indent="0" algn="l" rtl="0">
                         <a:spcBef>
                           <a:spcPts val="0"/>
                         </a:spcBef>
@@ -6420,7 +6584,7 @@
                       </a:endParaRPr>
                     </a:p>
                     <a:p>
-                      <a:pPr indent="0" lvl="0" marL="0" rtl="0" algn="l">
+                      <a:pPr marL="0" lvl="0" indent="0" algn="l" rtl="0">
                         <a:spcBef>
                           <a:spcPts val="0"/>
                         </a:spcBef>
@@ -6445,8 +6609,13 @@
                       <a:endParaRPr/>
                     </a:p>
                   </a:txBody>
-                  <a:tcPr marT="91425" marB="91425" marR="91425" marL="91425"/>
+                  <a:tcPr marL="91425" marR="91425" marT="91425" marB="91425"/>
                 </a:tc>
+                <a:extLst>
+                  <a:ext uri="{0D108BD9-81ED-4DB2-BD59-A6C34878D82A}">
+                    <a16:rowId xmlns:a16="http://schemas.microsoft.com/office/drawing/2014/main" val="10002"/>
+                  </a:ext>
+                </a:extLst>
               </a:tr>
               <a:tr h="381000">
                 <a:tc>
@@ -6454,7 +6623,7 @@
                     <a:bodyPr/>
                     <a:lstStyle/>
                     <a:p>
-                      <a:pPr indent="0" lvl="0" marL="0" rtl="0" algn="l">
+                      <a:pPr marL="0" lvl="0" indent="0" algn="l" rtl="0">
                         <a:spcBef>
                           <a:spcPts val="0"/>
                         </a:spcBef>
@@ -6463,20 +6632,17 @@
                         </a:spcAft>
                         <a:buNone/>
                       </a:pPr>
-                      <a:r>
-                        <a:t/>
-                      </a:r>
                       <a:endParaRPr/>
                     </a:p>
                   </a:txBody>
-                  <a:tcPr marT="91425" marB="91425" marR="91425" marL="91425"/>
+                  <a:tcPr marL="91425" marR="91425" marT="91425" marB="91425"/>
                 </a:tc>
                 <a:tc>
                   <a:txBody>
                     <a:bodyPr/>
                     <a:lstStyle/>
                     <a:p>
-                      <a:pPr indent="0" lvl="0" marL="0" rtl="0" algn="l">
+                      <a:pPr marL="0" lvl="0" indent="0" algn="l" rtl="0">
                         <a:spcBef>
                           <a:spcPts val="0"/>
                         </a:spcBef>
@@ -6485,20 +6651,17 @@
                         </a:spcAft>
                         <a:buNone/>
                       </a:pPr>
-                      <a:r>
-                        <a:t/>
-                      </a:r>
                       <a:endParaRPr/>
                     </a:p>
                   </a:txBody>
-                  <a:tcPr marT="91425" marB="91425" marR="91425" marL="91425"/>
+                  <a:tcPr marL="91425" marR="91425" marT="91425" marB="91425"/>
                 </a:tc>
                 <a:tc>
                   <a:txBody>
                     <a:bodyPr/>
                     <a:lstStyle/>
                     <a:p>
-                      <a:pPr indent="0" lvl="0" marL="0" rtl="0" algn="l">
+                      <a:pPr marL="0" lvl="0" indent="0" algn="l" rtl="0">
                         <a:spcBef>
                           <a:spcPts val="0"/>
                         </a:spcBef>
@@ -6507,20 +6670,17 @@
                         </a:spcAft>
                         <a:buNone/>
                       </a:pPr>
-                      <a:r>
-                        <a:t/>
-                      </a:r>
                       <a:endParaRPr/>
                     </a:p>
                   </a:txBody>
-                  <a:tcPr marT="91425" marB="91425" marR="91425" marL="91425"/>
+                  <a:tcPr marL="91425" marR="91425" marT="91425" marB="91425"/>
                 </a:tc>
                 <a:tc>
                   <a:txBody>
                     <a:bodyPr/>
                     <a:lstStyle/>
                     <a:p>
-                      <a:pPr indent="0" lvl="0" marL="0" rtl="0" algn="l">
+                      <a:pPr marL="0" lvl="0" indent="0" algn="l" rtl="0">
                         <a:spcBef>
                           <a:spcPts val="0"/>
                         </a:spcBef>
@@ -6549,7 +6709,7 @@
                       </a:endParaRPr>
                     </a:p>
                     <a:p>
-                      <a:pPr indent="0" lvl="0" marL="0" rtl="0" algn="l">
+                      <a:pPr marL="0" lvl="0" indent="0" algn="l" rtl="0">
                         <a:spcBef>
                           <a:spcPts val="0"/>
                         </a:spcBef>
@@ -6574,8 +6734,13 @@
                       <a:endParaRPr/>
                     </a:p>
                   </a:txBody>
-                  <a:tcPr marT="91425" marB="91425" marR="91425" marL="91425"/>
+                  <a:tcPr marL="91425" marR="91425" marT="91425" marB="91425"/>
                 </a:tc>
+                <a:extLst>
+                  <a:ext uri="{0D108BD9-81ED-4DB2-BD59-A6C34878D82A}">
+                    <a16:rowId xmlns:a16="http://schemas.microsoft.com/office/drawing/2014/main" val="10003"/>
+                  </a:ext>
+                </a:extLst>
               </a:tr>
               <a:tr h="381000">
                 <a:tc>
@@ -6583,7 +6748,7 @@
                     <a:bodyPr/>
                     <a:lstStyle/>
                     <a:p>
-                      <a:pPr indent="0" lvl="0" marL="0" rtl="0" algn="l">
+                      <a:pPr marL="0" lvl="0" indent="0" algn="l" rtl="0">
                         <a:spcBef>
                           <a:spcPts val="0"/>
                         </a:spcBef>
@@ -6592,20 +6757,17 @@
                         </a:spcAft>
                         <a:buNone/>
                       </a:pPr>
-                      <a:r>
-                        <a:t/>
-                      </a:r>
                       <a:endParaRPr/>
                     </a:p>
                   </a:txBody>
-                  <a:tcPr marT="91425" marB="91425" marR="91425" marL="91425"/>
+                  <a:tcPr marL="91425" marR="91425" marT="91425" marB="91425"/>
                 </a:tc>
                 <a:tc>
                   <a:txBody>
                     <a:bodyPr/>
                     <a:lstStyle/>
                     <a:p>
-                      <a:pPr indent="0" lvl="0" marL="0" rtl="0" algn="l">
+                      <a:pPr marL="0" lvl="0" indent="0" algn="l" rtl="0">
                         <a:spcBef>
                           <a:spcPts val="0"/>
                         </a:spcBef>
@@ -6614,20 +6776,17 @@
                         </a:spcAft>
                         <a:buNone/>
                       </a:pPr>
-                      <a:r>
-                        <a:t/>
-                      </a:r>
                       <a:endParaRPr/>
                     </a:p>
                   </a:txBody>
-                  <a:tcPr marT="91425" marB="91425" marR="91425" marL="91425"/>
+                  <a:tcPr marL="91425" marR="91425" marT="91425" marB="91425"/>
                 </a:tc>
                 <a:tc>
                   <a:txBody>
                     <a:bodyPr/>
                     <a:lstStyle/>
                     <a:p>
-                      <a:pPr indent="0" lvl="0" marL="0" rtl="0" algn="l">
+                      <a:pPr marL="0" lvl="0" indent="0" algn="l" rtl="0">
                         <a:spcBef>
                           <a:spcPts val="0"/>
                         </a:spcBef>
@@ -6636,20 +6795,17 @@
                         </a:spcAft>
                         <a:buNone/>
                       </a:pPr>
-                      <a:r>
-                        <a:t/>
-                      </a:r>
                       <a:endParaRPr/>
                     </a:p>
                   </a:txBody>
-                  <a:tcPr marT="91425" marB="91425" marR="91425" marL="91425"/>
+                  <a:tcPr marL="91425" marR="91425" marT="91425" marB="91425"/>
                 </a:tc>
                 <a:tc>
                   <a:txBody>
                     <a:bodyPr/>
                     <a:lstStyle/>
                     <a:p>
-                      <a:pPr indent="0" lvl="0" marL="0" rtl="0" algn="l">
+                      <a:pPr marL="0" lvl="0" indent="0" algn="l" rtl="0">
                         <a:spcBef>
                           <a:spcPts val="0"/>
                         </a:spcBef>
@@ -6678,7 +6834,7 @@
                       </a:endParaRPr>
                     </a:p>
                     <a:p>
-                      <a:pPr indent="0" lvl="0" marL="0" rtl="0" algn="l">
+                      <a:pPr marL="0" lvl="0" indent="0" algn="l" rtl="0">
                         <a:spcBef>
                           <a:spcPts val="0"/>
                         </a:spcBef>
@@ -6703,8 +6859,13 @@
                       <a:endParaRPr/>
                     </a:p>
                   </a:txBody>
-                  <a:tcPr marT="91425" marB="91425" marR="91425" marL="91425"/>
+                  <a:tcPr marL="91425" marR="91425" marT="91425" marB="91425"/>
                 </a:tc>
+                <a:extLst>
+                  <a:ext uri="{0D108BD9-81ED-4DB2-BD59-A6C34878D82A}">
+                    <a16:rowId xmlns:a16="http://schemas.microsoft.com/office/drawing/2014/main" val="10004"/>
+                  </a:ext>
+                </a:extLst>
               </a:tr>
               <a:tr h="381000">
                 <a:tc>
@@ -6712,7 +6873,7 @@
                     <a:bodyPr/>
                     <a:lstStyle/>
                     <a:p>
-                      <a:pPr indent="0" lvl="0" marL="0" rtl="0" algn="l">
+                      <a:pPr marL="0" lvl="0" indent="0" algn="l" rtl="0">
                         <a:spcBef>
                           <a:spcPts val="0"/>
                         </a:spcBef>
@@ -6721,20 +6882,17 @@
                         </a:spcAft>
                         <a:buNone/>
                       </a:pPr>
-                      <a:r>
-                        <a:t/>
-                      </a:r>
                       <a:endParaRPr/>
                     </a:p>
                   </a:txBody>
-                  <a:tcPr marT="91425" marB="91425" marR="91425" marL="91425"/>
+                  <a:tcPr marL="91425" marR="91425" marT="91425" marB="91425"/>
                 </a:tc>
                 <a:tc>
                   <a:txBody>
                     <a:bodyPr/>
                     <a:lstStyle/>
                     <a:p>
-                      <a:pPr indent="0" lvl="0" marL="0" rtl="0" algn="l">
+                      <a:pPr marL="0" lvl="0" indent="0" algn="l" rtl="0">
                         <a:spcBef>
                           <a:spcPts val="0"/>
                         </a:spcBef>
@@ -6743,20 +6901,17 @@
                         </a:spcAft>
                         <a:buNone/>
                       </a:pPr>
-                      <a:r>
-                        <a:t/>
-                      </a:r>
                       <a:endParaRPr/>
                     </a:p>
                   </a:txBody>
-                  <a:tcPr marT="91425" marB="91425" marR="91425" marL="91425"/>
+                  <a:tcPr marL="91425" marR="91425" marT="91425" marB="91425"/>
                 </a:tc>
                 <a:tc>
                   <a:txBody>
                     <a:bodyPr/>
                     <a:lstStyle/>
                     <a:p>
-                      <a:pPr indent="0" lvl="0" marL="0" rtl="0" algn="l">
+                      <a:pPr marL="0" lvl="0" indent="0" algn="l" rtl="0">
                         <a:spcBef>
                           <a:spcPts val="0"/>
                         </a:spcBef>
@@ -6765,20 +6920,17 @@
                         </a:spcAft>
                         <a:buNone/>
                       </a:pPr>
-                      <a:r>
-                        <a:t/>
-                      </a:r>
                       <a:endParaRPr/>
                     </a:p>
                   </a:txBody>
-                  <a:tcPr marT="91425" marB="91425" marR="91425" marL="91425"/>
+                  <a:tcPr marL="91425" marR="91425" marT="91425" marB="91425"/>
                 </a:tc>
                 <a:tc>
                   <a:txBody>
                     <a:bodyPr/>
                     <a:lstStyle/>
                     <a:p>
-                      <a:pPr indent="0" lvl="0" marL="0" rtl="0" algn="l">
+                      <a:pPr marL="0" lvl="0" indent="0" algn="l" rtl="0">
                         <a:spcBef>
                           <a:spcPts val="0"/>
                         </a:spcBef>
@@ -6807,7 +6959,7 @@
                       </a:endParaRPr>
                     </a:p>
                     <a:p>
-                      <a:pPr indent="0" lvl="0" marL="0" rtl="0" algn="l">
+                      <a:pPr marL="0" lvl="0" indent="0" algn="l" rtl="0">
                         <a:spcBef>
                           <a:spcPts val="0"/>
                         </a:spcBef>
@@ -6832,8 +6984,13 @@
                       <a:endParaRPr/>
                     </a:p>
                   </a:txBody>
-                  <a:tcPr marT="91425" marB="91425" marR="91425" marL="91425"/>
+                  <a:tcPr marL="91425" marR="91425" marT="91425" marB="91425"/>
                 </a:tc>
+                <a:extLst>
+                  <a:ext uri="{0D108BD9-81ED-4DB2-BD59-A6C34878D82A}">
+                    <a16:rowId xmlns:a16="http://schemas.microsoft.com/office/drawing/2014/main" val="10005"/>
+                  </a:ext>
+                </a:extLst>
               </a:tr>
             </a:tbl>
           </a:graphicData>
@@ -6848,11 +7005,11 @@
 </file>
 
 <file path=ppt/slides/slide3.xml><?xml version="1.0" encoding="utf-8"?>
-<p:sld xmlns:a="http://schemas.openxmlformats.org/drawingml/2006/main" xmlns:r="http://schemas.openxmlformats.org/officeDocument/2006/relationships" xmlns:mc="http://schemas.openxmlformats.org/markup-compatibility/2006" xmlns:mv="urn:schemas-microsoft-com:mac:vml" xmlns:p="http://schemas.openxmlformats.org/presentationml/2006/main" xmlns:c="http://schemas.openxmlformats.org/drawingml/2006/chart" xmlns:dgm="http://schemas.openxmlformats.org/drawingml/2006/diagram" xmlns:o="urn:schemas-microsoft-com:office:office" xmlns:v="urn:schemas-microsoft-com:vml" xmlns:pvml="urn:schemas-microsoft-com:office:powerpoint" xmlns:com="http://schemas.openxmlformats.org/drawingml/2006/compatibility" xmlns:p14="http://schemas.microsoft.com/office/powerpoint/2010/main" xmlns:p15="http://schemas.microsoft.com/office/powerpoint/2012/main" xmlns:ahyp="http://schemas.microsoft.com/office/drawing/2018/hyperlinkcolor">
+<p:sld xmlns:a="http://schemas.openxmlformats.org/drawingml/2006/main" xmlns:r="http://schemas.openxmlformats.org/officeDocument/2006/relationships" xmlns:p="http://schemas.openxmlformats.org/presentationml/2006/main">
   <p:cSld>
     <p:spTree>
       <p:nvGrpSpPr>
-        <p:cNvPr id="65" name="Shape 65"/>
+        <p:cNvPr id="1" name="Shape 65"/>
         <p:cNvGrpSpPr/>
         <p:nvPr/>
       </p:nvGrpSpPr>
@@ -6867,7 +7024,9 @@
       <p:sp>
         <p:nvSpPr>
           <p:cNvPr id="66" name="Google Shape;66;p15"/>
-          <p:cNvSpPr txBox="1"/>
+          <p:cNvSpPr txBox="1">
+            <a:spLocks noGrp="1"/>
+          </p:cNvSpPr>
           <p:nvPr>
             <p:ph type="title"/>
           </p:nvPr>
@@ -6882,12 +7041,12 @@
           </a:prstGeom>
         </p:spPr>
         <p:txBody>
-          <a:bodyPr anchorCtr="0" anchor="t" bIns="91425" lIns="91425" spcFirstLastPara="1" rIns="91425" wrap="square" tIns="91425">
+          <a:bodyPr spcFirstLastPara="1" wrap="square" lIns="91425" tIns="91425" rIns="91425" bIns="91425" anchor="t" anchorCtr="0">
             <a:normAutofit fontScale="90000"/>
           </a:bodyPr>
           <a:lstStyle/>
           <a:p>
-            <a:pPr indent="0" lvl="0" marL="0" rtl="0" algn="l">
+            <a:pPr marL="0" lvl="0" indent="0" algn="l" rtl="0">
               <a:spcBef>
                 <a:spcPts val="0"/>
               </a:spcBef>
@@ -6907,9 +7066,11 @@
       <p:sp>
         <p:nvSpPr>
           <p:cNvPr id="67" name="Google Shape;67;p15"/>
-          <p:cNvSpPr txBox="1"/>
+          <p:cNvSpPr txBox="1">
+            <a:spLocks noGrp="1"/>
+          </p:cNvSpPr>
           <p:nvPr>
-            <p:ph idx="1" type="body"/>
+            <p:ph type="body" idx="1"/>
           </p:nvPr>
         </p:nvSpPr>
         <p:spPr>
@@ -6922,12 +7083,12 @@
           </a:prstGeom>
         </p:spPr>
         <p:txBody>
-          <a:bodyPr anchorCtr="0" anchor="t" bIns="91425" lIns="91425" spcFirstLastPara="1" rIns="91425" wrap="square" tIns="91425">
+          <a:bodyPr spcFirstLastPara="1" wrap="square" lIns="91425" tIns="91425" rIns="91425" bIns="91425" anchor="t" anchorCtr="0">
             <a:normAutofit/>
           </a:bodyPr>
           <a:lstStyle/>
           <a:p>
-            <a:pPr indent="0" lvl="0" marL="0" rtl="0" algn="l">
+            <a:pPr marL="0" lvl="0" indent="0" algn="l" rtl="0">
               <a:spcBef>
                 <a:spcPts val="0"/>
               </a:spcBef>
@@ -6937,10 +7098,32 @@
               <a:buNone/>
             </a:pPr>
             <a:r>
-              <a:rPr lang="en"/>
-              <a:t>[text, images, etc.]</a:t>
+              <a:rPr lang="en-US" dirty="0"/>
+              <a:t>Play, Rebuild, Repeat: A New </a:t>
             </a:r>
-            <a:endParaRPr/>
+            <a:r>
+              <a:rPr lang="en-US"/>
+              <a:t>LEGO Journey</a:t>
+            </a:r>
+          </a:p>
+          <a:p>
+            <a:pPr marL="0" lvl="0" indent="0" algn="l" rtl="0">
+              <a:spcBef>
+                <a:spcPts val="0"/>
+              </a:spcBef>
+              <a:spcAft>
+                <a:spcPts val="1200"/>
+              </a:spcAft>
+              <a:buNone/>
+            </a:pPr>
+            <a:r>
+              <a:rPr lang="en-US"/>
+              <a:t>Help </a:t>
+            </a:r>
+            <a:r>
+              <a:rPr lang="en-US" dirty="0"/>
+              <a:t>your kids discover endless adventures with their existing LEGO sets. Our AI-powered project detects similar parts across LEGO sets and crafts new, exciting building instructions for their old blocks!</a:t>
+            </a:r>
           </a:p>
         </p:txBody>
       </p:sp>
@@ -6953,11 +7136,11 @@
 </file>
 
 <file path=ppt/slides/slide4.xml><?xml version="1.0" encoding="utf-8"?>
-<p:sld xmlns:a="http://schemas.openxmlformats.org/drawingml/2006/main" xmlns:r="http://schemas.openxmlformats.org/officeDocument/2006/relationships" xmlns:mc="http://schemas.openxmlformats.org/markup-compatibility/2006" xmlns:mv="urn:schemas-microsoft-com:mac:vml" xmlns:p="http://schemas.openxmlformats.org/presentationml/2006/main" xmlns:c="http://schemas.openxmlformats.org/drawingml/2006/chart" xmlns:dgm="http://schemas.openxmlformats.org/drawingml/2006/diagram" xmlns:o="urn:schemas-microsoft-com:office:office" xmlns:v="urn:schemas-microsoft-com:vml" xmlns:pvml="urn:schemas-microsoft-com:office:powerpoint" xmlns:com="http://schemas.openxmlformats.org/drawingml/2006/compatibility" xmlns:p14="http://schemas.microsoft.com/office/powerpoint/2010/main" xmlns:p15="http://schemas.microsoft.com/office/powerpoint/2012/main" xmlns:ahyp="http://schemas.microsoft.com/office/drawing/2018/hyperlinkcolor">
+<p:sld xmlns:a="http://schemas.openxmlformats.org/drawingml/2006/main" xmlns:r="http://schemas.openxmlformats.org/officeDocument/2006/relationships" xmlns:p="http://schemas.openxmlformats.org/presentationml/2006/main">
   <p:cSld>
     <p:spTree>
       <p:nvGrpSpPr>
-        <p:cNvPr id="71" name="Shape 71"/>
+        <p:cNvPr id="1" name="Shape 71"/>
         <p:cNvGrpSpPr/>
         <p:nvPr/>
       </p:nvGrpSpPr>
@@ -6972,7 +7155,9 @@
       <p:sp>
         <p:nvSpPr>
           <p:cNvPr id="72" name="Google Shape;72;p16"/>
-          <p:cNvSpPr txBox="1"/>
+          <p:cNvSpPr txBox="1">
+            <a:spLocks noGrp="1"/>
+          </p:cNvSpPr>
           <p:nvPr>
             <p:ph type="title"/>
           </p:nvPr>
@@ -6987,12 +7172,12 @@
           </a:prstGeom>
         </p:spPr>
         <p:txBody>
-          <a:bodyPr anchorCtr="0" anchor="t" bIns="91425" lIns="91425" spcFirstLastPara="1" rIns="91425" wrap="square" tIns="91425">
+          <a:bodyPr spcFirstLastPara="1" wrap="square" lIns="91425" tIns="91425" rIns="91425" bIns="91425" anchor="t" anchorCtr="0">
             <a:normAutofit fontScale="90000"/>
           </a:bodyPr>
           <a:lstStyle/>
           <a:p>
-            <a:pPr indent="0" lvl="0" marL="0" rtl="0" algn="l">
+            <a:pPr marL="0" lvl="0" indent="0" algn="l" rtl="0">
               <a:spcBef>
                 <a:spcPts val="0"/>
               </a:spcBef>
@@ -7012,9 +7197,11 @@
       <p:sp>
         <p:nvSpPr>
           <p:cNvPr id="73" name="Google Shape;73;p16"/>
-          <p:cNvSpPr txBox="1"/>
+          <p:cNvSpPr txBox="1">
+            <a:spLocks noGrp="1"/>
+          </p:cNvSpPr>
           <p:nvPr>
-            <p:ph idx="1" type="body"/>
+            <p:ph type="body" idx="1"/>
           </p:nvPr>
         </p:nvSpPr>
         <p:spPr>
@@ -7027,12 +7214,12 @@
           </a:prstGeom>
         </p:spPr>
         <p:txBody>
-          <a:bodyPr anchorCtr="0" anchor="t" bIns="91425" lIns="91425" spcFirstLastPara="1" rIns="91425" wrap="square" tIns="91425">
+          <a:bodyPr spcFirstLastPara="1" wrap="square" lIns="91425" tIns="91425" rIns="91425" bIns="91425" anchor="t" anchorCtr="0">
             <a:normAutofit/>
           </a:bodyPr>
           <a:lstStyle/>
           <a:p>
-            <a:pPr indent="0" lvl="0" marL="0" rtl="0" algn="l">
+            <a:pPr marL="0" lvl="0" indent="0" algn="l" rtl="0">
               <a:spcBef>
                 <a:spcPts val="0"/>
               </a:spcBef>
@@ -7055,7 +7242,7 @@
             <a:endParaRPr/>
           </a:p>
           <a:p>
-            <a:pPr indent="0" lvl="0" marL="0" rtl="0" algn="l">
+            <a:pPr marL="0" lvl="0" indent="0" algn="l" rtl="0">
               <a:spcBef>
                 <a:spcPts val="1200"/>
               </a:spcBef>
@@ -7081,11 +7268,11 @@
 </file>
 
 <file path=ppt/slides/slide5.xml><?xml version="1.0" encoding="utf-8"?>
-<p:sld xmlns:a="http://schemas.openxmlformats.org/drawingml/2006/main" xmlns:r="http://schemas.openxmlformats.org/officeDocument/2006/relationships" xmlns:mc="http://schemas.openxmlformats.org/markup-compatibility/2006" xmlns:mv="urn:schemas-microsoft-com:mac:vml" xmlns:p="http://schemas.openxmlformats.org/presentationml/2006/main" xmlns:c="http://schemas.openxmlformats.org/drawingml/2006/chart" xmlns:dgm="http://schemas.openxmlformats.org/drawingml/2006/diagram" xmlns:o="urn:schemas-microsoft-com:office:office" xmlns:v="urn:schemas-microsoft-com:vml" xmlns:pvml="urn:schemas-microsoft-com:office:powerpoint" xmlns:com="http://schemas.openxmlformats.org/drawingml/2006/compatibility" xmlns:p14="http://schemas.microsoft.com/office/powerpoint/2010/main" xmlns:p15="http://schemas.microsoft.com/office/powerpoint/2012/main" xmlns:ahyp="http://schemas.microsoft.com/office/drawing/2018/hyperlinkcolor">
+<p:sld xmlns:a="http://schemas.openxmlformats.org/drawingml/2006/main" xmlns:r="http://schemas.openxmlformats.org/officeDocument/2006/relationships" xmlns:p="http://schemas.openxmlformats.org/presentationml/2006/main">
   <p:cSld>
     <p:spTree>
       <p:nvGrpSpPr>
-        <p:cNvPr id="77" name="Shape 77"/>
+        <p:cNvPr id="1" name="Shape 77"/>
         <p:cNvGrpSpPr/>
         <p:nvPr/>
       </p:nvGrpSpPr>
@@ -7100,7 +7287,9 @@
       <p:sp>
         <p:nvSpPr>
           <p:cNvPr id="78" name="Google Shape;78;p17"/>
-          <p:cNvSpPr txBox="1"/>
+          <p:cNvSpPr txBox="1">
+            <a:spLocks noGrp="1"/>
+          </p:cNvSpPr>
           <p:nvPr>
             <p:ph type="title"/>
           </p:nvPr>
@@ -7115,12 +7304,12 @@
           </a:prstGeom>
         </p:spPr>
         <p:txBody>
-          <a:bodyPr anchorCtr="0" anchor="t" bIns="91425" lIns="91425" spcFirstLastPara="1" rIns="91425" wrap="square" tIns="91425">
+          <a:bodyPr spcFirstLastPara="1" wrap="square" lIns="91425" tIns="91425" rIns="91425" bIns="91425" anchor="t" anchorCtr="0">
             <a:normAutofit fontScale="90000"/>
           </a:bodyPr>
           <a:lstStyle/>
           <a:p>
-            <a:pPr indent="0" lvl="0" marL="0" rtl="0" algn="l">
+            <a:pPr marL="0" lvl="0" indent="0" algn="l" rtl="0">
               <a:spcBef>
                 <a:spcPts val="0"/>
               </a:spcBef>
@@ -7140,9 +7329,11 @@
       <p:sp>
         <p:nvSpPr>
           <p:cNvPr id="79" name="Google Shape;79;p17"/>
-          <p:cNvSpPr txBox="1"/>
+          <p:cNvSpPr txBox="1">
+            <a:spLocks noGrp="1"/>
+          </p:cNvSpPr>
           <p:nvPr>
-            <p:ph idx="1" type="body"/>
+            <p:ph type="body" idx="1"/>
           </p:nvPr>
         </p:nvSpPr>
         <p:spPr>
@@ -7155,12 +7346,12 @@
           </a:prstGeom>
         </p:spPr>
         <p:txBody>
-          <a:bodyPr anchorCtr="0" anchor="t" bIns="91425" lIns="91425" spcFirstLastPara="1" rIns="91425" wrap="square" tIns="91425">
+          <a:bodyPr spcFirstLastPara="1" wrap="square" lIns="91425" tIns="91425" rIns="91425" bIns="91425" anchor="t" anchorCtr="0">
             <a:normAutofit/>
           </a:bodyPr>
           <a:lstStyle/>
           <a:p>
-            <a:pPr indent="0" lvl="0" marL="0" rtl="0" algn="l">
+            <a:pPr marL="0" lvl="0" indent="0" algn="l" rtl="0">
               <a:spcBef>
                 <a:spcPts val="0"/>
               </a:spcBef>
@@ -7186,11 +7377,11 @@
 </file>
 
 <file path=ppt/slides/slide6.xml><?xml version="1.0" encoding="utf-8"?>
-<p:sld xmlns:a="http://schemas.openxmlformats.org/drawingml/2006/main" xmlns:r="http://schemas.openxmlformats.org/officeDocument/2006/relationships" xmlns:mc="http://schemas.openxmlformats.org/markup-compatibility/2006" xmlns:mv="urn:schemas-microsoft-com:mac:vml" xmlns:p="http://schemas.openxmlformats.org/presentationml/2006/main" xmlns:c="http://schemas.openxmlformats.org/drawingml/2006/chart" xmlns:dgm="http://schemas.openxmlformats.org/drawingml/2006/diagram" xmlns:o="urn:schemas-microsoft-com:office:office" xmlns:v="urn:schemas-microsoft-com:vml" xmlns:pvml="urn:schemas-microsoft-com:office:powerpoint" xmlns:com="http://schemas.openxmlformats.org/drawingml/2006/compatibility" xmlns:p14="http://schemas.microsoft.com/office/powerpoint/2010/main" xmlns:p15="http://schemas.microsoft.com/office/powerpoint/2012/main" xmlns:ahyp="http://schemas.microsoft.com/office/drawing/2018/hyperlinkcolor">
+<p:sld xmlns:a="http://schemas.openxmlformats.org/drawingml/2006/main" xmlns:r="http://schemas.openxmlformats.org/officeDocument/2006/relationships" xmlns:p="http://schemas.openxmlformats.org/presentationml/2006/main">
   <p:cSld>
     <p:spTree>
       <p:nvGrpSpPr>
-        <p:cNvPr id="83" name="Shape 83"/>
+        <p:cNvPr id="1" name="Shape 83"/>
         <p:cNvGrpSpPr/>
         <p:nvPr/>
       </p:nvGrpSpPr>
@@ -7205,7 +7396,9 @@
       <p:sp>
         <p:nvSpPr>
           <p:cNvPr id="84" name="Google Shape;84;p18"/>
-          <p:cNvSpPr txBox="1"/>
+          <p:cNvSpPr txBox="1">
+            <a:spLocks noGrp="1"/>
+          </p:cNvSpPr>
           <p:nvPr>
             <p:ph type="title"/>
           </p:nvPr>
@@ -7220,12 +7413,12 @@
           </a:prstGeom>
         </p:spPr>
         <p:txBody>
-          <a:bodyPr anchorCtr="0" anchor="t" bIns="91425" lIns="91425" spcFirstLastPara="1" rIns="91425" wrap="square" tIns="91425">
+          <a:bodyPr spcFirstLastPara="1" wrap="square" lIns="91425" tIns="91425" rIns="91425" bIns="91425" anchor="t" anchorCtr="0">
             <a:normAutofit fontScale="90000"/>
           </a:bodyPr>
           <a:lstStyle/>
           <a:p>
-            <a:pPr indent="0" lvl="0" marL="0" rtl="0" algn="l">
+            <a:pPr marL="0" lvl="0" indent="0" algn="l" rtl="0">
               <a:spcBef>
                 <a:spcPts val="0"/>
               </a:spcBef>
@@ -7245,9 +7438,11 @@
       <p:sp>
         <p:nvSpPr>
           <p:cNvPr id="85" name="Google Shape;85;p18"/>
-          <p:cNvSpPr txBox="1"/>
+          <p:cNvSpPr txBox="1">
+            <a:spLocks noGrp="1"/>
+          </p:cNvSpPr>
           <p:nvPr>
-            <p:ph idx="1" type="body"/>
+            <p:ph type="body" idx="1"/>
           </p:nvPr>
         </p:nvSpPr>
         <p:spPr>
@@ -7260,12 +7455,12 @@
           </a:prstGeom>
         </p:spPr>
         <p:txBody>
-          <a:bodyPr anchorCtr="0" anchor="t" bIns="91425" lIns="91425" spcFirstLastPara="1" rIns="91425" wrap="square" tIns="91425">
+          <a:bodyPr spcFirstLastPara="1" wrap="square" lIns="91425" tIns="91425" rIns="91425" bIns="91425" anchor="t" anchorCtr="0">
             <a:normAutofit/>
           </a:bodyPr>
           <a:lstStyle/>
           <a:p>
-            <a:pPr indent="0" lvl="0" marL="0" rtl="0" algn="l">
+            <a:pPr marL="0" lvl="0" indent="0" algn="l" rtl="0">
               <a:spcBef>
                 <a:spcPts val="0"/>
               </a:spcBef>
@@ -7291,7 +7486,7 @@
 </file>
 
 <file path=ppt/theme/theme1.xml><?xml version="1.0" encoding="utf-8"?>
-<a:theme xmlns:a="http://schemas.openxmlformats.org/drawingml/2006/main" xmlns:r="http://schemas.openxmlformats.org/officeDocument/2006/relationships" name="Simple Light">
+<a:theme xmlns:a="http://schemas.openxmlformats.org/drawingml/2006/main" name="Simple Light">
   <a:themeElements>
     <a:clrScheme name="Simple Light">
       <a:dk1>
@@ -7566,11 +7761,13 @@
       </a:bgFillStyleLst>
     </a:fmtScheme>
   </a:themeElements>
+  <a:objectDefaults/>
+  <a:extraClrSchemeLst/>
 </a:theme>
 </file>
 
 <file path=ppt/theme/theme2.xml><?xml version="1.0" encoding="utf-8"?>
-<a:theme xmlns:a="http://schemas.openxmlformats.org/drawingml/2006/main" xmlns:r="http://schemas.openxmlformats.org/officeDocument/2006/relationships">
+<a:theme xmlns:a="http://schemas.openxmlformats.org/drawingml/2006/main">
   <a:themeElements>
     <a:clrScheme name="Default">
       <a:dk1>
@@ -7845,5 +8042,7 @@
       </a:bgFillStyleLst>
     </a:fmtScheme>
   </a:themeElements>
+  <a:objectDefaults/>
+  <a:extraClrSchemeLst/>
 </a:theme>
 </file>
--- a/Presentation/Team_3_Slides.pptx
+++ b/Presentation/Team_3_Slides.pptx
@@ -1,24 +1,40 @@
 
 <file path=ppt/presentation.xml><?xml version="1.0" encoding="utf-8"?>
-<p:presentation xmlns:a="http://schemas.openxmlformats.org/drawingml/2006/main" xmlns:r="http://schemas.openxmlformats.org/officeDocument/2006/relationships" xmlns:p="http://schemas.openxmlformats.org/presentationml/2006/main" strictFirstAndLastChars="0" saveSubsetFonts="1" autoCompressPictures="0">
+<p:presentation xmlns:a="http://schemas.openxmlformats.org/drawingml/2006/main" xmlns:r="http://schemas.openxmlformats.org/officeDocument/2006/relationships" xmlns:mc="http://schemas.openxmlformats.org/markup-compatibility/2006" xmlns:mv="urn:schemas-microsoft-com:mac:vml" xmlns:p="http://schemas.openxmlformats.org/presentationml/2006/main" xmlns:c="http://schemas.openxmlformats.org/drawingml/2006/chart" xmlns:dgm="http://schemas.openxmlformats.org/drawingml/2006/diagram" xmlns:o="urn:schemas-microsoft-com:office:office" xmlns:v="urn:schemas-microsoft-com:vml" xmlns:pvml="urn:schemas-microsoft-com:office:powerpoint" xmlns:com="http://schemas.openxmlformats.org/drawingml/2006/compatibility" xmlns:p14="http://schemas.microsoft.com/office/powerpoint/2010/main" xmlns:p15="http://schemas.microsoft.com/office/powerpoint/2012/main" xmlns:ahyp="http://schemas.microsoft.com/office/drawing/2018/hyperlinkcolor" autoCompressPictures="0" embedTrueTypeFonts="1" strictFirstAndLastChars="0" saveSubsetFonts="1">
   <p:sldMasterIdLst>
-    <p:sldMasterId id="2147483659" r:id="rId1"/>
+    <p:sldMasterId id="2147483659" r:id="rId5"/>
   </p:sldMasterIdLst>
   <p:notesMasterIdLst>
-    <p:notesMasterId r:id="rId8"/>
+    <p:notesMasterId r:id="rId6"/>
   </p:notesMasterIdLst>
   <p:sldIdLst>
-    <p:sldId id="256" r:id="rId2"/>
-    <p:sldId id="257" r:id="rId3"/>
-    <p:sldId id="258" r:id="rId4"/>
-    <p:sldId id="259" r:id="rId5"/>
-    <p:sldId id="260" r:id="rId6"/>
-    <p:sldId id="261" r:id="rId7"/>
+    <p:sldId id="256" r:id="rId7"/>
+    <p:sldId id="257" r:id="rId8"/>
+    <p:sldId id="258" r:id="rId9"/>
+    <p:sldId id="259" r:id="rId10"/>
+    <p:sldId id="260" r:id="rId11"/>
+    <p:sldId id="261" r:id="rId12"/>
+    <p:sldId id="262" r:id="rId13"/>
+    <p:sldId id="263" r:id="rId14"/>
   </p:sldIdLst>
-  <p:sldSz cx="9144000" cy="5143500" type="screen16x9"/>
+  <p:sldSz cy="5143500" cx="9144000"/>
   <p:notesSz cx="6858000" cy="9144000"/>
+  <p:embeddedFontLst>
+    <p:embeddedFont>
+      <p:font typeface="Amatic SC"/>
+      <p:regular r:id="rId15"/>
+      <p:bold r:id="rId16"/>
+    </p:embeddedFont>
+    <p:embeddedFont>
+      <p:font typeface="Poppins"/>
+      <p:regular r:id="rId17"/>
+      <p:bold r:id="rId18"/>
+      <p:italic r:id="rId19"/>
+      <p:boldItalic r:id="rId20"/>
+    </p:embeddedFont>
+  </p:embeddedFontLst>
   <p:defaultTextStyle>
-    <a:defPPr marR="0" lvl="0" algn="l" rtl="0">
+    <a:defPPr lvl="0" marR="0" rtl="0" algn="l">
       <a:lnSpc>
         <a:spcPct val="100000"/>
       </a:lnSpc>
@@ -29,7 +45,7 @@
         <a:spcPts val="0"/>
       </a:spcAft>
     </a:defPPr>
-    <a:lvl1pPr marR="0" lvl="0" algn="l" rtl="0">
+    <a:lvl1pPr lvl="0" marR="0" rtl="0" algn="l">
       <a:lnSpc>
         <a:spcPct val="100000"/>
       </a:lnSpc>
@@ -43,7 +59,7 @@
         <a:srgbClr val="000000"/>
       </a:buClr>
       <a:buFont typeface="Arial"/>
-      <a:defRPr sz="1400" b="0" i="0" u="none" strike="noStrike" cap="none">
+      <a:defRPr b="0" i="0" sz="1400" u="none" cap="none" strike="noStrike">
         <a:solidFill>
           <a:srgbClr val="000000"/>
         </a:solidFill>
@@ -53,7 +69,7 @@
         <a:sym typeface="Arial"/>
       </a:defRPr>
     </a:lvl1pPr>
-    <a:lvl2pPr marR="0" lvl="1" algn="l" rtl="0">
+    <a:lvl2pPr lvl="1" marR="0" rtl="0" algn="l">
       <a:lnSpc>
         <a:spcPct val="100000"/>
       </a:lnSpc>
@@ -67,7 +83,7 @@
         <a:srgbClr val="000000"/>
       </a:buClr>
       <a:buFont typeface="Arial"/>
-      <a:defRPr sz="1400" b="0" i="0" u="none" strike="noStrike" cap="none">
+      <a:defRPr b="0" i="0" sz="1400" u="none" cap="none" strike="noStrike">
         <a:solidFill>
           <a:srgbClr val="000000"/>
         </a:solidFill>
@@ -77,7 +93,7 @@
         <a:sym typeface="Arial"/>
       </a:defRPr>
     </a:lvl2pPr>
-    <a:lvl3pPr marR="0" lvl="2" algn="l" rtl="0">
+    <a:lvl3pPr lvl="2" marR="0" rtl="0" algn="l">
       <a:lnSpc>
         <a:spcPct val="100000"/>
       </a:lnSpc>
@@ -91,7 +107,7 @@
         <a:srgbClr val="000000"/>
       </a:buClr>
       <a:buFont typeface="Arial"/>
-      <a:defRPr sz="1400" b="0" i="0" u="none" strike="noStrike" cap="none">
+      <a:defRPr b="0" i="0" sz="1400" u="none" cap="none" strike="noStrike">
         <a:solidFill>
           <a:srgbClr val="000000"/>
         </a:solidFill>
@@ -101,7 +117,7 @@
         <a:sym typeface="Arial"/>
       </a:defRPr>
     </a:lvl3pPr>
-    <a:lvl4pPr marR="0" lvl="3" algn="l" rtl="0">
+    <a:lvl4pPr lvl="3" marR="0" rtl="0" algn="l">
       <a:lnSpc>
         <a:spcPct val="100000"/>
       </a:lnSpc>
@@ -115,7 +131,7 @@
         <a:srgbClr val="000000"/>
       </a:buClr>
       <a:buFont typeface="Arial"/>
-      <a:defRPr sz="1400" b="0" i="0" u="none" strike="noStrike" cap="none">
+      <a:defRPr b="0" i="0" sz="1400" u="none" cap="none" strike="noStrike">
         <a:solidFill>
           <a:srgbClr val="000000"/>
         </a:solidFill>
@@ -125,7 +141,7 @@
         <a:sym typeface="Arial"/>
       </a:defRPr>
     </a:lvl4pPr>
-    <a:lvl5pPr marR="0" lvl="4" algn="l" rtl="0">
+    <a:lvl5pPr lvl="4" marR="0" rtl="0" algn="l">
       <a:lnSpc>
         <a:spcPct val="100000"/>
       </a:lnSpc>
@@ -139,7 +155,7 @@
         <a:srgbClr val="000000"/>
       </a:buClr>
       <a:buFont typeface="Arial"/>
-      <a:defRPr sz="1400" b="0" i="0" u="none" strike="noStrike" cap="none">
+      <a:defRPr b="0" i="0" sz="1400" u="none" cap="none" strike="noStrike">
         <a:solidFill>
           <a:srgbClr val="000000"/>
         </a:solidFill>
@@ -149,7 +165,7 @@
         <a:sym typeface="Arial"/>
       </a:defRPr>
     </a:lvl5pPr>
-    <a:lvl6pPr marR="0" lvl="5" algn="l" rtl="0">
+    <a:lvl6pPr lvl="5" marR="0" rtl="0" algn="l">
       <a:lnSpc>
         <a:spcPct val="100000"/>
       </a:lnSpc>
@@ -163,7 +179,7 @@
         <a:srgbClr val="000000"/>
       </a:buClr>
       <a:buFont typeface="Arial"/>
-      <a:defRPr sz="1400" b="0" i="0" u="none" strike="noStrike" cap="none">
+      <a:defRPr b="0" i="0" sz="1400" u="none" cap="none" strike="noStrike">
         <a:solidFill>
           <a:srgbClr val="000000"/>
         </a:solidFill>
@@ -173,7 +189,7 @@
         <a:sym typeface="Arial"/>
       </a:defRPr>
     </a:lvl6pPr>
-    <a:lvl7pPr marR="0" lvl="6" algn="l" rtl="0">
+    <a:lvl7pPr lvl="6" marR="0" rtl="0" algn="l">
       <a:lnSpc>
         <a:spcPct val="100000"/>
       </a:lnSpc>
@@ -187,7 +203,7 @@
         <a:srgbClr val="000000"/>
       </a:buClr>
       <a:buFont typeface="Arial"/>
-      <a:defRPr sz="1400" b="0" i="0" u="none" strike="noStrike" cap="none">
+      <a:defRPr b="0" i="0" sz="1400" u="none" cap="none" strike="noStrike">
         <a:solidFill>
           <a:srgbClr val="000000"/>
         </a:solidFill>
@@ -197,7 +213,7 @@
         <a:sym typeface="Arial"/>
       </a:defRPr>
     </a:lvl7pPr>
-    <a:lvl8pPr marR="0" lvl="7" algn="l" rtl="0">
+    <a:lvl8pPr lvl="7" marR="0" rtl="0" algn="l">
       <a:lnSpc>
         <a:spcPct val="100000"/>
       </a:lnSpc>
@@ -211,7 +227,7 @@
         <a:srgbClr val="000000"/>
       </a:buClr>
       <a:buFont typeface="Arial"/>
-      <a:defRPr sz="1400" b="0" i="0" u="none" strike="noStrike" cap="none">
+      <a:defRPr b="0" i="0" sz="1400" u="none" cap="none" strike="noStrike">
         <a:solidFill>
           <a:srgbClr val="000000"/>
         </a:solidFill>
@@ -221,7 +237,7 @@
         <a:sym typeface="Arial"/>
       </a:defRPr>
     </a:lvl8pPr>
-    <a:lvl9pPr marR="0" lvl="8" algn="l" rtl="0">
+    <a:lvl9pPr lvl="8" marR="0" rtl="0" algn="l">
       <a:lnSpc>
         <a:spcPct val="100000"/>
       </a:lnSpc>
@@ -235,7 +251,7 @@
         <a:srgbClr val="000000"/>
       </a:buClr>
       <a:buFont typeface="Arial"/>
-      <a:defRPr sz="1400" b="0" i="0" u="none" strike="noStrike" cap="none">
+      <a:defRPr b="0" i="0" sz="1400" u="none" cap="none" strike="noStrike">
         <a:solidFill>
           <a:srgbClr val="000000"/>
         </a:solidFill>
@@ -248,7 +264,7 @@
   </p:defaultTextStyle>
   <p:extLst>
     <p:ext uri="{EFAFB233-063F-42B5-8137-9DF3F51BA10A}">
-      <p15:sldGuideLst xmlns:p15="http://schemas.microsoft.com/office/powerpoint/2012/main">
+      <p15:sldGuideLst>
         <p15:guide id="1" orient="horz" pos="1620">
           <p15:clr>
             <a:srgbClr val="747775"/>
@@ -266,16 +282,11 @@
 </file>
 
 <file path=ppt/notesMasters/notesMaster1.xml><?xml version="1.0" encoding="utf-8"?>
-<p:notesMaster xmlns:a="http://schemas.openxmlformats.org/drawingml/2006/main" xmlns:r="http://schemas.openxmlformats.org/officeDocument/2006/relationships" xmlns:p="http://schemas.openxmlformats.org/presentationml/2006/main">
+<p:notesMaster xmlns:a="http://schemas.openxmlformats.org/drawingml/2006/main" xmlns:r="http://schemas.openxmlformats.org/officeDocument/2006/relationships" xmlns:mc="http://schemas.openxmlformats.org/markup-compatibility/2006" xmlns:mv="urn:schemas-microsoft-com:mac:vml" xmlns:p="http://schemas.openxmlformats.org/presentationml/2006/main" xmlns:c="http://schemas.openxmlformats.org/drawingml/2006/chart" xmlns:dgm="http://schemas.openxmlformats.org/drawingml/2006/diagram" xmlns:o="urn:schemas-microsoft-com:office:office" xmlns:v="urn:schemas-microsoft-com:vml" xmlns:pvml="urn:schemas-microsoft-com:office:powerpoint" xmlns:com="http://schemas.openxmlformats.org/drawingml/2006/compatibility" xmlns:p14="http://schemas.microsoft.com/office/powerpoint/2010/main" xmlns:p15="http://schemas.microsoft.com/office/powerpoint/2012/main" xmlns:ahyp="http://schemas.microsoft.com/office/drawing/2018/hyperlinkcolor">
   <p:cSld>
-    <p:bg>
-      <p:bgRef idx="1001">
-        <a:schemeClr val="bg1"/>
-      </p:bgRef>
-    </p:bg>
     <p:spTree>
       <p:nvGrpSpPr>
-        <p:cNvPr id="1" name="Shape 2"/>
+        <p:cNvPr id="2" name="Shape 2"/>
         <p:cNvGrpSpPr/>
         <p:nvPr/>
       </p:nvGrpSpPr>
@@ -290,11 +301,9 @@
       <p:sp>
         <p:nvSpPr>
           <p:cNvPr id="3" name="Google Shape;3;n"/>
-          <p:cNvSpPr>
-            <a:spLocks noGrp="1" noRot="1" noChangeAspect="1"/>
-          </p:cNvSpPr>
+          <p:cNvSpPr/>
           <p:nvPr>
-            <p:ph type="sldImg" idx="2"/>
+            <p:ph idx="2" type="sldImg"/>
           </p:nvPr>
         </p:nvSpPr>
         <p:spPr>
@@ -303,13 +312,9 @@
             <a:ext cx="6096075" cy="3429000"/>
           </a:xfrm>
           <a:custGeom>
-            <a:avLst/>
-            <a:gdLst/>
-            <a:ahLst/>
-            <a:cxnLst/>
-            <a:rect l="l" t="t" r="r" b="b"/>
+            <a:rect b="b" l="l" r="r" t="t"/>
             <a:pathLst>
-              <a:path w="120000" h="120000" extrusionOk="0">
+              <a:path extrusionOk="0" h="120000" w="120000">
                 <a:moveTo>
                   <a:pt x="0" y="0"/>
                 </a:moveTo>
@@ -327,25 +332,23 @@
             </a:pathLst>
           </a:custGeom>
           <a:noFill/>
-          <a:ln w="9525" cap="flat" cmpd="sng">
+          <a:ln cap="flat" cmpd="sng" w="9525">
             <a:solidFill>
               <a:srgbClr val="000000"/>
             </a:solidFill>
             <a:prstDash val="solid"/>
             <a:round/>
-            <a:headEnd type="none" w="sm" len="sm"/>
-            <a:tailEnd type="none" w="sm" len="sm"/>
+            <a:headEnd len="sm" w="sm" type="none"/>
+            <a:tailEnd len="sm" w="sm" type="none"/>
           </a:ln>
         </p:spPr>
       </p:sp>
       <p:sp>
         <p:nvSpPr>
           <p:cNvPr id="4" name="Google Shape;4;n"/>
-          <p:cNvSpPr txBox="1">
-            <a:spLocks noGrp="1"/>
-          </p:cNvSpPr>
+          <p:cNvSpPr txBox="1"/>
           <p:nvPr>
-            <p:ph type="body" idx="1"/>
+            <p:ph idx="1" type="body"/>
           </p:nvPr>
         </p:nvSpPr>
         <p:spPr>
@@ -362,11 +365,11 @@
           </a:ln>
         </p:spPr>
         <p:txBody>
-          <a:bodyPr spcFirstLastPara="1" wrap="square" lIns="91425" tIns="91425" rIns="91425" bIns="91425" anchor="t" anchorCtr="0">
+          <a:bodyPr anchorCtr="0" anchor="t" bIns="91425" lIns="91425" spcFirstLastPara="1" rIns="91425" wrap="square" tIns="91425">
             <a:noAutofit/>
           </a:bodyPr>
           <a:lstStyle>
-            <a:lvl1pPr marL="457200" lvl="0" indent="-298450">
+            <a:lvl1pPr indent="-298450" lvl="0" marL="457200">
               <a:spcBef>
                 <a:spcPts val="0"/>
               </a:spcBef>
@@ -377,7 +380,7 @@
               <a:buChar char="●"/>
               <a:defRPr sz="1100"/>
             </a:lvl1pPr>
-            <a:lvl2pPr marL="914400" lvl="1" indent="-298450">
+            <a:lvl2pPr indent="-298450" lvl="1" marL="914400">
               <a:spcBef>
                 <a:spcPts val="0"/>
               </a:spcBef>
@@ -388,7 +391,7 @@
               <a:buChar char="○"/>
               <a:defRPr sz="1100"/>
             </a:lvl2pPr>
-            <a:lvl3pPr marL="1371600" lvl="2" indent="-298450">
+            <a:lvl3pPr indent="-298450" lvl="2" marL="1371600">
               <a:spcBef>
                 <a:spcPts val="0"/>
               </a:spcBef>
@@ -399,7 +402,7 @@
               <a:buChar char="■"/>
               <a:defRPr sz="1100"/>
             </a:lvl3pPr>
-            <a:lvl4pPr marL="1828800" lvl="3" indent="-298450">
+            <a:lvl4pPr indent="-298450" lvl="3" marL="1828800">
               <a:spcBef>
                 <a:spcPts val="0"/>
               </a:spcBef>
@@ -410,7 +413,7 @@
               <a:buChar char="●"/>
               <a:defRPr sz="1100"/>
             </a:lvl4pPr>
-            <a:lvl5pPr marL="2286000" lvl="4" indent="-298450">
+            <a:lvl5pPr indent="-298450" lvl="4" marL="2286000">
               <a:spcBef>
                 <a:spcPts val="0"/>
               </a:spcBef>
@@ -421,7 +424,7 @@
               <a:buChar char="○"/>
               <a:defRPr sz="1100"/>
             </a:lvl5pPr>
-            <a:lvl6pPr marL="2743200" lvl="5" indent="-298450">
+            <a:lvl6pPr indent="-298450" lvl="5" marL="2743200">
               <a:spcBef>
                 <a:spcPts val="0"/>
               </a:spcBef>
@@ -432,7 +435,7 @@
               <a:buChar char="■"/>
               <a:defRPr sz="1100"/>
             </a:lvl6pPr>
-            <a:lvl7pPr marL="3200400" lvl="6" indent="-298450">
+            <a:lvl7pPr indent="-298450" lvl="6" marL="3200400">
               <a:spcBef>
                 <a:spcPts val="0"/>
               </a:spcBef>
@@ -443,7 +446,7 @@
               <a:buChar char="●"/>
               <a:defRPr sz="1100"/>
             </a:lvl7pPr>
-            <a:lvl8pPr marL="3657600" lvl="7" indent="-298450">
+            <a:lvl8pPr indent="-298450" lvl="7" marL="3657600">
               <a:spcBef>
                 <a:spcPts val="0"/>
               </a:spcBef>
@@ -454,7 +457,7 @@
               <a:buChar char="○"/>
               <a:defRPr sz="1100"/>
             </a:lvl8pPr>
-            <a:lvl9pPr marL="4114800" lvl="8" indent="-298450">
+            <a:lvl9pPr indent="-298450" lvl="8" marL="4114800">
               <a:spcBef>
                 <a:spcPts val="0"/>
               </a:spcBef>
@@ -466,16 +469,14 @@
               <a:defRPr sz="1100"/>
             </a:lvl9pPr>
           </a:lstStyle>
-          <a:p>
-            <a:endParaRPr/>
-          </a:p>
+          <a:p/>
         </p:txBody>
       </p:sp>
     </p:spTree>
   </p:cSld>
-  <p:clrMap bg1="lt1" tx1="dk1" bg2="dk2" tx2="lt2" accent1="accent1" accent2="accent2" accent3="accent3" accent4="accent4" accent5="accent5" accent6="accent6" hlink="hlink" folHlink="folHlink"/>
+  <p:clrMap accent1="accent1" accent2="accent2" accent3="accent3" accent4="accent4" accent5="accent5" accent6="accent6" bg1="lt1" bg2="dk2" tx1="dk1" tx2="lt2" folHlink="folHlink" hlink="hlink"/>
   <p:notesStyle>
-    <a:defPPr marR="0" lvl="0" algn="l" rtl="0">
+    <a:defPPr lvl="0" marR="0" rtl="0" algn="l">
       <a:lnSpc>
         <a:spcPct val="100000"/>
       </a:lnSpc>
@@ -486,7 +487,7 @@
         <a:spcPts val="0"/>
       </a:spcAft>
     </a:defPPr>
-    <a:lvl1pPr marR="0" lvl="0" algn="l" rtl="0">
+    <a:lvl1pPr lvl="0" marR="0" rtl="0" algn="l">
       <a:lnSpc>
         <a:spcPct val="100000"/>
       </a:lnSpc>
@@ -500,7 +501,7 @@
         <a:srgbClr val="000000"/>
       </a:buClr>
       <a:buFont typeface="Arial"/>
-      <a:defRPr sz="1400" b="0" i="0" u="none" strike="noStrike" cap="none">
+      <a:defRPr b="0" i="0" sz="1400" u="none" cap="none" strike="noStrike">
         <a:solidFill>
           <a:srgbClr val="000000"/>
         </a:solidFill>
@@ -510,7 +511,7 @@
         <a:sym typeface="Arial"/>
       </a:defRPr>
     </a:lvl1pPr>
-    <a:lvl2pPr marR="0" lvl="1" algn="l" rtl="0">
+    <a:lvl2pPr lvl="1" marR="0" rtl="0" algn="l">
       <a:lnSpc>
         <a:spcPct val="100000"/>
       </a:lnSpc>
@@ -524,7 +525,7 @@
         <a:srgbClr val="000000"/>
       </a:buClr>
       <a:buFont typeface="Arial"/>
-      <a:defRPr sz="1400" b="0" i="0" u="none" strike="noStrike" cap="none">
+      <a:defRPr b="0" i="0" sz="1400" u="none" cap="none" strike="noStrike">
         <a:solidFill>
           <a:srgbClr val="000000"/>
         </a:solidFill>
@@ -534,7 +535,7 @@
         <a:sym typeface="Arial"/>
       </a:defRPr>
     </a:lvl2pPr>
-    <a:lvl3pPr marR="0" lvl="2" algn="l" rtl="0">
+    <a:lvl3pPr lvl="2" marR="0" rtl="0" algn="l">
       <a:lnSpc>
         <a:spcPct val="100000"/>
       </a:lnSpc>
@@ -548,7 +549,7 @@
         <a:srgbClr val="000000"/>
       </a:buClr>
       <a:buFont typeface="Arial"/>
-      <a:defRPr sz="1400" b="0" i="0" u="none" strike="noStrike" cap="none">
+      <a:defRPr b="0" i="0" sz="1400" u="none" cap="none" strike="noStrike">
         <a:solidFill>
           <a:srgbClr val="000000"/>
         </a:solidFill>
@@ -558,7 +559,7 @@
         <a:sym typeface="Arial"/>
       </a:defRPr>
     </a:lvl3pPr>
-    <a:lvl4pPr marR="0" lvl="3" algn="l" rtl="0">
+    <a:lvl4pPr lvl="3" marR="0" rtl="0" algn="l">
       <a:lnSpc>
         <a:spcPct val="100000"/>
       </a:lnSpc>
@@ -572,7 +573,7 @@
         <a:srgbClr val="000000"/>
       </a:buClr>
       <a:buFont typeface="Arial"/>
-      <a:defRPr sz="1400" b="0" i="0" u="none" strike="noStrike" cap="none">
+      <a:defRPr b="0" i="0" sz="1400" u="none" cap="none" strike="noStrike">
         <a:solidFill>
           <a:srgbClr val="000000"/>
         </a:solidFill>
@@ -582,7 +583,7 @@
         <a:sym typeface="Arial"/>
       </a:defRPr>
     </a:lvl4pPr>
-    <a:lvl5pPr marR="0" lvl="4" algn="l" rtl="0">
+    <a:lvl5pPr lvl="4" marR="0" rtl="0" algn="l">
       <a:lnSpc>
         <a:spcPct val="100000"/>
       </a:lnSpc>
@@ -596,7 +597,7 @@
         <a:srgbClr val="000000"/>
       </a:buClr>
       <a:buFont typeface="Arial"/>
-      <a:defRPr sz="1400" b="0" i="0" u="none" strike="noStrike" cap="none">
+      <a:defRPr b="0" i="0" sz="1400" u="none" cap="none" strike="noStrike">
         <a:solidFill>
           <a:srgbClr val="000000"/>
         </a:solidFill>
@@ -606,7 +607,7 @@
         <a:sym typeface="Arial"/>
       </a:defRPr>
     </a:lvl5pPr>
-    <a:lvl6pPr marR="0" lvl="5" algn="l" rtl="0">
+    <a:lvl6pPr lvl="5" marR="0" rtl="0" algn="l">
       <a:lnSpc>
         <a:spcPct val="100000"/>
       </a:lnSpc>
@@ -620,7 +621,7 @@
         <a:srgbClr val="000000"/>
       </a:buClr>
       <a:buFont typeface="Arial"/>
-      <a:defRPr sz="1400" b="0" i="0" u="none" strike="noStrike" cap="none">
+      <a:defRPr b="0" i="0" sz="1400" u="none" cap="none" strike="noStrike">
         <a:solidFill>
           <a:srgbClr val="000000"/>
         </a:solidFill>
@@ -630,7 +631,7 @@
         <a:sym typeface="Arial"/>
       </a:defRPr>
     </a:lvl6pPr>
-    <a:lvl7pPr marR="0" lvl="6" algn="l" rtl="0">
+    <a:lvl7pPr lvl="6" marR="0" rtl="0" algn="l">
       <a:lnSpc>
         <a:spcPct val="100000"/>
       </a:lnSpc>
@@ -644,7 +645,7 @@
         <a:srgbClr val="000000"/>
       </a:buClr>
       <a:buFont typeface="Arial"/>
-      <a:defRPr sz="1400" b="0" i="0" u="none" strike="noStrike" cap="none">
+      <a:defRPr b="0" i="0" sz="1400" u="none" cap="none" strike="noStrike">
         <a:solidFill>
           <a:srgbClr val="000000"/>
         </a:solidFill>
@@ -654,7 +655,7 @@
         <a:sym typeface="Arial"/>
       </a:defRPr>
     </a:lvl7pPr>
-    <a:lvl8pPr marR="0" lvl="7" algn="l" rtl="0">
+    <a:lvl8pPr lvl="7" marR="0" rtl="0" algn="l">
       <a:lnSpc>
         <a:spcPct val="100000"/>
       </a:lnSpc>
@@ -668,7 +669,7 @@
         <a:srgbClr val="000000"/>
       </a:buClr>
       <a:buFont typeface="Arial"/>
-      <a:defRPr sz="1400" b="0" i="0" u="none" strike="noStrike" cap="none">
+      <a:defRPr b="0" i="0" sz="1400" u="none" cap="none" strike="noStrike">
         <a:solidFill>
           <a:srgbClr val="000000"/>
         </a:solidFill>
@@ -678,7 +679,7 @@
         <a:sym typeface="Arial"/>
       </a:defRPr>
     </a:lvl8pPr>
-    <a:lvl9pPr marR="0" lvl="8" algn="l" rtl="0">
+    <a:lvl9pPr lvl="8" marR="0" rtl="0" algn="l">
       <a:lnSpc>
         <a:spcPct val="100000"/>
       </a:lnSpc>
@@ -692,7 +693,7 @@
         <a:srgbClr val="000000"/>
       </a:buClr>
       <a:buFont typeface="Arial"/>
-      <a:defRPr sz="1400" b="0" i="0" u="none" strike="noStrike" cap="none">
+      <a:defRPr b="0" i="0" sz="1400" u="none" cap="none" strike="noStrike">
         <a:solidFill>
           <a:srgbClr val="000000"/>
         </a:solidFill>
@@ -707,11 +708,11 @@
 </file>
 
 <file path=ppt/notesSlides/notesSlide1.xml><?xml version="1.0" encoding="utf-8"?>
-<p:notes xmlns:a="http://schemas.openxmlformats.org/drawingml/2006/main" xmlns:r="http://schemas.openxmlformats.org/officeDocument/2006/relationships" xmlns:p="http://schemas.openxmlformats.org/presentationml/2006/main" showMasterSp="0" showMasterPhAnim="0">
+<p:notes xmlns:a="http://schemas.openxmlformats.org/drawingml/2006/main" xmlns:r="http://schemas.openxmlformats.org/officeDocument/2006/relationships" xmlns:mc="http://schemas.openxmlformats.org/markup-compatibility/2006" xmlns:mv="urn:schemas-microsoft-com:mac:vml" xmlns:p="http://schemas.openxmlformats.org/presentationml/2006/main" xmlns:c="http://schemas.openxmlformats.org/drawingml/2006/chart" xmlns:dgm="http://schemas.openxmlformats.org/drawingml/2006/diagram" xmlns:o="urn:schemas-microsoft-com:office:office" xmlns:v="urn:schemas-microsoft-com:vml" xmlns:pvml="urn:schemas-microsoft-com:office:powerpoint" xmlns:com="http://schemas.openxmlformats.org/drawingml/2006/compatibility" xmlns:p14="http://schemas.microsoft.com/office/powerpoint/2010/main" xmlns:p15="http://schemas.microsoft.com/office/powerpoint/2012/main" xmlns:ahyp="http://schemas.microsoft.com/office/drawing/2018/hyperlinkcolor" showMasterPhAnim="0" showMasterSp="0">
   <p:cSld>
     <p:spTree>
       <p:nvGrpSpPr>
-        <p:cNvPr id="1" name="Shape 50"/>
+        <p:cNvPr id="51" name="Shape 51"/>
         <p:cNvGrpSpPr/>
         <p:nvPr/>
       </p:nvGrpSpPr>
@@ -725,27 +726,21 @@
       </p:grpSpPr>
       <p:sp>
         <p:nvSpPr>
-          <p:cNvPr id="51" name="Google Shape;51;p:notes"/>
-          <p:cNvSpPr>
-            <a:spLocks noGrp="1" noRot="1" noChangeAspect="1"/>
-          </p:cNvSpPr>
+          <p:cNvPr id="52" name="Google Shape;52;g32e7517075b_3_2:notes"/>
+          <p:cNvSpPr/>
           <p:nvPr>
-            <p:ph type="sldImg" idx="2"/>
+            <p:ph idx="2" type="sldImg"/>
           </p:nvPr>
         </p:nvSpPr>
         <p:spPr>
           <a:xfrm>
             <a:off x="381300" y="685800"/>
-            <a:ext cx="6096075" cy="3429000"/>
+            <a:ext cx="6096000" cy="3429000"/>
           </a:xfrm>
           <a:custGeom>
-            <a:avLst/>
-            <a:gdLst/>
-            <a:ahLst/>
-            <a:cxnLst/>
-            <a:rect l="l" t="t" r="r" b="b"/>
+            <a:rect b="b" l="l" r="r" t="t"/>
             <a:pathLst>
-              <a:path w="120000" h="120000" extrusionOk="0">
+              <a:path extrusionOk="0" h="120000" w="120000">
                 <a:moveTo>
                   <a:pt x="0" y="0"/>
                 </a:moveTo>
@@ -766,12 +761,10 @@
       </p:sp>
       <p:sp>
         <p:nvSpPr>
-          <p:cNvPr id="52" name="Google Shape;52;p:notes"/>
-          <p:cNvSpPr txBox="1">
-            <a:spLocks noGrp="1"/>
-          </p:cNvSpPr>
+          <p:cNvPr id="53" name="Google Shape;53;g32e7517075b_3_2:notes"/>
+          <p:cNvSpPr txBox="1"/>
           <p:nvPr>
-            <p:ph type="body" idx="1"/>
+            <p:ph idx="1" type="body"/>
           </p:nvPr>
         </p:nvSpPr>
         <p:spPr>
@@ -784,12 +777,12 @@
           </a:prstGeom>
         </p:spPr>
         <p:txBody>
-          <a:bodyPr spcFirstLastPara="1" wrap="square" lIns="91425" tIns="91425" rIns="91425" bIns="91425" anchor="t" anchorCtr="0">
+          <a:bodyPr anchorCtr="0" anchor="t" bIns="91425" lIns="91425" spcFirstLastPara="1" rIns="91425" wrap="square" tIns="91425">
             <a:noAutofit/>
           </a:bodyPr>
           <a:lstStyle/>
           <a:p>
-            <a:pPr marL="0" lvl="0" indent="0" algn="l" rtl="0">
+            <a:pPr indent="0" lvl="0" marL="0" rtl="0" algn="l">
               <a:spcBef>
                 <a:spcPts val="0"/>
               </a:spcBef>
@@ -798,6 +791,9 @@
               </a:spcAft>
               <a:buNone/>
             </a:pPr>
+            <a:r>
+              <a:t/>
+            </a:r>
             <a:endParaRPr/>
           </a:p>
         </p:txBody>
@@ -811,11 +807,11 @@
 </file>
 
 <file path=ppt/notesSlides/notesSlide2.xml><?xml version="1.0" encoding="utf-8"?>
-<p:notes xmlns:a="http://schemas.openxmlformats.org/drawingml/2006/main" xmlns:r="http://schemas.openxmlformats.org/officeDocument/2006/relationships" xmlns:p="http://schemas.openxmlformats.org/presentationml/2006/main" showMasterSp="0" showMasterPhAnim="0">
+<p:notes xmlns:a="http://schemas.openxmlformats.org/drawingml/2006/main" xmlns:r="http://schemas.openxmlformats.org/officeDocument/2006/relationships" xmlns:mc="http://schemas.openxmlformats.org/markup-compatibility/2006" xmlns:mv="urn:schemas-microsoft-com:mac:vml" xmlns:p="http://schemas.openxmlformats.org/presentationml/2006/main" xmlns:c="http://schemas.openxmlformats.org/drawingml/2006/chart" xmlns:dgm="http://schemas.openxmlformats.org/drawingml/2006/diagram" xmlns:o="urn:schemas-microsoft-com:office:office" xmlns:v="urn:schemas-microsoft-com:vml" xmlns:pvml="urn:schemas-microsoft-com:office:powerpoint" xmlns:com="http://schemas.openxmlformats.org/drawingml/2006/compatibility" xmlns:p14="http://schemas.microsoft.com/office/powerpoint/2010/main" xmlns:p15="http://schemas.microsoft.com/office/powerpoint/2012/main" xmlns:ahyp="http://schemas.microsoft.com/office/drawing/2018/hyperlinkcolor" showMasterPhAnim="0" showMasterSp="0">
   <p:cSld>
     <p:spTree>
       <p:nvGrpSpPr>
-        <p:cNvPr id="1" name="Shape 56"/>
+        <p:cNvPr id="58" name="Shape 58"/>
         <p:cNvGrpSpPr/>
         <p:nvPr/>
       </p:nvGrpSpPr>
@@ -829,12 +825,10 @@
       </p:grpSpPr>
       <p:sp>
         <p:nvSpPr>
-          <p:cNvPr id="57" name="Google Shape;57;g324aa4e752f_0_10:notes"/>
-          <p:cNvSpPr>
-            <a:spLocks noGrp="1" noRot="1" noChangeAspect="1"/>
-          </p:cNvSpPr>
+          <p:cNvPr id="59" name="Google Shape;59;g324aa4e752f_0_10:notes"/>
+          <p:cNvSpPr/>
           <p:nvPr>
-            <p:ph type="sldImg" idx="2"/>
+            <p:ph idx="2" type="sldImg"/>
           </p:nvPr>
         </p:nvSpPr>
         <p:spPr>
@@ -843,13 +837,9 @@
             <a:ext cx="6096000" cy="3429000"/>
           </a:xfrm>
           <a:custGeom>
-            <a:avLst/>
-            <a:gdLst/>
-            <a:ahLst/>
-            <a:cxnLst/>
-            <a:rect l="l" t="t" r="r" b="b"/>
+            <a:rect b="b" l="l" r="r" t="t"/>
             <a:pathLst>
-              <a:path w="120000" h="120000" extrusionOk="0">
+              <a:path extrusionOk="0" h="120000" w="120000">
                 <a:moveTo>
                   <a:pt x="0" y="0"/>
                 </a:moveTo>
@@ -870,12 +860,10 @@
       </p:sp>
       <p:sp>
         <p:nvSpPr>
-          <p:cNvPr id="58" name="Google Shape;58;g324aa4e752f_0_10:notes"/>
-          <p:cNvSpPr txBox="1">
-            <a:spLocks noGrp="1"/>
-          </p:cNvSpPr>
+          <p:cNvPr id="60" name="Google Shape;60;g324aa4e752f_0_10:notes"/>
+          <p:cNvSpPr txBox="1"/>
           <p:nvPr>
-            <p:ph type="body" idx="1"/>
+            <p:ph idx="1" type="body"/>
           </p:nvPr>
         </p:nvSpPr>
         <p:spPr>
@@ -888,12 +876,12 @@
           </a:prstGeom>
         </p:spPr>
         <p:txBody>
-          <a:bodyPr spcFirstLastPara="1" wrap="square" lIns="91425" tIns="91425" rIns="91425" bIns="91425" anchor="t" anchorCtr="0">
+          <a:bodyPr anchorCtr="0" anchor="t" bIns="91425" lIns="91425" spcFirstLastPara="1" rIns="91425" wrap="square" tIns="91425">
             <a:noAutofit/>
           </a:bodyPr>
           <a:lstStyle/>
           <a:p>
-            <a:pPr marL="0" lvl="0" indent="0" algn="l" rtl="0">
+            <a:pPr indent="0" lvl="0" marL="0" rtl="0" algn="l">
               <a:spcBef>
                 <a:spcPts val="0"/>
               </a:spcBef>
@@ -902,6 +890,9 @@
               </a:spcAft>
               <a:buNone/>
             </a:pPr>
+            <a:r>
+              <a:t/>
+            </a:r>
             <a:endParaRPr/>
           </a:p>
         </p:txBody>
@@ -915,11 +906,11 @@
 </file>
 
 <file path=ppt/notesSlides/notesSlide3.xml><?xml version="1.0" encoding="utf-8"?>
-<p:notes xmlns:a="http://schemas.openxmlformats.org/drawingml/2006/main" xmlns:r="http://schemas.openxmlformats.org/officeDocument/2006/relationships" xmlns:p="http://schemas.openxmlformats.org/presentationml/2006/main" showMasterSp="0" showMasterPhAnim="0">
+<p:notes xmlns:a="http://schemas.openxmlformats.org/drawingml/2006/main" xmlns:r="http://schemas.openxmlformats.org/officeDocument/2006/relationships" xmlns:mc="http://schemas.openxmlformats.org/markup-compatibility/2006" xmlns:mv="urn:schemas-microsoft-com:mac:vml" xmlns:p="http://schemas.openxmlformats.org/presentationml/2006/main" xmlns:c="http://schemas.openxmlformats.org/drawingml/2006/chart" xmlns:dgm="http://schemas.openxmlformats.org/drawingml/2006/diagram" xmlns:o="urn:schemas-microsoft-com:office:office" xmlns:v="urn:schemas-microsoft-com:vml" xmlns:pvml="urn:schemas-microsoft-com:office:powerpoint" xmlns:com="http://schemas.openxmlformats.org/drawingml/2006/compatibility" xmlns:p14="http://schemas.microsoft.com/office/powerpoint/2010/main" xmlns:p15="http://schemas.microsoft.com/office/powerpoint/2012/main" xmlns:ahyp="http://schemas.microsoft.com/office/drawing/2018/hyperlinkcolor" showMasterPhAnim="0" showMasterSp="0">
   <p:cSld>
     <p:spTree>
       <p:nvGrpSpPr>
-        <p:cNvPr id="1" name="Shape 62"/>
+        <p:cNvPr id="64" name="Shape 64"/>
         <p:cNvGrpSpPr/>
         <p:nvPr/>
       </p:nvGrpSpPr>
@@ -933,27 +924,21 @@
       </p:grpSpPr>
       <p:sp>
         <p:nvSpPr>
-          <p:cNvPr id="63" name="Google Shape;63;g324aa4e752f_6_0:notes"/>
-          <p:cNvSpPr>
-            <a:spLocks noGrp="1" noRot="1" noChangeAspect="1"/>
-          </p:cNvSpPr>
+          <p:cNvPr id="65" name="Google Shape;65;g324aa4e752f_6_0:notes"/>
+          <p:cNvSpPr/>
           <p:nvPr>
-            <p:ph type="sldImg" idx="2"/>
+            <p:ph idx="2" type="sldImg"/>
           </p:nvPr>
         </p:nvSpPr>
         <p:spPr>
           <a:xfrm>
-            <a:off x="381000" y="685800"/>
+            <a:off x="381300" y="685800"/>
             <a:ext cx="6096000" cy="3429000"/>
           </a:xfrm>
           <a:custGeom>
-            <a:avLst/>
-            <a:gdLst/>
-            <a:ahLst/>
-            <a:cxnLst/>
-            <a:rect l="l" t="t" r="r" b="b"/>
+            <a:rect b="b" l="l" r="r" t="t"/>
             <a:pathLst>
-              <a:path w="120000" h="120000" extrusionOk="0">
+              <a:path extrusionOk="0" h="120000" w="120000">
                 <a:moveTo>
                   <a:pt x="0" y="0"/>
                 </a:moveTo>
@@ -974,12 +959,10 @@
       </p:sp>
       <p:sp>
         <p:nvSpPr>
-          <p:cNvPr id="64" name="Google Shape;64;g324aa4e752f_6_0:notes"/>
-          <p:cNvSpPr txBox="1">
-            <a:spLocks noGrp="1"/>
-          </p:cNvSpPr>
+          <p:cNvPr id="66" name="Google Shape;66;g324aa4e752f_6_0:notes"/>
+          <p:cNvSpPr txBox="1"/>
           <p:nvPr>
-            <p:ph type="body" idx="1"/>
+            <p:ph idx="1" type="body"/>
           </p:nvPr>
         </p:nvSpPr>
         <p:spPr>
@@ -992,12 +975,12 @@
           </a:prstGeom>
         </p:spPr>
         <p:txBody>
-          <a:bodyPr spcFirstLastPara="1" wrap="square" lIns="91425" tIns="91425" rIns="91425" bIns="91425" anchor="t" anchorCtr="0">
+          <a:bodyPr anchorCtr="0" anchor="t" bIns="91425" lIns="91425" spcFirstLastPara="1" rIns="91425" wrap="square" tIns="91425">
             <a:noAutofit/>
           </a:bodyPr>
           <a:lstStyle/>
           <a:p>
-            <a:pPr marL="0" lvl="0" indent="0" algn="l" rtl="0">
+            <a:pPr indent="0" lvl="0" marL="0" rtl="0" algn="l">
               <a:spcBef>
                 <a:spcPts val="0"/>
               </a:spcBef>
@@ -1006,6 +989,9 @@
               </a:spcAft>
               <a:buNone/>
             </a:pPr>
+            <a:r>
+              <a:t/>
+            </a:r>
             <a:endParaRPr/>
           </a:p>
         </p:txBody>
@@ -1019,11 +1005,11 @@
 </file>
 
 <file path=ppt/notesSlides/notesSlide4.xml><?xml version="1.0" encoding="utf-8"?>
-<p:notes xmlns:a="http://schemas.openxmlformats.org/drawingml/2006/main" xmlns:r="http://schemas.openxmlformats.org/officeDocument/2006/relationships" xmlns:p="http://schemas.openxmlformats.org/presentationml/2006/main" showMasterSp="0" showMasterPhAnim="0">
+<p:notes xmlns:a="http://schemas.openxmlformats.org/drawingml/2006/main" xmlns:r="http://schemas.openxmlformats.org/officeDocument/2006/relationships" xmlns:mc="http://schemas.openxmlformats.org/markup-compatibility/2006" xmlns:mv="urn:schemas-microsoft-com:mac:vml" xmlns:p="http://schemas.openxmlformats.org/presentationml/2006/main" xmlns:c="http://schemas.openxmlformats.org/drawingml/2006/chart" xmlns:dgm="http://schemas.openxmlformats.org/drawingml/2006/diagram" xmlns:o="urn:schemas-microsoft-com:office:office" xmlns:v="urn:schemas-microsoft-com:vml" xmlns:pvml="urn:schemas-microsoft-com:office:powerpoint" xmlns:com="http://schemas.openxmlformats.org/drawingml/2006/compatibility" xmlns:p14="http://schemas.microsoft.com/office/powerpoint/2010/main" xmlns:p15="http://schemas.microsoft.com/office/powerpoint/2012/main" xmlns:ahyp="http://schemas.microsoft.com/office/drawing/2018/hyperlinkcolor" showMasterPhAnim="0" showMasterSp="0">
   <p:cSld>
     <p:spTree>
       <p:nvGrpSpPr>
-        <p:cNvPr id="1" name="Shape 68"/>
+        <p:cNvPr id="70" name="Shape 70"/>
         <p:cNvGrpSpPr/>
         <p:nvPr/>
       </p:nvGrpSpPr>
@@ -1037,12 +1023,10 @@
       </p:grpSpPr>
       <p:sp>
         <p:nvSpPr>
-          <p:cNvPr id="69" name="Google Shape;69;g324aa4e752f_0_15:notes"/>
-          <p:cNvSpPr>
-            <a:spLocks noGrp="1" noRot="1" noChangeAspect="1"/>
-          </p:cNvSpPr>
+          <p:cNvPr id="71" name="Google Shape;71;g324aa4e752f_0_15:notes"/>
+          <p:cNvSpPr/>
           <p:nvPr>
-            <p:ph type="sldImg" idx="2"/>
+            <p:ph idx="2" type="sldImg"/>
           </p:nvPr>
         </p:nvSpPr>
         <p:spPr>
@@ -1051,13 +1035,9 @@
             <a:ext cx="6096000" cy="3429000"/>
           </a:xfrm>
           <a:custGeom>
-            <a:avLst/>
-            <a:gdLst/>
-            <a:ahLst/>
-            <a:cxnLst/>
-            <a:rect l="l" t="t" r="r" b="b"/>
+            <a:rect b="b" l="l" r="r" t="t"/>
             <a:pathLst>
-              <a:path w="120000" h="120000" extrusionOk="0">
+              <a:path extrusionOk="0" h="120000" w="120000">
                 <a:moveTo>
                   <a:pt x="0" y="0"/>
                 </a:moveTo>
@@ -1078,12 +1058,10 @@
       </p:sp>
       <p:sp>
         <p:nvSpPr>
-          <p:cNvPr id="70" name="Google Shape;70;g324aa4e752f_0_15:notes"/>
-          <p:cNvSpPr txBox="1">
-            <a:spLocks noGrp="1"/>
-          </p:cNvSpPr>
+          <p:cNvPr id="72" name="Google Shape;72;g324aa4e752f_0_15:notes"/>
+          <p:cNvSpPr txBox="1"/>
           <p:nvPr>
-            <p:ph type="body" idx="1"/>
+            <p:ph idx="1" type="body"/>
           </p:nvPr>
         </p:nvSpPr>
         <p:spPr>
@@ -1096,12 +1074,12 @@
           </a:prstGeom>
         </p:spPr>
         <p:txBody>
-          <a:bodyPr spcFirstLastPara="1" wrap="square" lIns="91425" tIns="91425" rIns="91425" bIns="91425" anchor="t" anchorCtr="0">
+          <a:bodyPr anchorCtr="0" anchor="t" bIns="91425" lIns="91425" spcFirstLastPara="1" rIns="91425" wrap="square" tIns="91425">
             <a:noAutofit/>
           </a:bodyPr>
           <a:lstStyle/>
           <a:p>
-            <a:pPr marL="0" lvl="0" indent="0" algn="l" rtl="0">
+            <a:pPr indent="0" lvl="0" marL="0" rtl="0" algn="l">
               <a:spcBef>
                 <a:spcPts val="0"/>
               </a:spcBef>
@@ -1110,6 +1088,9 @@
               </a:spcAft>
               <a:buNone/>
             </a:pPr>
+            <a:r>
+              <a:t/>
+            </a:r>
             <a:endParaRPr/>
           </a:p>
         </p:txBody>
@@ -1123,11 +1104,11 @@
 </file>
 
 <file path=ppt/notesSlides/notesSlide5.xml><?xml version="1.0" encoding="utf-8"?>
-<p:notes xmlns:a="http://schemas.openxmlformats.org/drawingml/2006/main" xmlns:r="http://schemas.openxmlformats.org/officeDocument/2006/relationships" xmlns:p="http://schemas.openxmlformats.org/presentationml/2006/main" showMasterSp="0" showMasterPhAnim="0">
+<p:notes xmlns:a="http://schemas.openxmlformats.org/drawingml/2006/main" xmlns:r="http://schemas.openxmlformats.org/officeDocument/2006/relationships" xmlns:mc="http://schemas.openxmlformats.org/markup-compatibility/2006" xmlns:mv="urn:schemas-microsoft-com:mac:vml" xmlns:p="http://schemas.openxmlformats.org/presentationml/2006/main" xmlns:c="http://schemas.openxmlformats.org/drawingml/2006/chart" xmlns:dgm="http://schemas.openxmlformats.org/drawingml/2006/diagram" xmlns:o="urn:schemas-microsoft-com:office:office" xmlns:v="urn:schemas-microsoft-com:vml" xmlns:pvml="urn:schemas-microsoft-com:office:powerpoint" xmlns:com="http://schemas.openxmlformats.org/drawingml/2006/compatibility" xmlns:p14="http://schemas.microsoft.com/office/powerpoint/2010/main" xmlns:p15="http://schemas.microsoft.com/office/powerpoint/2012/main" xmlns:ahyp="http://schemas.microsoft.com/office/drawing/2018/hyperlinkcolor" showMasterPhAnim="0" showMasterSp="0">
   <p:cSld>
     <p:spTree>
       <p:nvGrpSpPr>
-        <p:cNvPr id="1" name="Shape 74"/>
+        <p:cNvPr id="76" name="Shape 76"/>
         <p:cNvGrpSpPr/>
         <p:nvPr/>
       </p:nvGrpSpPr>
@@ -1141,12 +1122,10 @@
       </p:grpSpPr>
       <p:sp>
         <p:nvSpPr>
-          <p:cNvPr id="75" name="Google Shape;75;g324aa4e752f_6_6:notes"/>
-          <p:cNvSpPr>
-            <a:spLocks noGrp="1" noRot="1" noChangeAspect="1"/>
-          </p:cNvSpPr>
+          <p:cNvPr id="77" name="Google Shape;77;g324aa4e752f_6_6:notes"/>
+          <p:cNvSpPr/>
           <p:nvPr>
-            <p:ph type="sldImg" idx="2"/>
+            <p:ph idx="2" type="sldImg"/>
           </p:nvPr>
         </p:nvSpPr>
         <p:spPr>
@@ -1155,13 +1134,9 @@
             <a:ext cx="6096000" cy="3429000"/>
           </a:xfrm>
           <a:custGeom>
-            <a:avLst/>
-            <a:gdLst/>
-            <a:ahLst/>
-            <a:cxnLst/>
-            <a:rect l="l" t="t" r="r" b="b"/>
+            <a:rect b="b" l="l" r="r" t="t"/>
             <a:pathLst>
-              <a:path w="120000" h="120000" extrusionOk="0">
+              <a:path extrusionOk="0" h="120000" w="120000">
                 <a:moveTo>
                   <a:pt x="0" y="0"/>
                 </a:moveTo>
@@ -1182,12 +1157,10 @@
       </p:sp>
       <p:sp>
         <p:nvSpPr>
-          <p:cNvPr id="76" name="Google Shape;76;g324aa4e752f_6_6:notes"/>
-          <p:cNvSpPr txBox="1">
-            <a:spLocks noGrp="1"/>
-          </p:cNvSpPr>
+          <p:cNvPr id="78" name="Google Shape;78;g324aa4e752f_6_6:notes"/>
+          <p:cNvSpPr txBox="1"/>
           <p:nvPr>
-            <p:ph type="body" idx="1"/>
+            <p:ph idx="1" type="body"/>
           </p:nvPr>
         </p:nvSpPr>
         <p:spPr>
@@ -1200,12 +1173,12 @@
           </a:prstGeom>
         </p:spPr>
         <p:txBody>
-          <a:bodyPr spcFirstLastPara="1" wrap="square" lIns="91425" tIns="91425" rIns="91425" bIns="91425" anchor="t" anchorCtr="0">
+          <a:bodyPr anchorCtr="0" anchor="t" bIns="91425" lIns="91425" spcFirstLastPara="1" rIns="91425" wrap="square" tIns="91425">
             <a:noAutofit/>
           </a:bodyPr>
           <a:lstStyle/>
           <a:p>
-            <a:pPr marL="0" lvl="0" indent="0" algn="l" rtl="0">
+            <a:pPr indent="0" lvl="0" marL="0" rtl="0" algn="l">
               <a:spcBef>
                 <a:spcPts val="0"/>
               </a:spcBef>
@@ -1214,6 +1187,9 @@
               </a:spcAft>
               <a:buNone/>
             </a:pPr>
+            <a:r>
+              <a:t/>
+            </a:r>
             <a:endParaRPr/>
           </a:p>
         </p:txBody>
@@ -1227,11 +1203,11 @@
 </file>
 
 <file path=ppt/notesSlides/notesSlide6.xml><?xml version="1.0" encoding="utf-8"?>
-<p:notes xmlns:a="http://schemas.openxmlformats.org/drawingml/2006/main" xmlns:r="http://schemas.openxmlformats.org/officeDocument/2006/relationships" xmlns:p="http://schemas.openxmlformats.org/presentationml/2006/main" showMasterSp="0" showMasterPhAnim="0">
+<p:notes xmlns:a="http://schemas.openxmlformats.org/drawingml/2006/main" xmlns:r="http://schemas.openxmlformats.org/officeDocument/2006/relationships" xmlns:mc="http://schemas.openxmlformats.org/markup-compatibility/2006" xmlns:mv="urn:schemas-microsoft-com:mac:vml" xmlns:p="http://schemas.openxmlformats.org/presentationml/2006/main" xmlns:c="http://schemas.openxmlformats.org/drawingml/2006/chart" xmlns:dgm="http://schemas.openxmlformats.org/drawingml/2006/diagram" xmlns:o="urn:schemas-microsoft-com:office:office" xmlns:v="urn:schemas-microsoft-com:vml" xmlns:pvml="urn:schemas-microsoft-com:office:powerpoint" xmlns:com="http://schemas.openxmlformats.org/drawingml/2006/compatibility" xmlns:p14="http://schemas.microsoft.com/office/powerpoint/2010/main" xmlns:p15="http://schemas.microsoft.com/office/powerpoint/2012/main" xmlns:ahyp="http://schemas.microsoft.com/office/drawing/2018/hyperlinkcolor" showMasterPhAnim="0" showMasterSp="0">
   <p:cSld>
     <p:spTree>
       <p:nvGrpSpPr>
-        <p:cNvPr id="1" name="Shape 80"/>
+        <p:cNvPr id="82" name="Shape 82"/>
         <p:cNvGrpSpPr/>
         <p:nvPr/>
       </p:nvGrpSpPr>
@@ -1245,12 +1221,10 @@
       </p:grpSpPr>
       <p:sp>
         <p:nvSpPr>
-          <p:cNvPr id="81" name="Google Shape;81;g324aa4e752f_0_20:notes"/>
-          <p:cNvSpPr>
-            <a:spLocks noGrp="1" noRot="1" noChangeAspect="1"/>
-          </p:cNvSpPr>
+          <p:cNvPr id="83" name="Google Shape;83;g32960bb30dc_0_6:notes"/>
+          <p:cNvSpPr/>
           <p:nvPr>
-            <p:ph type="sldImg" idx="2"/>
+            <p:ph idx="2" type="sldImg"/>
           </p:nvPr>
         </p:nvSpPr>
         <p:spPr>
@@ -1259,13 +1233,9 @@
             <a:ext cx="6096000" cy="3429000"/>
           </a:xfrm>
           <a:custGeom>
-            <a:avLst/>
-            <a:gdLst/>
-            <a:ahLst/>
-            <a:cxnLst/>
-            <a:rect l="l" t="t" r="r" b="b"/>
+            <a:rect b="b" l="l" r="r" t="t"/>
             <a:pathLst>
-              <a:path w="120000" h="120000" extrusionOk="0">
+              <a:path extrusionOk="0" h="120000" w="120000">
                 <a:moveTo>
                   <a:pt x="0" y="0"/>
                 </a:moveTo>
@@ -1286,12 +1256,10 @@
       </p:sp>
       <p:sp>
         <p:nvSpPr>
-          <p:cNvPr id="82" name="Google Shape;82;g324aa4e752f_0_20:notes"/>
-          <p:cNvSpPr txBox="1">
-            <a:spLocks noGrp="1"/>
-          </p:cNvSpPr>
+          <p:cNvPr id="84" name="Google Shape;84;g32960bb30dc_0_6:notes"/>
+          <p:cNvSpPr txBox="1"/>
           <p:nvPr>
-            <p:ph type="body" idx="1"/>
+            <p:ph idx="1" type="body"/>
           </p:nvPr>
         </p:nvSpPr>
         <p:spPr>
@@ -1304,12 +1272,12 @@
           </a:prstGeom>
         </p:spPr>
         <p:txBody>
-          <a:bodyPr spcFirstLastPara="1" wrap="square" lIns="91425" tIns="91425" rIns="91425" bIns="91425" anchor="t" anchorCtr="0">
+          <a:bodyPr anchorCtr="0" anchor="t" bIns="91425" lIns="91425" spcFirstLastPara="1" rIns="91425" wrap="square" tIns="91425">
             <a:noAutofit/>
           </a:bodyPr>
           <a:lstStyle/>
           <a:p>
-            <a:pPr marL="0" lvl="0" indent="0" algn="l" rtl="0">
+            <a:pPr indent="0" lvl="0" marL="0" rtl="0" algn="l">
               <a:spcBef>
                 <a:spcPts val="0"/>
               </a:spcBef>
@@ -1318,6 +1286,207 @@
               </a:spcAft>
               <a:buNone/>
             </a:pPr>
+            <a:r>
+              <a:t/>
+            </a:r>
+            <a:endParaRPr/>
+          </a:p>
+        </p:txBody>
+      </p:sp>
+    </p:spTree>
+  </p:cSld>
+  <p:clrMapOvr>
+    <a:masterClrMapping/>
+  </p:clrMapOvr>
+</p:notes>
+</file>
+
+<file path=ppt/notesSlides/notesSlide7.xml><?xml version="1.0" encoding="utf-8"?>
+<p:notes xmlns:a="http://schemas.openxmlformats.org/drawingml/2006/main" xmlns:r="http://schemas.openxmlformats.org/officeDocument/2006/relationships" xmlns:mc="http://schemas.openxmlformats.org/markup-compatibility/2006" xmlns:mv="urn:schemas-microsoft-com:mac:vml" xmlns:p="http://schemas.openxmlformats.org/presentationml/2006/main" xmlns:c="http://schemas.openxmlformats.org/drawingml/2006/chart" xmlns:dgm="http://schemas.openxmlformats.org/drawingml/2006/diagram" xmlns:o="urn:schemas-microsoft-com:office:office" xmlns:v="urn:schemas-microsoft-com:vml" xmlns:pvml="urn:schemas-microsoft-com:office:powerpoint" xmlns:com="http://schemas.openxmlformats.org/drawingml/2006/compatibility" xmlns:p14="http://schemas.microsoft.com/office/powerpoint/2010/main" xmlns:p15="http://schemas.microsoft.com/office/powerpoint/2012/main" xmlns:ahyp="http://schemas.microsoft.com/office/drawing/2018/hyperlinkcolor" showMasterPhAnim="0" showMasterSp="0">
+  <p:cSld>
+    <p:spTree>
+      <p:nvGrpSpPr>
+        <p:cNvPr id="88" name="Shape 88"/>
+        <p:cNvGrpSpPr/>
+        <p:nvPr/>
+      </p:nvGrpSpPr>
+      <p:grpSpPr>
+        <a:xfrm>
+          <a:off x="0" y="0"/>
+          <a:ext cx="0" cy="0"/>
+          <a:chOff x="0" y="0"/>
+          <a:chExt cx="0" cy="0"/>
+        </a:xfrm>
+      </p:grpSpPr>
+      <p:sp>
+        <p:nvSpPr>
+          <p:cNvPr id="89" name="Google Shape;89;g324aa4e752f_0_20:notes"/>
+          <p:cNvSpPr/>
+          <p:nvPr>
+            <p:ph idx="2" type="sldImg"/>
+          </p:nvPr>
+        </p:nvSpPr>
+        <p:spPr>
+          <a:xfrm>
+            <a:off x="381300" y="685800"/>
+            <a:ext cx="6096000" cy="3429000"/>
+          </a:xfrm>
+          <a:custGeom>
+            <a:rect b="b" l="l" r="r" t="t"/>
+            <a:pathLst>
+              <a:path extrusionOk="0" h="120000" w="120000">
+                <a:moveTo>
+                  <a:pt x="0" y="0"/>
+                </a:moveTo>
+                <a:lnTo>
+                  <a:pt x="120000" y="0"/>
+                </a:lnTo>
+                <a:lnTo>
+                  <a:pt x="120000" y="120000"/>
+                </a:lnTo>
+                <a:lnTo>
+                  <a:pt x="0" y="120000"/>
+                </a:lnTo>
+                <a:close/>
+              </a:path>
+            </a:pathLst>
+          </a:custGeom>
+        </p:spPr>
+      </p:sp>
+      <p:sp>
+        <p:nvSpPr>
+          <p:cNvPr id="90" name="Google Shape;90;g324aa4e752f_0_20:notes"/>
+          <p:cNvSpPr txBox="1"/>
+          <p:nvPr>
+            <p:ph idx="1" type="body"/>
+          </p:nvPr>
+        </p:nvSpPr>
+        <p:spPr>
+          <a:xfrm>
+            <a:off x="685800" y="4343400"/>
+            <a:ext cx="5486400" cy="4114800"/>
+          </a:xfrm>
+          <a:prstGeom prst="rect">
+            <a:avLst/>
+          </a:prstGeom>
+        </p:spPr>
+        <p:txBody>
+          <a:bodyPr anchorCtr="0" anchor="t" bIns="91425" lIns="91425" spcFirstLastPara="1" rIns="91425" wrap="square" tIns="91425">
+            <a:noAutofit/>
+          </a:bodyPr>
+          <a:lstStyle/>
+          <a:p>
+            <a:pPr indent="0" lvl="0" marL="0" rtl="0" algn="l">
+              <a:spcBef>
+                <a:spcPts val="0"/>
+              </a:spcBef>
+              <a:spcAft>
+                <a:spcPts val="0"/>
+              </a:spcAft>
+              <a:buNone/>
+            </a:pPr>
+            <a:r>
+              <a:t/>
+            </a:r>
+            <a:endParaRPr/>
+          </a:p>
+        </p:txBody>
+      </p:sp>
+    </p:spTree>
+  </p:cSld>
+  <p:clrMapOvr>
+    <a:masterClrMapping/>
+  </p:clrMapOvr>
+</p:notes>
+</file>
+
+<file path=ppt/notesSlides/notesSlide8.xml><?xml version="1.0" encoding="utf-8"?>
+<p:notes xmlns:a="http://schemas.openxmlformats.org/drawingml/2006/main" xmlns:r="http://schemas.openxmlformats.org/officeDocument/2006/relationships" xmlns:mc="http://schemas.openxmlformats.org/markup-compatibility/2006" xmlns:mv="urn:schemas-microsoft-com:mac:vml" xmlns:p="http://schemas.openxmlformats.org/presentationml/2006/main" xmlns:c="http://schemas.openxmlformats.org/drawingml/2006/chart" xmlns:dgm="http://schemas.openxmlformats.org/drawingml/2006/diagram" xmlns:o="urn:schemas-microsoft-com:office:office" xmlns:v="urn:schemas-microsoft-com:vml" xmlns:pvml="urn:schemas-microsoft-com:office:powerpoint" xmlns:com="http://schemas.openxmlformats.org/drawingml/2006/compatibility" xmlns:p14="http://schemas.microsoft.com/office/powerpoint/2010/main" xmlns:p15="http://schemas.microsoft.com/office/powerpoint/2012/main" xmlns:ahyp="http://schemas.microsoft.com/office/drawing/2018/hyperlinkcolor" showMasterPhAnim="0" showMasterSp="0">
+  <p:cSld>
+    <p:spTree>
+      <p:nvGrpSpPr>
+        <p:cNvPr id="94" name="Shape 94"/>
+        <p:cNvGrpSpPr/>
+        <p:nvPr/>
+      </p:nvGrpSpPr>
+      <p:grpSpPr>
+        <a:xfrm>
+          <a:off x="0" y="0"/>
+          <a:ext cx="0" cy="0"/>
+          <a:chOff x="0" y="0"/>
+          <a:chExt cx="0" cy="0"/>
+        </a:xfrm>
+      </p:grpSpPr>
+      <p:sp>
+        <p:nvSpPr>
+          <p:cNvPr id="95" name="Google Shape;95;g32e7517075b_3_34:notes"/>
+          <p:cNvSpPr/>
+          <p:nvPr>
+            <p:ph idx="2" type="sldImg"/>
+          </p:nvPr>
+        </p:nvSpPr>
+        <p:spPr>
+          <a:xfrm>
+            <a:off x="381300" y="685800"/>
+            <a:ext cx="6096000" cy="3429000"/>
+          </a:xfrm>
+          <a:custGeom>
+            <a:rect b="b" l="l" r="r" t="t"/>
+            <a:pathLst>
+              <a:path extrusionOk="0" h="120000" w="120000">
+                <a:moveTo>
+                  <a:pt x="0" y="0"/>
+                </a:moveTo>
+                <a:lnTo>
+                  <a:pt x="120000" y="0"/>
+                </a:lnTo>
+                <a:lnTo>
+                  <a:pt x="120000" y="120000"/>
+                </a:lnTo>
+                <a:lnTo>
+                  <a:pt x="0" y="120000"/>
+                </a:lnTo>
+                <a:close/>
+              </a:path>
+            </a:pathLst>
+          </a:custGeom>
+        </p:spPr>
+      </p:sp>
+      <p:sp>
+        <p:nvSpPr>
+          <p:cNvPr id="96" name="Google Shape;96;g32e7517075b_3_34:notes"/>
+          <p:cNvSpPr txBox="1"/>
+          <p:nvPr>
+            <p:ph idx="1" type="body"/>
+          </p:nvPr>
+        </p:nvSpPr>
+        <p:spPr>
+          <a:xfrm>
+            <a:off x="685800" y="4343400"/>
+            <a:ext cx="5486400" cy="4114800"/>
+          </a:xfrm>
+          <a:prstGeom prst="rect">
+            <a:avLst/>
+          </a:prstGeom>
+        </p:spPr>
+        <p:txBody>
+          <a:bodyPr anchorCtr="0" anchor="t" bIns="91425" lIns="91425" spcFirstLastPara="1" rIns="91425" wrap="square" tIns="91425">
+            <a:noAutofit/>
+          </a:bodyPr>
+          <a:lstStyle/>
+          <a:p>
+            <a:pPr indent="0" lvl="0" marL="0" rtl="0" algn="l">
+              <a:spcBef>
+                <a:spcPts val="0"/>
+              </a:spcBef>
+              <a:spcAft>
+                <a:spcPts val="0"/>
+              </a:spcAft>
+              <a:buNone/>
+            </a:pPr>
+            <a:r>
+              <a:t/>
+            </a:r>
             <a:endParaRPr/>
           </a:p>
         </p:txBody>
@@ -1331,11 +1500,11 @@
 </file>
 
 <file path=ppt/slideLayouts/slideLayout1.xml><?xml version="1.0" encoding="utf-8"?>
-<p:sldLayout xmlns:a="http://schemas.openxmlformats.org/drawingml/2006/main" xmlns:r="http://schemas.openxmlformats.org/officeDocument/2006/relationships" xmlns:p="http://schemas.openxmlformats.org/presentationml/2006/main" matchingName="Title slide" type="title">
+<p:sldLayout xmlns:a="http://schemas.openxmlformats.org/drawingml/2006/main" xmlns:r="http://schemas.openxmlformats.org/officeDocument/2006/relationships" xmlns:mc="http://schemas.openxmlformats.org/markup-compatibility/2006" xmlns:mv="urn:schemas-microsoft-com:mac:vml" xmlns:p="http://schemas.openxmlformats.org/presentationml/2006/main" xmlns:c="http://schemas.openxmlformats.org/drawingml/2006/chart" xmlns:dgm="http://schemas.openxmlformats.org/drawingml/2006/diagram" xmlns:o="urn:schemas-microsoft-com:office:office" xmlns:v="urn:schemas-microsoft-com:vml" xmlns:pvml="urn:schemas-microsoft-com:office:powerpoint" xmlns:com="http://schemas.openxmlformats.org/drawingml/2006/compatibility" xmlns:p14="http://schemas.microsoft.com/office/powerpoint/2010/main" xmlns:p15="http://schemas.microsoft.com/office/powerpoint/2012/main" xmlns:ahyp="http://schemas.microsoft.com/office/drawing/2018/hyperlinkcolor" matchingName="Title slide" type="title">
   <p:cSld name="TITLE">
     <p:spTree>
       <p:nvGrpSpPr>
-        <p:cNvPr id="1" name="Shape 9"/>
+        <p:cNvPr id="9" name="Shape 9"/>
         <p:cNvGrpSpPr/>
         <p:nvPr/>
       </p:nvGrpSpPr>
@@ -1350,9 +1519,7 @@
       <p:sp>
         <p:nvSpPr>
           <p:cNvPr id="10" name="Google Shape;10;p2"/>
-          <p:cNvSpPr txBox="1">
-            <a:spLocks noGrp="1"/>
-          </p:cNvSpPr>
+          <p:cNvSpPr txBox="1"/>
           <p:nvPr>
             <p:ph type="ctrTitle"/>
           </p:nvPr>
@@ -1367,7 +1534,7 @@
           </a:prstGeom>
         </p:spPr>
         <p:txBody>
-          <a:bodyPr spcFirstLastPara="1" wrap="square" lIns="91425" tIns="91425" rIns="91425" bIns="91425" anchor="b" anchorCtr="0">
+          <a:bodyPr anchorCtr="0" anchor="b" bIns="91425" lIns="91425" spcFirstLastPara="1" rIns="91425" wrap="square" tIns="91425">
             <a:normAutofit/>
           </a:bodyPr>
           <a:lstStyle>
@@ -1471,19 +1638,15 @@
               <a:defRPr sz="5200"/>
             </a:lvl9pPr>
           </a:lstStyle>
-          <a:p>
-            <a:endParaRPr/>
-          </a:p>
+          <a:p/>
         </p:txBody>
       </p:sp>
       <p:sp>
         <p:nvSpPr>
           <p:cNvPr id="11" name="Google Shape;11;p2"/>
-          <p:cNvSpPr txBox="1">
-            <a:spLocks noGrp="1"/>
-          </p:cNvSpPr>
+          <p:cNvSpPr txBox="1"/>
           <p:nvPr>
-            <p:ph type="subTitle" idx="1"/>
+            <p:ph idx="1" type="subTitle"/>
           </p:nvPr>
         </p:nvSpPr>
         <p:spPr>
@@ -1496,7 +1659,7 @@
           </a:prstGeom>
         </p:spPr>
         <p:txBody>
-          <a:bodyPr spcFirstLastPara="1" wrap="square" lIns="91425" tIns="91425" rIns="91425" bIns="91425" anchor="t" anchorCtr="0">
+          <a:bodyPr anchorCtr="0" anchor="t" bIns="91425" lIns="91425" spcFirstLastPara="1" rIns="91425" wrap="square" tIns="91425">
             <a:normAutofit/>
           </a:bodyPr>
           <a:lstStyle>
@@ -1627,19 +1790,15 @@
               <a:defRPr sz="2800"/>
             </a:lvl9pPr>
           </a:lstStyle>
-          <a:p>
-            <a:endParaRPr/>
-          </a:p>
+          <a:p/>
         </p:txBody>
       </p:sp>
       <p:sp>
         <p:nvSpPr>
           <p:cNvPr id="12" name="Google Shape;12;p2"/>
-          <p:cNvSpPr txBox="1">
-            <a:spLocks noGrp="1"/>
-          </p:cNvSpPr>
+          <p:cNvSpPr txBox="1"/>
           <p:nvPr>
-            <p:ph type="sldNum" idx="12"/>
+            <p:ph idx="12" type="sldNum"/>
           </p:nvPr>
         </p:nvSpPr>
         <p:spPr>
@@ -1652,7 +1811,7 @@
           </a:prstGeom>
         </p:spPr>
         <p:txBody>
-          <a:bodyPr spcFirstLastPara="1" wrap="square" lIns="91425" tIns="91425" rIns="91425" bIns="91425" anchor="ctr" anchorCtr="0">
+          <a:bodyPr anchorCtr="0" anchor="ctr" bIns="91425" lIns="91425" spcFirstLastPara="1" rIns="91425" wrap="square" tIns="91425">
             <a:normAutofit/>
           </a:bodyPr>
           <a:lstStyle>
@@ -1694,7 +1853,7 @@
             </a:lvl9pPr>
           </a:lstStyle>
           <a:p>
-            <a:pPr marL="0" lvl="0" indent="0" algn="r" rtl="0">
+            <a:pPr indent="0" lvl="0" marL="0" rtl="0" algn="r">
               <a:spcBef>
                 <a:spcPts val="0"/>
               </a:spcBef>
@@ -1720,11 +1879,11 @@
 </file>
 
 <file path=ppt/slideLayouts/slideLayout10.xml><?xml version="1.0" encoding="utf-8"?>
-<p:sldLayout xmlns:a="http://schemas.openxmlformats.org/drawingml/2006/main" xmlns:r="http://schemas.openxmlformats.org/officeDocument/2006/relationships" xmlns:p="http://schemas.openxmlformats.org/presentationml/2006/main" matchingName="Big number">
+<p:sldLayout xmlns:a="http://schemas.openxmlformats.org/drawingml/2006/main" xmlns:r="http://schemas.openxmlformats.org/officeDocument/2006/relationships" xmlns:mc="http://schemas.openxmlformats.org/markup-compatibility/2006" xmlns:mv="urn:schemas-microsoft-com:mac:vml" xmlns:p="http://schemas.openxmlformats.org/presentationml/2006/main" xmlns:c="http://schemas.openxmlformats.org/drawingml/2006/chart" xmlns:dgm="http://schemas.openxmlformats.org/drawingml/2006/diagram" xmlns:o="urn:schemas-microsoft-com:office:office" xmlns:v="urn:schemas-microsoft-com:vml" xmlns:pvml="urn:schemas-microsoft-com:office:powerpoint" xmlns:com="http://schemas.openxmlformats.org/drawingml/2006/compatibility" xmlns:p14="http://schemas.microsoft.com/office/powerpoint/2010/main" xmlns:p15="http://schemas.microsoft.com/office/powerpoint/2012/main" xmlns:ahyp="http://schemas.microsoft.com/office/drawing/2018/hyperlinkcolor" matchingName="Big number">
   <p:cSld name="BIG_NUMBER">
     <p:spTree>
       <p:nvGrpSpPr>
-        <p:cNvPr id="1" name="Shape 44"/>
+        <p:cNvPr id="45" name="Shape 45"/>
         <p:cNvGrpSpPr/>
         <p:nvPr/>
       </p:nvGrpSpPr>
@@ -1738,12 +1897,10 @@
       </p:grpSpPr>
       <p:sp>
         <p:nvSpPr>
-          <p:cNvPr id="45" name="Google Shape;45;p11"/>
-          <p:cNvSpPr txBox="1">
-            <a:spLocks noGrp="1"/>
-          </p:cNvSpPr>
+          <p:cNvPr id="46" name="Google Shape;46;p11"/>
+          <p:cNvSpPr txBox="1"/>
           <p:nvPr>
-            <p:ph type="title" hasCustomPrompt="1"/>
+            <p:ph hasCustomPrompt="1" type="title"/>
           </p:nvPr>
         </p:nvSpPr>
         <p:spPr>
@@ -1756,7 +1913,7 @@
           </a:prstGeom>
         </p:spPr>
         <p:txBody>
-          <a:bodyPr spcFirstLastPara="1" wrap="square" lIns="91425" tIns="91425" rIns="91425" bIns="91425" anchor="b" anchorCtr="0">
+          <a:bodyPr anchorCtr="0" anchor="b" bIns="91425" lIns="91425" spcFirstLastPara="1" rIns="91425" wrap="square" tIns="91425">
             <a:normAutofit/>
           </a:bodyPr>
           <a:lstStyle>
@@ -1869,12 +2026,10 @@
       </p:sp>
       <p:sp>
         <p:nvSpPr>
-          <p:cNvPr id="46" name="Google Shape;46;p11"/>
-          <p:cNvSpPr txBox="1">
-            <a:spLocks noGrp="1"/>
-          </p:cNvSpPr>
+          <p:cNvPr id="47" name="Google Shape;47;p11"/>
+          <p:cNvSpPr txBox="1"/>
           <p:nvPr>
-            <p:ph type="body" idx="1"/>
+            <p:ph idx="1" type="body"/>
           </p:nvPr>
         </p:nvSpPr>
         <p:spPr>
@@ -1887,11 +2042,11 @@
           </a:prstGeom>
         </p:spPr>
         <p:txBody>
-          <a:bodyPr spcFirstLastPara="1" wrap="square" lIns="91425" tIns="91425" rIns="91425" bIns="91425" anchor="t" anchorCtr="0">
+          <a:bodyPr anchorCtr="0" anchor="t" bIns="91425" lIns="91425" spcFirstLastPara="1" rIns="91425" wrap="square" tIns="91425">
             <a:normAutofit/>
           </a:bodyPr>
           <a:lstStyle>
-            <a:lvl1pPr marL="457200" lvl="0" indent="-342900" algn="ctr">
+            <a:lvl1pPr indent="-342900" lvl="0" marL="457200" algn="ctr">
               <a:spcBef>
                 <a:spcPts val="0"/>
               </a:spcBef>
@@ -1902,7 +2057,7 @@
               <a:buChar char="●"/>
               <a:defRPr/>
             </a:lvl1pPr>
-            <a:lvl2pPr marL="914400" lvl="1" indent="-317500" algn="ctr">
+            <a:lvl2pPr indent="-317500" lvl="1" marL="914400" algn="ctr">
               <a:spcBef>
                 <a:spcPts val="0"/>
               </a:spcBef>
@@ -1913,7 +2068,7 @@
               <a:buChar char="○"/>
               <a:defRPr/>
             </a:lvl2pPr>
-            <a:lvl3pPr marL="1371600" lvl="2" indent="-317500" algn="ctr">
+            <a:lvl3pPr indent="-317500" lvl="2" marL="1371600" algn="ctr">
               <a:spcBef>
                 <a:spcPts val="0"/>
               </a:spcBef>
@@ -1924,7 +2079,7 @@
               <a:buChar char="■"/>
               <a:defRPr/>
             </a:lvl3pPr>
-            <a:lvl4pPr marL="1828800" lvl="3" indent="-317500" algn="ctr">
+            <a:lvl4pPr indent="-317500" lvl="3" marL="1828800" algn="ctr">
               <a:spcBef>
                 <a:spcPts val="0"/>
               </a:spcBef>
@@ -1935,7 +2090,7 @@
               <a:buChar char="●"/>
               <a:defRPr/>
             </a:lvl4pPr>
-            <a:lvl5pPr marL="2286000" lvl="4" indent="-317500" algn="ctr">
+            <a:lvl5pPr indent="-317500" lvl="4" marL="2286000" algn="ctr">
               <a:spcBef>
                 <a:spcPts val="0"/>
               </a:spcBef>
@@ -1946,7 +2101,7 @@
               <a:buChar char="○"/>
               <a:defRPr/>
             </a:lvl5pPr>
-            <a:lvl6pPr marL="2743200" lvl="5" indent="-317500" algn="ctr">
+            <a:lvl6pPr indent="-317500" lvl="5" marL="2743200" algn="ctr">
               <a:spcBef>
                 <a:spcPts val="0"/>
               </a:spcBef>
@@ -1957,7 +2112,7 @@
               <a:buChar char="■"/>
               <a:defRPr/>
             </a:lvl6pPr>
-            <a:lvl7pPr marL="3200400" lvl="6" indent="-317500" algn="ctr">
+            <a:lvl7pPr indent="-317500" lvl="6" marL="3200400" algn="ctr">
               <a:spcBef>
                 <a:spcPts val="0"/>
               </a:spcBef>
@@ -1968,7 +2123,7 @@
               <a:buChar char="●"/>
               <a:defRPr/>
             </a:lvl7pPr>
-            <a:lvl8pPr marL="3657600" lvl="7" indent="-317500" algn="ctr">
+            <a:lvl8pPr indent="-317500" lvl="7" marL="3657600" algn="ctr">
               <a:spcBef>
                 <a:spcPts val="0"/>
               </a:spcBef>
@@ -1979,7 +2134,7 @@
               <a:buChar char="○"/>
               <a:defRPr/>
             </a:lvl8pPr>
-            <a:lvl9pPr marL="4114800" lvl="8" indent="-317500" algn="ctr">
+            <a:lvl9pPr indent="-317500" lvl="8" marL="4114800" algn="ctr">
               <a:spcBef>
                 <a:spcPts val="0"/>
               </a:spcBef>
@@ -1991,19 +2146,15 @@
               <a:defRPr/>
             </a:lvl9pPr>
           </a:lstStyle>
-          <a:p>
-            <a:endParaRPr/>
-          </a:p>
+          <a:p/>
         </p:txBody>
       </p:sp>
       <p:sp>
         <p:nvSpPr>
-          <p:cNvPr id="47" name="Google Shape;47;p11"/>
-          <p:cNvSpPr txBox="1">
-            <a:spLocks noGrp="1"/>
-          </p:cNvSpPr>
+          <p:cNvPr id="48" name="Google Shape;48;p11"/>
+          <p:cNvSpPr txBox="1"/>
           <p:nvPr>
-            <p:ph type="sldNum" idx="12"/>
+            <p:ph idx="12" type="sldNum"/>
           </p:nvPr>
         </p:nvSpPr>
         <p:spPr>
@@ -2016,7 +2167,7 @@
           </a:prstGeom>
         </p:spPr>
         <p:txBody>
-          <a:bodyPr spcFirstLastPara="1" wrap="square" lIns="91425" tIns="91425" rIns="91425" bIns="91425" anchor="ctr" anchorCtr="0">
+          <a:bodyPr anchorCtr="0" anchor="ctr" bIns="91425" lIns="91425" spcFirstLastPara="1" rIns="91425" wrap="square" tIns="91425">
             <a:normAutofit/>
           </a:bodyPr>
           <a:lstStyle>
@@ -2058,7 +2209,7 @@
             </a:lvl9pPr>
           </a:lstStyle>
           <a:p>
-            <a:pPr marL="0" lvl="0" indent="0" algn="r" rtl="0">
+            <a:pPr indent="0" lvl="0" marL="0" rtl="0" algn="r">
               <a:spcBef>
                 <a:spcPts val="0"/>
               </a:spcBef>
@@ -2084,11 +2235,11 @@
 </file>
 
 <file path=ppt/slideLayouts/slideLayout11.xml><?xml version="1.0" encoding="utf-8"?>
-<p:sldLayout xmlns:a="http://schemas.openxmlformats.org/drawingml/2006/main" xmlns:r="http://schemas.openxmlformats.org/officeDocument/2006/relationships" xmlns:p="http://schemas.openxmlformats.org/presentationml/2006/main" matchingName="Blank" type="blank">
+<p:sldLayout xmlns:a="http://schemas.openxmlformats.org/drawingml/2006/main" xmlns:r="http://schemas.openxmlformats.org/officeDocument/2006/relationships" xmlns:mc="http://schemas.openxmlformats.org/markup-compatibility/2006" xmlns:mv="urn:schemas-microsoft-com:mac:vml" xmlns:p="http://schemas.openxmlformats.org/presentationml/2006/main" xmlns:c="http://schemas.openxmlformats.org/drawingml/2006/chart" xmlns:dgm="http://schemas.openxmlformats.org/drawingml/2006/diagram" xmlns:o="urn:schemas-microsoft-com:office:office" xmlns:v="urn:schemas-microsoft-com:vml" xmlns:pvml="urn:schemas-microsoft-com:office:powerpoint" xmlns:com="http://schemas.openxmlformats.org/drawingml/2006/compatibility" xmlns:p14="http://schemas.microsoft.com/office/powerpoint/2010/main" xmlns:p15="http://schemas.microsoft.com/office/powerpoint/2012/main" xmlns:ahyp="http://schemas.microsoft.com/office/drawing/2018/hyperlinkcolor" matchingName="Blank" type="blank">
   <p:cSld name="BLANK">
     <p:spTree>
       <p:nvGrpSpPr>
-        <p:cNvPr id="1" name="Shape 48"/>
+        <p:cNvPr id="49" name="Shape 49"/>
         <p:cNvGrpSpPr/>
         <p:nvPr/>
       </p:nvGrpSpPr>
@@ -2102,12 +2253,10 @@
       </p:grpSpPr>
       <p:sp>
         <p:nvSpPr>
-          <p:cNvPr id="49" name="Google Shape;49;p12"/>
-          <p:cNvSpPr txBox="1">
-            <a:spLocks noGrp="1"/>
-          </p:cNvSpPr>
+          <p:cNvPr id="50" name="Google Shape;50;p12"/>
+          <p:cNvSpPr txBox="1"/>
           <p:nvPr>
-            <p:ph type="sldNum" idx="12"/>
+            <p:ph idx="12" type="sldNum"/>
           </p:nvPr>
         </p:nvSpPr>
         <p:spPr>
@@ -2120,7 +2269,7 @@
           </a:prstGeom>
         </p:spPr>
         <p:txBody>
-          <a:bodyPr spcFirstLastPara="1" wrap="square" lIns="91425" tIns="91425" rIns="91425" bIns="91425" anchor="ctr" anchorCtr="0">
+          <a:bodyPr anchorCtr="0" anchor="ctr" bIns="91425" lIns="91425" spcFirstLastPara="1" rIns="91425" wrap="square" tIns="91425">
             <a:normAutofit/>
           </a:bodyPr>
           <a:lstStyle>
@@ -2162,7 +2311,7 @@
             </a:lvl9pPr>
           </a:lstStyle>
           <a:p>
-            <a:pPr marL="0" lvl="0" indent="0" algn="r" rtl="0">
+            <a:pPr indent="0" lvl="0" marL="0" rtl="0" algn="r">
               <a:spcBef>
                 <a:spcPts val="0"/>
               </a:spcBef>
@@ -2188,11 +2337,11 @@
 </file>
 
 <file path=ppt/slideLayouts/slideLayout2.xml><?xml version="1.0" encoding="utf-8"?>
-<p:sldLayout xmlns:a="http://schemas.openxmlformats.org/drawingml/2006/main" xmlns:r="http://schemas.openxmlformats.org/officeDocument/2006/relationships" xmlns:p="http://schemas.openxmlformats.org/presentationml/2006/main" matchingName="Section header" type="secHead">
+<p:sldLayout xmlns:a="http://schemas.openxmlformats.org/drawingml/2006/main" xmlns:r="http://schemas.openxmlformats.org/officeDocument/2006/relationships" xmlns:mc="http://schemas.openxmlformats.org/markup-compatibility/2006" xmlns:mv="urn:schemas-microsoft-com:mac:vml" xmlns:p="http://schemas.openxmlformats.org/presentationml/2006/main" xmlns:c="http://schemas.openxmlformats.org/drawingml/2006/chart" xmlns:dgm="http://schemas.openxmlformats.org/drawingml/2006/diagram" xmlns:o="urn:schemas-microsoft-com:office:office" xmlns:v="urn:schemas-microsoft-com:vml" xmlns:pvml="urn:schemas-microsoft-com:office:powerpoint" xmlns:com="http://schemas.openxmlformats.org/drawingml/2006/compatibility" xmlns:p14="http://schemas.microsoft.com/office/powerpoint/2010/main" xmlns:p15="http://schemas.microsoft.com/office/powerpoint/2012/main" xmlns:ahyp="http://schemas.microsoft.com/office/drawing/2018/hyperlinkcolor" matchingName="Section header" type="secHead">
   <p:cSld name="SECTION_HEADER">
     <p:spTree>
       <p:nvGrpSpPr>
-        <p:cNvPr id="1" name="Shape 13"/>
+        <p:cNvPr id="13" name="Shape 13"/>
         <p:cNvGrpSpPr/>
         <p:nvPr/>
       </p:nvGrpSpPr>
@@ -2207,9 +2356,7 @@
       <p:sp>
         <p:nvSpPr>
           <p:cNvPr id="14" name="Google Shape;14;p3"/>
-          <p:cNvSpPr txBox="1">
-            <a:spLocks noGrp="1"/>
-          </p:cNvSpPr>
+          <p:cNvSpPr txBox="1"/>
           <p:nvPr>
             <p:ph type="title"/>
           </p:nvPr>
@@ -2224,7 +2371,7 @@
           </a:prstGeom>
         </p:spPr>
         <p:txBody>
-          <a:bodyPr spcFirstLastPara="1" wrap="square" lIns="91425" tIns="91425" rIns="91425" bIns="91425" anchor="ctr" anchorCtr="0">
+          <a:bodyPr anchorCtr="0" anchor="ctr" bIns="91425" lIns="91425" spcFirstLastPara="1" rIns="91425" wrap="square" tIns="91425">
             <a:normAutofit/>
           </a:bodyPr>
           <a:lstStyle>
@@ -2328,19 +2475,15 @@
               <a:defRPr sz="3600"/>
             </a:lvl9pPr>
           </a:lstStyle>
-          <a:p>
-            <a:endParaRPr/>
-          </a:p>
+          <a:p/>
         </p:txBody>
       </p:sp>
       <p:sp>
         <p:nvSpPr>
           <p:cNvPr id="15" name="Google Shape;15;p3"/>
-          <p:cNvSpPr txBox="1">
-            <a:spLocks noGrp="1"/>
-          </p:cNvSpPr>
+          <p:cNvSpPr txBox="1"/>
           <p:nvPr>
-            <p:ph type="sldNum" idx="12"/>
+            <p:ph idx="12" type="sldNum"/>
           </p:nvPr>
         </p:nvSpPr>
         <p:spPr>
@@ -2353,7 +2496,7 @@
           </a:prstGeom>
         </p:spPr>
         <p:txBody>
-          <a:bodyPr spcFirstLastPara="1" wrap="square" lIns="91425" tIns="91425" rIns="91425" bIns="91425" anchor="ctr" anchorCtr="0">
+          <a:bodyPr anchorCtr="0" anchor="ctr" bIns="91425" lIns="91425" spcFirstLastPara="1" rIns="91425" wrap="square" tIns="91425">
             <a:normAutofit/>
           </a:bodyPr>
           <a:lstStyle>
@@ -2395,7 +2538,7 @@
             </a:lvl9pPr>
           </a:lstStyle>
           <a:p>
-            <a:pPr marL="0" lvl="0" indent="0" algn="r" rtl="0">
+            <a:pPr indent="0" lvl="0" marL="0" rtl="0" algn="r">
               <a:spcBef>
                 <a:spcPts val="0"/>
               </a:spcBef>
@@ -2421,11 +2564,11 @@
 </file>
 
 <file path=ppt/slideLayouts/slideLayout3.xml><?xml version="1.0" encoding="utf-8"?>
-<p:sldLayout xmlns:a="http://schemas.openxmlformats.org/drawingml/2006/main" xmlns:r="http://schemas.openxmlformats.org/officeDocument/2006/relationships" xmlns:p="http://schemas.openxmlformats.org/presentationml/2006/main" matchingName="Title and body" type="tx">
+<p:sldLayout xmlns:a="http://schemas.openxmlformats.org/drawingml/2006/main" xmlns:r="http://schemas.openxmlformats.org/officeDocument/2006/relationships" xmlns:mc="http://schemas.openxmlformats.org/markup-compatibility/2006" xmlns:mv="urn:schemas-microsoft-com:mac:vml" xmlns:p="http://schemas.openxmlformats.org/presentationml/2006/main" xmlns:c="http://schemas.openxmlformats.org/drawingml/2006/chart" xmlns:dgm="http://schemas.openxmlformats.org/drawingml/2006/diagram" xmlns:o="urn:schemas-microsoft-com:office:office" xmlns:v="urn:schemas-microsoft-com:vml" xmlns:pvml="urn:schemas-microsoft-com:office:powerpoint" xmlns:com="http://schemas.openxmlformats.org/drawingml/2006/compatibility" xmlns:p14="http://schemas.microsoft.com/office/powerpoint/2010/main" xmlns:p15="http://schemas.microsoft.com/office/powerpoint/2012/main" xmlns:ahyp="http://schemas.microsoft.com/office/drawing/2018/hyperlinkcolor" matchingName="Title and body" type="tx">
   <p:cSld name="TITLE_AND_BODY">
     <p:spTree>
       <p:nvGrpSpPr>
-        <p:cNvPr id="1" name="Shape 16"/>
+        <p:cNvPr id="16" name="Shape 16"/>
         <p:cNvGrpSpPr/>
         <p:nvPr/>
       </p:nvGrpSpPr>
@@ -2440,9 +2583,7 @@
       <p:sp>
         <p:nvSpPr>
           <p:cNvPr id="17" name="Google Shape;17;p4"/>
-          <p:cNvSpPr txBox="1">
-            <a:spLocks noGrp="1"/>
-          </p:cNvSpPr>
+          <p:cNvSpPr txBox="1"/>
           <p:nvPr>
             <p:ph type="title"/>
           </p:nvPr>
@@ -2457,7 +2598,7 @@
           </a:prstGeom>
         </p:spPr>
         <p:txBody>
-          <a:bodyPr spcFirstLastPara="1" wrap="square" lIns="91425" tIns="91425" rIns="91425" bIns="91425" anchor="t" anchorCtr="0">
+          <a:bodyPr anchorCtr="0" anchor="t" bIns="91425" lIns="91425" spcFirstLastPara="1" rIns="91425" wrap="square" tIns="91425">
             <a:normAutofit/>
           </a:bodyPr>
           <a:lstStyle>
@@ -2561,19 +2702,15 @@
               <a:defRPr/>
             </a:lvl9pPr>
           </a:lstStyle>
-          <a:p>
-            <a:endParaRPr/>
-          </a:p>
+          <a:p/>
         </p:txBody>
       </p:sp>
       <p:sp>
         <p:nvSpPr>
           <p:cNvPr id="18" name="Google Shape;18;p4"/>
-          <p:cNvSpPr txBox="1">
-            <a:spLocks noGrp="1"/>
-          </p:cNvSpPr>
+          <p:cNvSpPr txBox="1"/>
           <p:nvPr>
-            <p:ph type="body" idx="1"/>
+            <p:ph idx="1" type="body"/>
           </p:nvPr>
         </p:nvSpPr>
         <p:spPr>
@@ -2586,11 +2723,11 @@
           </a:prstGeom>
         </p:spPr>
         <p:txBody>
-          <a:bodyPr spcFirstLastPara="1" wrap="square" lIns="91425" tIns="91425" rIns="91425" bIns="91425" anchor="t" anchorCtr="0">
+          <a:bodyPr anchorCtr="0" anchor="t" bIns="91425" lIns="91425" spcFirstLastPara="1" rIns="91425" wrap="square" tIns="91425">
             <a:normAutofit/>
           </a:bodyPr>
           <a:lstStyle>
-            <a:lvl1pPr marL="457200" lvl="0" indent="-342900">
+            <a:lvl1pPr indent="-342900" lvl="0" marL="457200">
               <a:spcBef>
                 <a:spcPts val="0"/>
               </a:spcBef>
@@ -2601,7 +2738,7 @@
               <a:buChar char="●"/>
               <a:defRPr/>
             </a:lvl1pPr>
-            <a:lvl2pPr marL="914400" lvl="1" indent="-317500">
+            <a:lvl2pPr indent="-317500" lvl="1" marL="914400">
               <a:spcBef>
                 <a:spcPts val="0"/>
               </a:spcBef>
@@ -2612,7 +2749,7 @@
               <a:buChar char="○"/>
               <a:defRPr/>
             </a:lvl2pPr>
-            <a:lvl3pPr marL="1371600" lvl="2" indent="-317500">
+            <a:lvl3pPr indent="-317500" lvl="2" marL="1371600">
               <a:spcBef>
                 <a:spcPts val="0"/>
               </a:spcBef>
@@ -2623,7 +2760,7 @@
               <a:buChar char="■"/>
               <a:defRPr/>
             </a:lvl3pPr>
-            <a:lvl4pPr marL="1828800" lvl="3" indent="-317500">
+            <a:lvl4pPr indent="-317500" lvl="3" marL="1828800">
               <a:spcBef>
                 <a:spcPts val="0"/>
               </a:spcBef>
@@ -2634,7 +2771,7 @@
               <a:buChar char="●"/>
               <a:defRPr/>
             </a:lvl4pPr>
-            <a:lvl5pPr marL="2286000" lvl="4" indent="-317500">
+            <a:lvl5pPr indent="-317500" lvl="4" marL="2286000">
               <a:spcBef>
                 <a:spcPts val="0"/>
               </a:spcBef>
@@ -2645,7 +2782,7 @@
               <a:buChar char="○"/>
               <a:defRPr/>
             </a:lvl5pPr>
-            <a:lvl6pPr marL="2743200" lvl="5" indent="-317500">
+            <a:lvl6pPr indent="-317500" lvl="5" marL="2743200">
               <a:spcBef>
                 <a:spcPts val="0"/>
               </a:spcBef>
@@ -2656,7 +2793,7 @@
               <a:buChar char="■"/>
               <a:defRPr/>
             </a:lvl6pPr>
-            <a:lvl7pPr marL="3200400" lvl="6" indent="-317500">
+            <a:lvl7pPr indent="-317500" lvl="6" marL="3200400">
               <a:spcBef>
                 <a:spcPts val="0"/>
               </a:spcBef>
@@ -2667,7 +2804,7 @@
               <a:buChar char="●"/>
               <a:defRPr/>
             </a:lvl7pPr>
-            <a:lvl8pPr marL="3657600" lvl="7" indent="-317500">
+            <a:lvl8pPr indent="-317500" lvl="7" marL="3657600">
               <a:spcBef>
                 <a:spcPts val="0"/>
               </a:spcBef>
@@ -2678,7 +2815,7 @@
               <a:buChar char="○"/>
               <a:defRPr/>
             </a:lvl8pPr>
-            <a:lvl9pPr marL="4114800" lvl="8" indent="-317500">
+            <a:lvl9pPr indent="-317500" lvl="8" marL="4114800">
               <a:spcBef>
                 <a:spcPts val="0"/>
               </a:spcBef>
@@ -2690,19 +2827,15 @@
               <a:defRPr/>
             </a:lvl9pPr>
           </a:lstStyle>
-          <a:p>
-            <a:endParaRPr/>
-          </a:p>
+          <a:p/>
         </p:txBody>
       </p:sp>
       <p:sp>
         <p:nvSpPr>
           <p:cNvPr id="19" name="Google Shape;19;p4"/>
-          <p:cNvSpPr txBox="1">
-            <a:spLocks noGrp="1"/>
-          </p:cNvSpPr>
+          <p:cNvSpPr txBox="1"/>
           <p:nvPr>
-            <p:ph type="sldNum" idx="12"/>
+            <p:ph idx="12" type="sldNum"/>
           </p:nvPr>
         </p:nvSpPr>
         <p:spPr>
@@ -2715,7 +2848,7 @@
           </a:prstGeom>
         </p:spPr>
         <p:txBody>
-          <a:bodyPr spcFirstLastPara="1" wrap="square" lIns="91425" tIns="91425" rIns="91425" bIns="91425" anchor="ctr" anchorCtr="0">
+          <a:bodyPr anchorCtr="0" anchor="ctr" bIns="91425" lIns="91425" spcFirstLastPara="1" rIns="91425" wrap="square" tIns="91425">
             <a:normAutofit/>
           </a:bodyPr>
           <a:lstStyle>
@@ -2757,7 +2890,7 @@
             </a:lvl9pPr>
           </a:lstStyle>
           <a:p>
-            <a:pPr marL="0" lvl="0" indent="0" algn="r" rtl="0">
+            <a:pPr indent="0" lvl="0" marL="0" rtl="0" algn="r">
               <a:spcBef>
                 <a:spcPts val="0"/>
               </a:spcBef>
@@ -2774,6 +2907,34 @@
           </a:p>
         </p:txBody>
       </p:sp>
+      <p:pic>
+        <p:nvPicPr>
+          <p:cNvPr id="20" name="Google Shape;20;p4"/>
+          <p:cNvPicPr preferRelativeResize="0"/>
+          <p:nvPr/>
+        </p:nvPicPr>
+        <p:blipFill>
+          <a:blip r:embed="rId2">
+            <a:alphaModFix/>
+          </a:blip>
+          <a:stretch>
+            <a:fillRect/>
+          </a:stretch>
+        </p:blipFill>
+        <p:spPr>
+          <a:xfrm>
+            <a:off x="2597475" y="46000"/>
+            <a:ext cx="6546524" cy="5051525"/>
+          </a:xfrm>
+          <a:prstGeom prst="rect">
+            <a:avLst/>
+          </a:prstGeom>
+          <a:noFill/>
+          <a:ln>
+            <a:noFill/>
+          </a:ln>
+        </p:spPr>
+      </p:pic>
     </p:spTree>
   </p:cSld>
   <p:clrMapOvr>
@@ -2783,11 +2944,11 @@
 </file>
 
 <file path=ppt/slideLayouts/slideLayout4.xml><?xml version="1.0" encoding="utf-8"?>
-<p:sldLayout xmlns:a="http://schemas.openxmlformats.org/drawingml/2006/main" xmlns:r="http://schemas.openxmlformats.org/officeDocument/2006/relationships" xmlns:p="http://schemas.openxmlformats.org/presentationml/2006/main" matchingName="Title and two columns" type="twoColTx">
+<p:sldLayout xmlns:a="http://schemas.openxmlformats.org/drawingml/2006/main" xmlns:r="http://schemas.openxmlformats.org/officeDocument/2006/relationships" xmlns:mc="http://schemas.openxmlformats.org/markup-compatibility/2006" xmlns:mv="urn:schemas-microsoft-com:mac:vml" xmlns:p="http://schemas.openxmlformats.org/presentationml/2006/main" xmlns:c="http://schemas.openxmlformats.org/drawingml/2006/chart" xmlns:dgm="http://schemas.openxmlformats.org/drawingml/2006/diagram" xmlns:o="urn:schemas-microsoft-com:office:office" xmlns:v="urn:schemas-microsoft-com:vml" xmlns:pvml="urn:schemas-microsoft-com:office:powerpoint" xmlns:com="http://schemas.openxmlformats.org/drawingml/2006/compatibility" xmlns:p14="http://schemas.microsoft.com/office/powerpoint/2010/main" xmlns:p15="http://schemas.microsoft.com/office/powerpoint/2012/main" xmlns:ahyp="http://schemas.microsoft.com/office/drawing/2018/hyperlinkcolor" matchingName="Title and two columns" type="twoColTx">
   <p:cSld name="TITLE_AND_TWO_COLUMNS">
     <p:spTree>
       <p:nvGrpSpPr>
-        <p:cNvPr id="1" name="Shape 20"/>
+        <p:cNvPr id="21" name="Shape 21"/>
         <p:cNvGrpSpPr/>
         <p:nvPr/>
       </p:nvGrpSpPr>
@@ -2801,10 +2962,8 @@
       </p:grpSpPr>
       <p:sp>
         <p:nvSpPr>
-          <p:cNvPr id="21" name="Google Shape;21;p5"/>
-          <p:cNvSpPr txBox="1">
-            <a:spLocks noGrp="1"/>
-          </p:cNvSpPr>
+          <p:cNvPr id="22" name="Google Shape;22;p5"/>
+          <p:cNvSpPr txBox="1"/>
           <p:nvPr>
             <p:ph type="title"/>
           </p:nvPr>
@@ -2819,7 +2978,7 @@
           </a:prstGeom>
         </p:spPr>
         <p:txBody>
-          <a:bodyPr spcFirstLastPara="1" wrap="square" lIns="91425" tIns="91425" rIns="91425" bIns="91425" anchor="t" anchorCtr="0">
+          <a:bodyPr anchorCtr="0" anchor="t" bIns="91425" lIns="91425" spcFirstLastPara="1" rIns="91425" wrap="square" tIns="91425">
             <a:normAutofit/>
           </a:bodyPr>
           <a:lstStyle>
@@ -2923,19 +3082,15 @@
               <a:defRPr/>
             </a:lvl9pPr>
           </a:lstStyle>
-          <a:p>
-            <a:endParaRPr/>
-          </a:p>
+          <a:p/>
         </p:txBody>
       </p:sp>
       <p:sp>
         <p:nvSpPr>
-          <p:cNvPr id="22" name="Google Shape;22;p5"/>
-          <p:cNvSpPr txBox="1">
-            <a:spLocks noGrp="1"/>
-          </p:cNvSpPr>
+          <p:cNvPr id="23" name="Google Shape;23;p5"/>
+          <p:cNvSpPr txBox="1"/>
           <p:nvPr>
-            <p:ph type="body" idx="1"/>
+            <p:ph idx="1" type="body"/>
           </p:nvPr>
         </p:nvSpPr>
         <p:spPr>
@@ -2948,11 +3103,11 @@
           </a:prstGeom>
         </p:spPr>
         <p:txBody>
-          <a:bodyPr spcFirstLastPara="1" wrap="square" lIns="91425" tIns="91425" rIns="91425" bIns="91425" anchor="t" anchorCtr="0">
+          <a:bodyPr anchorCtr="0" anchor="t" bIns="91425" lIns="91425" spcFirstLastPara="1" rIns="91425" wrap="square" tIns="91425">
             <a:normAutofit/>
           </a:bodyPr>
           <a:lstStyle>
-            <a:lvl1pPr marL="457200" lvl="0" indent="-317500">
+            <a:lvl1pPr indent="-317500" lvl="0" marL="457200">
               <a:spcBef>
                 <a:spcPts val="0"/>
               </a:spcBef>
@@ -2963,7 +3118,7 @@
               <a:buChar char="●"/>
               <a:defRPr sz="1400"/>
             </a:lvl1pPr>
-            <a:lvl2pPr marL="914400" lvl="1" indent="-304800">
+            <a:lvl2pPr indent="-304800" lvl="1" marL="914400">
               <a:spcBef>
                 <a:spcPts val="0"/>
               </a:spcBef>
@@ -2974,7 +3129,7 @@
               <a:buChar char="○"/>
               <a:defRPr sz="1200"/>
             </a:lvl2pPr>
-            <a:lvl3pPr marL="1371600" lvl="2" indent="-304800">
+            <a:lvl3pPr indent="-304800" lvl="2" marL="1371600">
               <a:spcBef>
                 <a:spcPts val="0"/>
               </a:spcBef>
@@ -2985,7 +3140,7 @@
               <a:buChar char="■"/>
               <a:defRPr sz="1200"/>
             </a:lvl3pPr>
-            <a:lvl4pPr marL="1828800" lvl="3" indent="-304800">
+            <a:lvl4pPr indent="-304800" lvl="3" marL="1828800">
               <a:spcBef>
                 <a:spcPts val="0"/>
               </a:spcBef>
@@ -2996,7 +3151,7 @@
               <a:buChar char="●"/>
               <a:defRPr sz="1200"/>
             </a:lvl4pPr>
-            <a:lvl5pPr marL="2286000" lvl="4" indent="-304800">
+            <a:lvl5pPr indent="-304800" lvl="4" marL="2286000">
               <a:spcBef>
                 <a:spcPts val="0"/>
               </a:spcBef>
@@ -3007,7 +3162,7 @@
               <a:buChar char="○"/>
               <a:defRPr sz="1200"/>
             </a:lvl5pPr>
-            <a:lvl6pPr marL="2743200" lvl="5" indent="-304800">
+            <a:lvl6pPr indent="-304800" lvl="5" marL="2743200">
               <a:spcBef>
                 <a:spcPts val="0"/>
               </a:spcBef>
@@ -3018,7 +3173,7 @@
               <a:buChar char="■"/>
               <a:defRPr sz="1200"/>
             </a:lvl6pPr>
-            <a:lvl7pPr marL="3200400" lvl="6" indent="-304800">
+            <a:lvl7pPr indent="-304800" lvl="6" marL="3200400">
               <a:spcBef>
                 <a:spcPts val="0"/>
               </a:spcBef>
@@ -3029,7 +3184,7 @@
               <a:buChar char="●"/>
               <a:defRPr sz="1200"/>
             </a:lvl7pPr>
-            <a:lvl8pPr marL="3657600" lvl="7" indent="-304800">
+            <a:lvl8pPr indent="-304800" lvl="7" marL="3657600">
               <a:spcBef>
                 <a:spcPts val="0"/>
               </a:spcBef>
@@ -3040,7 +3195,7 @@
               <a:buChar char="○"/>
               <a:defRPr sz="1200"/>
             </a:lvl8pPr>
-            <a:lvl9pPr marL="4114800" lvl="8" indent="-304800">
+            <a:lvl9pPr indent="-304800" lvl="8" marL="4114800">
               <a:spcBef>
                 <a:spcPts val="0"/>
               </a:spcBef>
@@ -3052,19 +3207,15 @@
               <a:defRPr sz="1200"/>
             </a:lvl9pPr>
           </a:lstStyle>
-          <a:p>
-            <a:endParaRPr/>
-          </a:p>
+          <a:p/>
         </p:txBody>
       </p:sp>
       <p:sp>
         <p:nvSpPr>
-          <p:cNvPr id="23" name="Google Shape;23;p5"/>
-          <p:cNvSpPr txBox="1">
-            <a:spLocks noGrp="1"/>
-          </p:cNvSpPr>
+          <p:cNvPr id="24" name="Google Shape;24;p5"/>
+          <p:cNvSpPr txBox="1"/>
           <p:nvPr>
-            <p:ph type="body" idx="2"/>
+            <p:ph idx="2" type="body"/>
           </p:nvPr>
         </p:nvSpPr>
         <p:spPr>
@@ -3077,11 +3228,11 @@
           </a:prstGeom>
         </p:spPr>
         <p:txBody>
-          <a:bodyPr spcFirstLastPara="1" wrap="square" lIns="91425" tIns="91425" rIns="91425" bIns="91425" anchor="t" anchorCtr="0">
+          <a:bodyPr anchorCtr="0" anchor="t" bIns="91425" lIns="91425" spcFirstLastPara="1" rIns="91425" wrap="square" tIns="91425">
             <a:normAutofit/>
           </a:bodyPr>
           <a:lstStyle>
-            <a:lvl1pPr marL="457200" lvl="0" indent="-317500">
+            <a:lvl1pPr indent="-317500" lvl="0" marL="457200">
               <a:spcBef>
                 <a:spcPts val="0"/>
               </a:spcBef>
@@ -3092,7 +3243,7 @@
               <a:buChar char="●"/>
               <a:defRPr sz="1400"/>
             </a:lvl1pPr>
-            <a:lvl2pPr marL="914400" lvl="1" indent="-304800">
+            <a:lvl2pPr indent="-304800" lvl="1" marL="914400">
               <a:spcBef>
                 <a:spcPts val="0"/>
               </a:spcBef>
@@ -3103,7 +3254,7 @@
               <a:buChar char="○"/>
               <a:defRPr sz="1200"/>
             </a:lvl2pPr>
-            <a:lvl3pPr marL="1371600" lvl="2" indent="-304800">
+            <a:lvl3pPr indent="-304800" lvl="2" marL="1371600">
               <a:spcBef>
                 <a:spcPts val="0"/>
               </a:spcBef>
@@ -3114,7 +3265,7 @@
               <a:buChar char="■"/>
               <a:defRPr sz="1200"/>
             </a:lvl3pPr>
-            <a:lvl4pPr marL="1828800" lvl="3" indent="-304800">
+            <a:lvl4pPr indent="-304800" lvl="3" marL="1828800">
               <a:spcBef>
                 <a:spcPts val="0"/>
               </a:spcBef>
@@ -3125,7 +3276,7 @@
               <a:buChar char="●"/>
               <a:defRPr sz="1200"/>
             </a:lvl4pPr>
-            <a:lvl5pPr marL="2286000" lvl="4" indent="-304800">
+            <a:lvl5pPr indent="-304800" lvl="4" marL="2286000">
               <a:spcBef>
                 <a:spcPts val="0"/>
               </a:spcBef>
@@ -3136,7 +3287,7 @@
               <a:buChar char="○"/>
               <a:defRPr sz="1200"/>
             </a:lvl5pPr>
-            <a:lvl6pPr marL="2743200" lvl="5" indent="-304800">
+            <a:lvl6pPr indent="-304800" lvl="5" marL="2743200">
               <a:spcBef>
                 <a:spcPts val="0"/>
               </a:spcBef>
@@ -3147,7 +3298,7 @@
               <a:buChar char="■"/>
               <a:defRPr sz="1200"/>
             </a:lvl6pPr>
-            <a:lvl7pPr marL="3200400" lvl="6" indent="-304800">
+            <a:lvl7pPr indent="-304800" lvl="6" marL="3200400">
               <a:spcBef>
                 <a:spcPts val="0"/>
               </a:spcBef>
@@ -3158,7 +3309,7 @@
               <a:buChar char="●"/>
               <a:defRPr sz="1200"/>
             </a:lvl7pPr>
-            <a:lvl8pPr marL="3657600" lvl="7" indent="-304800">
+            <a:lvl8pPr indent="-304800" lvl="7" marL="3657600">
               <a:spcBef>
                 <a:spcPts val="0"/>
               </a:spcBef>
@@ -3169,7 +3320,7 @@
               <a:buChar char="○"/>
               <a:defRPr sz="1200"/>
             </a:lvl8pPr>
-            <a:lvl9pPr marL="4114800" lvl="8" indent="-304800">
+            <a:lvl9pPr indent="-304800" lvl="8" marL="4114800">
               <a:spcBef>
                 <a:spcPts val="0"/>
               </a:spcBef>
@@ -3181,19 +3332,15 @@
               <a:defRPr sz="1200"/>
             </a:lvl9pPr>
           </a:lstStyle>
-          <a:p>
-            <a:endParaRPr/>
-          </a:p>
+          <a:p/>
         </p:txBody>
       </p:sp>
       <p:sp>
         <p:nvSpPr>
-          <p:cNvPr id="24" name="Google Shape;24;p5"/>
-          <p:cNvSpPr txBox="1">
-            <a:spLocks noGrp="1"/>
-          </p:cNvSpPr>
+          <p:cNvPr id="25" name="Google Shape;25;p5"/>
+          <p:cNvSpPr txBox="1"/>
           <p:nvPr>
-            <p:ph type="sldNum" idx="12"/>
+            <p:ph idx="12" type="sldNum"/>
           </p:nvPr>
         </p:nvSpPr>
         <p:spPr>
@@ -3206,7 +3353,7 @@
           </a:prstGeom>
         </p:spPr>
         <p:txBody>
-          <a:bodyPr spcFirstLastPara="1" wrap="square" lIns="91425" tIns="91425" rIns="91425" bIns="91425" anchor="ctr" anchorCtr="0">
+          <a:bodyPr anchorCtr="0" anchor="ctr" bIns="91425" lIns="91425" spcFirstLastPara="1" rIns="91425" wrap="square" tIns="91425">
             <a:normAutofit/>
           </a:bodyPr>
           <a:lstStyle>
@@ -3248,7 +3395,7 @@
             </a:lvl9pPr>
           </a:lstStyle>
           <a:p>
-            <a:pPr marL="0" lvl="0" indent="0" algn="r" rtl="0">
+            <a:pPr indent="0" lvl="0" marL="0" rtl="0" algn="r">
               <a:spcBef>
                 <a:spcPts val="0"/>
               </a:spcBef>
@@ -3274,11 +3421,11 @@
 </file>
 
 <file path=ppt/slideLayouts/slideLayout5.xml><?xml version="1.0" encoding="utf-8"?>
-<p:sldLayout xmlns:a="http://schemas.openxmlformats.org/drawingml/2006/main" xmlns:r="http://schemas.openxmlformats.org/officeDocument/2006/relationships" xmlns:p="http://schemas.openxmlformats.org/presentationml/2006/main" matchingName="Title only" type="titleOnly">
+<p:sldLayout xmlns:a="http://schemas.openxmlformats.org/drawingml/2006/main" xmlns:r="http://schemas.openxmlformats.org/officeDocument/2006/relationships" xmlns:mc="http://schemas.openxmlformats.org/markup-compatibility/2006" xmlns:mv="urn:schemas-microsoft-com:mac:vml" xmlns:p="http://schemas.openxmlformats.org/presentationml/2006/main" xmlns:c="http://schemas.openxmlformats.org/drawingml/2006/chart" xmlns:dgm="http://schemas.openxmlformats.org/drawingml/2006/diagram" xmlns:o="urn:schemas-microsoft-com:office:office" xmlns:v="urn:schemas-microsoft-com:vml" xmlns:pvml="urn:schemas-microsoft-com:office:powerpoint" xmlns:com="http://schemas.openxmlformats.org/drawingml/2006/compatibility" xmlns:p14="http://schemas.microsoft.com/office/powerpoint/2010/main" xmlns:p15="http://schemas.microsoft.com/office/powerpoint/2012/main" xmlns:ahyp="http://schemas.microsoft.com/office/drawing/2018/hyperlinkcolor" matchingName="Title only" type="titleOnly">
   <p:cSld name="TITLE_ONLY">
     <p:spTree>
       <p:nvGrpSpPr>
-        <p:cNvPr id="1" name="Shape 25"/>
+        <p:cNvPr id="26" name="Shape 26"/>
         <p:cNvGrpSpPr/>
         <p:nvPr/>
       </p:nvGrpSpPr>
@@ -3292,10 +3439,8 @@
       </p:grpSpPr>
       <p:sp>
         <p:nvSpPr>
-          <p:cNvPr id="26" name="Google Shape;26;p6"/>
-          <p:cNvSpPr txBox="1">
-            <a:spLocks noGrp="1"/>
-          </p:cNvSpPr>
+          <p:cNvPr id="27" name="Google Shape;27;p6"/>
+          <p:cNvSpPr txBox="1"/>
           <p:nvPr>
             <p:ph type="title"/>
           </p:nvPr>
@@ -3310,7 +3455,7 @@
           </a:prstGeom>
         </p:spPr>
         <p:txBody>
-          <a:bodyPr spcFirstLastPara="1" wrap="square" lIns="91425" tIns="91425" rIns="91425" bIns="91425" anchor="t" anchorCtr="0">
+          <a:bodyPr anchorCtr="0" anchor="t" bIns="91425" lIns="91425" spcFirstLastPara="1" rIns="91425" wrap="square" tIns="91425">
             <a:normAutofit/>
           </a:bodyPr>
           <a:lstStyle>
@@ -3414,19 +3559,15 @@
               <a:defRPr/>
             </a:lvl9pPr>
           </a:lstStyle>
-          <a:p>
-            <a:endParaRPr/>
-          </a:p>
+          <a:p/>
         </p:txBody>
       </p:sp>
       <p:sp>
         <p:nvSpPr>
-          <p:cNvPr id="27" name="Google Shape;27;p6"/>
-          <p:cNvSpPr txBox="1">
-            <a:spLocks noGrp="1"/>
-          </p:cNvSpPr>
+          <p:cNvPr id="28" name="Google Shape;28;p6"/>
+          <p:cNvSpPr txBox="1"/>
           <p:nvPr>
-            <p:ph type="sldNum" idx="12"/>
+            <p:ph idx="12" type="sldNum"/>
           </p:nvPr>
         </p:nvSpPr>
         <p:spPr>
@@ -3439,7 +3580,7 @@
           </a:prstGeom>
         </p:spPr>
         <p:txBody>
-          <a:bodyPr spcFirstLastPara="1" wrap="square" lIns="91425" tIns="91425" rIns="91425" bIns="91425" anchor="ctr" anchorCtr="0">
+          <a:bodyPr anchorCtr="0" anchor="ctr" bIns="91425" lIns="91425" spcFirstLastPara="1" rIns="91425" wrap="square" tIns="91425">
             <a:normAutofit/>
           </a:bodyPr>
           <a:lstStyle>
@@ -3481,7 +3622,7 @@
             </a:lvl9pPr>
           </a:lstStyle>
           <a:p>
-            <a:pPr marL="0" lvl="0" indent="0" algn="r" rtl="0">
+            <a:pPr indent="0" lvl="0" marL="0" rtl="0" algn="r">
               <a:spcBef>
                 <a:spcPts val="0"/>
               </a:spcBef>
@@ -3507,11 +3648,11 @@
 </file>
 
 <file path=ppt/slideLayouts/slideLayout6.xml><?xml version="1.0" encoding="utf-8"?>
-<p:sldLayout xmlns:a="http://schemas.openxmlformats.org/drawingml/2006/main" xmlns:r="http://schemas.openxmlformats.org/officeDocument/2006/relationships" xmlns:p="http://schemas.openxmlformats.org/presentationml/2006/main" matchingName="One column text">
+<p:sldLayout xmlns:a="http://schemas.openxmlformats.org/drawingml/2006/main" xmlns:r="http://schemas.openxmlformats.org/officeDocument/2006/relationships" xmlns:mc="http://schemas.openxmlformats.org/markup-compatibility/2006" xmlns:mv="urn:schemas-microsoft-com:mac:vml" xmlns:p="http://schemas.openxmlformats.org/presentationml/2006/main" xmlns:c="http://schemas.openxmlformats.org/drawingml/2006/chart" xmlns:dgm="http://schemas.openxmlformats.org/drawingml/2006/diagram" xmlns:o="urn:schemas-microsoft-com:office:office" xmlns:v="urn:schemas-microsoft-com:vml" xmlns:pvml="urn:schemas-microsoft-com:office:powerpoint" xmlns:com="http://schemas.openxmlformats.org/drawingml/2006/compatibility" xmlns:p14="http://schemas.microsoft.com/office/powerpoint/2010/main" xmlns:p15="http://schemas.microsoft.com/office/powerpoint/2012/main" xmlns:ahyp="http://schemas.microsoft.com/office/drawing/2018/hyperlinkcolor" matchingName="One column text">
   <p:cSld name="ONE_COLUMN_TEXT">
     <p:spTree>
       <p:nvGrpSpPr>
-        <p:cNvPr id="1" name="Shape 28"/>
+        <p:cNvPr id="29" name="Shape 29"/>
         <p:cNvGrpSpPr/>
         <p:nvPr/>
       </p:nvGrpSpPr>
@@ -3525,10 +3666,8 @@
       </p:grpSpPr>
       <p:sp>
         <p:nvSpPr>
-          <p:cNvPr id="29" name="Google Shape;29;p7"/>
-          <p:cNvSpPr txBox="1">
-            <a:spLocks noGrp="1"/>
-          </p:cNvSpPr>
+          <p:cNvPr id="30" name="Google Shape;30;p7"/>
+          <p:cNvSpPr txBox="1"/>
           <p:nvPr>
             <p:ph type="title"/>
           </p:nvPr>
@@ -3543,7 +3682,7 @@
           </a:prstGeom>
         </p:spPr>
         <p:txBody>
-          <a:bodyPr spcFirstLastPara="1" wrap="square" lIns="91425" tIns="91425" rIns="91425" bIns="91425" anchor="b" anchorCtr="0">
+          <a:bodyPr anchorCtr="0" anchor="b" bIns="91425" lIns="91425" spcFirstLastPara="1" rIns="91425" wrap="square" tIns="91425">
             <a:normAutofit/>
           </a:bodyPr>
           <a:lstStyle>
@@ -3647,19 +3786,15 @@
               <a:defRPr sz="2400"/>
             </a:lvl9pPr>
           </a:lstStyle>
-          <a:p>
-            <a:endParaRPr/>
-          </a:p>
+          <a:p/>
         </p:txBody>
       </p:sp>
       <p:sp>
         <p:nvSpPr>
-          <p:cNvPr id="30" name="Google Shape;30;p7"/>
-          <p:cNvSpPr txBox="1">
-            <a:spLocks noGrp="1"/>
-          </p:cNvSpPr>
+          <p:cNvPr id="31" name="Google Shape;31;p7"/>
+          <p:cNvSpPr txBox="1"/>
           <p:nvPr>
-            <p:ph type="body" idx="1"/>
+            <p:ph idx="1" type="body"/>
           </p:nvPr>
         </p:nvSpPr>
         <p:spPr>
@@ -3672,11 +3807,11 @@
           </a:prstGeom>
         </p:spPr>
         <p:txBody>
-          <a:bodyPr spcFirstLastPara="1" wrap="square" lIns="91425" tIns="91425" rIns="91425" bIns="91425" anchor="t" anchorCtr="0">
+          <a:bodyPr anchorCtr="0" anchor="t" bIns="91425" lIns="91425" spcFirstLastPara="1" rIns="91425" wrap="square" tIns="91425">
             <a:normAutofit/>
           </a:bodyPr>
           <a:lstStyle>
-            <a:lvl1pPr marL="457200" lvl="0" indent="-304800">
+            <a:lvl1pPr indent="-304800" lvl="0" marL="457200">
               <a:spcBef>
                 <a:spcPts val="0"/>
               </a:spcBef>
@@ -3687,7 +3822,7 @@
               <a:buChar char="●"/>
               <a:defRPr sz="1200"/>
             </a:lvl1pPr>
-            <a:lvl2pPr marL="914400" lvl="1" indent="-304800">
+            <a:lvl2pPr indent="-304800" lvl="1" marL="914400">
               <a:spcBef>
                 <a:spcPts val="0"/>
               </a:spcBef>
@@ -3698,7 +3833,7 @@
               <a:buChar char="○"/>
               <a:defRPr sz="1200"/>
             </a:lvl2pPr>
-            <a:lvl3pPr marL="1371600" lvl="2" indent="-304800">
+            <a:lvl3pPr indent="-304800" lvl="2" marL="1371600">
               <a:spcBef>
                 <a:spcPts val="0"/>
               </a:spcBef>
@@ -3709,7 +3844,7 @@
               <a:buChar char="■"/>
               <a:defRPr sz="1200"/>
             </a:lvl3pPr>
-            <a:lvl4pPr marL="1828800" lvl="3" indent="-304800">
+            <a:lvl4pPr indent="-304800" lvl="3" marL="1828800">
               <a:spcBef>
                 <a:spcPts val="0"/>
               </a:spcBef>
@@ -3720,7 +3855,7 @@
               <a:buChar char="●"/>
               <a:defRPr sz="1200"/>
             </a:lvl4pPr>
-            <a:lvl5pPr marL="2286000" lvl="4" indent="-304800">
+            <a:lvl5pPr indent="-304800" lvl="4" marL="2286000">
               <a:spcBef>
                 <a:spcPts val="0"/>
               </a:spcBef>
@@ -3731,7 +3866,7 @@
               <a:buChar char="○"/>
               <a:defRPr sz="1200"/>
             </a:lvl5pPr>
-            <a:lvl6pPr marL="2743200" lvl="5" indent="-304800">
+            <a:lvl6pPr indent="-304800" lvl="5" marL="2743200">
               <a:spcBef>
                 <a:spcPts val="0"/>
               </a:spcBef>
@@ -3742,7 +3877,7 @@
               <a:buChar char="■"/>
               <a:defRPr sz="1200"/>
             </a:lvl6pPr>
-            <a:lvl7pPr marL="3200400" lvl="6" indent="-304800">
+            <a:lvl7pPr indent="-304800" lvl="6" marL="3200400">
               <a:spcBef>
                 <a:spcPts val="0"/>
               </a:spcBef>
@@ -3753,7 +3888,7 @@
               <a:buChar char="●"/>
               <a:defRPr sz="1200"/>
             </a:lvl7pPr>
-            <a:lvl8pPr marL="3657600" lvl="7" indent="-304800">
+            <a:lvl8pPr indent="-304800" lvl="7" marL="3657600">
               <a:spcBef>
                 <a:spcPts val="0"/>
               </a:spcBef>
@@ -3764,7 +3899,7 @@
               <a:buChar char="○"/>
               <a:defRPr sz="1200"/>
             </a:lvl8pPr>
-            <a:lvl9pPr marL="4114800" lvl="8" indent="-304800">
+            <a:lvl9pPr indent="-304800" lvl="8" marL="4114800">
               <a:spcBef>
                 <a:spcPts val="0"/>
               </a:spcBef>
@@ -3776,19 +3911,15 @@
               <a:defRPr sz="1200"/>
             </a:lvl9pPr>
           </a:lstStyle>
-          <a:p>
-            <a:endParaRPr/>
-          </a:p>
+          <a:p/>
         </p:txBody>
       </p:sp>
       <p:sp>
         <p:nvSpPr>
-          <p:cNvPr id="31" name="Google Shape;31;p7"/>
-          <p:cNvSpPr txBox="1">
-            <a:spLocks noGrp="1"/>
-          </p:cNvSpPr>
+          <p:cNvPr id="32" name="Google Shape;32;p7"/>
+          <p:cNvSpPr txBox="1"/>
           <p:nvPr>
-            <p:ph type="sldNum" idx="12"/>
+            <p:ph idx="12" type="sldNum"/>
           </p:nvPr>
         </p:nvSpPr>
         <p:spPr>
@@ -3801,7 +3932,7 @@
           </a:prstGeom>
         </p:spPr>
         <p:txBody>
-          <a:bodyPr spcFirstLastPara="1" wrap="square" lIns="91425" tIns="91425" rIns="91425" bIns="91425" anchor="ctr" anchorCtr="0">
+          <a:bodyPr anchorCtr="0" anchor="ctr" bIns="91425" lIns="91425" spcFirstLastPara="1" rIns="91425" wrap="square" tIns="91425">
             <a:normAutofit/>
           </a:bodyPr>
           <a:lstStyle>
@@ -3843,7 +3974,7 @@
             </a:lvl9pPr>
           </a:lstStyle>
           <a:p>
-            <a:pPr marL="0" lvl="0" indent="0" algn="r" rtl="0">
+            <a:pPr indent="0" lvl="0" marL="0" rtl="0" algn="r">
               <a:spcBef>
                 <a:spcPts val="0"/>
               </a:spcBef>
@@ -3869,11 +4000,11 @@
 </file>
 
 <file path=ppt/slideLayouts/slideLayout7.xml><?xml version="1.0" encoding="utf-8"?>
-<p:sldLayout xmlns:a="http://schemas.openxmlformats.org/drawingml/2006/main" xmlns:r="http://schemas.openxmlformats.org/officeDocument/2006/relationships" xmlns:p="http://schemas.openxmlformats.org/presentationml/2006/main" matchingName="Main point">
+<p:sldLayout xmlns:a="http://schemas.openxmlformats.org/drawingml/2006/main" xmlns:r="http://schemas.openxmlformats.org/officeDocument/2006/relationships" xmlns:mc="http://schemas.openxmlformats.org/markup-compatibility/2006" xmlns:mv="urn:schemas-microsoft-com:mac:vml" xmlns:p="http://schemas.openxmlformats.org/presentationml/2006/main" xmlns:c="http://schemas.openxmlformats.org/drawingml/2006/chart" xmlns:dgm="http://schemas.openxmlformats.org/drawingml/2006/diagram" xmlns:o="urn:schemas-microsoft-com:office:office" xmlns:v="urn:schemas-microsoft-com:vml" xmlns:pvml="urn:schemas-microsoft-com:office:powerpoint" xmlns:com="http://schemas.openxmlformats.org/drawingml/2006/compatibility" xmlns:p14="http://schemas.microsoft.com/office/powerpoint/2010/main" xmlns:p15="http://schemas.microsoft.com/office/powerpoint/2012/main" xmlns:ahyp="http://schemas.microsoft.com/office/drawing/2018/hyperlinkcolor" matchingName="Main point">
   <p:cSld name="MAIN_POINT">
     <p:spTree>
       <p:nvGrpSpPr>
-        <p:cNvPr id="1" name="Shape 32"/>
+        <p:cNvPr id="33" name="Shape 33"/>
         <p:cNvGrpSpPr/>
         <p:nvPr/>
       </p:nvGrpSpPr>
@@ -3887,10 +4018,8 @@
       </p:grpSpPr>
       <p:sp>
         <p:nvSpPr>
-          <p:cNvPr id="33" name="Google Shape;33;p8"/>
-          <p:cNvSpPr txBox="1">
-            <a:spLocks noGrp="1"/>
-          </p:cNvSpPr>
+          <p:cNvPr id="34" name="Google Shape;34;p8"/>
+          <p:cNvSpPr txBox="1"/>
           <p:nvPr>
             <p:ph type="title"/>
           </p:nvPr>
@@ -3905,7 +4034,7 @@
           </a:prstGeom>
         </p:spPr>
         <p:txBody>
-          <a:bodyPr spcFirstLastPara="1" wrap="square" lIns="91425" tIns="91425" rIns="91425" bIns="91425" anchor="ctr" anchorCtr="0">
+          <a:bodyPr anchorCtr="0" anchor="ctr" bIns="91425" lIns="91425" spcFirstLastPara="1" rIns="91425" wrap="square" tIns="91425">
             <a:normAutofit/>
           </a:bodyPr>
           <a:lstStyle>
@@ -4009,19 +4138,15 @@
               <a:defRPr sz="4800"/>
             </a:lvl9pPr>
           </a:lstStyle>
-          <a:p>
-            <a:endParaRPr/>
-          </a:p>
+          <a:p/>
         </p:txBody>
       </p:sp>
       <p:sp>
         <p:nvSpPr>
-          <p:cNvPr id="34" name="Google Shape;34;p8"/>
-          <p:cNvSpPr txBox="1">
-            <a:spLocks noGrp="1"/>
-          </p:cNvSpPr>
+          <p:cNvPr id="35" name="Google Shape;35;p8"/>
+          <p:cNvSpPr txBox="1"/>
           <p:nvPr>
-            <p:ph type="sldNum" idx="12"/>
+            <p:ph idx="12" type="sldNum"/>
           </p:nvPr>
         </p:nvSpPr>
         <p:spPr>
@@ -4034,7 +4159,7 @@
           </a:prstGeom>
         </p:spPr>
         <p:txBody>
-          <a:bodyPr spcFirstLastPara="1" wrap="square" lIns="91425" tIns="91425" rIns="91425" bIns="91425" anchor="ctr" anchorCtr="0">
+          <a:bodyPr anchorCtr="0" anchor="ctr" bIns="91425" lIns="91425" spcFirstLastPara="1" rIns="91425" wrap="square" tIns="91425">
             <a:normAutofit/>
           </a:bodyPr>
           <a:lstStyle>
@@ -4076,7 +4201,7 @@
             </a:lvl9pPr>
           </a:lstStyle>
           <a:p>
-            <a:pPr marL="0" lvl="0" indent="0" algn="r" rtl="0">
+            <a:pPr indent="0" lvl="0" marL="0" rtl="0" algn="r">
               <a:spcBef>
                 <a:spcPts val="0"/>
               </a:spcBef>
@@ -4102,11 +4227,11 @@
 </file>
 
 <file path=ppt/slideLayouts/slideLayout8.xml><?xml version="1.0" encoding="utf-8"?>
-<p:sldLayout xmlns:a="http://schemas.openxmlformats.org/drawingml/2006/main" xmlns:r="http://schemas.openxmlformats.org/officeDocument/2006/relationships" xmlns:p="http://schemas.openxmlformats.org/presentationml/2006/main" matchingName="Section title and description">
+<p:sldLayout xmlns:a="http://schemas.openxmlformats.org/drawingml/2006/main" xmlns:r="http://schemas.openxmlformats.org/officeDocument/2006/relationships" xmlns:mc="http://schemas.openxmlformats.org/markup-compatibility/2006" xmlns:mv="urn:schemas-microsoft-com:mac:vml" xmlns:p="http://schemas.openxmlformats.org/presentationml/2006/main" xmlns:c="http://schemas.openxmlformats.org/drawingml/2006/chart" xmlns:dgm="http://schemas.openxmlformats.org/drawingml/2006/diagram" xmlns:o="urn:schemas-microsoft-com:office:office" xmlns:v="urn:schemas-microsoft-com:vml" xmlns:pvml="urn:schemas-microsoft-com:office:powerpoint" xmlns:com="http://schemas.openxmlformats.org/drawingml/2006/compatibility" xmlns:p14="http://schemas.microsoft.com/office/powerpoint/2010/main" xmlns:p15="http://schemas.microsoft.com/office/powerpoint/2012/main" xmlns:ahyp="http://schemas.microsoft.com/office/drawing/2018/hyperlinkcolor" matchingName="Section title and description">
   <p:cSld name="SECTION_TITLE_AND_DESCRIPTION">
     <p:spTree>
       <p:nvGrpSpPr>
-        <p:cNvPr id="1" name="Shape 35"/>
+        <p:cNvPr id="36" name="Shape 36"/>
         <p:cNvGrpSpPr/>
         <p:nvPr/>
       </p:nvGrpSpPr>
@@ -4120,7 +4245,7 @@
       </p:grpSpPr>
       <p:sp>
         <p:nvSpPr>
-          <p:cNvPr id="36" name="Google Shape;36;p9"/>
+          <p:cNvPr id="37" name="Google Shape;37;p9"/>
           <p:cNvSpPr/>
           <p:nvPr/>
         </p:nvSpPr>
@@ -4140,12 +4265,12 @@
           </a:ln>
         </p:spPr>
         <p:txBody>
-          <a:bodyPr spcFirstLastPara="1" wrap="square" lIns="91425" tIns="91425" rIns="91425" bIns="91425" anchor="ctr" anchorCtr="0">
+          <a:bodyPr anchorCtr="0" anchor="ctr" bIns="91425" lIns="91425" spcFirstLastPara="1" rIns="91425" wrap="square" tIns="91425">
             <a:noAutofit/>
           </a:bodyPr>
           <a:lstStyle/>
           <a:p>
-            <a:pPr marL="0" lvl="0" indent="0" algn="l" rtl="0">
+            <a:pPr indent="0" lvl="0" marL="0" rtl="0" algn="l">
               <a:spcBef>
                 <a:spcPts val="0"/>
               </a:spcBef>
@@ -4154,16 +4279,17 @@
               </a:spcAft>
               <a:buNone/>
             </a:pPr>
+            <a:r>
+              <a:t/>
+            </a:r>
             <a:endParaRPr/>
           </a:p>
         </p:txBody>
       </p:sp>
       <p:sp>
         <p:nvSpPr>
-          <p:cNvPr id="37" name="Google Shape;37;p9"/>
-          <p:cNvSpPr txBox="1">
-            <a:spLocks noGrp="1"/>
-          </p:cNvSpPr>
+          <p:cNvPr id="38" name="Google Shape;38;p9"/>
+          <p:cNvSpPr txBox="1"/>
           <p:nvPr>
             <p:ph type="title"/>
           </p:nvPr>
@@ -4178,7 +4304,7 @@
           </a:prstGeom>
         </p:spPr>
         <p:txBody>
-          <a:bodyPr spcFirstLastPara="1" wrap="square" lIns="91425" tIns="91425" rIns="91425" bIns="91425" anchor="b" anchorCtr="0">
+          <a:bodyPr anchorCtr="0" anchor="b" bIns="91425" lIns="91425" spcFirstLastPara="1" rIns="91425" wrap="square" tIns="91425">
             <a:normAutofit/>
           </a:bodyPr>
           <a:lstStyle>
@@ -4282,19 +4408,15 @@
               <a:defRPr sz="4200"/>
             </a:lvl9pPr>
           </a:lstStyle>
-          <a:p>
-            <a:endParaRPr/>
-          </a:p>
+          <a:p/>
         </p:txBody>
       </p:sp>
       <p:sp>
         <p:nvSpPr>
-          <p:cNvPr id="38" name="Google Shape;38;p9"/>
-          <p:cNvSpPr txBox="1">
-            <a:spLocks noGrp="1"/>
-          </p:cNvSpPr>
+          <p:cNvPr id="39" name="Google Shape;39;p9"/>
+          <p:cNvSpPr txBox="1"/>
           <p:nvPr>
-            <p:ph type="subTitle" idx="1"/>
+            <p:ph idx="1" type="subTitle"/>
           </p:nvPr>
         </p:nvSpPr>
         <p:spPr>
@@ -4307,7 +4429,7 @@
           </a:prstGeom>
         </p:spPr>
         <p:txBody>
-          <a:bodyPr spcFirstLastPara="1" wrap="square" lIns="91425" tIns="91425" rIns="91425" bIns="91425" anchor="t" anchorCtr="0">
+          <a:bodyPr anchorCtr="0" anchor="t" bIns="91425" lIns="91425" spcFirstLastPara="1" rIns="91425" wrap="square" tIns="91425">
             <a:normAutofit/>
           </a:bodyPr>
           <a:lstStyle>
@@ -4438,19 +4560,15 @@
               <a:defRPr sz="2100"/>
             </a:lvl9pPr>
           </a:lstStyle>
-          <a:p>
-            <a:endParaRPr/>
-          </a:p>
+          <a:p/>
         </p:txBody>
       </p:sp>
       <p:sp>
         <p:nvSpPr>
-          <p:cNvPr id="39" name="Google Shape;39;p9"/>
-          <p:cNvSpPr txBox="1">
-            <a:spLocks noGrp="1"/>
-          </p:cNvSpPr>
+          <p:cNvPr id="40" name="Google Shape;40;p9"/>
+          <p:cNvSpPr txBox="1"/>
           <p:nvPr>
-            <p:ph type="body" idx="2"/>
+            <p:ph idx="2" type="body"/>
           </p:nvPr>
         </p:nvSpPr>
         <p:spPr>
@@ -4463,11 +4581,11 @@
           </a:prstGeom>
         </p:spPr>
         <p:txBody>
-          <a:bodyPr spcFirstLastPara="1" wrap="square" lIns="91425" tIns="91425" rIns="91425" bIns="91425" anchor="ctr" anchorCtr="0">
+          <a:bodyPr anchorCtr="0" anchor="ctr" bIns="91425" lIns="91425" spcFirstLastPara="1" rIns="91425" wrap="square" tIns="91425">
             <a:normAutofit/>
           </a:bodyPr>
           <a:lstStyle>
-            <a:lvl1pPr marL="457200" lvl="0" indent="-342900">
+            <a:lvl1pPr indent="-342900" lvl="0" marL="457200">
               <a:spcBef>
                 <a:spcPts val="0"/>
               </a:spcBef>
@@ -4478,7 +4596,7 @@
               <a:buChar char="●"/>
               <a:defRPr/>
             </a:lvl1pPr>
-            <a:lvl2pPr marL="914400" lvl="1" indent="-317500">
+            <a:lvl2pPr indent="-317500" lvl="1" marL="914400">
               <a:spcBef>
                 <a:spcPts val="0"/>
               </a:spcBef>
@@ -4489,7 +4607,7 @@
               <a:buChar char="○"/>
               <a:defRPr/>
             </a:lvl2pPr>
-            <a:lvl3pPr marL="1371600" lvl="2" indent="-317500">
+            <a:lvl3pPr indent="-317500" lvl="2" marL="1371600">
               <a:spcBef>
                 <a:spcPts val="0"/>
               </a:spcBef>
@@ -4500,7 +4618,7 @@
               <a:buChar char="■"/>
               <a:defRPr/>
             </a:lvl3pPr>
-            <a:lvl4pPr marL="1828800" lvl="3" indent="-317500">
+            <a:lvl4pPr indent="-317500" lvl="3" marL="1828800">
               <a:spcBef>
                 <a:spcPts val="0"/>
               </a:spcBef>
@@ -4511,7 +4629,7 @@
               <a:buChar char="●"/>
               <a:defRPr/>
             </a:lvl4pPr>
-            <a:lvl5pPr marL="2286000" lvl="4" indent="-317500">
+            <a:lvl5pPr indent="-317500" lvl="4" marL="2286000">
               <a:spcBef>
                 <a:spcPts val="0"/>
               </a:spcBef>
@@ -4522,7 +4640,7 @@
               <a:buChar char="○"/>
               <a:defRPr/>
             </a:lvl5pPr>
-            <a:lvl6pPr marL="2743200" lvl="5" indent="-317500">
+            <a:lvl6pPr indent="-317500" lvl="5" marL="2743200">
               <a:spcBef>
                 <a:spcPts val="0"/>
               </a:spcBef>
@@ -4533,7 +4651,7 @@
               <a:buChar char="■"/>
               <a:defRPr/>
             </a:lvl6pPr>
-            <a:lvl7pPr marL="3200400" lvl="6" indent="-317500">
+            <a:lvl7pPr indent="-317500" lvl="6" marL="3200400">
               <a:spcBef>
                 <a:spcPts val="0"/>
               </a:spcBef>
@@ -4544,7 +4662,7 @@
               <a:buChar char="●"/>
               <a:defRPr/>
             </a:lvl7pPr>
-            <a:lvl8pPr marL="3657600" lvl="7" indent="-317500">
+            <a:lvl8pPr indent="-317500" lvl="7" marL="3657600">
               <a:spcBef>
                 <a:spcPts val="0"/>
               </a:spcBef>
@@ -4555,7 +4673,7 @@
               <a:buChar char="○"/>
               <a:defRPr/>
             </a:lvl8pPr>
-            <a:lvl9pPr marL="4114800" lvl="8" indent="-317500">
+            <a:lvl9pPr indent="-317500" lvl="8" marL="4114800">
               <a:spcBef>
                 <a:spcPts val="0"/>
               </a:spcBef>
@@ -4567,19 +4685,15 @@
               <a:defRPr/>
             </a:lvl9pPr>
           </a:lstStyle>
-          <a:p>
-            <a:endParaRPr/>
-          </a:p>
+          <a:p/>
         </p:txBody>
       </p:sp>
       <p:sp>
         <p:nvSpPr>
-          <p:cNvPr id="40" name="Google Shape;40;p9"/>
-          <p:cNvSpPr txBox="1">
-            <a:spLocks noGrp="1"/>
-          </p:cNvSpPr>
+          <p:cNvPr id="41" name="Google Shape;41;p9"/>
+          <p:cNvSpPr txBox="1"/>
           <p:nvPr>
-            <p:ph type="sldNum" idx="12"/>
+            <p:ph idx="12" type="sldNum"/>
           </p:nvPr>
         </p:nvSpPr>
         <p:spPr>
@@ -4592,7 +4706,7 @@
           </a:prstGeom>
         </p:spPr>
         <p:txBody>
-          <a:bodyPr spcFirstLastPara="1" wrap="square" lIns="91425" tIns="91425" rIns="91425" bIns="91425" anchor="ctr" anchorCtr="0">
+          <a:bodyPr anchorCtr="0" anchor="ctr" bIns="91425" lIns="91425" spcFirstLastPara="1" rIns="91425" wrap="square" tIns="91425">
             <a:normAutofit/>
           </a:bodyPr>
           <a:lstStyle>
@@ -4634,7 +4748,7 @@
             </a:lvl9pPr>
           </a:lstStyle>
           <a:p>
-            <a:pPr marL="0" lvl="0" indent="0" algn="r" rtl="0">
+            <a:pPr indent="0" lvl="0" marL="0" rtl="0" algn="r">
               <a:spcBef>
                 <a:spcPts val="0"/>
               </a:spcBef>
@@ -4660,11 +4774,11 @@
 </file>
 
 <file path=ppt/slideLayouts/slideLayout9.xml><?xml version="1.0" encoding="utf-8"?>
-<p:sldLayout xmlns:a="http://schemas.openxmlformats.org/drawingml/2006/main" xmlns:r="http://schemas.openxmlformats.org/officeDocument/2006/relationships" xmlns:p="http://schemas.openxmlformats.org/presentationml/2006/main" matchingName="Caption">
+<p:sldLayout xmlns:a="http://schemas.openxmlformats.org/drawingml/2006/main" xmlns:r="http://schemas.openxmlformats.org/officeDocument/2006/relationships" xmlns:mc="http://schemas.openxmlformats.org/markup-compatibility/2006" xmlns:mv="urn:schemas-microsoft-com:mac:vml" xmlns:p="http://schemas.openxmlformats.org/presentationml/2006/main" xmlns:c="http://schemas.openxmlformats.org/drawingml/2006/chart" xmlns:dgm="http://schemas.openxmlformats.org/drawingml/2006/diagram" xmlns:o="urn:schemas-microsoft-com:office:office" xmlns:v="urn:schemas-microsoft-com:vml" xmlns:pvml="urn:schemas-microsoft-com:office:powerpoint" xmlns:com="http://schemas.openxmlformats.org/drawingml/2006/compatibility" xmlns:p14="http://schemas.microsoft.com/office/powerpoint/2010/main" xmlns:p15="http://schemas.microsoft.com/office/powerpoint/2012/main" xmlns:ahyp="http://schemas.microsoft.com/office/drawing/2018/hyperlinkcolor" matchingName="Caption">
   <p:cSld name="CAPTION_ONLY">
     <p:spTree>
       <p:nvGrpSpPr>
-        <p:cNvPr id="1" name="Shape 41"/>
+        <p:cNvPr id="42" name="Shape 42"/>
         <p:cNvGrpSpPr/>
         <p:nvPr/>
       </p:nvGrpSpPr>
@@ -4678,12 +4792,10 @@
       </p:grpSpPr>
       <p:sp>
         <p:nvSpPr>
-          <p:cNvPr id="42" name="Google Shape;42;p10"/>
-          <p:cNvSpPr txBox="1">
-            <a:spLocks noGrp="1"/>
-          </p:cNvSpPr>
+          <p:cNvPr id="43" name="Google Shape;43;p10"/>
+          <p:cNvSpPr txBox="1"/>
           <p:nvPr>
-            <p:ph type="body" idx="1"/>
+            <p:ph idx="1" type="body"/>
           </p:nvPr>
         </p:nvSpPr>
         <p:spPr>
@@ -4696,11 +4808,11 @@
           </a:prstGeom>
         </p:spPr>
         <p:txBody>
-          <a:bodyPr spcFirstLastPara="1" wrap="square" lIns="91425" tIns="91425" rIns="91425" bIns="91425" anchor="ctr" anchorCtr="0">
+          <a:bodyPr anchorCtr="0" anchor="ctr" bIns="91425" lIns="91425" spcFirstLastPara="1" rIns="91425" wrap="square" tIns="91425">
             <a:normAutofit/>
           </a:bodyPr>
           <a:lstStyle>
-            <a:lvl1pPr marL="457200" lvl="0" indent="-228600">
+            <a:lvl1pPr indent="-228600" lvl="0" marL="457200">
               <a:lnSpc>
                 <a:spcPct val="100000"/>
               </a:lnSpc>
@@ -4715,19 +4827,15 @@
               <a:defRPr/>
             </a:lvl1pPr>
           </a:lstStyle>
-          <a:p>
-            <a:endParaRPr/>
-          </a:p>
+          <a:p/>
         </p:txBody>
       </p:sp>
       <p:sp>
         <p:nvSpPr>
-          <p:cNvPr id="43" name="Google Shape;43;p10"/>
-          <p:cNvSpPr txBox="1">
-            <a:spLocks noGrp="1"/>
-          </p:cNvSpPr>
+          <p:cNvPr id="44" name="Google Shape;44;p10"/>
+          <p:cNvSpPr txBox="1"/>
           <p:nvPr>
-            <p:ph type="sldNum" idx="12"/>
+            <p:ph idx="12" type="sldNum"/>
           </p:nvPr>
         </p:nvSpPr>
         <p:spPr>
@@ -4740,7 +4848,7 @@
           </a:prstGeom>
         </p:spPr>
         <p:txBody>
-          <a:bodyPr spcFirstLastPara="1" wrap="square" lIns="91425" tIns="91425" rIns="91425" bIns="91425" anchor="ctr" anchorCtr="0">
+          <a:bodyPr anchorCtr="0" anchor="ctr" bIns="91425" lIns="91425" spcFirstLastPara="1" rIns="91425" wrap="square" tIns="91425">
             <a:normAutofit/>
           </a:bodyPr>
           <a:lstStyle>
@@ -4782,7 +4890,7 @@
             </a:lvl9pPr>
           </a:lstStyle>
           <a:p>
-            <a:pPr marL="0" lvl="0" indent="0" algn="r" rtl="0">
+            <a:pPr indent="0" lvl="0" marL="0" rtl="0" algn="r">
               <a:spcBef>
                 <a:spcPts val="0"/>
               </a:spcBef>
@@ -4808,19 +4916,18 @@
 </file>
 
 <file path=ppt/slideMasters/slideMaster1.xml><?xml version="1.0" encoding="utf-8"?>
-<p:sldMaster xmlns:a="http://schemas.openxmlformats.org/drawingml/2006/main" xmlns:r="http://schemas.openxmlformats.org/officeDocument/2006/relationships" xmlns:p="http://schemas.openxmlformats.org/presentationml/2006/main">
+<p:sldMaster xmlns:a="http://schemas.openxmlformats.org/drawingml/2006/main" xmlns:r="http://schemas.openxmlformats.org/officeDocument/2006/relationships" xmlns:mc="http://schemas.openxmlformats.org/markup-compatibility/2006" xmlns:mv="urn:schemas-microsoft-com:mac:vml" xmlns:p="http://schemas.openxmlformats.org/presentationml/2006/main" xmlns:c="http://schemas.openxmlformats.org/drawingml/2006/chart" xmlns:dgm="http://schemas.openxmlformats.org/drawingml/2006/diagram" xmlns:o="urn:schemas-microsoft-com:office:office" xmlns:v="urn:schemas-microsoft-com:vml" xmlns:pvml="urn:schemas-microsoft-com:office:powerpoint" xmlns:com="http://schemas.openxmlformats.org/drawingml/2006/compatibility" xmlns:p14="http://schemas.microsoft.com/office/powerpoint/2010/main" xmlns:p15="http://schemas.microsoft.com/office/powerpoint/2012/main" xmlns:ahyp="http://schemas.microsoft.com/office/drawing/2018/hyperlinkcolor">
   <p:cSld name="simple-light-2">
     <p:bg>
       <p:bgPr>
         <a:solidFill>
           <a:schemeClr val="lt1"/>
         </a:solidFill>
-        <a:effectLst/>
       </p:bgPr>
     </p:bg>
     <p:spTree>
       <p:nvGrpSpPr>
-        <p:cNvPr id="1" name="Shape 5"/>
+        <p:cNvPr id="5" name="Shape 5"/>
         <p:cNvGrpSpPr/>
         <p:nvPr/>
       </p:nvGrpSpPr>
@@ -4835,9 +4942,7 @@
       <p:sp>
         <p:nvSpPr>
           <p:cNvPr id="6" name="Google Shape;6;p1"/>
-          <p:cNvSpPr txBox="1">
-            <a:spLocks noGrp="1"/>
-          </p:cNvSpPr>
+          <p:cNvSpPr txBox="1"/>
           <p:nvPr>
             <p:ph type="title"/>
           </p:nvPr>
@@ -4856,7 +4961,7 @@
           </a:ln>
         </p:spPr>
         <p:txBody>
-          <a:bodyPr spcFirstLastPara="1" wrap="square" lIns="91425" tIns="91425" rIns="91425" bIns="91425" anchor="t" anchorCtr="0">
+          <a:bodyPr anchorCtr="0" anchor="t" bIns="91425" lIns="91425" spcFirstLastPara="1" rIns="91425" wrap="square" tIns="91425">
             <a:normAutofit/>
           </a:bodyPr>
           <a:lstStyle>
@@ -5023,19 +5128,15 @@
               </a:defRPr>
             </a:lvl9pPr>
           </a:lstStyle>
-          <a:p>
-            <a:endParaRPr/>
-          </a:p>
+          <a:p/>
         </p:txBody>
       </p:sp>
       <p:sp>
         <p:nvSpPr>
           <p:cNvPr id="7" name="Google Shape;7;p1"/>
-          <p:cNvSpPr txBox="1">
-            <a:spLocks noGrp="1"/>
-          </p:cNvSpPr>
+          <p:cNvSpPr txBox="1"/>
           <p:nvPr>
-            <p:ph type="body" idx="1"/>
+            <p:ph idx="1" type="body"/>
           </p:nvPr>
         </p:nvSpPr>
         <p:spPr>
@@ -5052,11 +5153,11 @@
           </a:ln>
         </p:spPr>
         <p:txBody>
-          <a:bodyPr spcFirstLastPara="1" wrap="square" lIns="91425" tIns="91425" rIns="91425" bIns="91425" anchor="t" anchorCtr="0">
+          <a:bodyPr anchorCtr="0" anchor="t" bIns="91425" lIns="91425" spcFirstLastPara="1" rIns="91425" wrap="square" tIns="91425">
             <a:normAutofit/>
           </a:bodyPr>
           <a:lstStyle>
-            <a:lvl1pPr marL="457200" lvl="0" indent="-342900">
+            <a:lvl1pPr indent="-342900" lvl="0" marL="457200">
               <a:lnSpc>
                 <a:spcPct val="115000"/>
               </a:lnSpc>
@@ -5077,7 +5178,7 @@
                 </a:solidFill>
               </a:defRPr>
             </a:lvl1pPr>
-            <a:lvl2pPr marL="914400" lvl="1" indent="-317500">
+            <a:lvl2pPr indent="-317500" lvl="1" marL="914400">
               <a:lnSpc>
                 <a:spcPct val="115000"/>
               </a:lnSpc>
@@ -5098,7 +5199,7 @@
                 </a:solidFill>
               </a:defRPr>
             </a:lvl2pPr>
-            <a:lvl3pPr marL="1371600" lvl="2" indent="-317500">
+            <a:lvl3pPr indent="-317500" lvl="2" marL="1371600">
               <a:lnSpc>
                 <a:spcPct val="115000"/>
               </a:lnSpc>
@@ -5119,7 +5220,7 @@
                 </a:solidFill>
               </a:defRPr>
             </a:lvl3pPr>
-            <a:lvl4pPr marL="1828800" lvl="3" indent="-317500">
+            <a:lvl4pPr indent="-317500" lvl="3" marL="1828800">
               <a:lnSpc>
                 <a:spcPct val="115000"/>
               </a:lnSpc>
@@ -5140,7 +5241,7 @@
                 </a:solidFill>
               </a:defRPr>
             </a:lvl4pPr>
-            <a:lvl5pPr marL="2286000" lvl="4" indent="-317500">
+            <a:lvl5pPr indent="-317500" lvl="4" marL="2286000">
               <a:lnSpc>
                 <a:spcPct val="115000"/>
               </a:lnSpc>
@@ -5161,7 +5262,7 @@
                 </a:solidFill>
               </a:defRPr>
             </a:lvl5pPr>
-            <a:lvl6pPr marL="2743200" lvl="5" indent="-317500">
+            <a:lvl6pPr indent="-317500" lvl="5" marL="2743200">
               <a:lnSpc>
                 <a:spcPct val="115000"/>
               </a:lnSpc>
@@ -5182,7 +5283,7 @@
                 </a:solidFill>
               </a:defRPr>
             </a:lvl6pPr>
-            <a:lvl7pPr marL="3200400" lvl="6" indent="-317500">
+            <a:lvl7pPr indent="-317500" lvl="6" marL="3200400">
               <a:lnSpc>
                 <a:spcPct val="115000"/>
               </a:lnSpc>
@@ -5203,7 +5304,7 @@
                 </a:solidFill>
               </a:defRPr>
             </a:lvl7pPr>
-            <a:lvl8pPr marL="3657600" lvl="7" indent="-317500">
+            <a:lvl8pPr indent="-317500" lvl="7" marL="3657600">
               <a:lnSpc>
                 <a:spcPct val="115000"/>
               </a:lnSpc>
@@ -5224,7 +5325,7 @@
                 </a:solidFill>
               </a:defRPr>
             </a:lvl8pPr>
-            <a:lvl9pPr marL="4114800" lvl="8" indent="-317500">
+            <a:lvl9pPr indent="-317500" lvl="8" marL="4114800">
               <a:lnSpc>
                 <a:spcPct val="115000"/>
               </a:lnSpc>
@@ -5246,19 +5347,15 @@
               </a:defRPr>
             </a:lvl9pPr>
           </a:lstStyle>
-          <a:p>
-            <a:endParaRPr/>
-          </a:p>
+          <a:p/>
         </p:txBody>
       </p:sp>
       <p:sp>
         <p:nvSpPr>
           <p:cNvPr id="8" name="Google Shape;8;p1"/>
-          <p:cNvSpPr txBox="1">
-            <a:spLocks noGrp="1"/>
-          </p:cNvSpPr>
+          <p:cNvSpPr txBox="1"/>
           <p:nvPr>
-            <p:ph type="sldNum" idx="12"/>
+            <p:ph idx="12" type="sldNum"/>
           </p:nvPr>
         </p:nvSpPr>
         <p:spPr>
@@ -5275,7 +5372,7 @@
           </a:ln>
         </p:spPr>
         <p:txBody>
-          <a:bodyPr spcFirstLastPara="1" wrap="square" lIns="91425" tIns="91425" rIns="91425" bIns="91425" anchor="ctr" anchorCtr="0">
+          <a:bodyPr anchorCtr="0" anchor="ctr" bIns="91425" lIns="91425" spcFirstLastPara="1" rIns="91425" wrap="square" tIns="91425">
             <a:normAutofit/>
           </a:bodyPr>
           <a:lstStyle>
@@ -5353,7 +5450,7 @@
             </a:lvl9pPr>
           </a:lstStyle>
           <a:p>
-            <a:pPr marL="0" lvl="0" indent="0" algn="r" rtl="0">
+            <a:pPr indent="0" lvl="0" marL="0" rtl="0" algn="r">
               <a:spcBef>
                 <a:spcPts val="0"/>
               </a:spcBef>
@@ -5372,7 +5469,7 @@
       </p:sp>
     </p:spTree>
   </p:cSld>
-  <p:clrMap bg1="lt1" tx1="dk1" bg2="dk2" tx2="lt2" accent1="accent1" accent2="accent2" accent3="accent3" accent4="accent4" accent5="accent5" accent6="accent6" hlink="hlink" folHlink="folHlink"/>
+  <p:clrMap accent1="accent1" accent2="accent2" accent3="accent3" accent4="accent4" accent5="accent5" accent6="accent6" bg1="lt1" bg2="dk2" tx1="dk1" tx2="lt2" folHlink="folHlink" hlink="hlink"/>
   <p:sldLayoutIdLst>
     <p:sldLayoutId id="2147483648" r:id="rId1"/>
     <p:sldLayoutId id="2147483649" r:id="rId2"/>
@@ -5386,10 +5483,10 @@
     <p:sldLayoutId id="2147483657" r:id="rId10"/>
     <p:sldLayoutId id="2147483658" r:id="rId11"/>
   </p:sldLayoutIdLst>
-  <p:hf sldNum="0" hdr="0" ftr="0" dt="0"/>
+  <p:hf dt="0" ftr="0" hdr="0" sldNum="0"/>
   <p:txStyles>
     <p:titleStyle>
-      <a:defPPr marR="0" lvl="0" algn="l" rtl="0">
+      <a:defPPr lvl="0" marR="0" rtl="0" algn="l">
         <a:lnSpc>
           <a:spcPct val="100000"/>
         </a:lnSpc>
@@ -5400,7 +5497,7 @@
           <a:spcPts val="0"/>
         </a:spcAft>
       </a:defPPr>
-      <a:lvl1pPr marR="0" lvl="0" algn="l" rtl="0">
+      <a:lvl1pPr lvl="0" marR="0" rtl="0" algn="l">
         <a:lnSpc>
           <a:spcPct val="100000"/>
         </a:lnSpc>
@@ -5414,7 +5511,7 @@
           <a:srgbClr val="000000"/>
         </a:buClr>
         <a:buFont typeface="Arial"/>
-        <a:defRPr sz="1400" b="0" i="0" u="none" strike="noStrike" cap="none">
+        <a:defRPr b="0" i="0" sz="1400" u="none" cap="none" strike="noStrike">
           <a:solidFill>
             <a:srgbClr val="000000"/>
           </a:solidFill>
@@ -5424,7 +5521,7 @@
           <a:sym typeface="Arial"/>
         </a:defRPr>
       </a:lvl1pPr>
-      <a:lvl2pPr marR="0" lvl="1" algn="l" rtl="0">
+      <a:lvl2pPr lvl="1" marR="0" rtl="0" algn="l">
         <a:lnSpc>
           <a:spcPct val="100000"/>
         </a:lnSpc>
@@ -5438,7 +5535,7 @@
           <a:srgbClr val="000000"/>
         </a:buClr>
         <a:buFont typeface="Arial"/>
-        <a:defRPr sz="1400" b="0" i="0" u="none" strike="noStrike" cap="none">
+        <a:defRPr b="0" i="0" sz="1400" u="none" cap="none" strike="noStrike">
           <a:solidFill>
             <a:srgbClr val="000000"/>
           </a:solidFill>
@@ -5448,7 +5545,7 @@
           <a:sym typeface="Arial"/>
         </a:defRPr>
       </a:lvl2pPr>
-      <a:lvl3pPr marR="0" lvl="2" algn="l" rtl="0">
+      <a:lvl3pPr lvl="2" marR="0" rtl="0" algn="l">
         <a:lnSpc>
           <a:spcPct val="100000"/>
         </a:lnSpc>
@@ -5462,7 +5559,7 @@
           <a:srgbClr val="000000"/>
         </a:buClr>
         <a:buFont typeface="Arial"/>
-        <a:defRPr sz="1400" b="0" i="0" u="none" strike="noStrike" cap="none">
+        <a:defRPr b="0" i="0" sz="1400" u="none" cap="none" strike="noStrike">
           <a:solidFill>
             <a:srgbClr val="000000"/>
           </a:solidFill>
@@ -5472,7 +5569,7 @@
           <a:sym typeface="Arial"/>
         </a:defRPr>
       </a:lvl3pPr>
-      <a:lvl4pPr marR="0" lvl="3" algn="l" rtl="0">
+      <a:lvl4pPr lvl="3" marR="0" rtl="0" algn="l">
         <a:lnSpc>
           <a:spcPct val="100000"/>
         </a:lnSpc>
@@ -5486,7 +5583,7 @@
           <a:srgbClr val="000000"/>
         </a:buClr>
         <a:buFont typeface="Arial"/>
-        <a:defRPr sz="1400" b="0" i="0" u="none" strike="noStrike" cap="none">
+        <a:defRPr b="0" i="0" sz="1400" u="none" cap="none" strike="noStrike">
           <a:solidFill>
             <a:srgbClr val="000000"/>
           </a:solidFill>
@@ -5496,7 +5593,7 @@
           <a:sym typeface="Arial"/>
         </a:defRPr>
       </a:lvl4pPr>
-      <a:lvl5pPr marR="0" lvl="4" algn="l" rtl="0">
+      <a:lvl5pPr lvl="4" marR="0" rtl="0" algn="l">
         <a:lnSpc>
           <a:spcPct val="100000"/>
         </a:lnSpc>
@@ -5510,7 +5607,7 @@
           <a:srgbClr val="000000"/>
         </a:buClr>
         <a:buFont typeface="Arial"/>
-        <a:defRPr sz="1400" b="0" i="0" u="none" strike="noStrike" cap="none">
+        <a:defRPr b="0" i="0" sz="1400" u="none" cap="none" strike="noStrike">
           <a:solidFill>
             <a:srgbClr val="000000"/>
           </a:solidFill>
@@ -5520,7 +5617,7 @@
           <a:sym typeface="Arial"/>
         </a:defRPr>
       </a:lvl5pPr>
-      <a:lvl6pPr marR="0" lvl="5" algn="l" rtl="0">
+      <a:lvl6pPr lvl="5" marR="0" rtl="0" algn="l">
         <a:lnSpc>
           <a:spcPct val="100000"/>
         </a:lnSpc>
@@ -5534,7 +5631,7 @@
           <a:srgbClr val="000000"/>
         </a:buClr>
         <a:buFont typeface="Arial"/>
-        <a:defRPr sz="1400" b="0" i="0" u="none" strike="noStrike" cap="none">
+        <a:defRPr b="0" i="0" sz="1400" u="none" cap="none" strike="noStrike">
           <a:solidFill>
             <a:srgbClr val="000000"/>
           </a:solidFill>
@@ -5544,7 +5641,7 @@
           <a:sym typeface="Arial"/>
         </a:defRPr>
       </a:lvl6pPr>
-      <a:lvl7pPr marR="0" lvl="6" algn="l" rtl="0">
+      <a:lvl7pPr lvl="6" marR="0" rtl="0" algn="l">
         <a:lnSpc>
           <a:spcPct val="100000"/>
         </a:lnSpc>
@@ -5558,7 +5655,7 @@
           <a:srgbClr val="000000"/>
         </a:buClr>
         <a:buFont typeface="Arial"/>
-        <a:defRPr sz="1400" b="0" i="0" u="none" strike="noStrike" cap="none">
+        <a:defRPr b="0" i="0" sz="1400" u="none" cap="none" strike="noStrike">
           <a:solidFill>
             <a:srgbClr val="000000"/>
           </a:solidFill>
@@ -5568,7 +5665,7 @@
           <a:sym typeface="Arial"/>
         </a:defRPr>
       </a:lvl7pPr>
-      <a:lvl8pPr marR="0" lvl="7" algn="l" rtl="0">
+      <a:lvl8pPr lvl="7" marR="0" rtl="0" algn="l">
         <a:lnSpc>
           <a:spcPct val="100000"/>
         </a:lnSpc>
@@ -5582,7 +5679,7 @@
           <a:srgbClr val="000000"/>
         </a:buClr>
         <a:buFont typeface="Arial"/>
-        <a:defRPr sz="1400" b="0" i="0" u="none" strike="noStrike" cap="none">
+        <a:defRPr b="0" i="0" sz="1400" u="none" cap="none" strike="noStrike">
           <a:solidFill>
             <a:srgbClr val="000000"/>
           </a:solidFill>
@@ -5592,7 +5689,7 @@
           <a:sym typeface="Arial"/>
         </a:defRPr>
       </a:lvl8pPr>
-      <a:lvl9pPr marR="0" lvl="8" algn="l" rtl="0">
+      <a:lvl9pPr lvl="8" marR="0" rtl="0" algn="l">
         <a:lnSpc>
           <a:spcPct val="100000"/>
         </a:lnSpc>
@@ -5606,7 +5703,7 @@
           <a:srgbClr val="000000"/>
         </a:buClr>
         <a:buFont typeface="Arial"/>
-        <a:defRPr sz="1400" b="0" i="0" u="none" strike="noStrike" cap="none">
+        <a:defRPr b="0" i="0" sz="1400" u="none" cap="none" strike="noStrike">
           <a:solidFill>
             <a:srgbClr val="000000"/>
           </a:solidFill>
@@ -5618,7 +5715,7 @@
       </a:lvl9pPr>
     </p:titleStyle>
     <p:bodyStyle>
-      <a:defPPr marR="0" lvl="0" algn="l" rtl="0">
+      <a:defPPr lvl="0" marR="0" rtl="0" algn="l">
         <a:lnSpc>
           <a:spcPct val="100000"/>
         </a:lnSpc>
@@ -5629,7 +5726,7 @@
           <a:spcPts val="0"/>
         </a:spcAft>
       </a:defPPr>
-      <a:lvl1pPr marR="0" lvl="0" algn="l" rtl="0">
+      <a:lvl1pPr lvl="0" marR="0" rtl="0" algn="l">
         <a:lnSpc>
           <a:spcPct val="100000"/>
         </a:lnSpc>
@@ -5643,7 +5740,7 @@
           <a:srgbClr val="000000"/>
         </a:buClr>
         <a:buFont typeface="Arial"/>
-        <a:defRPr sz="1400" b="0" i="0" u="none" strike="noStrike" cap="none">
+        <a:defRPr b="0" i="0" sz="1400" u="none" cap="none" strike="noStrike">
           <a:solidFill>
             <a:srgbClr val="000000"/>
           </a:solidFill>
@@ -5653,7 +5750,7 @@
           <a:sym typeface="Arial"/>
         </a:defRPr>
       </a:lvl1pPr>
-      <a:lvl2pPr marR="0" lvl="1" algn="l" rtl="0">
+      <a:lvl2pPr lvl="1" marR="0" rtl="0" algn="l">
         <a:lnSpc>
           <a:spcPct val="100000"/>
         </a:lnSpc>
@@ -5667,7 +5764,7 @@
           <a:srgbClr val="000000"/>
         </a:buClr>
         <a:buFont typeface="Arial"/>
-        <a:defRPr sz="1400" b="0" i="0" u="none" strike="noStrike" cap="none">
+        <a:defRPr b="0" i="0" sz="1400" u="none" cap="none" strike="noStrike">
           <a:solidFill>
             <a:srgbClr val="000000"/>
           </a:solidFill>
@@ -5677,7 +5774,7 @@
           <a:sym typeface="Arial"/>
         </a:defRPr>
       </a:lvl2pPr>
-      <a:lvl3pPr marR="0" lvl="2" algn="l" rtl="0">
+      <a:lvl3pPr lvl="2" marR="0" rtl="0" algn="l">
         <a:lnSpc>
           <a:spcPct val="100000"/>
         </a:lnSpc>
@@ -5691,7 +5788,7 @@
           <a:srgbClr val="000000"/>
         </a:buClr>
         <a:buFont typeface="Arial"/>
-        <a:defRPr sz="1400" b="0" i="0" u="none" strike="noStrike" cap="none">
+        <a:defRPr b="0" i="0" sz="1400" u="none" cap="none" strike="noStrike">
           <a:solidFill>
             <a:srgbClr val="000000"/>
           </a:solidFill>
@@ -5701,7 +5798,7 @@
           <a:sym typeface="Arial"/>
         </a:defRPr>
       </a:lvl3pPr>
-      <a:lvl4pPr marR="0" lvl="3" algn="l" rtl="0">
+      <a:lvl4pPr lvl="3" marR="0" rtl="0" algn="l">
         <a:lnSpc>
           <a:spcPct val="100000"/>
         </a:lnSpc>
@@ -5715,7 +5812,7 @@
           <a:srgbClr val="000000"/>
         </a:buClr>
         <a:buFont typeface="Arial"/>
-        <a:defRPr sz="1400" b="0" i="0" u="none" strike="noStrike" cap="none">
+        <a:defRPr b="0" i="0" sz="1400" u="none" cap="none" strike="noStrike">
           <a:solidFill>
             <a:srgbClr val="000000"/>
           </a:solidFill>
@@ -5725,7 +5822,7 @@
           <a:sym typeface="Arial"/>
         </a:defRPr>
       </a:lvl4pPr>
-      <a:lvl5pPr marR="0" lvl="4" algn="l" rtl="0">
+      <a:lvl5pPr lvl="4" marR="0" rtl="0" algn="l">
         <a:lnSpc>
           <a:spcPct val="100000"/>
         </a:lnSpc>
@@ -5739,7 +5836,7 @@
           <a:srgbClr val="000000"/>
         </a:buClr>
         <a:buFont typeface="Arial"/>
-        <a:defRPr sz="1400" b="0" i="0" u="none" strike="noStrike" cap="none">
+        <a:defRPr b="0" i="0" sz="1400" u="none" cap="none" strike="noStrike">
           <a:solidFill>
             <a:srgbClr val="000000"/>
           </a:solidFill>
@@ -5749,7 +5846,7 @@
           <a:sym typeface="Arial"/>
         </a:defRPr>
       </a:lvl5pPr>
-      <a:lvl6pPr marR="0" lvl="5" algn="l" rtl="0">
+      <a:lvl6pPr lvl="5" marR="0" rtl="0" algn="l">
         <a:lnSpc>
           <a:spcPct val="100000"/>
         </a:lnSpc>
@@ -5763,7 +5860,7 @@
           <a:srgbClr val="000000"/>
         </a:buClr>
         <a:buFont typeface="Arial"/>
-        <a:defRPr sz="1400" b="0" i="0" u="none" strike="noStrike" cap="none">
+        <a:defRPr b="0" i="0" sz="1400" u="none" cap="none" strike="noStrike">
           <a:solidFill>
             <a:srgbClr val="000000"/>
           </a:solidFill>
@@ -5773,7 +5870,7 @@
           <a:sym typeface="Arial"/>
         </a:defRPr>
       </a:lvl6pPr>
-      <a:lvl7pPr marR="0" lvl="6" algn="l" rtl="0">
+      <a:lvl7pPr lvl="6" marR="0" rtl="0" algn="l">
         <a:lnSpc>
           <a:spcPct val="100000"/>
         </a:lnSpc>
@@ -5787,7 +5884,7 @@
           <a:srgbClr val="000000"/>
         </a:buClr>
         <a:buFont typeface="Arial"/>
-        <a:defRPr sz="1400" b="0" i="0" u="none" strike="noStrike" cap="none">
+        <a:defRPr b="0" i="0" sz="1400" u="none" cap="none" strike="noStrike">
           <a:solidFill>
             <a:srgbClr val="000000"/>
           </a:solidFill>
@@ -5797,7 +5894,7 @@
           <a:sym typeface="Arial"/>
         </a:defRPr>
       </a:lvl7pPr>
-      <a:lvl8pPr marR="0" lvl="7" algn="l" rtl="0">
+      <a:lvl8pPr lvl="7" marR="0" rtl="0" algn="l">
         <a:lnSpc>
           <a:spcPct val="100000"/>
         </a:lnSpc>
@@ -5811,7 +5908,7 @@
           <a:srgbClr val="000000"/>
         </a:buClr>
         <a:buFont typeface="Arial"/>
-        <a:defRPr sz="1400" b="0" i="0" u="none" strike="noStrike" cap="none">
+        <a:defRPr b="0" i="0" sz="1400" u="none" cap="none" strike="noStrike">
           <a:solidFill>
             <a:srgbClr val="000000"/>
           </a:solidFill>
@@ -5821,7 +5918,7 @@
           <a:sym typeface="Arial"/>
         </a:defRPr>
       </a:lvl8pPr>
-      <a:lvl9pPr marR="0" lvl="8" algn="l" rtl="0">
+      <a:lvl9pPr lvl="8" marR="0" rtl="0" algn="l">
         <a:lnSpc>
           <a:spcPct val="100000"/>
         </a:lnSpc>
@@ -5835,7 +5932,7 @@
           <a:srgbClr val="000000"/>
         </a:buClr>
         <a:buFont typeface="Arial"/>
-        <a:defRPr sz="1400" b="0" i="0" u="none" strike="noStrike" cap="none">
+        <a:defRPr b="0" i="0" sz="1400" u="none" cap="none" strike="noStrike">
           <a:solidFill>
             <a:srgbClr val="000000"/>
           </a:solidFill>
@@ -5847,7 +5944,7 @@
       </a:lvl9pPr>
     </p:bodyStyle>
     <p:otherStyle>
-      <a:defPPr marR="0" lvl="0" algn="l" rtl="0">
+      <a:defPPr lvl="0" marR="0" rtl="0" algn="l">
         <a:lnSpc>
           <a:spcPct val="100000"/>
         </a:lnSpc>
@@ -5858,7 +5955,7 @@
           <a:spcPts val="0"/>
         </a:spcAft>
       </a:defPPr>
-      <a:lvl1pPr marR="0" lvl="0" algn="l" rtl="0">
+      <a:lvl1pPr lvl="0" marR="0" rtl="0" algn="l">
         <a:lnSpc>
           <a:spcPct val="100000"/>
         </a:lnSpc>
@@ -5872,7 +5969,7 @@
           <a:srgbClr val="000000"/>
         </a:buClr>
         <a:buFont typeface="Arial"/>
-        <a:defRPr sz="1400" b="0" i="0" u="none" strike="noStrike" cap="none">
+        <a:defRPr b="0" i="0" sz="1400" u="none" cap="none" strike="noStrike">
           <a:solidFill>
             <a:srgbClr val="000000"/>
           </a:solidFill>
@@ -5882,7 +5979,7 @@
           <a:sym typeface="Arial"/>
         </a:defRPr>
       </a:lvl1pPr>
-      <a:lvl2pPr marR="0" lvl="1" algn="l" rtl="0">
+      <a:lvl2pPr lvl="1" marR="0" rtl="0" algn="l">
         <a:lnSpc>
           <a:spcPct val="100000"/>
         </a:lnSpc>
@@ -5896,7 +5993,7 @@
           <a:srgbClr val="000000"/>
         </a:buClr>
         <a:buFont typeface="Arial"/>
-        <a:defRPr sz="1400" b="0" i="0" u="none" strike="noStrike" cap="none">
+        <a:defRPr b="0" i="0" sz="1400" u="none" cap="none" strike="noStrike">
           <a:solidFill>
             <a:srgbClr val="000000"/>
           </a:solidFill>
@@ -5906,7 +6003,7 @@
           <a:sym typeface="Arial"/>
         </a:defRPr>
       </a:lvl2pPr>
-      <a:lvl3pPr marR="0" lvl="2" algn="l" rtl="0">
+      <a:lvl3pPr lvl="2" marR="0" rtl="0" algn="l">
         <a:lnSpc>
           <a:spcPct val="100000"/>
         </a:lnSpc>
@@ -5920,7 +6017,7 @@
           <a:srgbClr val="000000"/>
         </a:buClr>
         <a:buFont typeface="Arial"/>
-        <a:defRPr sz="1400" b="0" i="0" u="none" strike="noStrike" cap="none">
+        <a:defRPr b="0" i="0" sz="1400" u="none" cap="none" strike="noStrike">
           <a:solidFill>
             <a:srgbClr val="000000"/>
           </a:solidFill>
@@ -5930,7 +6027,7 @@
           <a:sym typeface="Arial"/>
         </a:defRPr>
       </a:lvl3pPr>
-      <a:lvl4pPr marR="0" lvl="3" algn="l" rtl="0">
+      <a:lvl4pPr lvl="3" marR="0" rtl="0" algn="l">
         <a:lnSpc>
           <a:spcPct val="100000"/>
         </a:lnSpc>
@@ -5944,7 +6041,7 @@
           <a:srgbClr val="000000"/>
         </a:buClr>
         <a:buFont typeface="Arial"/>
-        <a:defRPr sz="1400" b="0" i="0" u="none" strike="noStrike" cap="none">
+        <a:defRPr b="0" i="0" sz="1400" u="none" cap="none" strike="noStrike">
           <a:solidFill>
             <a:srgbClr val="000000"/>
           </a:solidFill>
@@ -5954,7 +6051,7 @@
           <a:sym typeface="Arial"/>
         </a:defRPr>
       </a:lvl4pPr>
-      <a:lvl5pPr marR="0" lvl="4" algn="l" rtl="0">
+      <a:lvl5pPr lvl="4" marR="0" rtl="0" algn="l">
         <a:lnSpc>
           <a:spcPct val="100000"/>
         </a:lnSpc>
@@ -5968,7 +6065,7 @@
           <a:srgbClr val="000000"/>
         </a:buClr>
         <a:buFont typeface="Arial"/>
-        <a:defRPr sz="1400" b="0" i="0" u="none" strike="noStrike" cap="none">
+        <a:defRPr b="0" i="0" sz="1400" u="none" cap="none" strike="noStrike">
           <a:solidFill>
             <a:srgbClr val="000000"/>
           </a:solidFill>
@@ -5978,7 +6075,7 @@
           <a:sym typeface="Arial"/>
         </a:defRPr>
       </a:lvl5pPr>
-      <a:lvl6pPr marR="0" lvl="5" algn="l" rtl="0">
+      <a:lvl6pPr lvl="5" marR="0" rtl="0" algn="l">
         <a:lnSpc>
           <a:spcPct val="100000"/>
         </a:lnSpc>
@@ -5992,7 +6089,7 @@
           <a:srgbClr val="000000"/>
         </a:buClr>
         <a:buFont typeface="Arial"/>
-        <a:defRPr sz="1400" b="0" i="0" u="none" strike="noStrike" cap="none">
+        <a:defRPr b="0" i="0" sz="1400" u="none" cap="none" strike="noStrike">
           <a:solidFill>
             <a:srgbClr val="000000"/>
           </a:solidFill>
@@ -6002,7 +6099,7 @@
           <a:sym typeface="Arial"/>
         </a:defRPr>
       </a:lvl6pPr>
-      <a:lvl7pPr marR="0" lvl="6" algn="l" rtl="0">
+      <a:lvl7pPr lvl="6" marR="0" rtl="0" algn="l">
         <a:lnSpc>
           <a:spcPct val="100000"/>
         </a:lnSpc>
@@ -6016,7 +6113,7 @@
           <a:srgbClr val="000000"/>
         </a:buClr>
         <a:buFont typeface="Arial"/>
-        <a:defRPr sz="1400" b="0" i="0" u="none" strike="noStrike" cap="none">
+        <a:defRPr b="0" i="0" sz="1400" u="none" cap="none" strike="noStrike">
           <a:solidFill>
             <a:srgbClr val="000000"/>
           </a:solidFill>
@@ -6026,7 +6123,7 @@
           <a:sym typeface="Arial"/>
         </a:defRPr>
       </a:lvl7pPr>
-      <a:lvl8pPr marR="0" lvl="7" algn="l" rtl="0">
+      <a:lvl8pPr lvl="7" marR="0" rtl="0" algn="l">
         <a:lnSpc>
           <a:spcPct val="100000"/>
         </a:lnSpc>
@@ -6040,7 +6137,7 @@
           <a:srgbClr val="000000"/>
         </a:buClr>
         <a:buFont typeface="Arial"/>
-        <a:defRPr sz="1400" b="0" i="0" u="none" strike="noStrike" cap="none">
+        <a:defRPr b="0" i="0" sz="1400" u="none" cap="none" strike="noStrike">
           <a:solidFill>
             <a:srgbClr val="000000"/>
           </a:solidFill>
@@ -6050,7 +6147,7 @@
           <a:sym typeface="Arial"/>
         </a:defRPr>
       </a:lvl8pPr>
-      <a:lvl9pPr marR="0" lvl="8" algn="l" rtl="0">
+      <a:lvl9pPr lvl="8" marR="0" rtl="0" algn="l">
         <a:lnSpc>
           <a:spcPct val="100000"/>
         </a:lnSpc>
@@ -6064,7 +6161,7 @@
           <a:srgbClr val="000000"/>
         </a:buClr>
         <a:buFont typeface="Arial"/>
-        <a:defRPr sz="1400" b="0" i="0" u="none" strike="noStrike" cap="none">
+        <a:defRPr b="0" i="0" sz="1400" u="none" cap="none" strike="noStrike">
           <a:solidFill>
             <a:srgbClr val="000000"/>
           </a:solidFill>
@@ -6080,11 +6177,11 @@
 </file>
 
 <file path=ppt/slides/slide1.xml><?xml version="1.0" encoding="utf-8"?>
-<p:sld xmlns:a="http://schemas.openxmlformats.org/drawingml/2006/main" xmlns:r="http://schemas.openxmlformats.org/officeDocument/2006/relationships" xmlns:p="http://schemas.openxmlformats.org/presentationml/2006/main">
+<p:sld xmlns:a="http://schemas.openxmlformats.org/drawingml/2006/main" xmlns:r="http://schemas.openxmlformats.org/officeDocument/2006/relationships" xmlns:mc="http://schemas.openxmlformats.org/markup-compatibility/2006" xmlns:mv="urn:schemas-microsoft-com:mac:vml" xmlns:p="http://schemas.openxmlformats.org/presentationml/2006/main" xmlns:c="http://schemas.openxmlformats.org/drawingml/2006/chart" xmlns:dgm="http://schemas.openxmlformats.org/drawingml/2006/diagram" xmlns:o="urn:schemas-microsoft-com:office:office" xmlns:v="urn:schemas-microsoft-com:vml" xmlns:pvml="urn:schemas-microsoft-com:office:powerpoint" xmlns:com="http://schemas.openxmlformats.org/drawingml/2006/compatibility" xmlns:p14="http://schemas.microsoft.com/office/powerpoint/2010/main" xmlns:p15="http://schemas.microsoft.com/office/powerpoint/2012/main" xmlns:ahyp="http://schemas.microsoft.com/office/drawing/2018/hyperlinkcolor">
   <p:cSld>
     <p:spTree>
       <p:nvGrpSpPr>
-        <p:cNvPr id="1" name="Shape 53"/>
+        <p:cNvPr id="54" name="Shape 54"/>
         <p:cNvGrpSpPr/>
         <p:nvPr/>
       </p:nvGrpSpPr>
@@ -6098,30 +6195,28 @@
       </p:grpSpPr>
       <p:sp>
         <p:nvSpPr>
-          <p:cNvPr id="54" name="Google Shape;54;p13"/>
-          <p:cNvSpPr txBox="1">
-            <a:spLocks noGrp="1"/>
-          </p:cNvSpPr>
+          <p:cNvPr id="55" name="Google Shape;55;p13"/>
+          <p:cNvSpPr txBox="1"/>
           <p:nvPr>
             <p:ph type="ctrTitle"/>
           </p:nvPr>
         </p:nvSpPr>
         <p:spPr>
           <a:xfrm>
-            <a:off x="311708" y="744575"/>
-            <a:ext cx="8520600" cy="2052600"/>
+            <a:off x="5143500" y="744575"/>
+            <a:ext cx="4000500" cy="1887300"/>
           </a:xfrm>
           <a:prstGeom prst="rect">
             <a:avLst/>
           </a:prstGeom>
         </p:spPr>
         <p:txBody>
-          <a:bodyPr spcFirstLastPara="1" wrap="square" lIns="91425" tIns="91425" rIns="91425" bIns="91425" anchor="b" anchorCtr="0">
-            <a:normAutofit/>
+          <a:bodyPr anchorCtr="0" anchor="b" bIns="91425" lIns="91425" spcFirstLastPara="1" rIns="91425" wrap="square" tIns="91425">
+            <a:noAutofit/>
           </a:bodyPr>
           <a:lstStyle/>
           <a:p>
-            <a:pPr marL="0" lvl="0" indent="0" algn="ctr" rtl="0">
+            <a:pPr indent="0" lvl="0" marL="0" rtl="0" algn="l">
               <a:spcBef>
                 <a:spcPts val="0"/>
               </a:spcBef>
@@ -6131,39 +6226,62 @@
               <a:buNone/>
             </a:pPr>
             <a:r>
-              <a:rPr lang="en"/>
-              <a:t>[Project Name]</a:t>
+              <a:rPr b="1" lang="en" sz="7200">
+                <a:solidFill>
+                  <a:srgbClr val="000000"/>
+                </a:solidFill>
+                <a:latin typeface="Impact"/>
+                <a:ea typeface="Impact"/>
+                <a:cs typeface="Impact"/>
+                <a:sym typeface="Impact"/>
+              </a:rPr>
+              <a:t>  </a:t>
             </a:r>
-            <a:endParaRPr/>
+            <a:r>
+              <a:rPr b="1" lang="en" sz="7200">
+                <a:solidFill>
+                  <a:srgbClr val="000000"/>
+                </a:solidFill>
+                <a:latin typeface="Amatic SC"/>
+                <a:ea typeface="Amatic SC"/>
+                <a:cs typeface="Amatic SC"/>
+                <a:sym typeface="Amatic SC"/>
+              </a:rPr>
+              <a:t>Brickspiration</a:t>
+            </a:r>
+            <a:endParaRPr sz="7200">
+              <a:latin typeface="Amatic SC"/>
+              <a:ea typeface="Amatic SC"/>
+              <a:cs typeface="Amatic SC"/>
+              <a:sym typeface="Amatic SC"/>
+            </a:endParaRPr>
           </a:p>
         </p:txBody>
       </p:sp>
       <p:sp>
         <p:nvSpPr>
-          <p:cNvPr id="55" name="Google Shape;55;p13"/>
-          <p:cNvSpPr txBox="1">
-            <a:spLocks noGrp="1"/>
-          </p:cNvSpPr>
+          <p:cNvPr id="56" name="Google Shape;56;p13"/>
+          <p:cNvSpPr txBox="1"/>
           <p:nvPr>
-            <p:ph type="subTitle" idx="1"/>
+            <p:ph idx="1" type="subTitle"/>
           </p:nvPr>
         </p:nvSpPr>
         <p:spPr>
           <a:xfrm>
-            <a:off x="311700" y="2834125"/>
-            <a:ext cx="8520600" cy="792600"/>
+            <a:off x="5436600" y="2688400"/>
+            <a:ext cx="3414300" cy="757800"/>
           </a:xfrm>
           <a:prstGeom prst="rect">
             <a:avLst/>
           </a:prstGeom>
         </p:spPr>
         <p:txBody>
-          <a:bodyPr spcFirstLastPara="1" wrap="square" lIns="91425" tIns="91425" rIns="91425" bIns="91425" anchor="t" anchorCtr="0">
+          <a:bodyPr anchorCtr="0" anchor="t" bIns="91425" lIns="91425" spcFirstLastPara="1" rIns="91425" wrap="square" tIns="91425">
             <a:normAutofit/>
           </a:bodyPr>
           <a:lstStyle/>
           <a:p>
-            <a:pPr marL="0" lvl="0" indent="0" algn="ctr" rtl="0">
+            <a:pPr indent="0" lvl="0" marL="0" rtl="0" algn="ctr">
               <a:spcBef>
                 <a:spcPts val="0"/>
               </a:spcBef>
@@ -6172,10 +6290,52 @@
               </a:spcAft>
               <a:buNone/>
             </a:pPr>
-            <a:endParaRPr/>
+            <a:r>
+              <a:rPr b="1" lang="en" sz="3200">
+                <a:latin typeface="Amatic SC"/>
+                <a:ea typeface="Amatic SC"/>
+                <a:cs typeface="Amatic SC"/>
+                <a:sym typeface="Amatic SC"/>
+              </a:rPr>
+              <a:t>Endless LEGO Creations</a:t>
+            </a:r>
+            <a:endParaRPr b="1" sz="3200">
+              <a:latin typeface="Amatic SC"/>
+              <a:ea typeface="Amatic SC"/>
+              <a:cs typeface="Amatic SC"/>
+              <a:sym typeface="Amatic SC"/>
+            </a:endParaRPr>
           </a:p>
         </p:txBody>
       </p:sp>
+      <p:pic>
+        <p:nvPicPr>
+          <p:cNvPr id="57" name="Google Shape;57;p13"/>
+          <p:cNvPicPr preferRelativeResize="0"/>
+          <p:nvPr/>
+        </p:nvPicPr>
+        <p:blipFill>
+          <a:blip r:embed="rId3">
+            <a:alphaModFix/>
+          </a:blip>
+          <a:stretch>
+            <a:fillRect/>
+          </a:stretch>
+        </p:blipFill>
+        <p:spPr>
+          <a:xfrm>
+            <a:off x="0" y="0"/>
+            <a:ext cx="5143500" cy="5143500"/>
+          </a:xfrm>
+          <a:prstGeom prst="rect">
+            <a:avLst/>
+          </a:prstGeom>
+          <a:noFill/>
+          <a:ln>
+            <a:noFill/>
+          </a:ln>
+        </p:spPr>
+      </p:pic>
     </p:spTree>
   </p:cSld>
   <p:clrMapOvr>
@@ -6185,11 +6345,11 @@
 </file>
 
 <file path=ppt/slides/slide2.xml><?xml version="1.0" encoding="utf-8"?>
-<p:sld xmlns:a="http://schemas.openxmlformats.org/drawingml/2006/main" xmlns:r="http://schemas.openxmlformats.org/officeDocument/2006/relationships" xmlns:p="http://schemas.openxmlformats.org/presentationml/2006/main">
+<p:sld xmlns:a="http://schemas.openxmlformats.org/drawingml/2006/main" xmlns:r="http://schemas.openxmlformats.org/officeDocument/2006/relationships" xmlns:mc="http://schemas.openxmlformats.org/markup-compatibility/2006" xmlns:mv="urn:schemas-microsoft-com:mac:vml" xmlns:p="http://schemas.openxmlformats.org/presentationml/2006/main" xmlns:c="http://schemas.openxmlformats.org/drawingml/2006/chart" xmlns:dgm="http://schemas.openxmlformats.org/drawingml/2006/diagram" xmlns:o="urn:schemas-microsoft-com:office:office" xmlns:v="urn:schemas-microsoft-com:vml" xmlns:pvml="urn:schemas-microsoft-com:office:powerpoint" xmlns:com="http://schemas.openxmlformats.org/drawingml/2006/compatibility" xmlns:p14="http://schemas.microsoft.com/office/powerpoint/2010/main" xmlns:p15="http://schemas.microsoft.com/office/powerpoint/2012/main" xmlns:ahyp="http://schemas.microsoft.com/office/drawing/2018/hyperlinkcolor">
   <p:cSld>
     <p:spTree>
       <p:nvGrpSpPr>
-        <p:cNvPr id="1" name="Shape 59"/>
+        <p:cNvPr id="61" name="Shape 61"/>
         <p:cNvGrpSpPr/>
         <p:nvPr/>
       </p:nvGrpSpPr>
@@ -6203,10 +6363,8 @@
       </p:grpSpPr>
       <p:sp>
         <p:nvSpPr>
-          <p:cNvPr id="60" name="Google Shape;60;p14"/>
-          <p:cNvSpPr txBox="1">
-            <a:spLocks noGrp="1"/>
-          </p:cNvSpPr>
+          <p:cNvPr id="62" name="Google Shape;62;p14"/>
+          <p:cNvSpPr txBox="1"/>
           <p:nvPr>
             <p:ph type="title"/>
           </p:nvPr>
@@ -6221,12 +6379,12 @@
           </a:prstGeom>
         </p:spPr>
         <p:txBody>
-          <a:bodyPr spcFirstLastPara="1" wrap="square" lIns="91425" tIns="91425" rIns="91425" bIns="91425" anchor="t" anchorCtr="0">
+          <a:bodyPr anchorCtr="0" anchor="t" bIns="91425" lIns="91425" spcFirstLastPara="1" rIns="91425" wrap="square" tIns="91425">
             <a:normAutofit fontScale="90000"/>
           </a:bodyPr>
           <a:lstStyle/>
           <a:p>
-            <a:pPr marL="0" lvl="0" indent="0" algn="l" rtl="0">
+            <a:pPr indent="0" lvl="0" marL="0" rtl="0" algn="l">
               <a:spcBef>
                 <a:spcPts val="0"/>
               </a:spcBef>
@@ -6236,21 +6394,31 @@
               <a:buNone/>
             </a:pPr>
             <a:r>
-              <a:rPr lang="en"/>
+              <a:rPr b="1" lang="en">
+                <a:latin typeface="Poppins"/>
+                <a:ea typeface="Poppins"/>
+                <a:cs typeface="Poppins"/>
+                <a:sym typeface="Poppins"/>
+              </a:rPr>
               <a:t>Team</a:t>
             </a:r>
-            <a:endParaRPr/>
+            <a:endParaRPr b="1">
+              <a:latin typeface="Poppins"/>
+              <a:ea typeface="Poppins"/>
+              <a:cs typeface="Poppins"/>
+              <a:sym typeface="Poppins"/>
+            </a:endParaRPr>
           </a:p>
         </p:txBody>
       </p:sp>
       <p:graphicFrame>
         <p:nvGraphicFramePr>
-          <p:cNvPr id="61" name="Google Shape;61;p14"/>
+          <p:cNvPr id="63" name="Google Shape;63;p14"/>
           <p:cNvGraphicFramePr/>
           <p:nvPr/>
         </p:nvGraphicFramePr>
         <p:xfrm>
-          <a:off x="439500" y="1276350"/>
+          <a:off x="422350" y="1910700"/>
           <a:ext cx="3000000" cy="3000000"/>
         </p:xfrm>
         <a:graphic>
@@ -6258,37 +6426,12 @@
             <a:tbl>
               <a:tblPr>
                 <a:noFill/>
-                <a:tableStyleId>{BE1ABA60-BB3A-4A54-AE7A-9B27A25A3AC4}</a:tableStyleId>
+                <a:tableStyleId>{07C7E789-E32C-4757-950B-4C3DE83087B4}</a:tableStyleId>
               </a:tblPr>
               <a:tblGrid>
-                <a:gridCol w="2083125">
-                  <a:extLst>
-                    <a:ext uri="{9D8B030D-6E8A-4147-A177-3AD203B41FA5}">
-                      <a16:colId xmlns:a16="http://schemas.microsoft.com/office/drawing/2014/main" val="20000"/>
-                    </a:ext>
-                  </a:extLst>
-                </a:gridCol>
-                <a:gridCol w="2083125">
-                  <a:extLst>
-                    <a:ext uri="{9D8B030D-6E8A-4147-A177-3AD203B41FA5}">
-                      <a16:colId xmlns:a16="http://schemas.microsoft.com/office/drawing/2014/main" val="20001"/>
-                    </a:ext>
-                  </a:extLst>
-                </a:gridCol>
-                <a:gridCol w="2083125">
-                  <a:extLst>
-                    <a:ext uri="{9D8B030D-6E8A-4147-A177-3AD203B41FA5}">
-                      <a16:colId xmlns:a16="http://schemas.microsoft.com/office/drawing/2014/main" val="20002"/>
-                    </a:ext>
-                  </a:extLst>
-                </a:gridCol>
-                <a:gridCol w="2083125">
-                  <a:extLst>
-                    <a:ext uri="{9D8B030D-6E8A-4147-A177-3AD203B41FA5}">
-                      <a16:colId xmlns:a16="http://schemas.microsoft.com/office/drawing/2014/main" val="20003"/>
-                    </a:ext>
-                  </a:extLst>
-                </a:gridCol>
+                <a:gridCol w="1452175"/>
+                <a:gridCol w="2337525"/>
+                <a:gridCol w="2337525"/>
               </a:tblGrid>
               <a:tr h="381000">
                 <a:tc>
@@ -6296,7 +6439,7 @@
                     <a:bodyPr/>
                     <a:lstStyle/>
                     <a:p>
-                      <a:pPr marL="0" lvl="0" indent="0" algn="l" rtl="0">
+                      <a:pPr indent="0" lvl="0" marL="0" rtl="0" algn="ctr">
                         <a:spcBef>
                           <a:spcPts val="0"/>
                         </a:spcBef>
@@ -6306,20 +6449,30 @@
                         <a:buNone/>
                       </a:pPr>
                       <a:r>
-                        <a:rPr lang="en" b="1"/>
+                        <a:rPr b="1" lang="en">
+                          <a:latin typeface="Poppins"/>
+                          <a:ea typeface="Poppins"/>
+                          <a:cs typeface="Poppins"/>
+                          <a:sym typeface="Poppins"/>
+                        </a:rPr>
                         <a:t>Name</a:t>
                       </a:r>
-                      <a:endParaRPr b="1"/>
+                      <a:endParaRPr b="1">
+                        <a:latin typeface="Poppins"/>
+                        <a:ea typeface="Poppins"/>
+                        <a:cs typeface="Poppins"/>
+                        <a:sym typeface="Poppins"/>
+                      </a:endParaRPr>
                     </a:p>
                   </a:txBody>
-                  <a:tcPr marL="91425" marR="91425" marT="91425" marB="91425"/>
+                  <a:tcPr marT="91425" marB="91425" marR="91425" marL="91425"/>
                 </a:tc>
                 <a:tc>
                   <a:txBody>
                     <a:bodyPr/>
                     <a:lstStyle/>
                     <a:p>
-                      <a:pPr marL="0" lvl="0" indent="0" algn="l" rtl="0">
+                      <a:pPr indent="0" lvl="0" marL="0" rtl="0" algn="ctr">
                         <a:spcBef>
                           <a:spcPts val="0"/>
                         </a:spcBef>
@@ -6329,20 +6482,30 @@
                         <a:buNone/>
                       </a:pPr>
                       <a:r>
-                        <a:rPr lang="en" b="1"/>
-                        <a:t>Email</a:t>
+                        <a:rPr b="1" lang="en">
+                          <a:latin typeface="Poppins"/>
+                          <a:ea typeface="Poppins"/>
+                          <a:cs typeface="Poppins"/>
+                          <a:sym typeface="Poppins"/>
+                        </a:rPr>
+                        <a:t>GitHub Handle</a:t>
                       </a:r>
-                      <a:endParaRPr b="1"/>
+                      <a:endParaRPr b="1">
+                        <a:latin typeface="Poppins"/>
+                        <a:ea typeface="Poppins"/>
+                        <a:cs typeface="Poppins"/>
+                        <a:sym typeface="Poppins"/>
+                      </a:endParaRPr>
                     </a:p>
                   </a:txBody>
-                  <a:tcPr marL="91425" marR="91425" marT="91425" marB="91425"/>
+                  <a:tcPr marT="91425" marB="91425" marR="91425" marL="91425"/>
                 </a:tc>
                 <a:tc>
                   <a:txBody>
                     <a:bodyPr/>
                     <a:lstStyle/>
                     <a:p>
-                      <a:pPr marL="0" lvl="0" indent="0" algn="l" rtl="0">
+                      <a:pPr indent="0" lvl="0" marL="0" rtl="0" algn="ctr">
                         <a:spcBef>
                           <a:spcPts val="0"/>
                         </a:spcBef>
@@ -6352,20 +6515,32 @@
                         <a:buNone/>
                       </a:pPr>
                       <a:r>
-                        <a:rPr lang="en" b="1"/>
-                        <a:t>GitHub Handle</a:t>
+                        <a:rPr b="1" lang="en">
+                          <a:latin typeface="Poppins"/>
+                          <a:ea typeface="Poppins"/>
+                          <a:cs typeface="Poppins"/>
+                          <a:sym typeface="Poppins"/>
+                        </a:rPr>
+                        <a:t>LinkedIn Handles</a:t>
                       </a:r>
-                      <a:endParaRPr b="1"/>
+                      <a:endParaRPr b="1">
+                        <a:latin typeface="Poppins"/>
+                        <a:ea typeface="Poppins"/>
+                        <a:cs typeface="Poppins"/>
+                        <a:sym typeface="Poppins"/>
+                      </a:endParaRPr>
                     </a:p>
                   </a:txBody>
-                  <a:tcPr marL="91425" marR="91425" marT="91425" marB="91425"/>
+                  <a:tcPr marT="91425" marB="91425" marR="91425" marL="91425"/>
                 </a:tc>
+              </a:tr>
+              <a:tr h="381000">
                 <a:tc>
                   <a:txBody>
                     <a:bodyPr/>
                     <a:lstStyle/>
                     <a:p>
-                      <a:pPr marL="0" lvl="0" indent="0" algn="l" rtl="0">
+                      <a:pPr indent="0" lvl="0" marL="0" rtl="0" algn="ctr">
                         <a:spcBef>
                           <a:spcPts val="0"/>
                         </a:spcBef>
@@ -6375,84 +6550,36 @@
                         <a:buNone/>
                       </a:pPr>
                       <a:r>
-                        <a:rPr lang="en" b="1"/>
-                        <a:t>Social Handles</a:t>
+                        <a:rPr lang="en">
+                          <a:solidFill>
+                            <a:schemeClr val="dk1"/>
+                          </a:solidFill>
+                          <a:latin typeface="Poppins"/>
+                          <a:ea typeface="Poppins"/>
+                          <a:cs typeface="Poppins"/>
+                          <a:sym typeface="Poppins"/>
+                        </a:rPr>
+                        <a:t>Deepika </a:t>
                       </a:r>
-                      <a:endParaRPr b="1"/>
+                      <a:endParaRPr>
+                        <a:solidFill>
+                          <a:schemeClr val="dk1"/>
+                        </a:solidFill>
+                        <a:latin typeface="Poppins"/>
+                        <a:ea typeface="Poppins"/>
+                        <a:cs typeface="Poppins"/>
+                        <a:sym typeface="Poppins"/>
+                      </a:endParaRPr>
                     </a:p>
                   </a:txBody>
-                  <a:tcPr marL="91425" marR="91425" marT="91425" marB="91425"/>
-                </a:tc>
-                <a:extLst>
-                  <a:ext uri="{0D108BD9-81ED-4DB2-BD59-A6C34878D82A}">
-                    <a16:rowId xmlns:a16="http://schemas.microsoft.com/office/drawing/2014/main" val="10000"/>
-                  </a:ext>
-                </a:extLst>
-              </a:tr>
-              <a:tr h="381000">
-                <a:tc>
-                  <a:txBody>
-                    <a:bodyPr/>
-                    <a:lstStyle/>
-                    <a:p>
-                      <a:pPr marL="0" lvl="0" indent="0" algn="l" rtl="0">
-                        <a:spcBef>
-                          <a:spcPts val="0"/>
-                        </a:spcBef>
-                        <a:spcAft>
-                          <a:spcPts val="0"/>
-                        </a:spcAft>
-                        <a:buNone/>
-                      </a:pPr>
-                      <a:endParaRPr/>
-                    </a:p>
-                  </a:txBody>
-                  <a:tcPr marL="91425" marR="91425" marT="91425" marB="91425"/>
+                  <a:tcPr marT="91425" marB="91425" marR="91425" marL="91425"/>
                 </a:tc>
                 <a:tc>
                   <a:txBody>
                     <a:bodyPr/>
                     <a:lstStyle/>
                     <a:p>
-                      <a:pPr marL="0" lvl="0" indent="0" algn="l" rtl="0">
-                        <a:spcBef>
-                          <a:spcPts val="0"/>
-                        </a:spcBef>
-                        <a:spcAft>
-                          <a:spcPts val="0"/>
-                        </a:spcAft>
-                        <a:buNone/>
-                      </a:pPr>
-                      <a:endParaRPr/>
-                    </a:p>
-                  </a:txBody>
-                  <a:tcPr marL="91425" marR="91425" marT="91425" marB="91425"/>
-                </a:tc>
-                <a:tc>
-                  <a:txBody>
-                    <a:bodyPr/>
-                    <a:lstStyle/>
-                    <a:p>
-                      <a:pPr marL="0" lvl="0" indent="0" algn="l" rtl="0">
-                        <a:spcBef>
-                          <a:spcPts val="0"/>
-                        </a:spcBef>
-                        <a:spcAft>
-                          <a:spcPts val="0"/>
-                        </a:spcAft>
-                        <a:buNone/>
-                      </a:pPr>
-                      <a:endParaRPr/>
-                    </a:p>
-                  </a:txBody>
-                  <a:tcPr marL="91425" marR="91425" marT="91425" marB="91425"/>
-                </a:tc>
-                <a:tc>
-                  <a:txBody>
-                    <a:bodyPr/>
-                    <a:lstStyle/>
-                    <a:p>
-                      <a:pPr marL="0" lvl="0" indent="0" algn="l" rtl="0">
+                      <a:pPr indent="0" lvl="0" marL="0" rtl="0" algn="ctr">
                         <a:spcBef>
                           <a:spcPts val="0"/>
                         </a:spcBef>
@@ -6462,13 +6589,46 @@
                         <a:buNone/>
                       </a:pPr>
                       <a:r>
-                        <a:rPr lang="en"/>
-                        <a:t>LinkedIn:</a:t>
+                        <a:rPr lang="en">
+                          <a:solidFill>
+                            <a:schemeClr val="dk1"/>
+                          </a:solidFill>
+                          <a:uFill>
+                            <a:noFill/>
+                          </a:uFill>
+                          <a:latin typeface="Poppins"/>
+                          <a:ea typeface="Poppins"/>
+                          <a:cs typeface="Poppins"/>
+                          <a:sym typeface="Poppins"/>
+                          <a:hlinkClick r:id="rId3">
+                            <a:extLst>
+                              <a:ext uri="{A12FA001-AC4F-418D-AE19-62706E023703}">
+                                <ahyp:hlinkClr val="tx"/>
+                              </a:ext>
+                            </a:extLst>
+                          </a:hlinkClick>
+                        </a:rPr>
+                        <a:t>github.com/DeepikaMobileDeveloper</a:t>
                       </a:r>
-                      <a:endParaRPr/>
+                      <a:endParaRPr>
+                        <a:solidFill>
+                          <a:schemeClr val="dk1"/>
+                        </a:solidFill>
+                        <a:latin typeface="Poppins"/>
+                        <a:ea typeface="Poppins"/>
+                        <a:cs typeface="Poppins"/>
+                        <a:sym typeface="Poppins"/>
+                      </a:endParaRPr>
                     </a:p>
+                  </a:txBody>
+                  <a:tcPr marT="91425" marB="91425" marR="91425" marL="91425"/>
+                </a:tc>
+                <a:tc>
+                  <a:txBody>
+                    <a:bodyPr/>
+                    <a:lstStyle/>
                     <a:p>
-                      <a:pPr marL="0" lvl="0" indent="0" algn="l" rtl="0">
+                      <a:pPr indent="0" lvl="0" marL="0" rtl="0" algn="ctr">
                         <a:spcBef>
                           <a:spcPts val="0"/>
                         </a:spcBef>
@@ -6478,19 +6638,40 @@
                         <a:buNone/>
                       </a:pPr>
                       <a:r>
-                        <a:rPr lang="en"/>
-                        <a:t>X:</a:t>
+                        <a:rPr lang="en">
+                          <a:solidFill>
+                            <a:schemeClr val="dk1"/>
+                          </a:solidFill>
+                          <a:uFill>
+                            <a:noFill/>
+                          </a:uFill>
+                          <a:latin typeface="Poppins"/>
+                          <a:ea typeface="Poppins"/>
+                          <a:cs typeface="Poppins"/>
+                          <a:sym typeface="Poppins"/>
+                          <a:hlinkClick r:id="rId4">
+                            <a:extLst>
+                              <a:ext uri="{A12FA001-AC4F-418D-AE19-62706E023703}">
+                                <ahyp:hlinkClr val="tx"/>
+                              </a:ext>
+                            </a:extLst>
+                          </a:hlinkClick>
+                        </a:rPr>
+                        <a:t>linkedin.com/in/deepikakhammampati/</a:t>
                       </a:r>
-                      <a:endParaRPr/>
+                      <a:endParaRPr>
+                        <a:solidFill>
+                          <a:schemeClr val="dk1"/>
+                        </a:solidFill>
+                        <a:latin typeface="Poppins"/>
+                        <a:ea typeface="Poppins"/>
+                        <a:cs typeface="Poppins"/>
+                        <a:sym typeface="Poppins"/>
+                      </a:endParaRPr>
                     </a:p>
                   </a:txBody>
-                  <a:tcPr marL="91425" marR="91425" marT="91425" marB="91425"/>
+                  <a:tcPr marT="91425" marB="91425" marR="91425" marL="91425"/>
                 </a:tc>
-                <a:extLst>
-                  <a:ext uri="{0D108BD9-81ED-4DB2-BD59-A6C34878D82A}">
-                    <a16:rowId xmlns:a16="http://schemas.microsoft.com/office/drawing/2014/main" val="10001"/>
-                  </a:ext>
-                </a:extLst>
               </a:tr>
               <a:tr h="381000">
                 <a:tc>
@@ -6498,7 +6679,7 @@
                     <a:bodyPr/>
                     <a:lstStyle/>
                     <a:p>
-                      <a:pPr marL="0" lvl="0" indent="0" algn="l" rtl="0">
+                      <a:pPr indent="0" lvl="0" marL="0" rtl="0" algn="ctr">
                         <a:spcBef>
                           <a:spcPts val="0"/>
                         </a:spcBef>
@@ -6507,17 +6688,37 @@
                         </a:spcAft>
                         <a:buNone/>
                       </a:pPr>
-                      <a:endParaRPr/>
+                      <a:r>
+                        <a:rPr lang="en">
+                          <a:solidFill>
+                            <a:schemeClr val="dk1"/>
+                          </a:solidFill>
+                          <a:latin typeface="Poppins"/>
+                          <a:ea typeface="Poppins"/>
+                          <a:cs typeface="Poppins"/>
+                          <a:sym typeface="Poppins"/>
+                        </a:rPr>
+                        <a:t>Nidhi</a:t>
+                      </a:r>
+                      <a:endParaRPr>
+                        <a:solidFill>
+                          <a:schemeClr val="dk1"/>
+                        </a:solidFill>
+                        <a:latin typeface="Poppins"/>
+                        <a:ea typeface="Poppins"/>
+                        <a:cs typeface="Poppins"/>
+                        <a:sym typeface="Poppins"/>
+                      </a:endParaRPr>
                     </a:p>
                   </a:txBody>
-                  <a:tcPr marL="91425" marR="91425" marT="91425" marB="91425"/>
+                  <a:tcPr marT="91425" marB="91425" marR="91425" marL="91425"/>
                 </a:tc>
                 <a:tc>
                   <a:txBody>
                     <a:bodyPr/>
                     <a:lstStyle/>
                     <a:p>
-                      <a:pPr marL="0" lvl="0" indent="0" algn="l" rtl="0">
+                      <a:pPr indent="0" lvl="0" marL="0" rtl="0" algn="ctr">
                         <a:spcBef>
                           <a:spcPts val="0"/>
                         </a:spcBef>
@@ -6526,36 +6727,47 @@
                         </a:spcAft>
                         <a:buNone/>
                       </a:pPr>
-                      <a:endParaRPr/>
+                      <a:r>
+                        <a:rPr lang="en">
+                          <a:solidFill>
+                            <a:schemeClr val="dk1"/>
+                          </a:solidFill>
+                          <a:uFill>
+                            <a:noFill/>
+                          </a:uFill>
+                          <a:latin typeface="Poppins"/>
+                          <a:ea typeface="Poppins"/>
+                          <a:cs typeface="Poppins"/>
+                          <a:sym typeface="Poppins"/>
+                          <a:hlinkClick r:id="rId5">
+                            <a:extLst>
+                              <a:ext uri="{A12FA001-AC4F-418D-AE19-62706E023703}">
+                                <ahyp:hlinkClr val="tx"/>
+                              </a:ext>
+                            </a:extLst>
+                          </a:hlinkClick>
+                        </a:rPr>
+                        <a:t>github.com/Nidhi-Pai</a:t>
+                      </a:r>
+                      <a:endParaRPr>
+                        <a:solidFill>
+                          <a:schemeClr val="dk1"/>
+                        </a:solidFill>
+                        <a:latin typeface="Poppins"/>
+                        <a:ea typeface="Poppins"/>
+                        <a:cs typeface="Poppins"/>
+                        <a:sym typeface="Poppins"/>
+                      </a:endParaRPr>
                     </a:p>
                   </a:txBody>
-                  <a:tcPr marL="91425" marR="91425" marT="91425" marB="91425"/>
+                  <a:tcPr marT="91425" marB="91425" marR="91425" marL="91425"/>
                 </a:tc>
                 <a:tc>
                   <a:txBody>
                     <a:bodyPr/>
                     <a:lstStyle/>
                     <a:p>
-                      <a:pPr marL="0" lvl="0" indent="0" algn="l" rtl="0">
-                        <a:spcBef>
-                          <a:spcPts val="0"/>
-                        </a:spcBef>
-                        <a:spcAft>
-                          <a:spcPts val="0"/>
-                        </a:spcAft>
-                        <a:buNone/>
-                      </a:pPr>
-                      <a:endParaRPr/>
-                    </a:p>
-                  </a:txBody>
-                  <a:tcPr marL="91425" marR="91425" marT="91425" marB="91425"/>
-                </a:tc>
-                <a:tc>
-                  <a:txBody>
-                    <a:bodyPr/>
-                    <a:lstStyle/>
-                    <a:p>
-                      <a:pPr marL="0" lvl="0" indent="0" algn="l" rtl="0">
+                      <a:pPr indent="0" lvl="0" marL="0" rtl="0" algn="ctr">
                         <a:spcBef>
                           <a:spcPts val="0"/>
                         </a:spcBef>
@@ -6574,17 +6786,122 @@
                           <a:solidFill>
                             <a:schemeClr val="dk1"/>
                           </a:solidFill>
+                          <a:uFill>
+                            <a:noFill/>
+                          </a:uFill>
+                          <a:latin typeface="Poppins"/>
+                          <a:ea typeface="Poppins"/>
+                          <a:cs typeface="Poppins"/>
+                          <a:sym typeface="Poppins"/>
+                          <a:hlinkClick r:id="rId6">
+                            <a:extLst>
+                              <a:ext uri="{A12FA001-AC4F-418D-AE19-62706E023703}">
+                                <ahyp:hlinkClr val="tx"/>
+                              </a:ext>
+                            </a:extLst>
+                          </a:hlinkClick>
                         </a:rPr>
-                        <a:t>LinkedIn:</a:t>
+                        <a:t>linkedin.com/nidhi-pai</a:t>
                       </a:r>
                       <a:endParaRPr>
                         <a:solidFill>
                           <a:schemeClr val="dk1"/>
                         </a:solidFill>
+                        <a:latin typeface="Poppins"/>
+                        <a:ea typeface="Poppins"/>
+                        <a:cs typeface="Poppins"/>
+                        <a:sym typeface="Poppins"/>
                       </a:endParaRPr>
                     </a:p>
+                  </a:txBody>
+                  <a:tcPr marT="91425" marB="91425" marR="91425" marL="91425"/>
+                </a:tc>
+              </a:tr>
+              <a:tr h="381000">
+                <a:tc>
+                  <a:txBody>
+                    <a:bodyPr/>
+                    <a:lstStyle/>
                     <a:p>
-                      <a:pPr marL="0" lvl="0" indent="0" algn="l" rtl="0">
+                      <a:pPr indent="0" lvl="0" marL="0" rtl="0" algn="ctr">
+                        <a:spcBef>
+                          <a:spcPts val="0"/>
+                        </a:spcBef>
+                        <a:spcAft>
+                          <a:spcPts val="0"/>
+                        </a:spcAft>
+                        <a:buNone/>
+                      </a:pPr>
+                      <a:r>
+                        <a:rPr lang="en">
+                          <a:solidFill>
+                            <a:schemeClr val="dk1"/>
+                          </a:solidFill>
+                          <a:latin typeface="Poppins"/>
+                          <a:ea typeface="Poppins"/>
+                          <a:cs typeface="Poppins"/>
+                          <a:sym typeface="Poppins"/>
+                        </a:rPr>
+                        <a:t>Meera </a:t>
+                      </a:r>
+                      <a:endParaRPr>
+                        <a:solidFill>
+                          <a:schemeClr val="dk1"/>
+                        </a:solidFill>
+                        <a:latin typeface="Poppins"/>
+                        <a:ea typeface="Poppins"/>
+                        <a:cs typeface="Poppins"/>
+                        <a:sym typeface="Poppins"/>
+                      </a:endParaRPr>
+                    </a:p>
+                  </a:txBody>
+                  <a:tcPr marT="91425" marB="91425" marR="91425" marL="91425"/>
+                </a:tc>
+                <a:tc>
+                  <a:txBody>
+                    <a:bodyPr/>
+                    <a:lstStyle/>
+                    <a:p>
+                      <a:pPr indent="0" lvl="0" marL="0" rtl="0" algn="ctr">
+                        <a:spcBef>
+                          <a:spcPts val="0"/>
+                        </a:spcBef>
+                        <a:spcAft>
+                          <a:spcPts val="0"/>
+                        </a:spcAft>
+                        <a:buNone/>
+                      </a:pPr>
+                      <a:r>
+                        <a:rPr lang="en">
+                          <a:solidFill>
+                            <a:schemeClr val="dk1"/>
+                          </a:solidFill>
+                          <a:latin typeface="Poppins"/>
+                          <a:ea typeface="Poppins"/>
+                          <a:cs typeface="Poppins"/>
+                          <a:sym typeface="Poppins"/>
+                        </a:rPr>
+                        <a:t>github.com/MeeraTresa</a:t>
+                      </a:r>
+                      <a:endParaRPr>
+                        <a:solidFill>
+                          <a:schemeClr val="dk1"/>
+                        </a:solidFill>
+                        <a:latin typeface="Poppins"/>
+                        <a:ea typeface="Poppins"/>
+                        <a:cs typeface="Poppins"/>
+                        <a:sym typeface="Poppins"/>
+                      </a:endParaRPr>
+                    </a:p>
+                  </a:txBody>
+                  <a:tcPr marT="91425" marB="91425" marR="91425" marL="91425"/>
+                </a:tc>
+                <a:tc>
+                  <a:txBody>
+                    <a:bodyPr/>
+                    <a:lstStyle/>
+                    <a:p>
+                      <a:pPr indent="0" lvl="0" marL="0" rtl="0" algn="ctr">
                         <a:spcBef>
                           <a:spcPts val="0"/>
                         </a:spcBef>
@@ -6603,394 +6920,26 @@
                           <a:solidFill>
                             <a:schemeClr val="dk1"/>
                           </a:solidFill>
+                          <a:latin typeface="Poppins"/>
+                          <a:ea typeface="Poppins"/>
+                          <a:cs typeface="Poppins"/>
+                          <a:sym typeface="Poppins"/>
                         </a:rPr>
-                        <a:t>X:</a:t>
-                      </a:r>
-                      <a:endParaRPr/>
-                    </a:p>
-                  </a:txBody>
-                  <a:tcPr marL="91425" marR="91425" marT="91425" marB="91425"/>
-                </a:tc>
-                <a:extLst>
-                  <a:ext uri="{0D108BD9-81ED-4DB2-BD59-A6C34878D82A}">
-                    <a16:rowId xmlns:a16="http://schemas.microsoft.com/office/drawing/2014/main" val="10002"/>
-                  </a:ext>
-                </a:extLst>
-              </a:tr>
-              <a:tr h="381000">
-                <a:tc>
-                  <a:txBody>
-                    <a:bodyPr/>
-                    <a:lstStyle/>
-                    <a:p>
-                      <a:pPr marL="0" lvl="0" indent="0" algn="l" rtl="0">
-                        <a:spcBef>
-                          <a:spcPts val="0"/>
-                        </a:spcBef>
-                        <a:spcAft>
-                          <a:spcPts val="0"/>
-                        </a:spcAft>
-                        <a:buNone/>
-                      </a:pPr>
-                      <a:endParaRPr/>
-                    </a:p>
-                  </a:txBody>
-                  <a:tcPr marL="91425" marR="91425" marT="91425" marB="91425"/>
-                </a:tc>
-                <a:tc>
-                  <a:txBody>
-                    <a:bodyPr/>
-                    <a:lstStyle/>
-                    <a:p>
-                      <a:pPr marL="0" lvl="0" indent="0" algn="l" rtl="0">
-                        <a:spcBef>
-                          <a:spcPts val="0"/>
-                        </a:spcBef>
-                        <a:spcAft>
-                          <a:spcPts val="0"/>
-                        </a:spcAft>
-                        <a:buNone/>
-                      </a:pPr>
-                      <a:endParaRPr/>
-                    </a:p>
-                  </a:txBody>
-                  <a:tcPr marL="91425" marR="91425" marT="91425" marB="91425"/>
-                </a:tc>
-                <a:tc>
-                  <a:txBody>
-                    <a:bodyPr/>
-                    <a:lstStyle/>
-                    <a:p>
-                      <a:pPr marL="0" lvl="0" indent="0" algn="l" rtl="0">
-                        <a:spcBef>
-                          <a:spcPts val="0"/>
-                        </a:spcBef>
-                        <a:spcAft>
-                          <a:spcPts val="0"/>
-                        </a:spcAft>
-                        <a:buNone/>
-                      </a:pPr>
-                      <a:endParaRPr/>
-                    </a:p>
-                  </a:txBody>
-                  <a:tcPr marL="91425" marR="91425" marT="91425" marB="91425"/>
-                </a:tc>
-                <a:tc>
-                  <a:txBody>
-                    <a:bodyPr/>
-                    <a:lstStyle/>
-                    <a:p>
-                      <a:pPr marL="0" lvl="0" indent="0" algn="l" rtl="0">
-                        <a:spcBef>
-                          <a:spcPts val="0"/>
-                        </a:spcBef>
-                        <a:spcAft>
-                          <a:spcPts val="0"/>
-                        </a:spcAft>
-                        <a:buClr>
-                          <a:schemeClr val="dk1"/>
-                        </a:buClr>
-                        <a:buSzPts val="1100"/>
-                        <a:buFont typeface="Arial"/>
-                        <a:buNone/>
-                      </a:pPr>
-                      <a:r>
-                        <a:rPr lang="en">
-                          <a:solidFill>
-                            <a:schemeClr val="dk1"/>
-                          </a:solidFill>
-                        </a:rPr>
-                        <a:t>LinkedIn:</a:t>
+                        <a:t>linkedin.com/in/meera-tresa-sebastian/</a:t>
                       </a:r>
                       <a:endParaRPr>
                         <a:solidFill>
                           <a:schemeClr val="dk1"/>
                         </a:solidFill>
+                        <a:latin typeface="Poppins"/>
+                        <a:ea typeface="Poppins"/>
+                        <a:cs typeface="Poppins"/>
+                        <a:sym typeface="Poppins"/>
                       </a:endParaRPr>
                     </a:p>
-                    <a:p>
-                      <a:pPr marL="0" lvl="0" indent="0" algn="l" rtl="0">
-                        <a:spcBef>
-                          <a:spcPts val="0"/>
-                        </a:spcBef>
-                        <a:spcAft>
-                          <a:spcPts val="0"/>
-                        </a:spcAft>
-                        <a:buClr>
-                          <a:schemeClr val="dk1"/>
-                        </a:buClr>
-                        <a:buSzPts val="1100"/>
-                        <a:buFont typeface="Arial"/>
-                        <a:buNone/>
-                      </a:pPr>
-                      <a:r>
-                        <a:rPr lang="en">
-                          <a:solidFill>
-                            <a:schemeClr val="dk1"/>
-                          </a:solidFill>
-                        </a:rPr>
-                        <a:t>X:</a:t>
-                      </a:r>
-                      <a:endParaRPr/>
-                    </a:p>
                   </a:txBody>
-                  <a:tcPr marL="91425" marR="91425" marT="91425" marB="91425"/>
+                  <a:tcPr marT="91425" marB="91425" marR="91425" marL="91425"/>
                 </a:tc>
-                <a:extLst>
-                  <a:ext uri="{0D108BD9-81ED-4DB2-BD59-A6C34878D82A}">
-                    <a16:rowId xmlns:a16="http://schemas.microsoft.com/office/drawing/2014/main" val="10003"/>
-                  </a:ext>
-                </a:extLst>
-              </a:tr>
-              <a:tr h="381000">
-                <a:tc>
-                  <a:txBody>
-                    <a:bodyPr/>
-                    <a:lstStyle/>
-                    <a:p>
-                      <a:pPr marL="0" lvl="0" indent="0" algn="l" rtl="0">
-                        <a:spcBef>
-                          <a:spcPts val="0"/>
-                        </a:spcBef>
-                        <a:spcAft>
-                          <a:spcPts val="0"/>
-                        </a:spcAft>
-                        <a:buNone/>
-                      </a:pPr>
-                      <a:endParaRPr/>
-                    </a:p>
-                  </a:txBody>
-                  <a:tcPr marL="91425" marR="91425" marT="91425" marB="91425"/>
-                </a:tc>
-                <a:tc>
-                  <a:txBody>
-                    <a:bodyPr/>
-                    <a:lstStyle/>
-                    <a:p>
-                      <a:pPr marL="0" lvl="0" indent="0" algn="l" rtl="0">
-                        <a:spcBef>
-                          <a:spcPts val="0"/>
-                        </a:spcBef>
-                        <a:spcAft>
-                          <a:spcPts val="0"/>
-                        </a:spcAft>
-                        <a:buNone/>
-                      </a:pPr>
-                      <a:endParaRPr/>
-                    </a:p>
-                  </a:txBody>
-                  <a:tcPr marL="91425" marR="91425" marT="91425" marB="91425"/>
-                </a:tc>
-                <a:tc>
-                  <a:txBody>
-                    <a:bodyPr/>
-                    <a:lstStyle/>
-                    <a:p>
-                      <a:pPr marL="0" lvl="0" indent="0" algn="l" rtl="0">
-                        <a:spcBef>
-                          <a:spcPts val="0"/>
-                        </a:spcBef>
-                        <a:spcAft>
-                          <a:spcPts val="0"/>
-                        </a:spcAft>
-                        <a:buNone/>
-                      </a:pPr>
-                      <a:endParaRPr/>
-                    </a:p>
-                  </a:txBody>
-                  <a:tcPr marL="91425" marR="91425" marT="91425" marB="91425"/>
-                </a:tc>
-                <a:tc>
-                  <a:txBody>
-                    <a:bodyPr/>
-                    <a:lstStyle/>
-                    <a:p>
-                      <a:pPr marL="0" lvl="0" indent="0" algn="l" rtl="0">
-                        <a:spcBef>
-                          <a:spcPts val="0"/>
-                        </a:spcBef>
-                        <a:spcAft>
-                          <a:spcPts val="0"/>
-                        </a:spcAft>
-                        <a:buClr>
-                          <a:schemeClr val="dk1"/>
-                        </a:buClr>
-                        <a:buSzPts val="1100"/>
-                        <a:buFont typeface="Arial"/>
-                        <a:buNone/>
-                      </a:pPr>
-                      <a:r>
-                        <a:rPr lang="en">
-                          <a:solidFill>
-                            <a:schemeClr val="dk1"/>
-                          </a:solidFill>
-                        </a:rPr>
-                        <a:t>LinkedIn:</a:t>
-                      </a:r>
-                      <a:endParaRPr>
-                        <a:solidFill>
-                          <a:schemeClr val="dk1"/>
-                        </a:solidFill>
-                      </a:endParaRPr>
-                    </a:p>
-                    <a:p>
-                      <a:pPr marL="0" lvl="0" indent="0" algn="l" rtl="0">
-                        <a:spcBef>
-                          <a:spcPts val="0"/>
-                        </a:spcBef>
-                        <a:spcAft>
-                          <a:spcPts val="0"/>
-                        </a:spcAft>
-                        <a:buClr>
-                          <a:schemeClr val="dk1"/>
-                        </a:buClr>
-                        <a:buSzPts val="1100"/>
-                        <a:buFont typeface="Arial"/>
-                        <a:buNone/>
-                      </a:pPr>
-                      <a:r>
-                        <a:rPr lang="en">
-                          <a:solidFill>
-                            <a:schemeClr val="dk1"/>
-                          </a:solidFill>
-                        </a:rPr>
-                        <a:t>X:</a:t>
-                      </a:r>
-                      <a:endParaRPr/>
-                    </a:p>
-                  </a:txBody>
-                  <a:tcPr marL="91425" marR="91425" marT="91425" marB="91425"/>
-                </a:tc>
-                <a:extLst>
-                  <a:ext uri="{0D108BD9-81ED-4DB2-BD59-A6C34878D82A}">
-                    <a16:rowId xmlns:a16="http://schemas.microsoft.com/office/drawing/2014/main" val="10004"/>
-                  </a:ext>
-                </a:extLst>
-              </a:tr>
-              <a:tr h="381000">
-                <a:tc>
-                  <a:txBody>
-                    <a:bodyPr/>
-                    <a:lstStyle/>
-                    <a:p>
-                      <a:pPr marL="0" lvl="0" indent="0" algn="l" rtl="0">
-                        <a:spcBef>
-                          <a:spcPts val="0"/>
-                        </a:spcBef>
-                        <a:spcAft>
-                          <a:spcPts val="0"/>
-                        </a:spcAft>
-                        <a:buNone/>
-                      </a:pPr>
-                      <a:endParaRPr/>
-                    </a:p>
-                  </a:txBody>
-                  <a:tcPr marL="91425" marR="91425" marT="91425" marB="91425"/>
-                </a:tc>
-                <a:tc>
-                  <a:txBody>
-                    <a:bodyPr/>
-                    <a:lstStyle/>
-                    <a:p>
-                      <a:pPr marL="0" lvl="0" indent="0" algn="l" rtl="0">
-                        <a:spcBef>
-                          <a:spcPts val="0"/>
-                        </a:spcBef>
-                        <a:spcAft>
-                          <a:spcPts val="0"/>
-                        </a:spcAft>
-                        <a:buNone/>
-                      </a:pPr>
-                      <a:endParaRPr/>
-                    </a:p>
-                  </a:txBody>
-                  <a:tcPr marL="91425" marR="91425" marT="91425" marB="91425"/>
-                </a:tc>
-                <a:tc>
-                  <a:txBody>
-                    <a:bodyPr/>
-                    <a:lstStyle/>
-                    <a:p>
-                      <a:pPr marL="0" lvl="0" indent="0" algn="l" rtl="0">
-                        <a:spcBef>
-                          <a:spcPts val="0"/>
-                        </a:spcBef>
-                        <a:spcAft>
-                          <a:spcPts val="0"/>
-                        </a:spcAft>
-                        <a:buNone/>
-                      </a:pPr>
-                      <a:endParaRPr/>
-                    </a:p>
-                  </a:txBody>
-                  <a:tcPr marL="91425" marR="91425" marT="91425" marB="91425"/>
-                </a:tc>
-                <a:tc>
-                  <a:txBody>
-                    <a:bodyPr/>
-                    <a:lstStyle/>
-                    <a:p>
-                      <a:pPr marL="0" lvl="0" indent="0" algn="l" rtl="0">
-                        <a:spcBef>
-                          <a:spcPts val="0"/>
-                        </a:spcBef>
-                        <a:spcAft>
-                          <a:spcPts val="0"/>
-                        </a:spcAft>
-                        <a:buClr>
-                          <a:schemeClr val="dk1"/>
-                        </a:buClr>
-                        <a:buSzPts val="1100"/>
-                        <a:buFont typeface="Arial"/>
-                        <a:buNone/>
-                      </a:pPr>
-                      <a:r>
-                        <a:rPr lang="en">
-                          <a:solidFill>
-                            <a:schemeClr val="dk1"/>
-                          </a:solidFill>
-                        </a:rPr>
-                        <a:t>LinkedIn:</a:t>
-                      </a:r>
-                      <a:endParaRPr>
-                        <a:solidFill>
-                          <a:schemeClr val="dk1"/>
-                        </a:solidFill>
-                      </a:endParaRPr>
-                    </a:p>
-                    <a:p>
-                      <a:pPr marL="0" lvl="0" indent="0" algn="l" rtl="0">
-                        <a:spcBef>
-                          <a:spcPts val="0"/>
-                        </a:spcBef>
-                        <a:spcAft>
-                          <a:spcPts val="0"/>
-                        </a:spcAft>
-                        <a:buClr>
-                          <a:schemeClr val="dk1"/>
-                        </a:buClr>
-                        <a:buSzPts val="1100"/>
-                        <a:buFont typeface="Arial"/>
-                        <a:buNone/>
-                      </a:pPr>
-                      <a:r>
-                        <a:rPr lang="en">
-                          <a:solidFill>
-                            <a:schemeClr val="dk1"/>
-                          </a:solidFill>
-                        </a:rPr>
-                        <a:t>X:</a:t>
-                      </a:r>
-                      <a:endParaRPr/>
-                    </a:p>
-                  </a:txBody>
-                  <a:tcPr marL="91425" marR="91425" marT="91425" marB="91425"/>
-                </a:tc>
-                <a:extLst>
-                  <a:ext uri="{0D108BD9-81ED-4DB2-BD59-A6C34878D82A}">
-                    <a16:rowId xmlns:a16="http://schemas.microsoft.com/office/drawing/2014/main" val="10005"/>
-                  </a:ext>
-                </a:extLst>
               </a:tr>
             </a:tbl>
           </a:graphicData>
@@ -7005,11 +6954,11 @@
 </file>
 
 <file path=ppt/slides/slide3.xml><?xml version="1.0" encoding="utf-8"?>
-<p:sld xmlns:a="http://schemas.openxmlformats.org/drawingml/2006/main" xmlns:r="http://schemas.openxmlformats.org/officeDocument/2006/relationships" xmlns:p="http://schemas.openxmlformats.org/presentationml/2006/main">
+<p:sld xmlns:a="http://schemas.openxmlformats.org/drawingml/2006/main" xmlns:r="http://schemas.openxmlformats.org/officeDocument/2006/relationships" xmlns:mc="http://schemas.openxmlformats.org/markup-compatibility/2006" xmlns:mv="urn:schemas-microsoft-com:mac:vml" xmlns:p="http://schemas.openxmlformats.org/presentationml/2006/main" xmlns:c="http://schemas.openxmlformats.org/drawingml/2006/chart" xmlns:dgm="http://schemas.openxmlformats.org/drawingml/2006/diagram" xmlns:o="urn:schemas-microsoft-com:office:office" xmlns:v="urn:schemas-microsoft-com:vml" xmlns:pvml="urn:schemas-microsoft-com:office:powerpoint" xmlns:com="http://schemas.openxmlformats.org/drawingml/2006/compatibility" xmlns:p14="http://schemas.microsoft.com/office/powerpoint/2010/main" xmlns:p15="http://schemas.microsoft.com/office/powerpoint/2012/main" xmlns:ahyp="http://schemas.microsoft.com/office/drawing/2018/hyperlinkcolor">
   <p:cSld>
     <p:spTree>
       <p:nvGrpSpPr>
-        <p:cNvPr id="1" name="Shape 65"/>
+        <p:cNvPr id="67" name="Shape 67"/>
         <p:cNvGrpSpPr/>
         <p:nvPr/>
       </p:nvGrpSpPr>
@@ -7023,10 +6972,8 @@
       </p:grpSpPr>
       <p:sp>
         <p:nvSpPr>
-          <p:cNvPr id="66" name="Google Shape;66;p15"/>
-          <p:cNvSpPr txBox="1">
-            <a:spLocks noGrp="1"/>
-          </p:cNvSpPr>
+          <p:cNvPr id="68" name="Google Shape;68;p15"/>
+          <p:cNvSpPr txBox="1"/>
           <p:nvPr>
             <p:ph type="title"/>
           </p:nvPr>
@@ -7041,12 +6988,12 @@
           </a:prstGeom>
         </p:spPr>
         <p:txBody>
-          <a:bodyPr spcFirstLastPara="1" wrap="square" lIns="91425" tIns="91425" rIns="91425" bIns="91425" anchor="t" anchorCtr="0">
+          <a:bodyPr anchorCtr="0" anchor="t" bIns="91425" lIns="91425" spcFirstLastPara="1" rIns="91425" wrap="square" tIns="91425">
             <a:normAutofit fontScale="90000"/>
           </a:bodyPr>
           <a:lstStyle/>
           <a:p>
-            <a:pPr marL="0" lvl="0" indent="0" algn="l" rtl="0">
+            <a:pPr indent="0" lvl="0" marL="0" rtl="0" algn="l">
               <a:spcBef>
                 <a:spcPts val="0"/>
               </a:spcBef>
@@ -7056,74 +7003,315 @@
               <a:buNone/>
             </a:pPr>
             <a:r>
-              <a:rPr lang="en"/>
+              <a:rPr b="1" lang="en">
+                <a:latin typeface="Poppins"/>
+                <a:ea typeface="Poppins"/>
+                <a:cs typeface="Poppins"/>
+                <a:sym typeface="Poppins"/>
+              </a:rPr>
               <a:t>What problem did we solve and why?</a:t>
             </a:r>
-            <a:endParaRPr/>
+            <a:endParaRPr b="1">
+              <a:latin typeface="Poppins"/>
+              <a:ea typeface="Poppins"/>
+              <a:cs typeface="Poppins"/>
+              <a:sym typeface="Poppins"/>
+            </a:endParaRPr>
           </a:p>
         </p:txBody>
       </p:sp>
       <p:sp>
         <p:nvSpPr>
-          <p:cNvPr id="67" name="Google Shape;67;p15"/>
-          <p:cNvSpPr txBox="1">
-            <a:spLocks noGrp="1"/>
-          </p:cNvSpPr>
+          <p:cNvPr id="69" name="Google Shape;69;p15"/>
+          <p:cNvSpPr txBox="1"/>
           <p:nvPr>
-            <p:ph type="body" idx="1"/>
+            <p:ph idx="1" type="body"/>
           </p:nvPr>
         </p:nvSpPr>
         <p:spPr>
           <a:xfrm>
             <a:off x="311700" y="1152475"/>
-            <a:ext cx="8520600" cy="3416400"/>
+            <a:ext cx="5766300" cy="3416400"/>
           </a:xfrm>
           <a:prstGeom prst="rect">
             <a:avLst/>
           </a:prstGeom>
         </p:spPr>
         <p:txBody>
-          <a:bodyPr spcFirstLastPara="1" wrap="square" lIns="91425" tIns="91425" rIns="91425" bIns="91425" anchor="t" anchorCtr="0">
-            <a:normAutofit/>
+          <a:bodyPr anchorCtr="0" anchor="t" bIns="91425" lIns="91425" spcFirstLastPara="1" rIns="91425" wrap="square" tIns="91425">
+            <a:normAutofit fontScale="85000" lnSpcReduction="10000"/>
           </a:bodyPr>
           <a:lstStyle/>
           <a:p>
-            <a:pPr marL="0" lvl="0" indent="0" algn="l" rtl="0">
-              <a:spcBef>
-                <a:spcPts val="0"/>
-              </a:spcBef>
-              <a:spcAft>
-                <a:spcPts val="1200"/>
-              </a:spcAft>
+            <a:pPr indent="0" lvl="0" marL="0" rtl="0" algn="l">
+              <a:spcBef>
+                <a:spcPts val="0"/>
+              </a:spcBef>
+              <a:spcAft>
+                <a:spcPts val="0"/>
+              </a:spcAft>
+              <a:buClr>
+                <a:schemeClr val="dk1"/>
+              </a:buClr>
+              <a:buSzPct val="61111"/>
+              <a:buFont typeface="Arial"/>
               <a:buNone/>
             </a:pPr>
             <a:r>
-              <a:rPr lang="en-US" dirty="0"/>
-              <a:t>Play, Rebuild, Repeat: A New </a:t>
+              <a:rPr b="1" lang="en">
+                <a:solidFill>
+                  <a:schemeClr val="dk1"/>
+                </a:solidFill>
+                <a:latin typeface="Poppins"/>
+                <a:ea typeface="Poppins"/>
+                <a:cs typeface="Poppins"/>
+                <a:sym typeface="Poppins"/>
+              </a:rPr>
+              <a:t>Challenge:</a:t>
+            </a:r>
+            <a:endParaRPr b="1">
+              <a:solidFill>
+                <a:schemeClr val="dk1"/>
+              </a:solidFill>
+              <a:latin typeface="Poppins"/>
+              <a:ea typeface="Poppins"/>
+              <a:cs typeface="Poppins"/>
+              <a:sym typeface="Poppins"/>
+            </a:endParaRPr>
+          </a:p>
+          <a:p>
+            <a:pPr indent="0" lvl="0" marL="0" rtl="0" algn="l">
+              <a:spcBef>
+                <a:spcPts val="1200"/>
+              </a:spcBef>
+              <a:spcAft>
+                <a:spcPts val="0"/>
+              </a:spcAft>
+              <a:buClr>
+                <a:schemeClr val="dk1"/>
+              </a:buClr>
+              <a:buSzPct val="61111"/>
+              <a:buFont typeface="Arial"/>
+              <a:buNone/>
+            </a:pPr>
+            <a:r>
+              <a:rPr lang="en">
+                <a:solidFill>
+                  <a:schemeClr val="dk1"/>
+                </a:solidFill>
+                <a:latin typeface="Poppins"/>
+                <a:ea typeface="Poppins"/>
+                <a:cs typeface="Poppins"/>
+                <a:sym typeface="Poppins"/>
+              </a:rPr>
+              <a:t>Repurpose LEGO sets for different builds</a:t>
+            </a:r>
+            <a:endParaRPr>
+              <a:solidFill>
+                <a:schemeClr val="dk1"/>
+              </a:solidFill>
+              <a:latin typeface="Poppins"/>
+              <a:ea typeface="Poppins"/>
+              <a:cs typeface="Poppins"/>
+              <a:sym typeface="Poppins"/>
+            </a:endParaRPr>
+          </a:p>
+          <a:p>
+            <a:pPr indent="0" lvl="0" marL="0" rtl="0" algn="l">
+              <a:spcBef>
+                <a:spcPts val="1200"/>
+              </a:spcBef>
+              <a:spcAft>
+                <a:spcPts val="0"/>
+              </a:spcAft>
+              <a:buClr>
+                <a:schemeClr val="dk1"/>
+              </a:buClr>
+              <a:buSzPct val="61111"/>
+              <a:buFont typeface="Arial"/>
+              <a:buNone/>
+            </a:pPr>
+            <a:r>
+              <a:rPr b="1" lang="en">
+                <a:solidFill>
+                  <a:schemeClr val="dk1"/>
+                </a:solidFill>
+                <a:latin typeface="Poppins"/>
+                <a:ea typeface="Poppins"/>
+                <a:cs typeface="Poppins"/>
+                <a:sym typeface="Poppins"/>
+              </a:rPr>
+              <a:t>Goal:</a:t>
+            </a:r>
+            <a:endParaRPr b="1">
+              <a:solidFill>
+                <a:schemeClr val="dk1"/>
+              </a:solidFill>
+              <a:latin typeface="Poppins"/>
+              <a:ea typeface="Poppins"/>
+              <a:cs typeface="Poppins"/>
+              <a:sym typeface="Poppins"/>
+            </a:endParaRPr>
+          </a:p>
+          <a:p>
+            <a:pPr indent="0" lvl="0" marL="0" rtl="0" algn="l">
+              <a:spcBef>
+                <a:spcPts val="1200"/>
+              </a:spcBef>
+              <a:spcAft>
+                <a:spcPts val="0"/>
+              </a:spcAft>
+              <a:buClr>
+                <a:schemeClr val="dk1"/>
+              </a:buClr>
+              <a:buSzPct val="61111"/>
+              <a:buFont typeface="Arial"/>
+              <a:buNone/>
+            </a:pPr>
+            <a:r>
+              <a:rPr lang="en">
+                <a:solidFill>
+                  <a:schemeClr val="dk1"/>
+                </a:solidFill>
+                <a:latin typeface="Poppins"/>
+                <a:ea typeface="Poppins"/>
+                <a:cs typeface="Poppins"/>
+                <a:sym typeface="Poppins"/>
+              </a:rPr>
+              <a:t>Develop an AI system to suggest creative and compatible alternative builds from existing LEGO sets.</a:t>
+            </a:r>
+            <a:endParaRPr>
+              <a:solidFill>
+                <a:schemeClr val="dk1"/>
+              </a:solidFill>
+              <a:latin typeface="Poppins"/>
+              <a:ea typeface="Poppins"/>
+              <a:cs typeface="Poppins"/>
+              <a:sym typeface="Poppins"/>
+            </a:endParaRPr>
+          </a:p>
+          <a:p>
+            <a:pPr indent="0" lvl="0" marL="0" rtl="0" algn="l">
+              <a:spcBef>
+                <a:spcPts val="1200"/>
+              </a:spcBef>
+              <a:spcAft>
+                <a:spcPts val="0"/>
+              </a:spcAft>
+              <a:buClr>
+                <a:schemeClr val="dk1"/>
+              </a:buClr>
+              <a:buSzPct val="61111"/>
+              <a:buFont typeface="Arial"/>
+              <a:buNone/>
+            </a:pPr>
+            <a:r>
+              <a:rPr b="1" lang="en">
+                <a:solidFill>
+                  <a:schemeClr val="dk1"/>
+                </a:solidFill>
+                <a:latin typeface="Poppins"/>
+                <a:ea typeface="Poppins"/>
+                <a:cs typeface="Poppins"/>
+                <a:sym typeface="Poppins"/>
+              </a:rPr>
+              <a:t>Data:</a:t>
             </a:r>
             <a:r>
-              <a:rPr lang="en-US"/>
-              <a:t>LEGO Journey</a:t>
+              <a:rPr lang="en">
+                <a:solidFill>
+                  <a:schemeClr val="dk1"/>
+                </a:solidFill>
+                <a:latin typeface="Poppins"/>
+                <a:ea typeface="Poppins"/>
+                <a:cs typeface="Poppins"/>
+                <a:sym typeface="Poppins"/>
+              </a:rPr>
+              <a:t> </a:t>
             </a:r>
+            <a:endParaRPr>
+              <a:solidFill>
+                <a:schemeClr val="dk1"/>
+              </a:solidFill>
+              <a:latin typeface="Poppins"/>
+              <a:ea typeface="Poppins"/>
+              <a:cs typeface="Poppins"/>
+              <a:sym typeface="Poppins"/>
+            </a:endParaRPr>
           </a:p>
           <a:p>
-            <a:pPr marL="0" lvl="0" indent="0" algn="l" rtl="0">
-              <a:spcBef>
-                <a:spcPts val="0"/>
-              </a:spcBef>
-              <a:spcAft>
+            <a:pPr indent="0" lvl="0" marL="0" rtl="0" algn="l">
+              <a:spcBef>
                 <a:spcPts val="1200"/>
-              </a:spcAft>
+              </a:spcBef>
+              <a:spcAft>
+                <a:spcPts val="0"/>
+              </a:spcAft>
+              <a:buClr>
+                <a:schemeClr val="dk1"/>
+              </a:buClr>
+              <a:buSzPct val="61111"/>
+              <a:buFont typeface="Arial"/>
               <a:buNone/>
             </a:pPr>
             <a:r>
-              <a:rPr lang="en-US"/>
-              <a:t>Help </a:t>
+              <a:rPr lang="en">
+                <a:solidFill>
+                  <a:schemeClr val="dk1"/>
+                </a:solidFill>
+                <a:latin typeface="Poppins"/>
+                <a:ea typeface="Poppins"/>
+                <a:cs typeface="Poppins"/>
+                <a:sym typeface="Poppins"/>
+              </a:rPr>
+              <a:t>Rebrickable database (13M+ parts, 30K+ sets)</a:t>
             </a:r>
+            <a:endParaRPr>
+              <a:solidFill>
+                <a:schemeClr val="dk1"/>
+              </a:solidFill>
+              <a:latin typeface="Poppins"/>
+              <a:ea typeface="Poppins"/>
+              <a:cs typeface="Poppins"/>
+              <a:sym typeface="Poppins"/>
+            </a:endParaRPr>
+          </a:p>
+          <a:p>
+            <a:pPr indent="0" lvl="0" marL="0" rtl="0" algn="l">
+              <a:spcBef>
+                <a:spcPts val="1200"/>
+              </a:spcBef>
+              <a:spcAft>
+                <a:spcPts val="1200"/>
+              </a:spcAft>
+              <a:buClr>
+                <a:schemeClr val="dk1"/>
+              </a:buClr>
+              <a:buSzPct val="61111"/>
+              <a:buFont typeface="Arial"/>
+              <a:buNone/>
+            </a:pPr>
             <a:r>
-              <a:rPr lang="en-US" dirty="0"/>
-              <a:t>your kids discover endless adventures with their existing LEGO sets. Our AI-powered project detects similar parts across LEGO sets and crafts new, exciting building instructions for their old blocks!</a:t>
+              <a:rPr lang="en">
+                <a:solidFill>
+                  <a:schemeClr val="dk1"/>
+                </a:solidFill>
+                <a:latin typeface="Poppins"/>
+                <a:ea typeface="Poppins"/>
+                <a:cs typeface="Poppins"/>
+                <a:sym typeface="Poppins"/>
+              </a:rPr>
+              <a:t>Depth-First Search to merge the dataset into the required sets+parts format</a:t>
             </a:r>
+            <a:endParaRPr>
+              <a:solidFill>
+                <a:schemeClr val="dk1"/>
+              </a:solidFill>
+              <a:latin typeface="Poppins"/>
+              <a:ea typeface="Poppins"/>
+              <a:cs typeface="Poppins"/>
+              <a:sym typeface="Poppins"/>
+            </a:endParaRPr>
           </a:p>
         </p:txBody>
       </p:sp>
@@ -7136,11 +7324,11 @@
 </file>
 
 <file path=ppt/slides/slide4.xml><?xml version="1.0" encoding="utf-8"?>
-<p:sld xmlns:a="http://schemas.openxmlformats.org/drawingml/2006/main" xmlns:r="http://schemas.openxmlformats.org/officeDocument/2006/relationships" xmlns:p="http://schemas.openxmlformats.org/presentationml/2006/main">
+<p:sld xmlns:a="http://schemas.openxmlformats.org/drawingml/2006/main" xmlns:r="http://schemas.openxmlformats.org/officeDocument/2006/relationships" xmlns:mc="http://schemas.openxmlformats.org/markup-compatibility/2006" xmlns:mv="urn:schemas-microsoft-com:mac:vml" xmlns:p="http://schemas.openxmlformats.org/presentationml/2006/main" xmlns:c="http://schemas.openxmlformats.org/drawingml/2006/chart" xmlns:dgm="http://schemas.openxmlformats.org/drawingml/2006/diagram" xmlns:o="urn:schemas-microsoft-com:office:office" xmlns:v="urn:schemas-microsoft-com:vml" xmlns:pvml="urn:schemas-microsoft-com:office:powerpoint" xmlns:com="http://schemas.openxmlformats.org/drawingml/2006/compatibility" xmlns:p14="http://schemas.microsoft.com/office/powerpoint/2010/main" xmlns:p15="http://schemas.microsoft.com/office/powerpoint/2012/main" xmlns:ahyp="http://schemas.microsoft.com/office/drawing/2018/hyperlinkcolor">
   <p:cSld>
     <p:spTree>
       <p:nvGrpSpPr>
-        <p:cNvPr id="1" name="Shape 71"/>
+        <p:cNvPr id="73" name="Shape 73"/>
         <p:cNvGrpSpPr/>
         <p:nvPr/>
       </p:nvGrpSpPr>
@@ -7154,10 +7342,8 @@
       </p:grpSpPr>
       <p:sp>
         <p:nvSpPr>
-          <p:cNvPr id="72" name="Google Shape;72;p16"/>
-          <p:cNvSpPr txBox="1">
-            <a:spLocks noGrp="1"/>
-          </p:cNvSpPr>
+          <p:cNvPr id="74" name="Google Shape;74;p16"/>
+          <p:cNvSpPr txBox="1"/>
           <p:nvPr>
             <p:ph type="title"/>
           </p:nvPr>
@@ -7172,12 +7358,12 @@
           </a:prstGeom>
         </p:spPr>
         <p:txBody>
-          <a:bodyPr spcFirstLastPara="1" wrap="square" lIns="91425" tIns="91425" rIns="91425" bIns="91425" anchor="t" anchorCtr="0">
+          <a:bodyPr anchorCtr="0" anchor="t" bIns="91425" lIns="91425" spcFirstLastPara="1" rIns="91425" wrap="square" tIns="91425">
             <a:normAutofit fontScale="90000"/>
           </a:bodyPr>
           <a:lstStyle/>
           <a:p>
-            <a:pPr marL="0" lvl="0" indent="0" algn="l" rtl="0">
+            <a:pPr indent="0" lvl="0" marL="0" rtl="0" algn="l">
               <a:spcBef>
                 <a:spcPts val="0"/>
               </a:spcBef>
@@ -7187,21 +7373,29 @@
               <a:buNone/>
             </a:pPr>
             <a:r>
-              <a:rPr lang="en"/>
+              <a:rPr b="1" lang="en">
+                <a:latin typeface="Poppins"/>
+                <a:ea typeface="Poppins"/>
+                <a:cs typeface="Poppins"/>
+                <a:sym typeface="Poppins"/>
+              </a:rPr>
               <a:t>What is our solution?</a:t>
             </a:r>
-            <a:endParaRPr/>
+            <a:endParaRPr b="1">
+              <a:latin typeface="Poppins"/>
+              <a:ea typeface="Poppins"/>
+              <a:cs typeface="Poppins"/>
+              <a:sym typeface="Poppins"/>
+            </a:endParaRPr>
           </a:p>
         </p:txBody>
       </p:sp>
       <p:sp>
         <p:nvSpPr>
-          <p:cNvPr id="73" name="Google Shape;73;p16"/>
-          <p:cNvSpPr txBox="1">
-            <a:spLocks noGrp="1"/>
-          </p:cNvSpPr>
+          <p:cNvPr id="75" name="Google Shape;75;p16"/>
+          <p:cNvSpPr txBox="1"/>
           <p:nvPr>
-            <p:ph type="body" idx="1"/>
+            <p:ph idx="1" type="body"/>
           </p:nvPr>
         </p:nvSpPr>
         <p:spPr>
@@ -7214,48 +7408,166 @@
           </a:prstGeom>
         </p:spPr>
         <p:txBody>
-          <a:bodyPr spcFirstLastPara="1" wrap="square" lIns="91425" tIns="91425" rIns="91425" bIns="91425" anchor="t" anchorCtr="0">
+          <a:bodyPr anchorCtr="0" anchor="t" bIns="91425" lIns="91425" spcFirstLastPara="1" rIns="91425" wrap="square" tIns="91425">
             <a:normAutofit/>
           </a:bodyPr>
           <a:lstStyle/>
           <a:p>
-            <a:pPr marL="0" lvl="0" indent="0" algn="l" rtl="0">
-              <a:spcBef>
-                <a:spcPts val="0"/>
-              </a:spcBef>
-              <a:spcAft>
-                <a:spcPts val="0"/>
-              </a:spcAft>
+            <a:pPr indent="0" lvl="0" marL="0" rtl="0" algn="l">
+              <a:spcBef>
+                <a:spcPts val="0"/>
+              </a:spcBef>
+              <a:spcAft>
+                <a:spcPts val="0"/>
+              </a:spcAft>
+              <a:buClr>
+                <a:schemeClr val="dk1"/>
+              </a:buClr>
+              <a:buSzPts val="1100"/>
+              <a:buFont typeface="Arial"/>
               <a:buNone/>
             </a:pPr>
             <a:r>
-              <a:rPr lang="en"/>
-              <a:t>[text, images, etc.</a:t>
+              <a:rPr lang="en">
+                <a:solidFill>
+                  <a:srgbClr val="000000"/>
+                </a:solidFill>
+                <a:latin typeface="Poppins"/>
+                <a:ea typeface="Poppins"/>
+                <a:cs typeface="Poppins"/>
+                <a:sym typeface="Poppins"/>
+              </a:rPr>
+              <a:t>AI-powered system analyzes your existing LEGO parts</a:t>
             </a:r>
-            <a:br>
-              <a:rPr lang="en"/>
-            </a:br>
-            <a:r>
-              <a:rPr lang="en"/>
-              <a:t>REQUIRED: Push code/notebook to GH repo</a:t>
-            </a:r>
-            <a:endParaRPr/>
+            <a:endParaRPr>
+              <a:solidFill>
+                <a:srgbClr val="000000"/>
+              </a:solidFill>
+              <a:latin typeface="Poppins"/>
+              <a:ea typeface="Poppins"/>
+              <a:cs typeface="Poppins"/>
+              <a:sym typeface="Poppins"/>
+            </a:endParaRPr>
           </a:p>
           <a:p>
-            <a:pPr marL="0" lvl="0" indent="0" algn="l" rtl="0">
+            <a:pPr indent="0" lvl="0" marL="0" rtl="0" algn="l">
               <a:spcBef>
                 <a:spcPts val="1200"/>
               </a:spcBef>
               <a:spcAft>
-                <a:spcPts val="1200"/>
-              </a:spcAft>
+                <a:spcPts val="0"/>
+              </a:spcAft>
+              <a:buClr>
+                <a:schemeClr val="dk1"/>
+              </a:buClr>
+              <a:buSzPts val="1100"/>
+              <a:buFont typeface="Arial"/>
               <a:buNone/>
             </a:pPr>
             <a:r>
-              <a:rPr lang="en"/>
-              <a:t>Jupyter notebook preferred]</a:t>
+              <a:rPr lang="en">
+                <a:solidFill>
+                  <a:srgbClr val="000000"/>
+                </a:solidFill>
+                <a:latin typeface="Poppins"/>
+                <a:ea typeface="Poppins"/>
+                <a:cs typeface="Poppins"/>
+                <a:sym typeface="Poppins"/>
+              </a:rPr>
+              <a:t>Provides personalized build ideas and guides</a:t>
             </a:r>
-            <a:endParaRPr/>
+            <a:endParaRPr>
+              <a:solidFill>
+                <a:srgbClr val="000000"/>
+              </a:solidFill>
+              <a:latin typeface="Poppins"/>
+              <a:ea typeface="Poppins"/>
+              <a:cs typeface="Poppins"/>
+              <a:sym typeface="Poppins"/>
+            </a:endParaRPr>
+          </a:p>
+          <a:p>
+            <a:pPr indent="0" lvl="0" marL="0" rtl="0" algn="l">
+              <a:spcBef>
+                <a:spcPts val="1200"/>
+              </a:spcBef>
+              <a:spcAft>
+                <a:spcPts val="0"/>
+              </a:spcAft>
+              <a:buNone/>
+            </a:pPr>
+            <a:r>
+              <a:rPr lang="en">
+                <a:solidFill>
+                  <a:srgbClr val="000000"/>
+                </a:solidFill>
+                <a:latin typeface="Poppins"/>
+                <a:ea typeface="Poppins"/>
+                <a:cs typeface="Poppins"/>
+                <a:sym typeface="Poppins"/>
+              </a:rPr>
+              <a:t>Helps foster creativity, problem-solving skills in kids</a:t>
+            </a:r>
+            <a:endParaRPr>
+              <a:solidFill>
+                <a:srgbClr val="000000"/>
+              </a:solidFill>
+              <a:latin typeface="Poppins"/>
+              <a:ea typeface="Poppins"/>
+              <a:cs typeface="Poppins"/>
+              <a:sym typeface="Poppins"/>
+            </a:endParaRPr>
+          </a:p>
+          <a:p>
+            <a:pPr indent="0" lvl="0" marL="0" rtl="0" algn="l">
+              <a:spcBef>
+                <a:spcPts val="1200"/>
+              </a:spcBef>
+              <a:spcAft>
+                <a:spcPts val="0"/>
+              </a:spcAft>
+              <a:buClr>
+                <a:schemeClr val="dk1"/>
+              </a:buClr>
+              <a:buSzPts val="1100"/>
+              <a:buFont typeface="Arial"/>
+              <a:buNone/>
+            </a:pPr>
+            <a:r>
+              <a:t/>
+            </a:r>
+            <a:endParaRPr>
+              <a:solidFill>
+                <a:srgbClr val="000000"/>
+              </a:solidFill>
+              <a:latin typeface="Poppins"/>
+              <a:ea typeface="Poppins"/>
+              <a:cs typeface="Poppins"/>
+              <a:sym typeface="Poppins"/>
+            </a:endParaRPr>
+          </a:p>
+          <a:p>
+            <a:pPr indent="0" lvl="0" marL="0" rtl="0" algn="l">
+              <a:spcBef>
+                <a:spcPts val="1200"/>
+              </a:spcBef>
+              <a:spcAft>
+                <a:spcPts val="1200"/>
+              </a:spcAft>
+              <a:buNone/>
+            </a:pPr>
+            <a:r>
+              <a:t/>
+            </a:r>
+            <a:endParaRPr>
+              <a:solidFill>
+                <a:srgbClr val="000000"/>
+              </a:solidFill>
+              <a:latin typeface="Poppins"/>
+              <a:ea typeface="Poppins"/>
+              <a:cs typeface="Poppins"/>
+              <a:sym typeface="Poppins"/>
+            </a:endParaRPr>
           </a:p>
         </p:txBody>
       </p:sp>
@@ -7268,11 +7580,11 @@
 </file>
 
 <file path=ppt/slides/slide5.xml><?xml version="1.0" encoding="utf-8"?>
-<p:sld xmlns:a="http://schemas.openxmlformats.org/drawingml/2006/main" xmlns:r="http://schemas.openxmlformats.org/officeDocument/2006/relationships" xmlns:p="http://schemas.openxmlformats.org/presentationml/2006/main">
+<p:sld xmlns:a="http://schemas.openxmlformats.org/drawingml/2006/main" xmlns:r="http://schemas.openxmlformats.org/officeDocument/2006/relationships" xmlns:mc="http://schemas.openxmlformats.org/markup-compatibility/2006" xmlns:mv="urn:schemas-microsoft-com:mac:vml" xmlns:p="http://schemas.openxmlformats.org/presentationml/2006/main" xmlns:c="http://schemas.openxmlformats.org/drawingml/2006/chart" xmlns:dgm="http://schemas.openxmlformats.org/drawingml/2006/diagram" xmlns:o="urn:schemas-microsoft-com:office:office" xmlns:v="urn:schemas-microsoft-com:vml" xmlns:pvml="urn:schemas-microsoft-com:office:powerpoint" xmlns:com="http://schemas.openxmlformats.org/drawingml/2006/compatibility" xmlns:p14="http://schemas.microsoft.com/office/powerpoint/2010/main" xmlns:p15="http://schemas.microsoft.com/office/powerpoint/2012/main" xmlns:ahyp="http://schemas.microsoft.com/office/drawing/2018/hyperlinkcolor">
   <p:cSld>
     <p:spTree>
       <p:nvGrpSpPr>
-        <p:cNvPr id="1" name="Shape 77"/>
+        <p:cNvPr id="79" name="Shape 79"/>
         <p:cNvGrpSpPr/>
         <p:nvPr/>
       </p:nvGrpSpPr>
@@ -7286,10 +7598,8 @@
       </p:grpSpPr>
       <p:sp>
         <p:nvSpPr>
-          <p:cNvPr id="78" name="Google Shape;78;p17"/>
-          <p:cNvSpPr txBox="1">
-            <a:spLocks noGrp="1"/>
-          </p:cNvSpPr>
+          <p:cNvPr id="80" name="Google Shape;80;p17"/>
+          <p:cNvSpPr txBox="1"/>
           <p:nvPr>
             <p:ph type="title"/>
           </p:nvPr>
@@ -7304,12 +7614,12 @@
           </a:prstGeom>
         </p:spPr>
         <p:txBody>
-          <a:bodyPr spcFirstLastPara="1" wrap="square" lIns="91425" tIns="91425" rIns="91425" bIns="91425" anchor="t" anchorCtr="0">
+          <a:bodyPr anchorCtr="0" anchor="t" bIns="91425" lIns="91425" spcFirstLastPara="1" rIns="91425" wrap="square" tIns="91425">
             <a:normAutofit fontScale="90000"/>
           </a:bodyPr>
           <a:lstStyle/>
           <a:p>
-            <a:pPr marL="0" lvl="0" indent="0" algn="l" rtl="0">
+            <a:pPr indent="0" lvl="0" marL="0" rtl="0" algn="l">
               <a:spcBef>
                 <a:spcPts val="0"/>
               </a:spcBef>
@@ -7319,21 +7629,29 @@
               <a:buNone/>
             </a:pPr>
             <a:r>
-              <a:rPr lang="en"/>
+              <a:rPr b="1" lang="en">
+                <a:latin typeface="Poppins"/>
+                <a:ea typeface="Poppins"/>
+                <a:cs typeface="Poppins"/>
+                <a:sym typeface="Poppins"/>
+              </a:rPr>
               <a:t>Solution Tech Stack</a:t>
             </a:r>
-            <a:endParaRPr/>
+            <a:endParaRPr b="1">
+              <a:latin typeface="Poppins"/>
+              <a:ea typeface="Poppins"/>
+              <a:cs typeface="Poppins"/>
+              <a:sym typeface="Poppins"/>
+            </a:endParaRPr>
           </a:p>
         </p:txBody>
       </p:sp>
       <p:sp>
         <p:nvSpPr>
-          <p:cNvPr id="79" name="Google Shape;79;p17"/>
-          <p:cNvSpPr txBox="1">
-            <a:spLocks noGrp="1"/>
-          </p:cNvSpPr>
+          <p:cNvPr id="81" name="Google Shape;81;p17"/>
+          <p:cNvSpPr txBox="1"/>
           <p:nvPr>
-            <p:ph type="body" idx="1"/>
+            <p:ph idx="1" type="body"/>
           </p:nvPr>
         </p:nvSpPr>
         <p:spPr>
@@ -7346,25 +7664,284 @@
           </a:prstGeom>
         </p:spPr>
         <p:txBody>
-          <a:bodyPr spcFirstLastPara="1" wrap="square" lIns="91425" tIns="91425" rIns="91425" bIns="91425" anchor="t" anchorCtr="0">
-            <a:normAutofit/>
+          <a:bodyPr anchorCtr="0" anchor="t" bIns="91425" lIns="91425" spcFirstLastPara="1" rIns="91425" wrap="square" tIns="91425">
+            <a:normAutofit lnSpcReduction="20000"/>
           </a:bodyPr>
           <a:lstStyle/>
           <a:p>
-            <a:pPr marL="0" lvl="0" indent="0" algn="l" rtl="0">
-              <a:spcBef>
-                <a:spcPts val="0"/>
-              </a:spcBef>
-              <a:spcAft>
+            <a:pPr indent="-342900" lvl="0" marL="457200" rtl="0" algn="l">
+              <a:spcBef>
                 <a:spcPts val="1200"/>
-              </a:spcAft>
-              <a:buNone/>
+              </a:spcBef>
+              <a:spcAft>
+                <a:spcPts val="0"/>
+              </a:spcAft>
+              <a:buClr>
+                <a:srgbClr val="000000"/>
+              </a:buClr>
+              <a:buSzPts val="1800"/>
+              <a:buFont typeface="Poppins"/>
+              <a:buChar char="●"/>
             </a:pPr>
             <a:r>
-              <a:rPr lang="en"/>
-              <a:t>[what technologies did you use building your solution?]</a:t>
+              <a:rPr lang="en">
+                <a:solidFill>
+                  <a:srgbClr val="000000"/>
+                </a:solidFill>
+                <a:latin typeface="Poppins"/>
+                <a:ea typeface="Poppins"/>
+                <a:cs typeface="Poppins"/>
+                <a:sym typeface="Poppins"/>
+              </a:rPr>
+              <a:t>Vector Database: Milvus on Zilliz Clusters</a:t>
             </a:r>
-            <a:endParaRPr/>
+            <a:br>
+              <a:rPr lang="en">
+                <a:solidFill>
+                  <a:srgbClr val="000000"/>
+                </a:solidFill>
+                <a:latin typeface="Poppins"/>
+                <a:ea typeface="Poppins"/>
+                <a:cs typeface="Poppins"/>
+                <a:sym typeface="Poppins"/>
+              </a:rPr>
+            </a:br>
+            <a:endParaRPr>
+              <a:solidFill>
+                <a:srgbClr val="000000"/>
+              </a:solidFill>
+              <a:latin typeface="Poppins"/>
+              <a:ea typeface="Poppins"/>
+              <a:cs typeface="Poppins"/>
+              <a:sym typeface="Poppins"/>
+            </a:endParaRPr>
+          </a:p>
+          <a:p>
+            <a:pPr indent="-342900" lvl="0" marL="457200" rtl="0" algn="l">
+              <a:spcBef>
+                <a:spcPts val="0"/>
+              </a:spcBef>
+              <a:spcAft>
+                <a:spcPts val="0"/>
+              </a:spcAft>
+              <a:buClr>
+                <a:srgbClr val="000000"/>
+              </a:buClr>
+              <a:buSzPts val="1800"/>
+              <a:buFont typeface="Poppins"/>
+              <a:buChar char="●"/>
+            </a:pPr>
+            <a:r>
+              <a:rPr lang="en">
+                <a:solidFill>
+                  <a:srgbClr val="000000"/>
+                </a:solidFill>
+                <a:latin typeface="Poppins"/>
+                <a:ea typeface="Poppins"/>
+                <a:cs typeface="Poppins"/>
+                <a:sym typeface="Poppins"/>
+              </a:rPr>
+              <a:t>LLM: GROQ</a:t>
+            </a:r>
+            <a:br>
+              <a:rPr lang="en">
+                <a:solidFill>
+                  <a:srgbClr val="000000"/>
+                </a:solidFill>
+                <a:latin typeface="Poppins"/>
+                <a:ea typeface="Poppins"/>
+                <a:cs typeface="Poppins"/>
+                <a:sym typeface="Poppins"/>
+              </a:rPr>
+            </a:br>
+            <a:endParaRPr>
+              <a:solidFill>
+                <a:srgbClr val="000000"/>
+              </a:solidFill>
+              <a:latin typeface="Poppins"/>
+              <a:ea typeface="Poppins"/>
+              <a:cs typeface="Poppins"/>
+              <a:sym typeface="Poppins"/>
+            </a:endParaRPr>
+          </a:p>
+          <a:p>
+            <a:pPr indent="-342900" lvl="0" marL="457200" rtl="0" algn="l">
+              <a:spcBef>
+                <a:spcPts val="0"/>
+              </a:spcBef>
+              <a:spcAft>
+                <a:spcPts val="0"/>
+              </a:spcAft>
+              <a:buClr>
+                <a:srgbClr val="000000"/>
+              </a:buClr>
+              <a:buSzPts val="1800"/>
+              <a:buFont typeface="Poppins"/>
+              <a:buChar char="●"/>
+            </a:pPr>
+            <a:r>
+              <a:rPr lang="en">
+                <a:solidFill>
+                  <a:srgbClr val="000000"/>
+                </a:solidFill>
+                <a:latin typeface="Poppins"/>
+                <a:ea typeface="Poppins"/>
+                <a:cs typeface="Poppins"/>
+                <a:sym typeface="Poppins"/>
+              </a:rPr>
+              <a:t>Embeddings: Sentence Transformers</a:t>
+            </a:r>
+            <a:br>
+              <a:rPr lang="en">
+                <a:solidFill>
+                  <a:srgbClr val="000000"/>
+                </a:solidFill>
+                <a:latin typeface="Poppins"/>
+                <a:ea typeface="Poppins"/>
+                <a:cs typeface="Poppins"/>
+                <a:sym typeface="Poppins"/>
+              </a:rPr>
+            </a:br>
+            <a:r>
+              <a:rPr lang="en">
+                <a:solidFill>
+                  <a:srgbClr val="000000"/>
+                </a:solidFill>
+                <a:latin typeface="Poppins"/>
+                <a:ea typeface="Poppins"/>
+                <a:cs typeface="Poppins"/>
+                <a:sym typeface="Poppins"/>
+              </a:rPr>
+              <a:t>(all-MiniLM-L6-v2)</a:t>
+            </a:r>
+            <a:br>
+              <a:rPr lang="en">
+                <a:solidFill>
+                  <a:srgbClr val="000000"/>
+                </a:solidFill>
+                <a:latin typeface="Poppins"/>
+                <a:ea typeface="Poppins"/>
+                <a:cs typeface="Poppins"/>
+                <a:sym typeface="Poppins"/>
+              </a:rPr>
+            </a:br>
+            <a:endParaRPr>
+              <a:solidFill>
+                <a:srgbClr val="000000"/>
+              </a:solidFill>
+              <a:latin typeface="Poppins"/>
+              <a:ea typeface="Poppins"/>
+              <a:cs typeface="Poppins"/>
+              <a:sym typeface="Poppins"/>
+            </a:endParaRPr>
+          </a:p>
+          <a:p>
+            <a:pPr indent="-342900" lvl="0" marL="457200" rtl="0" algn="l">
+              <a:spcBef>
+                <a:spcPts val="0"/>
+              </a:spcBef>
+              <a:spcAft>
+                <a:spcPts val="0"/>
+              </a:spcAft>
+              <a:buClr>
+                <a:srgbClr val="000000"/>
+              </a:buClr>
+              <a:buSzPts val="1800"/>
+              <a:buFont typeface="Poppins"/>
+              <a:buChar char="●"/>
+            </a:pPr>
+            <a:r>
+              <a:rPr lang="en">
+                <a:solidFill>
+                  <a:srgbClr val="000000"/>
+                </a:solidFill>
+                <a:latin typeface="Poppins"/>
+                <a:ea typeface="Poppins"/>
+                <a:cs typeface="Poppins"/>
+                <a:sym typeface="Poppins"/>
+              </a:rPr>
+              <a:t>Interface: Gradio</a:t>
+            </a:r>
+            <a:br>
+              <a:rPr lang="en">
+                <a:solidFill>
+                  <a:srgbClr val="000000"/>
+                </a:solidFill>
+                <a:latin typeface="Poppins"/>
+                <a:ea typeface="Poppins"/>
+                <a:cs typeface="Poppins"/>
+                <a:sym typeface="Poppins"/>
+              </a:rPr>
+            </a:br>
+            <a:endParaRPr>
+              <a:solidFill>
+                <a:srgbClr val="000000"/>
+              </a:solidFill>
+              <a:latin typeface="Poppins"/>
+              <a:ea typeface="Poppins"/>
+              <a:cs typeface="Poppins"/>
+              <a:sym typeface="Poppins"/>
+            </a:endParaRPr>
+          </a:p>
+          <a:p>
+            <a:pPr indent="-342900" lvl="0" marL="457200" rtl="0" algn="l">
+              <a:spcBef>
+                <a:spcPts val="0"/>
+              </a:spcBef>
+              <a:spcAft>
+                <a:spcPts val="0"/>
+              </a:spcAft>
+              <a:buClr>
+                <a:srgbClr val="000000"/>
+              </a:buClr>
+              <a:buSzPts val="1800"/>
+              <a:buFont typeface="Poppins"/>
+              <a:buChar char="●"/>
+            </a:pPr>
+            <a:r>
+              <a:rPr lang="en">
+                <a:solidFill>
+                  <a:srgbClr val="000000"/>
+                </a:solidFill>
+                <a:latin typeface="Poppins"/>
+                <a:ea typeface="Poppins"/>
+                <a:cs typeface="Poppins"/>
+                <a:sym typeface="Poppins"/>
+              </a:rPr>
+              <a:t>Data: Rebrickable dataset</a:t>
+            </a:r>
+            <a:endParaRPr>
+              <a:solidFill>
+                <a:srgbClr val="000000"/>
+              </a:solidFill>
+              <a:latin typeface="Poppins"/>
+              <a:ea typeface="Poppins"/>
+              <a:cs typeface="Poppins"/>
+              <a:sym typeface="Poppins"/>
+            </a:endParaRPr>
+          </a:p>
+          <a:p>
+            <a:pPr indent="0" lvl="0" marL="457200" rtl="0" algn="l">
+              <a:spcBef>
+                <a:spcPts val="1200"/>
+              </a:spcBef>
+              <a:spcAft>
+                <a:spcPts val="1200"/>
+              </a:spcAft>
+              <a:buNone/>
+            </a:pPr>
+            <a:r>
+              <a:t/>
+            </a:r>
+            <a:endParaRPr>
+              <a:solidFill>
+                <a:srgbClr val="000000"/>
+              </a:solidFill>
+              <a:latin typeface="Poppins"/>
+              <a:ea typeface="Poppins"/>
+              <a:cs typeface="Poppins"/>
+              <a:sym typeface="Poppins"/>
+            </a:endParaRPr>
           </a:p>
         </p:txBody>
       </p:sp>
@@ -7377,11 +7954,11 @@
 </file>
 
 <file path=ppt/slides/slide6.xml><?xml version="1.0" encoding="utf-8"?>
-<p:sld xmlns:a="http://schemas.openxmlformats.org/drawingml/2006/main" xmlns:r="http://schemas.openxmlformats.org/officeDocument/2006/relationships" xmlns:p="http://schemas.openxmlformats.org/presentationml/2006/main">
+<p:sld xmlns:a="http://schemas.openxmlformats.org/drawingml/2006/main" xmlns:r="http://schemas.openxmlformats.org/officeDocument/2006/relationships" xmlns:mc="http://schemas.openxmlformats.org/markup-compatibility/2006" xmlns:mv="urn:schemas-microsoft-com:mac:vml" xmlns:p="http://schemas.openxmlformats.org/presentationml/2006/main" xmlns:c="http://schemas.openxmlformats.org/drawingml/2006/chart" xmlns:dgm="http://schemas.openxmlformats.org/drawingml/2006/diagram" xmlns:o="urn:schemas-microsoft-com:office:office" xmlns:v="urn:schemas-microsoft-com:vml" xmlns:pvml="urn:schemas-microsoft-com:office:powerpoint" xmlns:com="http://schemas.openxmlformats.org/drawingml/2006/compatibility" xmlns:p14="http://schemas.microsoft.com/office/powerpoint/2010/main" xmlns:p15="http://schemas.microsoft.com/office/powerpoint/2012/main" xmlns:ahyp="http://schemas.microsoft.com/office/drawing/2018/hyperlinkcolor">
   <p:cSld>
     <p:spTree>
       <p:nvGrpSpPr>
-        <p:cNvPr id="1" name="Shape 83"/>
+        <p:cNvPr id="85" name="Shape 85"/>
         <p:cNvGrpSpPr/>
         <p:nvPr/>
       </p:nvGrpSpPr>
@@ -7395,10 +7972,8 @@
       </p:grpSpPr>
       <p:sp>
         <p:nvSpPr>
-          <p:cNvPr id="84" name="Google Shape;84;p18"/>
-          <p:cNvSpPr txBox="1">
-            <a:spLocks noGrp="1"/>
-          </p:cNvSpPr>
+          <p:cNvPr id="86" name="Google Shape;86;p18"/>
+          <p:cNvSpPr txBox="1"/>
           <p:nvPr>
             <p:ph type="title"/>
           </p:nvPr>
@@ -7413,12 +7988,12 @@
           </a:prstGeom>
         </p:spPr>
         <p:txBody>
-          <a:bodyPr spcFirstLastPara="1" wrap="square" lIns="91425" tIns="91425" rIns="91425" bIns="91425" anchor="t" anchorCtr="0">
+          <a:bodyPr anchorCtr="0" anchor="t" bIns="91425" lIns="91425" spcFirstLastPara="1" rIns="91425" wrap="square" tIns="91425">
             <a:normAutofit fontScale="90000"/>
           </a:bodyPr>
           <a:lstStyle/>
           <a:p>
-            <a:pPr marL="0" lvl="0" indent="0" algn="l" rtl="0">
+            <a:pPr indent="0" lvl="0" marL="0" rtl="0" algn="l">
               <a:spcBef>
                 <a:spcPts val="0"/>
               </a:spcBef>
@@ -7428,21 +8003,471 @@
               <a:buNone/>
             </a:pPr>
             <a:r>
-              <a:rPr lang="en"/>
-              <a:t>Next Steps</a:t>
+              <a:rPr b="1" lang="en"/>
+              <a:t>Monetization Strategy</a:t>
             </a:r>
-            <a:endParaRPr/>
+            <a:endParaRPr b="1"/>
           </a:p>
         </p:txBody>
       </p:sp>
       <p:sp>
         <p:nvSpPr>
-          <p:cNvPr id="85" name="Google Shape;85;p18"/>
-          <p:cNvSpPr txBox="1">
-            <a:spLocks noGrp="1"/>
-          </p:cNvSpPr>
+          <p:cNvPr id="87" name="Google Shape;87;p18"/>
+          <p:cNvSpPr txBox="1"/>
           <p:nvPr>
-            <p:ph type="body" idx="1"/>
+            <p:ph idx="1" type="body"/>
+          </p:nvPr>
+        </p:nvSpPr>
+        <p:spPr>
+          <a:xfrm>
+            <a:off x="311700" y="1152475"/>
+            <a:ext cx="8637900" cy="3990900"/>
+          </a:xfrm>
+          <a:prstGeom prst="rect">
+            <a:avLst/>
+          </a:prstGeom>
+        </p:spPr>
+        <p:txBody>
+          <a:bodyPr anchorCtr="0" anchor="t" bIns="91425" lIns="91425" spcFirstLastPara="1" rIns="91425" wrap="square" tIns="91425">
+            <a:noAutofit/>
+          </a:bodyPr>
+          <a:lstStyle/>
+          <a:p>
+            <a:pPr indent="0" lvl="0" marL="0" rtl="0" algn="l">
+              <a:spcBef>
+                <a:spcPts val="0"/>
+              </a:spcBef>
+              <a:spcAft>
+                <a:spcPts val="0"/>
+              </a:spcAft>
+              <a:buNone/>
+            </a:pPr>
+            <a:r>
+              <a:rPr b="1" lang="en" sz="1500">
+                <a:solidFill>
+                  <a:schemeClr val="dk1"/>
+                </a:solidFill>
+                <a:latin typeface="Poppins"/>
+                <a:ea typeface="Poppins"/>
+                <a:cs typeface="Poppins"/>
+                <a:sym typeface="Poppins"/>
+              </a:rPr>
+              <a:t>Freemium Model:</a:t>
+            </a:r>
+            <a:endParaRPr b="1" sz="1500">
+              <a:solidFill>
+                <a:schemeClr val="dk1"/>
+              </a:solidFill>
+              <a:latin typeface="Poppins"/>
+              <a:ea typeface="Poppins"/>
+              <a:cs typeface="Poppins"/>
+              <a:sym typeface="Poppins"/>
+            </a:endParaRPr>
+          </a:p>
+          <a:p>
+            <a:pPr indent="-323850" lvl="0" marL="457200" rtl="0" algn="l">
+              <a:spcBef>
+                <a:spcPts val="1200"/>
+              </a:spcBef>
+              <a:spcAft>
+                <a:spcPts val="0"/>
+              </a:spcAft>
+              <a:buClr>
+                <a:schemeClr val="dk1"/>
+              </a:buClr>
+              <a:buSzPts val="1500"/>
+              <a:buFont typeface="Poppins"/>
+              <a:buChar char="●"/>
+            </a:pPr>
+            <a:r>
+              <a:rPr lang="en" sz="1500">
+                <a:solidFill>
+                  <a:schemeClr val="dk1"/>
+                </a:solidFill>
+                <a:latin typeface="Poppins"/>
+                <a:ea typeface="Poppins"/>
+                <a:cs typeface="Poppins"/>
+                <a:sym typeface="Poppins"/>
+              </a:rPr>
+              <a:t>Offer free access with limited features or usage.</a:t>
+            </a:r>
+            <a:endParaRPr sz="1500">
+              <a:solidFill>
+                <a:schemeClr val="dk1"/>
+              </a:solidFill>
+              <a:latin typeface="Poppins"/>
+              <a:ea typeface="Poppins"/>
+              <a:cs typeface="Poppins"/>
+              <a:sym typeface="Poppins"/>
+            </a:endParaRPr>
+          </a:p>
+          <a:p>
+            <a:pPr indent="0" lvl="0" marL="0" rtl="0" algn="l">
+              <a:spcBef>
+                <a:spcPts val="1200"/>
+              </a:spcBef>
+              <a:spcAft>
+                <a:spcPts val="0"/>
+              </a:spcAft>
+              <a:buNone/>
+            </a:pPr>
+            <a:r>
+              <a:rPr b="1" lang="en" sz="1500">
+                <a:solidFill>
+                  <a:schemeClr val="dk1"/>
+                </a:solidFill>
+                <a:latin typeface="Poppins"/>
+                <a:ea typeface="Poppins"/>
+                <a:cs typeface="Poppins"/>
+                <a:sym typeface="Poppins"/>
+              </a:rPr>
+              <a:t>In-App Purchases:</a:t>
+            </a:r>
+            <a:endParaRPr b="1" sz="1500">
+              <a:solidFill>
+                <a:schemeClr val="dk1"/>
+              </a:solidFill>
+              <a:latin typeface="Poppins"/>
+              <a:ea typeface="Poppins"/>
+              <a:cs typeface="Poppins"/>
+              <a:sym typeface="Poppins"/>
+            </a:endParaRPr>
+          </a:p>
+          <a:p>
+            <a:pPr indent="-323850" lvl="0" marL="457200" rtl="0" algn="l">
+              <a:spcBef>
+                <a:spcPts val="1200"/>
+              </a:spcBef>
+              <a:spcAft>
+                <a:spcPts val="0"/>
+              </a:spcAft>
+              <a:buClr>
+                <a:schemeClr val="dk1"/>
+              </a:buClr>
+              <a:buSzPts val="1500"/>
+              <a:buFont typeface="Poppins"/>
+              <a:buChar char="●"/>
+            </a:pPr>
+            <a:r>
+              <a:rPr lang="en" sz="1500">
+                <a:solidFill>
+                  <a:schemeClr val="dk1"/>
+                </a:solidFill>
+                <a:latin typeface="Poppins"/>
+                <a:ea typeface="Poppins"/>
+                <a:cs typeface="Poppins"/>
+                <a:sym typeface="Poppins"/>
+              </a:rPr>
+              <a:t>Allow users to purchase additional features like </a:t>
+            </a:r>
+            <a:br>
+              <a:rPr lang="en" sz="1500">
+                <a:solidFill>
+                  <a:schemeClr val="dk1"/>
+                </a:solidFill>
+                <a:latin typeface="Poppins"/>
+                <a:ea typeface="Poppins"/>
+                <a:cs typeface="Poppins"/>
+                <a:sym typeface="Poppins"/>
+              </a:rPr>
+            </a:br>
+            <a:r>
+              <a:rPr lang="en" sz="1500">
+                <a:solidFill>
+                  <a:schemeClr val="dk1"/>
+                </a:solidFill>
+                <a:latin typeface="Poppins"/>
+                <a:ea typeface="Poppins"/>
+                <a:cs typeface="Poppins"/>
+                <a:sym typeface="Poppins"/>
+              </a:rPr>
+              <a:t>premium tutorials, or designs.</a:t>
+            </a:r>
+            <a:endParaRPr sz="1500">
+              <a:solidFill>
+                <a:schemeClr val="dk1"/>
+              </a:solidFill>
+              <a:latin typeface="Poppins"/>
+              <a:ea typeface="Poppins"/>
+              <a:cs typeface="Poppins"/>
+              <a:sym typeface="Poppins"/>
+            </a:endParaRPr>
+          </a:p>
+          <a:p>
+            <a:pPr indent="0" lvl="0" marL="0" rtl="0" algn="l">
+              <a:spcBef>
+                <a:spcPts val="1200"/>
+              </a:spcBef>
+              <a:spcAft>
+                <a:spcPts val="0"/>
+              </a:spcAft>
+              <a:buNone/>
+            </a:pPr>
+            <a:r>
+              <a:rPr b="1" lang="en" sz="1500">
+                <a:solidFill>
+                  <a:schemeClr val="dk1"/>
+                </a:solidFill>
+                <a:latin typeface="Poppins"/>
+                <a:ea typeface="Poppins"/>
+                <a:cs typeface="Poppins"/>
+                <a:sym typeface="Poppins"/>
+              </a:rPr>
+              <a:t>Lego Partnerships:</a:t>
+            </a:r>
+            <a:endParaRPr b="1" sz="1500">
+              <a:solidFill>
+                <a:schemeClr val="dk1"/>
+              </a:solidFill>
+              <a:latin typeface="Poppins"/>
+              <a:ea typeface="Poppins"/>
+              <a:cs typeface="Poppins"/>
+              <a:sym typeface="Poppins"/>
+            </a:endParaRPr>
+          </a:p>
+          <a:p>
+            <a:pPr indent="-323850" lvl="0" marL="457200" rtl="0" algn="l">
+              <a:spcBef>
+                <a:spcPts val="1200"/>
+              </a:spcBef>
+              <a:spcAft>
+                <a:spcPts val="0"/>
+              </a:spcAft>
+              <a:buClr>
+                <a:schemeClr val="dk1"/>
+              </a:buClr>
+              <a:buSzPts val="1500"/>
+              <a:buFont typeface="Poppins"/>
+              <a:buChar char="●"/>
+            </a:pPr>
+            <a:r>
+              <a:rPr lang="en" sz="1500">
+                <a:solidFill>
+                  <a:schemeClr val="dk1"/>
+                </a:solidFill>
+                <a:latin typeface="Poppins"/>
+                <a:ea typeface="Poppins"/>
+                <a:cs typeface="Poppins"/>
+                <a:sym typeface="Poppins"/>
+              </a:rPr>
+              <a:t>Partner with Lego or other toy companies to feature </a:t>
+            </a:r>
+            <a:br>
+              <a:rPr lang="en" sz="1500">
+                <a:solidFill>
+                  <a:schemeClr val="dk1"/>
+                </a:solidFill>
+                <a:latin typeface="Poppins"/>
+                <a:ea typeface="Poppins"/>
+                <a:cs typeface="Poppins"/>
+                <a:sym typeface="Poppins"/>
+              </a:rPr>
+            </a:br>
+            <a:r>
+              <a:rPr lang="en" sz="1500">
+                <a:solidFill>
+                  <a:schemeClr val="dk1"/>
+                </a:solidFill>
+                <a:latin typeface="Poppins"/>
+                <a:ea typeface="Poppins"/>
+                <a:cs typeface="Poppins"/>
+                <a:sym typeface="Poppins"/>
+              </a:rPr>
+              <a:t>branded content</a:t>
+            </a:r>
+            <a:endParaRPr sz="1500">
+              <a:solidFill>
+                <a:schemeClr val="dk1"/>
+              </a:solidFill>
+              <a:latin typeface="Poppins"/>
+              <a:ea typeface="Poppins"/>
+              <a:cs typeface="Poppins"/>
+              <a:sym typeface="Poppins"/>
+            </a:endParaRPr>
+          </a:p>
+          <a:p>
+            <a:pPr indent="0" lvl="0" marL="0" rtl="0" algn="l">
+              <a:spcBef>
+                <a:spcPts val="1200"/>
+              </a:spcBef>
+              <a:spcAft>
+                <a:spcPts val="0"/>
+              </a:spcAft>
+              <a:buNone/>
+            </a:pPr>
+            <a:r>
+              <a:rPr b="1" lang="en" sz="1500">
+                <a:solidFill>
+                  <a:schemeClr val="dk1"/>
+                </a:solidFill>
+                <a:latin typeface="Poppins"/>
+                <a:ea typeface="Poppins"/>
+                <a:cs typeface="Poppins"/>
+                <a:sym typeface="Poppins"/>
+              </a:rPr>
+              <a:t>User-Generated Content:</a:t>
+            </a:r>
+            <a:endParaRPr b="1" sz="1500">
+              <a:solidFill>
+                <a:schemeClr val="dk1"/>
+              </a:solidFill>
+              <a:latin typeface="Poppins"/>
+              <a:ea typeface="Poppins"/>
+              <a:cs typeface="Poppins"/>
+              <a:sym typeface="Poppins"/>
+            </a:endParaRPr>
+          </a:p>
+          <a:p>
+            <a:pPr indent="-323850" lvl="0" marL="457200" rtl="0" algn="l">
+              <a:spcBef>
+                <a:spcPts val="1200"/>
+              </a:spcBef>
+              <a:spcAft>
+                <a:spcPts val="0"/>
+              </a:spcAft>
+              <a:buClr>
+                <a:schemeClr val="dk1"/>
+              </a:buClr>
+              <a:buSzPts val="1500"/>
+              <a:buFont typeface="Poppins"/>
+              <a:buChar char="●"/>
+            </a:pPr>
+            <a:r>
+              <a:rPr lang="en" sz="1500">
+                <a:solidFill>
+                  <a:schemeClr val="dk1"/>
+                </a:solidFill>
+                <a:latin typeface="Poppins"/>
+                <a:ea typeface="Poppins"/>
+                <a:cs typeface="Poppins"/>
+                <a:sym typeface="Poppins"/>
+              </a:rPr>
+              <a:t>Allow users to upload and share their own Lego designs</a:t>
+            </a:r>
+            <a:endParaRPr sz="700">
+              <a:solidFill>
+                <a:schemeClr val="dk1"/>
+              </a:solidFill>
+            </a:endParaRPr>
+          </a:p>
+          <a:p>
+            <a:pPr indent="0" lvl="0" marL="0" rtl="0" algn="l">
+              <a:spcBef>
+                <a:spcPts val="1200"/>
+              </a:spcBef>
+              <a:spcAft>
+                <a:spcPts val="0"/>
+              </a:spcAft>
+              <a:buClr>
+                <a:schemeClr val="dk1"/>
+              </a:buClr>
+              <a:buSzPts val="1100"/>
+              <a:buFont typeface="Arial"/>
+              <a:buNone/>
+            </a:pPr>
+            <a:r>
+              <a:t/>
+            </a:r>
+            <a:endParaRPr sz="700"/>
+          </a:p>
+          <a:p>
+            <a:pPr indent="0" lvl="0" marL="0" rtl="0" algn="l">
+              <a:spcBef>
+                <a:spcPts val="1200"/>
+              </a:spcBef>
+              <a:spcAft>
+                <a:spcPts val="1200"/>
+              </a:spcAft>
+              <a:buNone/>
+            </a:pPr>
+            <a:r>
+              <a:t/>
+            </a:r>
+            <a:endParaRPr sz="700"/>
+          </a:p>
+        </p:txBody>
+      </p:sp>
+    </p:spTree>
+  </p:cSld>
+  <p:clrMapOvr>
+    <a:masterClrMapping/>
+  </p:clrMapOvr>
+</p:sld>
+</file>
+
+<file path=ppt/slides/slide7.xml><?xml version="1.0" encoding="utf-8"?>
+<p:sld xmlns:a="http://schemas.openxmlformats.org/drawingml/2006/main" xmlns:r="http://schemas.openxmlformats.org/officeDocument/2006/relationships" xmlns:mc="http://schemas.openxmlformats.org/markup-compatibility/2006" xmlns:mv="urn:schemas-microsoft-com:mac:vml" xmlns:p="http://schemas.openxmlformats.org/presentationml/2006/main" xmlns:c="http://schemas.openxmlformats.org/drawingml/2006/chart" xmlns:dgm="http://schemas.openxmlformats.org/drawingml/2006/diagram" xmlns:o="urn:schemas-microsoft-com:office:office" xmlns:v="urn:schemas-microsoft-com:vml" xmlns:pvml="urn:schemas-microsoft-com:office:powerpoint" xmlns:com="http://schemas.openxmlformats.org/drawingml/2006/compatibility" xmlns:p14="http://schemas.microsoft.com/office/powerpoint/2010/main" xmlns:p15="http://schemas.microsoft.com/office/powerpoint/2012/main" xmlns:ahyp="http://schemas.microsoft.com/office/drawing/2018/hyperlinkcolor">
+  <p:cSld>
+    <p:spTree>
+      <p:nvGrpSpPr>
+        <p:cNvPr id="91" name="Shape 91"/>
+        <p:cNvGrpSpPr/>
+        <p:nvPr/>
+      </p:nvGrpSpPr>
+      <p:grpSpPr>
+        <a:xfrm>
+          <a:off x="0" y="0"/>
+          <a:ext cx="0" cy="0"/>
+          <a:chOff x="0" y="0"/>
+          <a:chExt cx="0" cy="0"/>
+        </a:xfrm>
+      </p:grpSpPr>
+      <p:sp>
+        <p:nvSpPr>
+          <p:cNvPr id="92" name="Google Shape;92;p19"/>
+          <p:cNvSpPr txBox="1"/>
+          <p:nvPr>
+            <p:ph type="title"/>
+          </p:nvPr>
+        </p:nvSpPr>
+        <p:spPr>
+          <a:xfrm>
+            <a:off x="311700" y="445025"/>
+            <a:ext cx="8520600" cy="572700"/>
+          </a:xfrm>
+          <a:prstGeom prst="rect">
+            <a:avLst/>
+          </a:prstGeom>
+        </p:spPr>
+        <p:txBody>
+          <a:bodyPr anchorCtr="0" anchor="t" bIns="91425" lIns="91425" spcFirstLastPara="1" rIns="91425" wrap="square" tIns="91425">
+            <a:normAutofit fontScale="90000"/>
+          </a:bodyPr>
+          <a:lstStyle/>
+          <a:p>
+            <a:pPr indent="0" lvl="0" marL="0" rtl="0" algn="l">
+              <a:spcBef>
+                <a:spcPts val="0"/>
+              </a:spcBef>
+              <a:spcAft>
+                <a:spcPts val="0"/>
+              </a:spcAft>
+              <a:buNone/>
+            </a:pPr>
+            <a:r>
+              <a:rPr b="1" lang="en">
+                <a:latin typeface="Poppins"/>
+                <a:ea typeface="Poppins"/>
+                <a:cs typeface="Poppins"/>
+                <a:sym typeface="Poppins"/>
+              </a:rPr>
+              <a:t>Next Steps</a:t>
+            </a:r>
+            <a:endParaRPr b="1">
+              <a:latin typeface="Poppins"/>
+              <a:ea typeface="Poppins"/>
+              <a:cs typeface="Poppins"/>
+              <a:sym typeface="Poppins"/>
+            </a:endParaRPr>
+          </a:p>
+        </p:txBody>
+      </p:sp>
+      <p:sp>
+        <p:nvSpPr>
+          <p:cNvPr id="93" name="Google Shape;93;p19"/>
+          <p:cNvSpPr txBox="1"/>
+          <p:nvPr>
+            <p:ph idx="1" type="body"/>
           </p:nvPr>
         </p:nvSpPr>
         <p:spPr>
@@ -7455,25 +8480,293 @@
           </a:prstGeom>
         </p:spPr>
         <p:txBody>
-          <a:bodyPr spcFirstLastPara="1" wrap="square" lIns="91425" tIns="91425" rIns="91425" bIns="91425" anchor="t" anchorCtr="0">
-            <a:normAutofit/>
+          <a:bodyPr anchorCtr="0" anchor="t" bIns="91425" lIns="91425" spcFirstLastPara="1" rIns="91425" wrap="square" tIns="91425">
+            <a:normAutofit lnSpcReduction="20000"/>
           </a:bodyPr>
           <a:lstStyle/>
           <a:p>
-            <a:pPr marL="0" lvl="0" indent="0" algn="l" rtl="0">
-              <a:spcBef>
-                <a:spcPts val="0"/>
-              </a:spcBef>
-              <a:spcAft>
-                <a:spcPts val="1200"/>
-              </a:spcAft>
-              <a:buNone/>
+            <a:pPr indent="-342900" lvl="0" marL="457200" rtl="0" algn="l">
+              <a:spcBef>
+                <a:spcPts val="0"/>
+              </a:spcBef>
+              <a:spcAft>
+                <a:spcPts val="0"/>
+              </a:spcAft>
+              <a:buClr>
+                <a:schemeClr val="dk1"/>
+              </a:buClr>
+              <a:buSzPts val="1800"/>
+              <a:buFont typeface="Poppins"/>
+              <a:buChar char="●"/>
             </a:pPr>
             <a:r>
-              <a:rPr lang="en"/>
-              <a:t>[Next steps for the solution]</a:t>
+              <a:rPr lang="en">
+                <a:solidFill>
+                  <a:schemeClr val="dk1"/>
+                </a:solidFill>
+                <a:latin typeface="Poppins"/>
+                <a:ea typeface="Poppins"/>
+                <a:cs typeface="Poppins"/>
+                <a:sym typeface="Poppins"/>
+              </a:rPr>
+              <a:t>Implement image generation functionality </a:t>
             </a:r>
-            <a:endParaRPr/>
+            <a:br>
+              <a:rPr lang="en">
+                <a:solidFill>
+                  <a:schemeClr val="dk1"/>
+                </a:solidFill>
+                <a:latin typeface="Poppins"/>
+                <a:ea typeface="Poppins"/>
+                <a:cs typeface="Poppins"/>
+                <a:sym typeface="Poppins"/>
+              </a:rPr>
+            </a:br>
+            <a:r>
+              <a:rPr lang="en">
+                <a:solidFill>
+                  <a:schemeClr val="dk1"/>
+                </a:solidFill>
+                <a:latin typeface="Poppins"/>
+                <a:ea typeface="Poppins"/>
+                <a:cs typeface="Poppins"/>
+                <a:sym typeface="Poppins"/>
+              </a:rPr>
+              <a:t>for the repurposed build</a:t>
+            </a:r>
+            <a:br>
+              <a:rPr lang="en">
+                <a:solidFill>
+                  <a:schemeClr val="dk1"/>
+                </a:solidFill>
+                <a:latin typeface="Poppins"/>
+                <a:ea typeface="Poppins"/>
+                <a:cs typeface="Poppins"/>
+                <a:sym typeface="Poppins"/>
+              </a:rPr>
+            </a:br>
+            <a:endParaRPr>
+              <a:solidFill>
+                <a:schemeClr val="dk1"/>
+              </a:solidFill>
+              <a:latin typeface="Poppins"/>
+              <a:ea typeface="Poppins"/>
+              <a:cs typeface="Poppins"/>
+              <a:sym typeface="Poppins"/>
+            </a:endParaRPr>
+          </a:p>
+          <a:p>
+            <a:pPr indent="-342900" lvl="0" marL="457200" rtl="0" algn="l">
+              <a:spcBef>
+                <a:spcPts val="0"/>
+              </a:spcBef>
+              <a:spcAft>
+                <a:spcPts val="0"/>
+              </a:spcAft>
+              <a:buClr>
+                <a:schemeClr val="dk1"/>
+              </a:buClr>
+              <a:buSzPts val="1800"/>
+              <a:buFont typeface="Poppins"/>
+              <a:buChar char="●"/>
+            </a:pPr>
+            <a:r>
+              <a:rPr lang="en">
+                <a:solidFill>
+                  <a:schemeClr val="dk1"/>
+                </a:solidFill>
+                <a:latin typeface="Poppins"/>
+                <a:ea typeface="Poppins"/>
+                <a:cs typeface="Poppins"/>
+                <a:sym typeface="Poppins"/>
+              </a:rPr>
+              <a:t>Address roadblock of lacking the image </a:t>
+            </a:r>
+            <a:br>
+              <a:rPr lang="en">
+                <a:solidFill>
+                  <a:schemeClr val="dk1"/>
+                </a:solidFill>
+                <a:latin typeface="Poppins"/>
+                <a:ea typeface="Poppins"/>
+                <a:cs typeface="Poppins"/>
+                <a:sym typeface="Poppins"/>
+              </a:rPr>
+            </a:br>
+            <a:r>
+              <a:rPr lang="en">
+                <a:solidFill>
+                  <a:schemeClr val="dk1"/>
+                </a:solidFill>
+                <a:latin typeface="Poppins"/>
+                <a:ea typeface="Poppins"/>
+                <a:cs typeface="Poppins"/>
+                <a:sym typeface="Poppins"/>
+              </a:rPr>
+              <a:t>dataset for LEGO parts</a:t>
+            </a:r>
+            <a:br>
+              <a:rPr lang="en">
+                <a:solidFill>
+                  <a:schemeClr val="dk1"/>
+                </a:solidFill>
+                <a:latin typeface="Poppins"/>
+                <a:ea typeface="Poppins"/>
+                <a:cs typeface="Poppins"/>
+                <a:sym typeface="Poppins"/>
+              </a:rPr>
+            </a:br>
+            <a:endParaRPr>
+              <a:solidFill>
+                <a:schemeClr val="dk1"/>
+              </a:solidFill>
+              <a:latin typeface="Poppins"/>
+              <a:ea typeface="Poppins"/>
+              <a:cs typeface="Poppins"/>
+              <a:sym typeface="Poppins"/>
+            </a:endParaRPr>
+          </a:p>
+          <a:p>
+            <a:pPr indent="-342900" lvl="0" marL="457200" rtl="0" algn="l">
+              <a:spcBef>
+                <a:spcPts val="0"/>
+              </a:spcBef>
+              <a:spcAft>
+                <a:spcPts val="0"/>
+              </a:spcAft>
+              <a:buClr>
+                <a:schemeClr val="dk1"/>
+              </a:buClr>
+              <a:buSzPts val="1800"/>
+              <a:buFont typeface="Poppins"/>
+              <a:buChar char="●"/>
+            </a:pPr>
+            <a:r>
+              <a:rPr lang="en">
+                <a:solidFill>
+                  <a:schemeClr val="dk1"/>
+                </a:solidFill>
+                <a:latin typeface="Poppins"/>
+                <a:ea typeface="Poppins"/>
+                <a:cs typeface="Poppins"/>
+                <a:sym typeface="Poppins"/>
+              </a:rPr>
+              <a:t>Expand dataset coverage and </a:t>
+            </a:r>
+            <a:br>
+              <a:rPr lang="en">
+                <a:solidFill>
+                  <a:schemeClr val="dk1"/>
+                </a:solidFill>
+                <a:latin typeface="Poppins"/>
+                <a:ea typeface="Poppins"/>
+                <a:cs typeface="Poppins"/>
+                <a:sym typeface="Poppins"/>
+              </a:rPr>
+            </a:br>
+            <a:r>
+              <a:rPr lang="en">
+                <a:solidFill>
+                  <a:schemeClr val="dk1"/>
+                </a:solidFill>
+                <a:latin typeface="Poppins"/>
+                <a:ea typeface="Poppins"/>
+                <a:cs typeface="Poppins"/>
+                <a:sym typeface="Poppins"/>
+              </a:rPr>
+              <a:t>system capabilities</a:t>
+            </a:r>
+            <a:br>
+              <a:rPr lang="en">
+                <a:solidFill>
+                  <a:schemeClr val="dk1"/>
+                </a:solidFill>
+                <a:latin typeface="Poppins"/>
+                <a:ea typeface="Poppins"/>
+                <a:cs typeface="Poppins"/>
+                <a:sym typeface="Poppins"/>
+              </a:rPr>
+            </a:br>
+            <a:endParaRPr>
+              <a:solidFill>
+                <a:schemeClr val="dk1"/>
+              </a:solidFill>
+              <a:latin typeface="Poppins"/>
+              <a:ea typeface="Poppins"/>
+              <a:cs typeface="Poppins"/>
+              <a:sym typeface="Poppins"/>
+            </a:endParaRPr>
+          </a:p>
+          <a:p>
+            <a:pPr indent="-342900" lvl="0" marL="457200" rtl="0" algn="l">
+              <a:spcBef>
+                <a:spcPts val="0"/>
+              </a:spcBef>
+              <a:spcAft>
+                <a:spcPts val="0"/>
+              </a:spcAft>
+              <a:buClr>
+                <a:schemeClr val="dk1"/>
+              </a:buClr>
+              <a:buSzPts val="1800"/>
+              <a:buFont typeface="Poppins"/>
+              <a:buChar char="●"/>
+            </a:pPr>
+            <a:r>
+              <a:rPr lang="en">
+                <a:solidFill>
+                  <a:schemeClr val="dk1"/>
+                </a:solidFill>
+                <a:latin typeface="Poppins"/>
+                <a:ea typeface="Poppins"/>
+                <a:cs typeface="Poppins"/>
+                <a:sym typeface="Poppins"/>
+              </a:rPr>
+              <a:t>Find ways to scan existing lego parts </a:t>
+            </a:r>
+            <a:br>
+              <a:rPr lang="en">
+                <a:solidFill>
+                  <a:schemeClr val="dk1"/>
+                </a:solidFill>
+                <a:latin typeface="Poppins"/>
+                <a:ea typeface="Poppins"/>
+                <a:cs typeface="Poppins"/>
+                <a:sym typeface="Poppins"/>
+              </a:rPr>
+            </a:br>
+            <a:r>
+              <a:rPr lang="en">
+                <a:solidFill>
+                  <a:schemeClr val="dk1"/>
+                </a:solidFill>
+                <a:latin typeface="Poppins"/>
+                <a:ea typeface="Poppins"/>
+                <a:cs typeface="Poppins"/>
+                <a:sym typeface="Poppins"/>
+              </a:rPr>
+              <a:t>and propose builds</a:t>
+            </a:r>
+            <a:br>
+              <a:rPr lang="en">
+                <a:solidFill>
+                  <a:schemeClr val="dk1"/>
+                </a:solidFill>
+                <a:latin typeface="Poppins"/>
+                <a:ea typeface="Poppins"/>
+                <a:cs typeface="Poppins"/>
+                <a:sym typeface="Poppins"/>
+              </a:rPr>
+            </a:br>
+            <a:endParaRPr>
+              <a:solidFill>
+                <a:schemeClr val="dk1"/>
+              </a:solidFill>
+              <a:latin typeface="Poppins"/>
+              <a:ea typeface="Poppins"/>
+              <a:cs typeface="Poppins"/>
+              <a:sym typeface="Poppins"/>
+            </a:endParaRPr>
           </a:p>
         </p:txBody>
       </p:sp>
@@ -7485,8 +8778,520 @@
 </p:sld>
 </file>
 
+<file path=ppt/slides/slide8.xml><?xml version="1.0" encoding="utf-8"?>
+<p:sld xmlns:a="http://schemas.openxmlformats.org/drawingml/2006/main" xmlns:r="http://schemas.openxmlformats.org/officeDocument/2006/relationships" xmlns:mc="http://schemas.openxmlformats.org/markup-compatibility/2006" xmlns:mv="urn:schemas-microsoft-com:mac:vml" xmlns:p="http://schemas.openxmlformats.org/presentationml/2006/main" xmlns:c="http://schemas.openxmlformats.org/drawingml/2006/chart" xmlns:dgm="http://schemas.openxmlformats.org/drawingml/2006/diagram" xmlns:o="urn:schemas-microsoft-com:office:office" xmlns:v="urn:schemas-microsoft-com:vml" xmlns:pvml="urn:schemas-microsoft-com:office:powerpoint" xmlns:com="http://schemas.openxmlformats.org/drawingml/2006/compatibility" xmlns:p14="http://schemas.microsoft.com/office/powerpoint/2010/main" xmlns:p15="http://schemas.microsoft.com/office/powerpoint/2012/main" xmlns:ahyp="http://schemas.microsoft.com/office/drawing/2018/hyperlinkcolor">
+  <p:cSld>
+    <p:spTree>
+      <p:nvGrpSpPr>
+        <p:cNvPr id="97" name="Shape 97"/>
+        <p:cNvGrpSpPr/>
+        <p:nvPr/>
+      </p:nvGrpSpPr>
+      <p:grpSpPr>
+        <a:xfrm>
+          <a:off x="0" y="0"/>
+          <a:ext cx="0" cy="0"/>
+          <a:chOff x="0" y="0"/>
+          <a:chExt cx="0" cy="0"/>
+        </a:xfrm>
+      </p:grpSpPr>
+      <p:sp>
+        <p:nvSpPr>
+          <p:cNvPr id="98" name="Google Shape;98;p20"/>
+          <p:cNvSpPr txBox="1"/>
+          <p:nvPr>
+            <p:ph type="title"/>
+          </p:nvPr>
+        </p:nvSpPr>
+        <p:spPr>
+          <a:xfrm>
+            <a:off x="311700" y="445025"/>
+            <a:ext cx="8520600" cy="572700"/>
+          </a:xfrm>
+          <a:prstGeom prst="rect">
+            <a:avLst/>
+          </a:prstGeom>
+        </p:spPr>
+        <p:txBody>
+          <a:bodyPr anchorCtr="0" anchor="t" bIns="91425" lIns="91425" spcFirstLastPara="1" rIns="91425" wrap="square" tIns="91425">
+            <a:normAutofit fontScale="90000"/>
+          </a:bodyPr>
+          <a:lstStyle/>
+          <a:p>
+            <a:pPr indent="0" lvl="0" marL="0" rtl="0" algn="l">
+              <a:spcBef>
+                <a:spcPts val="0"/>
+              </a:spcBef>
+              <a:spcAft>
+                <a:spcPts val="0"/>
+              </a:spcAft>
+              <a:buNone/>
+            </a:pPr>
+            <a:r>
+              <a:rPr b="1" lang="en">
+                <a:latin typeface="Poppins"/>
+                <a:ea typeface="Poppins"/>
+                <a:cs typeface="Poppins"/>
+                <a:sym typeface="Poppins"/>
+              </a:rPr>
+              <a:t>Demo</a:t>
+            </a:r>
+            <a:endParaRPr b="1">
+              <a:latin typeface="Poppins"/>
+              <a:ea typeface="Poppins"/>
+              <a:cs typeface="Poppins"/>
+              <a:sym typeface="Poppins"/>
+            </a:endParaRPr>
+          </a:p>
+        </p:txBody>
+      </p:sp>
+      <p:sp>
+        <p:nvSpPr>
+          <p:cNvPr id="99" name="Google Shape;99;p20"/>
+          <p:cNvSpPr txBox="1"/>
+          <p:nvPr/>
+        </p:nvSpPr>
+        <p:spPr>
+          <a:xfrm>
+            <a:off x="801700" y="1738525"/>
+            <a:ext cx="5188500" cy="461700"/>
+          </a:xfrm>
+          <a:prstGeom prst="rect">
+            <a:avLst/>
+          </a:prstGeom>
+          <a:noFill/>
+          <a:ln>
+            <a:noFill/>
+          </a:ln>
+        </p:spPr>
+        <p:txBody>
+          <a:bodyPr anchorCtr="0" anchor="t" bIns="91425" lIns="91425" spcFirstLastPara="1" rIns="91425" wrap="square" tIns="91425">
+            <a:spAutoFit/>
+          </a:bodyPr>
+          <a:lstStyle/>
+          <a:p>
+            <a:pPr indent="0" lvl="0" marL="0" rtl="0" algn="l">
+              <a:spcBef>
+                <a:spcPts val="0"/>
+              </a:spcBef>
+              <a:spcAft>
+                <a:spcPts val="0"/>
+              </a:spcAft>
+              <a:buNone/>
+            </a:pPr>
+            <a:r>
+              <a:t/>
+            </a:r>
+            <a:endParaRPr sz="1800">
+              <a:solidFill>
+                <a:schemeClr val="dk2"/>
+              </a:solidFill>
+            </a:endParaRPr>
+          </a:p>
+        </p:txBody>
+      </p:sp>
+      <p:pic>
+        <p:nvPicPr>
+          <p:cNvPr id="100" name="Google Shape;100;p20" title="Screen_Recording_2025-01-25_at_5.05.12_PM.mov">
+            <a:hlinkClick r:id="rId3"/>
+          </p:cNvPr>
+          <p:cNvPicPr preferRelativeResize="0"/>
+          <p:nvPr/>
+        </p:nvPicPr>
+        <p:blipFill>
+          <a:blip r:embed="rId4">
+            <a:alphaModFix/>
+          </a:blip>
+          <a:stretch>
+            <a:fillRect/>
+          </a:stretch>
+        </p:blipFill>
+        <p:spPr>
+          <a:xfrm>
+            <a:off x="152400" y="1243101"/>
+            <a:ext cx="6100923" cy="3748000"/>
+          </a:xfrm>
+          <a:prstGeom prst="rect">
+            <a:avLst/>
+          </a:prstGeom>
+          <a:noFill/>
+          <a:ln>
+            <a:noFill/>
+          </a:ln>
+        </p:spPr>
+      </p:pic>
+    </p:spTree>
+  </p:cSld>
+  <p:clrMapOvr>
+    <a:masterClrMapping/>
+  </p:clrMapOvr>
+  <p:timing>
+    <p:tnLst>
+      <p:par>
+        <p:cTn dur="indefinite" nodeType="tmRoot" restart="never">
+          <p:childTnLst>
+            <p:seq concurrent="1" nextAc="seek">
+              <p:cTn dur="indefinite" id="2" nodeType="mainSeq">
+                <p:childTnLst>
+                  <p:par>
+                    <p:cTn fill="hold">
+                      <p:stCondLst>
+                        <p:cond delay="indefinite"/>
+                      </p:stCondLst>
+                      <p:childTnLst>
+                        <p:par>
+                          <p:cTn fill="hold">
+                            <p:stCondLst>
+                              <p:cond delay="0"/>
+                            </p:stCondLst>
+                            <p:childTnLst>
+                              <p:par>
+                                <p:cTn fill="hold" nodeType="clickEffect" presetClass="entr" presetID="10" presetSubtype="0">
+                                  <p:stCondLst>
+                                    <p:cond delay="0"/>
+                                  </p:stCondLst>
+                                  <p:childTnLst>
+                                    <p:set>
+                                      <p:cBhvr>
+                                        <p:cTn dur="1" fill="hold">
+                                          <p:stCondLst>
+                                            <p:cond delay="0"/>
+                                          </p:stCondLst>
+                                        </p:cTn>
+                                        <p:tgtEl>
+                                          <p:spTgt spid="100"/>
+                                        </p:tgtEl>
+                                        <p:attrNameLst>
+                                          <p:attrName>style.visibility</p:attrName>
+                                        </p:attrNameLst>
+                                      </p:cBhvr>
+                                      <p:to>
+                                        <p:strVal val="visible"/>
+                                      </p:to>
+                                    </p:set>
+                                    <p:animEffect filter="fade" transition="in">
+                                      <p:cBhvr>
+                                        <p:cTn dur="1000"/>
+                                        <p:tgtEl>
+                                          <p:spTgt spid="100"/>
+                                        </p:tgtEl>
+                                      </p:cBhvr>
+                                    </p:animEffect>
+                                  </p:childTnLst>
+                                </p:cTn>
+                              </p:par>
+                            </p:childTnLst>
+                          </p:cTn>
+                        </p:par>
+                      </p:childTnLst>
+                    </p:cTn>
+                  </p:par>
+                </p:childTnLst>
+              </p:cTn>
+              <p:prevCondLst>
+                <p:cond evt="onPrev">
+                  <p:tgtEl>
+                    <p:sldTgt/>
+                  </p:tgtEl>
+                </p:cond>
+              </p:prevCondLst>
+              <p:nextCondLst>
+                <p:cond evt="onNext">
+                  <p:tgtEl>
+                    <p:sldTgt/>
+                  </p:tgtEl>
+                </p:cond>
+              </p:nextCondLst>
+            </p:seq>
+          </p:childTnLst>
+        </p:cTn>
+      </p:par>
+    </p:tnLst>
+  </p:timing>
+</p:sld>
+</file>
+
 <file path=ppt/theme/theme1.xml><?xml version="1.0" encoding="utf-8"?>
-<a:theme xmlns:a="http://schemas.openxmlformats.org/drawingml/2006/main" name="Simple Light">
+<a:theme xmlns:a="http://schemas.openxmlformats.org/drawingml/2006/main" xmlns:r="http://schemas.openxmlformats.org/officeDocument/2006/relationships">
+  <a:themeElements>
+    <a:clrScheme name="Default">
+      <a:dk1>
+        <a:srgbClr val="000000"/>
+      </a:dk1>
+      <a:lt1>
+        <a:srgbClr val="FFFFFF"/>
+      </a:lt1>
+      <a:dk2>
+        <a:srgbClr val="158158"/>
+      </a:dk2>
+      <a:lt2>
+        <a:srgbClr val="F3F3F3"/>
+      </a:lt2>
+      <a:accent1>
+        <a:srgbClr val="058DC7"/>
+      </a:accent1>
+      <a:accent2>
+        <a:srgbClr val="50B432"/>
+      </a:accent2>
+      <a:accent3>
+        <a:srgbClr val="ED561B"/>
+      </a:accent3>
+      <a:accent4>
+        <a:srgbClr val="EDEF00"/>
+      </a:accent4>
+      <a:accent5>
+        <a:srgbClr val="24CBE5"/>
+      </a:accent5>
+      <a:accent6>
+        <a:srgbClr val="64E572"/>
+      </a:accent6>
+      <a:hlink>
+        <a:srgbClr val="2200CC"/>
+      </a:hlink>
+      <a:folHlink>
+        <a:srgbClr val="551A8B"/>
+      </a:folHlink>
+    </a:clrScheme>
+    <a:fontScheme name="Office">
+      <a:majorFont>
+        <a:latin typeface="Arial"/>
+        <a:ea typeface=""/>
+        <a:cs typeface=""/>
+        <a:font script="Jpan" typeface="ＭＳ Ｐゴシック"/>
+        <a:font script="Hang" typeface="맑은 고딕"/>
+        <a:font script="Hans" typeface="宋体"/>
+        <a:font script="Hant" typeface="新細明體"/>
+        <a:font script="Arab" typeface="Times New Roman"/>
+        <a:font script="Hebr" typeface="Times New Roman"/>
+        <a:font script="Thai" typeface="Angsana New"/>
+        <a:font script="Ethi" typeface="Nyala"/>
+        <a:font script="Beng" typeface="Vrinda"/>
+        <a:font script="Gujr" typeface="Shruti"/>
+        <a:font script="Khmr" typeface="MoolBoran"/>
+        <a:font script="Knda" typeface="Tunga"/>
+        <a:font script="Guru" typeface="Raavi"/>
+        <a:font script="Cans" typeface="Euphemia"/>
+        <a:font script="Cher" typeface="Plantagenet Cherokee"/>
+        <a:font script="Yiii" typeface="Microsoft Yi Baiti"/>
+        <a:font script="Tibt" typeface="Microsoft Himalaya"/>
+        <a:font script="Thaa" typeface="MV Boli"/>
+        <a:font script="Deva" typeface="Mangal"/>
+        <a:font script="Telu" typeface="Gautami"/>
+        <a:font script="Taml" typeface="Latha"/>
+        <a:font script="Syrc" typeface="Estrangelo Edessa"/>
+        <a:font script="Orya" typeface="Kalinga"/>
+        <a:font script="Mlym" typeface="Kartika"/>
+        <a:font script="Laoo" typeface="DokChampa"/>
+        <a:font script="Sinh" typeface="Iskoola Pota"/>
+        <a:font script="Mong" typeface="Mongolian Baiti"/>
+        <a:font script="Viet" typeface="Times New Roman"/>
+        <a:font script="Uigh" typeface="Microsoft Uighur"/>
+        <a:font script="Geor" typeface="Sylfaen"/>
+      </a:majorFont>
+      <a:minorFont>
+        <a:latin typeface="Arial"/>
+        <a:ea typeface=""/>
+        <a:cs typeface=""/>
+        <a:font script="Jpan" typeface="ＭＳ Ｐゴシック"/>
+        <a:font script="Hang" typeface="맑은 고딕"/>
+        <a:font script="Hans" typeface="宋体"/>
+        <a:font script="Hant" typeface="新細明體"/>
+        <a:font script="Arab" typeface="Arial"/>
+        <a:font script="Hebr" typeface="Arial"/>
+        <a:font script="Thai" typeface="Cordia New"/>
+        <a:font script="Ethi" typeface="Nyala"/>
+        <a:font script="Beng" typeface="Vrinda"/>
+        <a:font script="Gujr" typeface="Shruti"/>
+        <a:font script="Khmr" typeface="DaunPenh"/>
+        <a:font script="Knda" typeface="Tunga"/>
+        <a:font script="Guru" typeface="Raavi"/>
+        <a:font script="Cans" typeface="Euphemia"/>
+        <a:font script="Cher" typeface="Plantagenet Cherokee"/>
+        <a:font script="Yiii" typeface="Microsoft Yi Baiti"/>
+        <a:font script="Tibt" typeface="Microsoft Himalaya"/>
+        <a:font script="Thaa" typeface="MV Boli"/>
+        <a:font script="Deva" typeface="Mangal"/>
+        <a:font script="Telu" typeface="Gautami"/>
+        <a:font script="Taml" typeface="Latha"/>
+        <a:font script="Syrc" typeface="Estrangelo Edessa"/>
+        <a:font script="Orya" typeface="Kalinga"/>
+        <a:font script="Mlym" typeface="Kartika"/>
+        <a:font script="Laoo" typeface="DokChampa"/>
+        <a:font script="Sinh" typeface="Iskoola Pota"/>
+        <a:font script="Mong" typeface="Mongolian Baiti"/>
+        <a:font script="Viet" typeface="Arial"/>
+        <a:font script="Uigh" typeface="Microsoft Uighur"/>
+        <a:font script="Geor" typeface="Sylfaen"/>
+      </a:minorFont>
+    </a:fontScheme>
+    <a:fmtScheme name="Office">
+      <a:fillStyleLst>
+        <a:solidFill>
+          <a:schemeClr val="phClr"/>
+        </a:solidFill>
+        <a:gradFill rotWithShape="1">
+          <a:gsLst>
+            <a:gs pos="0">
+              <a:schemeClr val="phClr">
+                <a:tint val="50000"/>
+                <a:satMod val="300000"/>
+              </a:schemeClr>
+            </a:gs>
+            <a:gs pos="35000">
+              <a:schemeClr val="phClr">
+                <a:tint val="37000"/>
+                <a:satMod val="300000"/>
+              </a:schemeClr>
+            </a:gs>
+            <a:gs pos="100000">
+              <a:schemeClr val="phClr">
+                <a:tint val="15000"/>
+                <a:satMod val="350000"/>
+              </a:schemeClr>
+            </a:gs>
+          </a:gsLst>
+          <a:lin ang="16200000" scaled="1"/>
+        </a:gradFill>
+        <a:gradFill rotWithShape="1">
+          <a:gsLst>
+            <a:gs pos="0">
+              <a:schemeClr val="phClr">
+                <a:tint val="100000"/>
+                <a:shade val="100000"/>
+                <a:satMod val="130000"/>
+              </a:schemeClr>
+            </a:gs>
+            <a:gs pos="100000">
+              <a:schemeClr val="phClr">
+                <a:tint val="50000"/>
+                <a:shade val="100000"/>
+                <a:satMod val="350000"/>
+              </a:schemeClr>
+            </a:gs>
+          </a:gsLst>
+          <a:lin ang="16200000" scaled="0"/>
+        </a:gradFill>
+      </a:fillStyleLst>
+      <a:lnStyleLst>
+        <a:ln w="9525" cap="flat" cmpd="sng" algn="ctr">
+          <a:solidFill>
+            <a:schemeClr val="phClr">
+              <a:shade val="95000"/>
+              <a:satMod val="105000"/>
+            </a:schemeClr>
+          </a:solidFill>
+          <a:prstDash val="solid"/>
+        </a:ln>
+        <a:ln w="25400" cap="flat" cmpd="sng" algn="ctr">
+          <a:solidFill>
+            <a:schemeClr val="phClr"/>
+          </a:solidFill>
+          <a:prstDash val="solid"/>
+        </a:ln>
+        <a:ln w="38100" cap="flat" cmpd="sng" algn="ctr">
+          <a:solidFill>
+            <a:schemeClr val="phClr"/>
+          </a:solidFill>
+          <a:prstDash val="solid"/>
+        </a:ln>
+      </a:lnStyleLst>
+      <a:effectStyleLst>
+        <a:effectStyle>
+          <a:effectLst>
+            <a:outerShdw blurRad="40000" dist="20000" dir="5400000" rotWithShape="0">
+              <a:srgbClr val="000000">
+                <a:alpha val="38000"/>
+              </a:srgbClr>
+            </a:outerShdw>
+          </a:effectLst>
+        </a:effectStyle>
+        <a:effectStyle>
+          <a:effectLst>
+            <a:outerShdw blurRad="40000" dist="23000" dir="5400000" rotWithShape="0">
+              <a:srgbClr val="000000">
+                <a:alpha val="35000"/>
+              </a:srgbClr>
+            </a:outerShdw>
+          </a:effectLst>
+        </a:effectStyle>
+        <a:effectStyle>
+          <a:effectLst>
+            <a:outerShdw blurRad="40000" dist="23000" dir="5400000" rotWithShape="0">
+              <a:srgbClr val="000000">
+                <a:alpha val="35000"/>
+              </a:srgbClr>
+            </a:outerShdw>
+          </a:effectLst>
+          <a:scene3d>
+            <a:camera prst="orthographicFront">
+              <a:rot lat="0" lon="0" rev="0"/>
+            </a:camera>
+            <a:lightRig rig="threePt" dir="t">
+              <a:rot lat="0" lon="0" rev="1200000"/>
+            </a:lightRig>
+          </a:scene3d>
+          <a:sp3d>
+            <a:bevelT w="63500" h="25400"/>
+          </a:sp3d>
+        </a:effectStyle>
+      </a:effectStyleLst>
+      <a:bgFillStyleLst>
+        <a:solidFill>
+          <a:schemeClr val="phClr"/>
+        </a:solidFill>
+        <a:gradFill rotWithShape="1">
+          <a:gsLst>
+            <a:gs pos="0">
+              <a:schemeClr val="phClr">
+                <a:tint val="40000"/>
+                <a:satMod val="350000"/>
+              </a:schemeClr>
+            </a:gs>
+            <a:gs pos="40000">
+              <a:schemeClr val="phClr">
+                <a:tint val="45000"/>
+                <a:shade val="99000"/>
+                <a:satMod val="350000"/>
+              </a:schemeClr>
+            </a:gs>
+            <a:gs pos="100000">
+              <a:schemeClr val="phClr">
+                <a:shade val="20000"/>
+                <a:satMod val="255000"/>
+              </a:schemeClr>
+            </a:gs>
+          </a:gsLst>
+          <a:path path="circle">
+            <a:fillToRect l="50000" t="-80000" r="50000" b="180000"/>
+          </a:path>
+        </a:gradFill>
+        <a:gradFill rotWithShape="1">
+          <a:gsLst>
+            <a:gs pos="0">
+              <a:schemeClr val="phClr">
+                <a:tint val="80000"/>
+                <a:satMod val="300000"/>
+              </a:schemeClr>
+            </a:gs>
+            <a:gs pos="100000">
+              <a:schemeClr val="phClr">
+                <a:shade val="30000"/>
+                <a:satMod val="200000"/>
+              </a:schemeClr>
+            </a:gs>
+          </a:gsLst>
+          <a:path path="circle">
+            <a:fillToRect l="50000" t="50000" r="50000" b="50000"/>
+          </a:path>
+        </a:gradFill>
+      </a:bgFillStyleLst>
+    </a:fmtScheme>
+  </a:themeElements>
+</a:theme>
+</file>
+
+<file path=ppt/theme/theme2.xml><?xml version="1.0" encoding="utf-8"?>
+<a:theme xmlns:a="http://schemas.openxmlformats.org/drawingml/2006/main" xmlns:r="http://schemas.openxmlformats.org/officeDocument/2006/relationships" name="Simple Light">
   <a:themeElements>
     <a:clrScheme name="Simple Light">
       <a:dk1>
@@ -7761,288 +9566,5 @@
       </a:bgFillStyleLst>
     </a:fmtScheme>
   </a:themeElements>
-  <a:objectDefaults/>
-  <a:extraClrSchemeLst/>
-</a:theme>
-</file>
-
-<file path=ppt/theme/theme2.xml><?xml version="1.0" encoding="utf-8"?>
-<a:theme xmlns:a="http://schemas.openxmlformats.org/drawingml/2006/main">
-  <a:themeElements>
-    <a:clrScheme name="Default">
-      <a:dk1>
-        <a:srgbClr val="000000"/>
-      </a:dk1>
-      <a:lt1>
-        <a:srgbClr val="FFFFFF"/>
-      </a:lt1>
-      <a:dk2>
-        <a:srgbClr val="158158"/>
-      </a:dk2>
-      <a:lt2>
-        <a:srgbClr val="F3F3F3"/>
-      </a:lt2>
-      <a:accent1>
-        <a:srgbClr val="058DC7"/>
-      </a:accent1>
-      <a:accent2>
-        <a:srgbClr val="50B432"/>
-      </a:accent2>
-      <a:accent3>
-        <a:srgbClr val="ED561B"/>
-      </a:accent3>
-      <a:accent4>
-        <a:srgbClr val="EDEF00"/>
-      </a:accent4>
-      <a:accent5>
-        <a:srgbClr val="24CBE5"/>
-      </a:accent5>
-      <a:accent6>
-        <a:srgbClr val="64E572"/>
-      </a:accent6>
-      <a:hlink>
-        <a:srgbClr val="2200CC"/>
-      </a:hlink>
-      <a:folHlink>
-        <a:srgbClr val="551A8B"/>
-      </a:folHlink>
-    </a:clrScheme>
-    <a:fontScheme name="Office">
-      <a:majorFont>
-        <a:latin typeface="Arial"/>
-        <a:ea typeface=""/>
-        <a:cs typeface=""/>
-        <a:font script="Jpan" typeface="ＭＳ Ｐゴシック"/>
-        <a:font script="Hang" typeface="맑은 고딕"/>
-        <a:font script="Hans" typeface="宋体"/>
-        <a:font script="Hant" typeface="新細明體"/>
-        <a:font script="Arab" typeface="Times New Roman"/>
-        <a:font script="Hebr" typeface="Times New Roman"/>
-        <a:font script="Thai" typeface="Angsana New"/>
-        <a:font script="Ethi" typeface="Nyala"/>
-        <a:font script="Beng" typeface="Vrinda"/>
-        <a:font script="Gujr" typeface="Shruti"/>
-        <a:font script="Khmr" typeface="MoolBoran"/>
-        <a:font script="Knda" typeface="Tunga"/>
-        <a:font script="Guru" typeface="Raavi"/>
-        <a:font script="Cans" typeface="Euphemia"/>
-        <a:font script="Cher" typeface="Plantagenet Cherokee"/>
-        <a:font script="Yiii" typeface="Microsoft Yi Baiti"/>
-        <a:font script="Tibt" typeface="Microsoft Himalaya"/>
-        <a:font script="Thaa" typeface="MV Boli"/>
-        <a:font script="Deva" typeface="Mangal"/>
-        <a:font script="Telu" typeface="Gautami"/>
-        <a:font script="Taml" typeface="Latha"/>
-        <a:font script="Syrc" typeface="Estrangelo Edessa"/>
-        <a:font script="Orya" typeface="Kalinga"/>
-        <a:font script="Mlym" typeface="Kartika"/>
-        <a:font script="Laoo" typeface="DokChampa"/>
-        <a:font script="Sinh" typeface="Iskoola Pota"/>
-        <a:font script="Mong" typeface="Mongolian Baiti"/>
-        <a:font script="Viet" typeface="Times New Roman"/>
-        <a:font script="Uigh" typeface="Microsoft Uighur"/>
-        <a:font script="Geor" typeface="Sylfaen"/>
-      </a:majorFont>
-      <a:minorFont>
-        <a:latin typeface="Arial"/>
-        <a:ea typeface=""/>
-        <a:cs typeface=""/>
-        <a:font script="Jpan" typeface="ＭＳ Ｐゴシック"/>
-        <a:font script="Hang" typeface="맑은 고딕"/>
-        <a:font script="Hans" typeface="宋体"/>
-        <a:font script="Hant" typeface="新細明體"/>
-        <a:font script="Arab" typeface="Arial"/>
-        <a:font script="Hebr" typeface="Arial"/>
-        <a:font script="Thai" typeface="Cordia New"/>
-        <a:font script="Ethi" typeface="Nyala"/>
-        <a:font script="Beng" typeface="Vrinda"/>
-        <a:font script="Gujr" typeface="Shruti"/>
-        <a:font script="Khmr" typeface="DaunPenh"/>
-        <a:font script="Knda" typeface="Tunga"/>
-        <a:font script="Guru" typeface="Raavi"/>
-        <a:font script="Cans" typeface="Euphemia"/>
-        <a:font script="Cher" typeface="Plantagenet Cherokee"/>
-        <a:font script="Yiii" typeface="Microsoft Yi Baiti"/>
-        <a:font script="Tibt" typeface="Microsoft Himalaya"/>
-        <a:font script="Thaa" typeface="MV Boli"/>
-        <a:font script="Deva" typeface="Mangal"/>
-        <a:font script="Telu" typeface="Gautami"/>
-        <a:font script="Taml" typeface="Latha"/>
-        <a:font script="Syrc" typeface="Estrangelo Edessa"/>
-        <a:font script="Orya" typeface="Kalinga"/>
-        <a:font script="Mlym" typeface="Kartika"/>
-        <a:font script="Laoo" typeface="DokChampa"/>
-        <a:font script="Sinh" typeface="Iskoola Pota"/>
-        <a:font script="Mong" typeface="Mongolian Baiti"/>
-        <a:font script="Viet" typeface="Arial"/>
-        <a:font script="Uigh" typeface="Microsoft Uighur"/>
-        <a:font script="Geor" typeface="Sylfaen"/>
-      </a:minorFont>
-    </a:fontScheme>
-    <a:fmtScheme name="Office">
-      <a:fillStyleLst>
-        <a:solidFill>
-          <a:schemeClr val="phClr"/>
-        </a:solidFill>
-        <a:gradFill rotWithShape="1">
-          <a:gsLst>
-            <a:gs pos="0">
-              <a:schemeClr val="phClr">
-                <a:tint val="50000"/>
-                <a:satMod val="300000"/>
-              </a:schemeClr>
-            </a:gs>
-            <a:gs pos="35000">
-              <a:schemeClr val="phClr">
-                <a:tint val="37000"/>
-                <a:satMod val="300000"/>
-              </a:schemeClr>
-            </a:gs>
-            <a:gs pos="100000">
-              <a:schemeClr val="phClr">
-                <a:tint val="15000"/>
-                <a:satMod val="350000"/>
-              </a:schemeClr>
-            </a:gs>
-          </a:gsLst>
-          <a:lin ang="16200000" scaled="1"/>
-        </a:gradFill>
-        <a:gradFill rotWithShape="1">
-          <a:gsLst>
-            <a:gs pos="0">
-              <a:schemeClr val="phClr">
-                <a:tint val="100000"/>
-                <a:shade val="100000"/>
-                <a:satMod val="130000"/>
-              </a:schemeClr>
-            </a:gs>
-            <a:gs pos="100000">
-              <a:schemeClr val="phClr">
-                <a:tint val="50000"/>
-                <a:shade val="100000"/>
-                <a:satMod val="350000"/>
-              </a:schemeClr>
-            </a:gs>
-          </a:gsLst>
-          <a:lin ang="16200000" scaled="0"/>
-        </a:gradFill>
-      </a:fillStyleLst>
-      <a:lnStyleLst>
-        <a:ln w="9525" cap="flat" cmpd="sng" algn="ctr">
-          <a:solidFill>
-            <a:schemeClr val="phClr">
-              <a:shade val="95000"/>
-              <a:satMod val="105000"/>
-            </a:schemeClr>
-          </a:solidFill>
-          <a:prstDash val="solid"/>
-        </a:ln>
-        <a:ln w="25400" cap="flat" cmpd="sng" algn="ctr">
-          <a:solidFill>
-            <a:schemeClr val="phClr"/>
-          </a:solidFill>
-          <a:prstDash val="solid"/>
-        </a:ln>
-        <a:ln w="38100" cap="flat" cmpd="sng" algn="ctr">
-          <a:solidFill>
-            <a:schemeClr val="phClr"/>
-          </a:solidFill>
-          <a:prstDash val="solid"/>
-        </a:ln>
-      </a:lnStyleLst>
-      <a:effectStyleLst>
-        <a:effectStyle>
-          <a:effectLst>
-            <a:outerShdw blurRad="40000" dist="20000" dir="5400000" rotWithShape="0">
-              <a:srgbClr val="000000">
-                <a:alpha val="38000"/>
-              </a:srgbClr>
-            </a:outerShdw>
-          </a:effectLst>
-        </a:effectStyle>
-        <a:effectStyle>
-          <a:effectLst>
-            <a:outerShdw blurRad="40000" dist="23000" dir="5400000" rotWithShape="0">
-              <a:srgbClr val="000000">
-                <a:alpha val="35000"/>
-              </a:srgbClr>
-            </a:outerShdw>
-          </a:effectLst>
-        </a:effectStyle>
-        <a:effectStyle>
-          <a:effectLst>
-            <a:outerShdw blurRad="40000" dist="23000" dir="5400000" rotWithShape="0">
-              <a:srgbClr val="000000">
-                <a:alpha val="35000"/>
-              </a:srgbClr>
-            </a:outerShdw>
-          </a:effectLst>
-          <a:scene3d>
-            <a:camera prst="orthographicFront">
-              <a:rot lat="0" lon="0" rev="0"/>
-            </a:camera>
-            <a:lightRig rig="threePt" dir="t">
-              <a:rot lat="0" lon="0" rev="1200000"/>
-            </a:lightRig>
-          </a:scene3d>
-          <a:sp3d>
-            <a:bevelT w="63500" h="25400"/>
-          </a:sp3d>
-        </a:effectStyle>
-      </a:effectStyleLst>
-      <a:bgFillStyleLst>
-        <a:solidFill>
-          <a:schemeClr val="phClr"/>
-        </a:solidFill>
-        <a:gradFill rotWithShape="1">
-          <a:gsLst>
-            <a:gs pos="0">
-              <a:schemeClr val="phClr">
-                <a:tint val="40000"/>
-                <a:satMod val="350000"/>
-              </a:schemeClr>
-            </a:gs>
-            <a:gs pos="40000">
-              <a:schemeClr val="phClr">
-                <a:tint val="45000"/>
-                <a:shade val="99000"/>
-                <a:satMod val="350000"/>
-              </a:schemeClr>
-            </a:gs>
-            <a:gs pos="100000">
-              <a:schemeClr val="phClr">
-                <a:shade val="20000"/>
-                <a:satMod val="255000"/>
-              </a:schemeClr>
-            </a:gs>
-          </a:gsLst>
-          <a:path path="circle">
-            <a:fillToRect l="50000" t="-80000" r="50000" b="180000"/>
-          </a:path>
-        </a:gradFill>
-        <a:gradFill rotWithShape="1">
-          <a:gsLst>
-            <a:gs pos="0">
-              <a:schemeClr val="phClr">
-                <a:tint val="80000"/>
-                <a:satMod val="300000"/>
-              </a:schemeClr>
-            </a:gs>
-            <a:gs pos="100000">
-              <a:schemeClr val="phClr">
-                <a:shade val="30000"/>
-                <a:satMod val="200000"/>
-              </a:schemeClr>
-            </a:gs>
-          </a:gsLst>
-          <a:path path="circle">
-            <a:fillToRect l="50000" t="50000" r="50000" b="50000"/>
-          </a:path>
-        </a:gradFill>
-      </a:bgFillStyleLst>
-    </a:fmtScheme>
-  </a:themeElements>
-  <a:objectDefaults/>
-  <a:extraClrSchemeLst/>
 </a:theme>
 </file>